--- a/zalo.pptx
+++ b/zalo.pptx
@@ -158,7 +158,7 @@
           <p:cNvPr id="2" name="Chỗ dành sẵn cho đầu trang 1">
             <a:extLst>
               <a:ext uri="{FF2B5EF4-FFF2-40B4-BE49-F238E27FC236}">
-                <a16:creationId xmlns="" xmlns:a16="http://schemas.microsoft.com/office/drawing/2014/main" id="{8B635C87-2E62-4093-9A27-E98FC63FAB8E}"/>
+                <a16:creationId xmlns:a16="http://schemas.microsoft.com/office/drawing/2014/main" xmlns="" id="{8B635C87-2E62-4093-9A27-E98FC63FAB8E}"/>
               </a:ext>
             </a:extLst>
           </p:cNvPr>
@@ -198,7 +198,7 @@
           <p:cNvPr id="3" name="Chỗ dành sẵn cho Ngày tháng 2">
             <a:extLst>
               <a:ext uri="{FF2B5EF4-FFF2-40B4-BE49-F238E27FC236}">
-                <a16:creationId xmlns="" xmlns:a16="http://schemas.microsoft.com/office/drawing/2014/main" id="{EA5AAF69-BA68-4C49-8B47-9FD6ED6C5390}"/>
+                <a16:creationId xmlns:a16="http://schemas.microsoft.com/office/drawing/2014/main" xmlns="" id="{EA5AAF69-BA68-4C49-8B47-9FD6ED6C5390}"/>
               </a:ext>
             </a:extLst>
           </p:cNvPr>
@@ -244,7 +244,7 @@
           <p:cNvPr id="4" name="Chỗ dành sẵn cho Chân trang 3">
             <a:extLst>
               <a:ext uri="{FF2B5EF4-FFF2-40B4-BE49-F238E27FC236}">
-                <a16:creationId xmlns="" xmlns:a16="http://schemas.microsoft.com/office/drawing/2014/main" id="{37C6C3CB-CCFF-4F2E-B237-337C69FBB6D3}"/>
+                <a16:creationId xmlns:a16="http://schemas.microsoft.com/office/drawing/2014/main" xmlns="" id="{37C6C3CB-CCFF-4F2E-B237-337C69FBB6D3}"/>
               </a:ext>
             </a:extLst>
           </p:cNvPr>
@@ -284,7 +284,7 @@
           <p:cNvPr id="5" name="Chỗ dành sẵn cho Số hiệu Bản chiếu 4">
             <a:extLst>
               <a:ext uri="{FF2B5EF4-FFF2-40B4-BE49-F238E27FC236}">
-                <a16:creationId xmlns="" xmlns:a16="http://schemas.microsoft.com/office/drawing/2014/main" id="{CEF750B0-2FB2-4047-BE00-43B13750ABBA}"/>
+                <a16:creationId xmlns:a16="http://schemas.microsoft.com/office/drawing/2014/main" xmlns="" id="{CEF750B0-2FB2-4047-BE00-43B13750ABBA}"/>
               </a:ext>
             </a:extLst>
           </p:cNvPr>
@@ -1356,7 +1356,7 @@
           <p:cNvPr id="9" name="Hình chữ nhật 8" descr="Cốc trên bàn">
             <a:extLst>
               <a:ext uri="{FF2B5EF4-FFF2-40B4-BE49-F238E27FC236}">
-                <a16:creationId xmlns="" xmlns:a16="http://schemas.microsoft.com/office/drawing/2014/main" id="{8560CB95-F807-46B3-8A39-B650A8906A3F}"/>
+                <a16:creationId xmlns:a16="http://schemas.microsoft.com/office/drawing/2014/main" xmlns="" id="{8560CB95-F807-46B3-8A39-B650A8906A3F}"/>
               </a:ext>
             </a:extLst>
           </p:cNvPr>
@@ -1412,7 +1412,7 @@
           <p:cNvPr id="7" name="Hình chữ nhật 6" descr="Mặt nạ cọ vẽ">
             <a:extLst>
               <a:ext uri="{FF2B5EF4-FFF2-40B4-BE49-F238E27FC236}">
-                <a16:creationId xmlns="" xmlns:a16="http://schemas.microsoft.com/office/drawing/2014/main" id="{09350598-7231-484F-ABFF-7D42DB8424F0}"/>
+                <a16:creationId xmlns:a16="http://schemas.microsoft.com/office/drawing/2014/main" xmlns="" id="{09350598-7231-484F-ABFF-7D42DB8424F0}"/>
               </a:ext>
             </a:extLst>
           </p:cNvPr>
@@ -1471,7 +1471,7 @@
           <p:cNvPr id="2" name="Tiêu đề 1">
             <a:extLst>
               <a:ext uri="{FF2B5EF4-FFF2-40B4-BE49-F238E27FC236}">
-                <a16:creationId xmlns="" xmlns:a16="http://schemas.microsoft.com/office/drawing/2014/main" id="{6CCBC4D2-04A1-4388-B041-D25EA3246FEE}"/>
+                <a16:creationId xmlns:a16="http://schemas.microsoft.com/office/drawing/2014/main" xmlns="" id="{6CCBC4D2-04A1-4388-B041-D25EA3246FEE}"/>
               </a:ext>
             </a:extLst>
           </p:cNvPr>
@@ -1521,7 +1521,7 @@
           <p:cNvPr id="3" name="Tiêu đề phụ 2">
             <a:extLst>
               <a:ext uri="{FF2B5EF4-FFF2-40B4-BE49-F238E27FC236}">
-                <a16:creationId xmlns="" xmlns:a16="http://schemas.microsoft.com/office/drawing/2014/main" id="{7822EDEE-795E-4F38-9546-83FC7F925318}"/>
+                <a16:creationId xmlns:a16="http://schemas.microsoft.com/office/drawing/2014/main" xmlns="" id="{7822EDEE-795E-4F38-9546-83FC7F925318}"/>
               </a:ext>
             </a:extLst>
           </p:cNvPr>
@@ -1595,7 +1595,7 @@
           <p:cNvPr id="4" name="Chỗ dành sẵn cho Ngày tháng 3">
             <a:extLst>
               <a:ext uri="{FF2B5EF4-FFF2-40B4-BE49-F238E27FC236}">
-                <a16:creationId xmlns="" xmlns:a16="http://schemas.microsoft.com/office/drawing/2014/main" id="{12BFAD3E-7077-4F6A-9BC8-4508F2B4F54A}"/>
+                <a16:creationId xmlns:a16="http://schemas.microsoft.com/office/drawing/2014/main" xmlns="" id="{12BFAD3E-7077-4F6A-9BC8-4508F2B4F54A}"/>
               </a:ext>
             </a:extLst>
           </p:cNvPr>
@@ -1625,7 +1625,7 @@
           <p:cNvPr id="5" name="Chỗ dành sẵn cho Chân trang 4">
             <a:extLst>
               <a:ext uri="{FF2B5EF4-FFF2-40B4-BE49-F238E27FC236}">
-                <a16:creationId xmlns="" xmlns:a16="http://schemas.microsoft.com/office/drawing/2014/main" id="{35794AFC-07BE-4BCA-8E8F-AA68C7F70746}"/>
+                <a16:creationId xmlns:a16="http://schemas.microsoft.com/office/drawing/2014/main" xmlns="" id="{35794AFC-07BE-4BCA-8E8F-AA68C7F70746}"/>
               </a:ext>
             </a:extLst>
           </p:cNvPr>
@@ -1651,7 +1651,7 @@
           <p:cNvPr id="12" name="Đường nối Thẳng 11">
             <a:extLst>
               <a:ext uri="{FF2B5EF4-FFF2-40B4-BE49-F238E27FC236}">
-                <a16:creationId xmlns="" xmlns:a16="http://schemas.microsoft.com/office/drawing/2014/main" id="{F70EFB6A-EF00-4DD9-9184-AFC328D0236C}"/>
+                <a16:creationId xmlns:a16="http://schemas.microsoft.com/office/drawing/2014/main" xmlns="" id="{F70EFB6A-EF00-4DD9-9184-AFC328D0236C}"/>
               </a:ext>
             </a:extLst>
           </p:cNvPr>
@@ -1690,10 +1690,10 @@
           <p:cNvPr id="11" name="Chỗ dành sẵn cho Hình ảnh 14" descr="Logo của bạn">
             <a:extLst>
               <a:ext uri="{FF2B5EF4-FFF2-40B4-BE49-F238E27FC236}">
-                <a16:creationId xmlns="" xmlns:a16="http://schemas.microsoft.com/office/drawing/2014/main" id="{FC85CAB4-100C-489B-BC14-9A3F41B7EC88}"/>
+                <a16:creationId xmlns:a16="http://schemas.microsoft.com/office/drawing/2014/main" xmlns="" id="{FC85CAB4-100C-489B-BC14-9A3F41B7EC88}"/>
               </a:ext>
               <a:ext uri="{C183D7F6-B498-43B3-948B-1728B52AA6E4}">
-                <adec:decorative xmlns:adec="http://schemas.microsoft.com/office/drawing/2017/decorative" xmlns="" val="0"/>
+                <adec:decorative xmlns="" xmlns:adec="http://schemas.microsoft.com/office/drawing/2017/decorative" val="0"/>
               </a:ext>
             </a:extLst>
           </p:cNvPr>
@@ -1773,7 +1773,7 @@
           <p:cNvPr id="46" name="Hình chữ nhật 45" descr="Vết cọ vẽ">
             <a:extLst>
               <a:ext uri="{FF2B5EF4-FFF2-40B4-BE49-F238E27FC236}">
-                <a16:creationId xmlns="" xmlns:a16="http://schemas.microsoft.com/office/drawing/2014/main" id="{0A2C58D9-C10D-4BD1-98F0-5F5552601AE6}"/>
+                <a16:creationId xmlns:a16="http://schemas.microsoft.com/office/drawing/2014/main" xmlns="" id="{0A2C58D9-C10D-4BD1-98F0-5F5552601AE6}"/>
               </a:ext>
             </a:extLst>
           </p:cNvPr>
@@ -1793,7 +1793,7 @@
               <a:alphaModFix amt="35000"/>
               <a:extLst>
                 <a:ext uri="{96DAC541-7B7A-43D3-8B79-37D633B846F1}">
-                  <asvg:svgBlip xmlns="" xmlns:asvg="http://schemas.microsoft.com/office/drawing/2016/SVG/main" r:embed="rId3"/>
+                  <asvg:svgBlip xmlns:asvg="http://schemas.microsoft.com/office/drawing/2016/SVG/main" xmlns="" r:embed="rId3"/>
                 </a:ext>
               </a:extLst>
             </a:blip>
@@ -1836,7 +1836,7 @@
           <p:cNvPr id="52" name="Hình chữ nhật 51" descr="Vết cọ vẽ">
             <a:extLst>
               <a:ext uri="{FF2B5EF4-FFF2-40B4-BE49-F238E27FC236}">
-                <a16:creationId xmlns="" xmlns:a16="http://schemas.microsoft.com/office/drawing/2014/main" id="{95045E2F-58A4-48EC-BF05-523315AB6031}"/>
+                <a16:creationId xmlns:a16="http://schemas.microsoft.com/office/drawing/2014/main" xmlns="" id="{95045E2F-58A4-48EC-BF05-523315AB6031}"/>
               </a:ext>
             </a:extLst>
           </p:cNvPr>
@@ -1856,7 +1856,7 @@
               <a:alphaModFix amt="35000"/>
               <a:extLst>
                 <a:ext uri="{96DAC541-7B7A-43D3-8B79-37D633B846F1}">
-                  <asvg:svgBlip xmlns="" xmlns:asvg="http://schemas.microsoft.com/office/drawing/2016/SVG/main" r:embed="rId3"/>
+                  <asvg:svgBlip xmlns:asvg="http://schemas.microsoft.com/office/drawing/2016/SVG/main" xmlns="" r:embed="rId3"/>
                 </a:ext>
               </a:extLst>
             </a:blip>
@@ -1899,7 +1899,7 @@
           <p:cNvPr id="30" name="Chỗ dành sẵn cho Văn bản 40">
             <a:extLst>
               <a:ext uri="{FF2B5EF4-FFF2-40B4-BE49-F238E27FC236}">
-                <a16:creationId xmlns="" xmlns:a16="http://schemas.microsoft.com/office/drawing/2014/main" id="{15964389-22F6-40A0-A36E-E542607646E1}"/>
+                <a16:creationId xmlns:a16="http://schemas.microsoft.com/office/drawing/2014/main" xmlns="" id="{15964389-22F6-40A0-A36E-E542607646E1}"/>
               </a:ext>
             </a:extLst>
           </p:cNvPr>
@@ -1955,7 +1955,7 @@
           <p:cNvPr id="2" name="Tiêu đề 1">
             <a:extLst>
               <a:ext uri="{FF2B5EF4-FFF2-40B4-BE49-F238E27FC236}">
-                <a16:creationId xmlns="" xmlns:a16="http://schemas.microsoft.com/office/drawing/2014/main" id="{ED6F3FD8-7BEB-4080-AD20-18CB6D7ECE3E}"/>
+                <a16:creationId xmlns:a16="http://schemas.microsoft.com/office/drawing/2014/main" xmlns="" id="{ED6F3FD8-7BEB-4080-AD20-18CB6D7ECE3E}"/>
               </a:ext>
             </a:extLst>
           </p:cNvPr>
@@ -1997,7 +1997,7 @@
           <p:cNvPr id="4" name="Chỗ dành sẵn cho Ngày tháng 3">
             <a:extLst>
               <a:ext uri="{FF2B5EF4-FFF2-40B4-BE49-F238E27FC236}">
-                <a16:creationId xmlns="" xmlns:a16="http://schemas.microsoft.com/office/drawing/2014/main" id="{347BF347-570A-4D1E-AA9F-818FDB9B3F8F}"/>
+                <a16:creationId xmlns:a16="http://schemas.microsoft.com/office/drawing/2014/main" xmlns="" id="{347BF347-570A-4D1E-AA9F-818FDB9B3F8F}"/>
               </a:ext>
             </a:extLst>
           </p:cNvPr>
@@ -2027,7 +2027,7 @@
           <p:cNvPr id="5" name="Chỗ dành sẵn cho Chân trang 4">
             <a:extLst>
               <a:ext uri="{FF2B5EF4-FFF2-40B4-BE49-F238E27FC236}">
-                <a16:creationId xmlns="" xmlns:a16="http://schemas.microsoft.com/office/drawing/2014/main" id="{434DE783-5F47-47F2-85AE-C24C08C00904}"/>
+                <a16:creationId xmlns:a16="http://schemas.microsoft.com/office/drawing/2014/main" xmlns="" id="{434DE783-5F47-47F2-85AE-C24C08C00904}"/>
               </a:ext>
             </a:extLst>
           </p:cNvPr>
@@ -2053,7 +2053,7 @@
           <p:cNvPr id="6" name="Chỗ dành sẵn cho Số hiệu Bản chiếu 5">
             <a:extLst>
               <a:ext uri="{FF2B5EF4-FFF2-40B4-BE49-F238E27FC236}">
-                <a16:creationId xmlns="" xmlns:a16="http://schemas.microsoft.com/office/drawing/2014/main" id="{AF7FE2BF-F092-4959-8655-90D829347C26}"/>
+                <a16:creationId xmlns:a16="http://schemas.microsoft.com/office/drawing/2014/main" xmlns="" id="{AF7FE2BF-F092-4959-8655-90D829347C26}"/>
               </a:ext>
             </a:extLst>
           </p:cNvPr>
@@ -2083,7 +2083,7 @@
           <p:cNvPr id="37" name="Đường nối Thẳng 36">
             <a:extLst>
               <a:ext uri="{FF2B5EF4-FFF2-40B4-BE49-F238E27FC236}">
-                <a16:creationId xmlns="" xmlns:a16="http://schemas.microsoft.com/office/drawing/2014/main" id="{D23F3562-993B-4398-A9F0-2EB3F91CE387}"/>
+                <a16:creationId xmlns:a16="http://schemas.microsoft.com/office/drawing/2014/main" xmlns="" id="{D23F3562-993B-4398-A9F0-2EB3F91CE387}"/>
               </a:ext>
             </a:extLst>
           </p:cNvPr>
@@ -2120,7 +2120,7 @@
           <p:cNvPr id="38" name="Tiêu đề phụ 2">
             <a:extLst>
               <a:ext uri="{FF2B5EF4-FFF2-40B4-BE49-F238E27FC236}">
-                <a16:creationId xmlns="" xmlns:a16="http://schemas.microsoft.com/office/drawing/2014/main" id="{7C726E26-D540-424D-A785-221B0A06B9C0}"/>
+                <a16:creationId xmlns:a16="http://schemas.microsoft.com/office/drawing/2014/main" xmlns="" id="{7C726E26-D540-424D-A785-221B0A06B9C0}"/>
               </a:ext>
             </a:extLst>
           </p:cNvPr>
@@ -2198,7 +2198,7 @@
           <p:cNvPr id="41" name="Chỗ dành sẵn cho Văn bản 40">
             <a:extLst>
               <a:ext uri="{FF2B5EF4-FFF2-40B4-BE49-F238E27FC236}">
-                <a16:creationId xmlns="" xmlns:a16="http://schemas.microsoft.com/office/drawing/2014/main" id="{59B205DF-9BF4-48EF-8022-300C804E010A}"/>
+                <a16:creationId xmlns:a16="http://schemas.microsoft.com/office/drawing/2014/main" xmlns="" id="{59B205DF-9BF4-48EF-8022-300C804E010A}"/>
               </a:ext>
             </a:extLst>
           </p:cNvPr>
@@ -2253,7 +2253,7 @@
           <p:cNvPr id="51" name="Chỗ dành sẵn cho Hình ảnh 2">
             <a:extLst>
               <a:ext uri="{FF2B5EF4-FFF2-40B4-BE49-F238E27FC236}">
-                <a16:creationId xmlns="" xmlns:a16="http://schemas.microsoft.com/office/drawing/2014/main" id="{EDF88690-C7C9-40D4-A61F-373255AC0C78}"/>
+                <a16:creationId xmlns:a16="http://schemas.microsoft.com/office/drawing/2014/main" xmlns="" id="{EDF88690-C7C9-40D4-A61F-373255AC0C78}"/>
               </a:ext>
             </a:extLst>
           </p:cNvPr>
@@ -2295,7 +2295,7 @@
           <p:cNvPr id="31" name="Chỗ dành sẵn cho Văn bản 40">
             <a:extLst>
               <a:ext uri="{FF2B5EF4-FFF2-40B4-BE49-F238E27FC236}">
-                <a16:creationId xmlns="" xmlns:a16="http://schemas.microsoft.com/office/drawing/2014/main" id="{19621356-FE2C-4AEC-9E89-2CC86A230211}"/>
+                <a16:creationId xmlns:a16="http://schemas.microsoft.com/office/drawing/2014/main" xmlns="" id="{19621356-FE2C-4AEC-9E89-2CC86A230211}"/>
               </a:ext>
             </a:extLst>
           </p:cNvPr>
@@ -2351,7 +2351,7 @@
           <p:cNvPr id="39" name="Chỗ dành sẵn cho Văn bản 40">
             <a:extLst>
               <a:ext uri="{FF2B5EF4-FFF2-40B4-BE49-F238E27FC236}">
-                <a16:creationId xmlns="" xmlns:a16="http://schemas.microsoft.com/office/drawing/2014/main" id="{DBAF7C9B-EA69-40A6-AB82-8564FEB1ADA3}"/>
+                <a16:creationId xmlns:a16="http://schemas.microsoft.com/office/drawing/2014/main" xmlns="" id="{DBAF7C9B-EA69-40A6-AB82-8564FEB1ADA3}"/>
               </a:ext>
             </a:extLst>
           </p:cNvPr>
@@ -2407,7 +2407,7 @@
           <p:cNvPr id="40" name="Chỗ dành sẵn cho Văn bản 40">
             <a:extLst>
               <a:ext uri="{FF2B5EF4-FFF2-40B4-BE49-F238E27FC236}">
-                <a16:creationId xmlns="" xmlns:a16="http://schemas.microsoft.com/office/drawing/2014/main" id="{8AADAA41-DB71-4C36-9EDE-CA7E3121BDAC}"/>
+                <a16:creationId xmlns:a16="http://schemas.microsoft.com/office/drawing/2014/main" xmlns="" id="{8AADAA41-DB71-4C36-9EDE-CA7E3121BDAC}"/>
               </a:ext>
             </a:extLst>
           </p:cNvPr>
@@ -2462,7 +2462,7 @@
           <p:cNvPr id="43" name="Chỗ dành sẵn cho Văn bản 40">
             <a:extLst>
               <a:ext uri="{FF2B5EF4-FFF2-40B4-BE49-F238E27FC236}">
-                <a16:creationId xmlns="" xmlns:a16="http://schemas.microsoft.com/office/drawing/2014/main" id="{B13B1E83-DF7D-4152-83F9-7A99039613F2}"/>
+                <a16:creationId xmlns:a16="http://schemas.microsoft.com/office/drawing/2014/main" xmlns="" id="{B13B1E83-DF7D-4152-83F9-7A99039613F2}"/>
               </a:ext>
             </a:extLst>
           </p:cNvPr>
@@ -2548,7 +2548,7 @@
           <p:cNvPr id="18" name="Hình chữ nhật 17" descr="Vết cọ vẽ">
             <a:extLst>
               <a:ext uri="{FF2B5EF4-FFF2-40B4-BE49-F238E27FC236}">
-                <a16:creationId xmlns="" xmlns:a16="http://schemas.microsoft.com/office/drawing/2014/main" id="{553AE28F-6B33-44BE-A48E-511B9E37A8E5}"/>
+                <a16:creationId xmlns:a16="http://schemas.microsoft.com/office/drawing/2014/main" xmlns="" id="{553AE28F-6B33-44BE-A48E-511B9E37A8E5}"/>
               </a:ext>
             </a:extLst>
           </p:cNvPr>
@@ -2568,7 +2568,7 @@
               <a:alphaModFix amt="35000"/>
               <a:extLst>
                 <a:ext uri="{96DAC541-7B7A-43D3-8B79-37D633B846F1}">
-                  <asvg:svgBlip xmlns="" xmlns:asvg="http://schemas.microsoft.com/office/drawing/2016/SVG/main" r:embed="rId3"/>
+                  <asvg:svgBlip xmlns:asvg="http://schemas.microsoft.com/office/drawing/2016/SVG/main" xmlns="" r:embed="rId3"/>
                 </a:ext>
               </a:extLst>
             </a:blip>
@@ -2611,7 +2611,7 @@
           <p:cNvPr id="30" name="Chỗ dành sẵn cho Văn bản 40">
             <a:extLst>
               <a:ext uri="{FF2B5EF4-FFF2-40B4-BE49-F238E27FC236}">
-                <a16:creationId xmlns="" xmlns:a16="http://schemas.microsoft.com/office/drawing/2014/main" id="{15964389-22F6-40A0-A36E-E542607646E1}"/>
+                <a16:creationId xmlns:a16="http://schemas.microsoft.com/office/drawing/2014/main" xmlns="" id="{15964389-22F6-40A0-A36E-E542607646E1}"/>
               </a:ext>
             </a:extLst>
           </p:cNvPr>
@@ -2667,7 +2667,7 @@
           <p:cNvPr id="2" name="Tiêu đề 1">
             <a:extLst>
               <a:ext uri="{FF2B5EF4-FFF2-40B4-BE49-F238E27FC236}">
-                <a16:creationId xmlns="" xmlns:a16="http://schemas.microsoft.com/office/drawing/2014/main" id="{ED6F3FD8-7BEB-4080-AD20-18CB6D7ECE3E}"/>
+                <a16:creationId xmlns:a16="http://schemas.microsoft.com/office/drawing/2014/main" xmlns="" id="{ED6F3FD8-7BEB-4080-AD20-18CB6D7ECE3E}"/>
               </a:ext>
             </a:extLst>
           </p:cNvPr>
@@ -2709,7 +2709,7 @@
           <p:cNvPr id="4" name="Chỗ dành sẵn cho Ngày tháng 3">
             <a:extLst>
               <a:ext uri="{FF2B5EF4-FFF2-40B4-BE49-F238E27FC236}">
-                <a16:creationId xmlns="" xmlns:a16="http://schemas.microsoft.com/office/drawing/2014/main" id="{347BF347-570A-4D1E-AA9F-818FDB9B3F8F}"/>
+                <a16:creationId xmlns:a16="http://schemas.microsoft.com/office/drawing/2014/main" xmlns="" id="{347BF347-570A-4D1E-AA9F-818FDB9B3F8F}"/>
               </a:ext>
             </a:extLst>
           </p:cNvPr>
@@ -2739,7 +2739,7 @@
           <p:cNvPr id="5" name="Chỗ dành sẵn cho Chân trang 4">
             <a:extLst>
               <a:ext uri="{FF2B5EF4-FFF2-40B4-BE49-F238E27FC236}">
-                <a16:creationId xmlns="" xmlns:a16="http://schemas.microsoft.com/office/drawing/2014/main" id="{434DE783-5F47-47F2-85AE-C24C08C00904}"/>
+                <a16:creationId xmlns:a16="http://schemas.microsoft.com/office/drawing/2014/main" xmlns="" id="{434DE783-5F47-47F2-85AE-C24C08C00904}"/>
               </a:ext>
             </a:extLst>
           </p:cNvPr>
@@ -2765,7 +2765,7 @@
           <p:cNvPr id="6" name="Chỗ dành sẵn cho Số hiệu Bản chiếu 5">
             <a:extLst>
               <a:ext uri="{FF2B5EF4-FFF2-40B4-BE49-F238E27FC236}">
-                <a16:creationId xmlns="" xmlns:a16="http://schemas.microsoft.com/office/drawing/2014/main" id="{AF7FE2BF-F092-4959-8655-90D829347C26}"/>
+                <a16:creationId xmlns:a16="http://schemas.microsoft.com/office/drawing/2014/main" xmlns="" id="{AF7FE2BF-F092-4959-8655-90D829347C26}"/>
               </a:ext>
             </a:extLst>
           </p:cNvPr>
@@ -2795,7 +2795,7 @@
           <p:cNvPr id="37" name="Đường nối Thẳng 36">
             <a:extLst>
               <a:ext uri="{FF2B5EF4-FFF2-40B4-BE49-F238E27FC236}">
-                <a16:creationId xmlns="" xmlns:a16="http://schemas.microsoft.com/office/drawing/2014/main" id="{D23F3562-993B-4398-A9F0-2EB3F91CE387}"/>
+                <a16:creationId xmlns:a16="http://schemas.microsoft.com/office/drawing/2014/main" xmlns="" id="{D23F3562-993B-4398-A9F0-2EB3F91CE387}"/>
               </a:ext>
             </a:extLst>
           </p:cNvPr>
@@ -2832,7 +2832,7 @@
           <p:cNvPr id="41" name="Chỗ dành sẵn cho Văn bản 40">
             <a:extLst>
               <a:ext uri="{FF2B5EF4-FFF2-40B4-BE49-F238E27FC236}">
-                <a16:creationId xmlns="" xmlns:a16="http://schemas.microsoft.com/office/drawing/2014/main" id="{59B205DF-9BF4-48EF-8022-300C804E010A}"/>
+                <a16:creationId xmlns:a16="http://schemas.microsoft.com/office/drawing/2014/main" xmlns="" id="{59B205DF-9BF4-48EF-8022-300C804E010A}"/>
               </a:ext>
             </a:extLst>
           </p:cNvPr>
@@ -2887,7 +2887,7 @@
           <p:cNvPr id="51" name="Chỗ dành sẵn cho Hình ảnh 2">
             <a:extLst>
               <a:ext uri="{FF2B5EF4-FFF2-40B4-BE49-F238E27FC236}">
-                <a16:creationId xmlns="" xmlns:a16="http://schemas.microsoft.com/office/drawing/2014/main" id="{EDF88690-C7C9-40D4-A61F-373255AC0C78}"/>
+                <a16:creationId xmlns:a16="http://schemas.microsoft.com/office/drawing/2014/main" xmlns="" id="{EDF88690-C7C9-40D4-A61F-373255AC0C78}"/>
               </a:ext>
             </a:extLst>
           </p:cNvPr>
@@ -2929,7 +2929,7 @@
           <p:cNvPr id="39" name="Chỗ dành sẵn cho Văn bản 40">
             <a:extLst>
               <a:ext uri="{FF2B5EF4-FFF2-40B4-BE49-F238E27FC236}">
-                <a16:creationId xmlns="" xmlns:a16="http://schemas.microsoft.com/office/drawing/2014/main" id="{DBAF7C9B-EA69-40A6-AB82-8564FEB1ADA3}"/>
+                <a16:creationId xmlns:a16="http://schemas.microsoft.com/office/drawing/2014/main" xmlns="" id="{DBAF7C9B-EA69-40A6-AB82-8564FEB1ADA3}"/>
               </a:ext>
             </a:extLst>
           </p:cNvPr>
@@ -2985,7 +2985,7 @@
           <p:cNvPr id="40" name="Chỗ dành sẵn cho Văn bản 40">
             <a:extLst>
               <a:ext uri="{FF2B5EF4-FFF2-40B4-BE49-F238E27FC236}">
-                <a16:creationId xmlns="" xmlns:a16="http://schemas.microsoft.com/office/drawing/2014/main" id="{8AADAA41-DB71-4C36-9EDE-CA7E3121BDAC}"/>
+                <a16:creationId xmlns:a16="http://schemas.microsoft.com/office/drawing/2014/main" xmlns="" id="{8AADAA41-DB71-4C36-9EDE-CA7E3121BDAC}"/>
               </a:ext>
             </a:extLst>
           </p:cNvPr>
@@ -3040,7 +3040,7 @@
           <p:cNvPr id="3" name="Hình bầu dục 2">
             <a:extLst>
               <a:ext uri="{FF2B5EF4-FFF2-40B4-BE49-F238E27FC236}">
-                <a16:creationId xmlns="" xmlns:a16="http://schemas.microsoft.com/office/drawing/2014/main" id="{29BB331B-BB86-4BF8-B64D-10A4EA066996}"/>
+                <a16:creationId xmlns:a16="http://schemas.microsoft.com/office/drawing/2014/main" xmlns="" id="{29BB331B-BB86-4BF8-B64D-10A4EA066996}"/>
               </a:ext>
             </a:extLst>
           </p:cNvPr>
@@ -3099,7 +3099,7 @@
           <p:cNvPr id="19" name="Hình bầu dục 18">
             <a:extLst>
               <a:ext uri="{FF2B5EF4-FFF2-40B4-BE49-F238E27FC236}">
-                <a16:creationId xmlns="" xmlns:a16="http://schemas.microsoft.com/office/drawing/2014/main" id="{E4607297-0AE5-4568-8E23-9A22E0C9047F}"/>
+                <a16:creationId xmlns:a16="http://schemas.microsoft.com/office/drawing/2014/main" xmlns="" id="{E4607297-0AE5-4568-8E23-9A22E0C9047F}"/>
               </a:ext>
             </a:extLst>
           </p:cNvPr>
@@ -3158,7 +3158,7 @@
           <p:cNvPr id="20" name="Hình bầu dục 19">
             <a:extLst>
               <a:ext uri="{FF2B5EF4-FFF2-40B4-BE49-F238E27FC236}">
-                <a16:creationId xmlns="" xmlns:a16="http://schemas.microsoft.com/office/drawing/2014/main" id="{16AB8DAF-6AF1-4CAA-AE2D-6AD8CDCCD190}"/>
+                <a16:creationId xmlns:a16="http://schemas.microsoft.com/office/drawing/2014/main" xmlns="" id="{16AB8DAF-6AF1-4CAA-AE2D-6AD8CDCCD190}"/>
               </a:ext>
             </a:extLst>
           </p:cNvPr>
@@ -3217,7 +3217,7 @@
           <p:cNvPr id="22" name="Chỗ dành sẵn cho Văn bản 40">
             <a:extLst>
               <a:ext uri="{FF2B5EF4-FFF2-40B4-BE49-F238E27FC236}">
-                <a16:creationId xmlns="" xmlns:a16="http://schemas.microsoft.com/office/drawing/2014/main" id="{5F5CDB97-1A89-4A46-BBC6-957BE23CC68D}"/>
+                <a16:creationId xmlns:a16="http://schemas.microsoft.com/office/drawing/2014/main" xmlns="" id="{5F5CDB97-1A89-4A46-BBC6-957BE23CC68D}"/>
               </a:ext>
             </a:extLst>
           </p:cNvPr>
@@ -3273,7 +3273,7 @@
           <p:cNvPr id="23" name="Chỗ dành sẵn cho Văn bản 40">
             <a:extLst>
               <a:ext uri="{FF2B5EF4-FFF2-40B4-BE49-F238E27FC236}">
-                <a16:creationId xmlns="" xmlns:a16="http://schemas.microsoft.com/office/drawing/2014/main" id="{EE3568F2-C8B7-440C-B118-77D1EB8BA68C}"/>
+                <a16:creationId xmlns:a16="http://schemas.microsoft.com/office/drawing/2014/main" xmlns="" id="{EE3568F2-C8B7-440C-B118-77D1EB8BA68C}"/>
               </a:ext>
             </a:extLst>
           </p:cNvPr>
@@ -3328,7 +3328,7 @@
           <p:cNvPr id="28" name="Chỗ dành sẵn cho Văn bản 40">
             <a:extLst>
               <a:ext uri="{FF2B5EF4-FFF2-40B4-BE49-F238E27FC236}">
-                <a16:creationId xmlns="" xmlns:a16="http://schemas.microsoft.com/office/drawing/2014/main" id="{04507F51-0648-491E-AE08-5EFD71620E23}"/>
+                <a16:creationId xmlns:a16="http://schemas.microsoft.com/office/drawing/2014/main" xmlns="" id="{04507F51-0648-491E-AE08-5EFD71620E23}"/>
               </a:ext>
             </a:extLst>
           </p:cNvPr>
@@ -3385,7 +3385,7 @@
           <p:cNvPr id="29" name="Chỗ dành sẵn cho Văn bản 40">
             <a:extLst>
               <a:ext uri="{FF2B5EF4-FFF2-40B4-BE49-F238E27FC236}">
-                <a16:creationId xmlns="" xmlns:a16="http://schemas.microsoft.com/office/drawing/2014/main" id="{DC7D0F93-C77D-44A3-A2D1-6D8B93ADE8E2}"/>
+                <a16:creationId xmlns:a16="http://schemas.microsoft.com/office/drawing/2014/main" xmlns="" id="{DC7D0F93-C77D-44A3-A2D1-6D8B93ADE8E2}"/>
               </a:ext>
             </a:extLst>
           </p:cNvPr>
@@ -3441,7 +3441,7 @@
           <p:cNvPr id="32" name="Chỗ dành sẵn cho Văn bản 40">
             <a:extLst>
               <a:ext uri="{FF2B5EF4-FFF2-40B4-BE49-F238E27FC236}">
-                <a16:creationId xmlns="" xmlns:a16="http://schemas.microsoft.com/office/drawing/2014/main" id="{19439A71-712F-42A8-988D-A40FC79D30E3}"/>
+                <a16:creationId xmlns:a16="http://schemas.microsoft.com/office/drawing/2014/main" xmlns="" id="{19439A71-712F-42A8-988D-A40FC79D30E3}"/>
               </a:ext>
             </a:extLst>
           </p:cNvPr>
@@ -3497,7 +3497,7 @@
           <p:cNvPr id="33" name="Chỗ dành sẵn cho Văn bản 40">
             <a:extLst>
               <a:ext uri="{FF2B5EF4-FFF2-40B4-BE49-F238E27FC236}">
-                <a16:creationId xmlns="" xmlns:a16="http://schemas.microsoft.com/office/drawing/2014/main" id="{38AE03D3-550E-413E-8DD3-5A6558981278}"/>
+                <a16:creationId xmlns:a16="http://schemas.microsoft.com/office/drawing/2014/main" xmlns="" id="{38AE03D3-550E-413E-8DD3-5A6558981278}"/>
               </a:ext>
             </a:extLst>
           </p:cNvPr>
@@ -3553,7 +3553,7 @@
           <p:cNvPr id="34" name="Chỗ dành sẵn cho Văn bản 40">
             <a:extLst>
               <a:ext uri="{FF2B5EF4-FFF2-40B4-BE49-F238E27FC236}">
-                <a16:creationId xmlns="" xmlns:a16="http://schemas.microsoft.com/office/drawing/2014/main" id="{0B0F054D-7CBD-40FB-84C5-6E37FDF0EC9C}"/>
+                <a16:creationId xmlns:a16="http://schemas.microsoft.com/office/drawing/2014/main" xmlns="" id="{0B0F054D-7CBD-40FB-84C5-6E37FDF0EC9C}"/>
               </a:ext>
             </a:extLst>
           </p:cNvPr>
@@ -3609,7 +3609,7 @@
           <p:cNvPr id="35" name="Chỗ dành sẵn cho Văn bản 40">
             <a:extLst>
               <a:ext uri="{FF2B5EF4-FFF2-40B4-BE49-F238E27FC236}">
-                <a16:creationId xmlns="" xmlns:a16="http://schemas.microsoft.com/office/drawing/2014/main" id="{0285840A-F59B-4DDE-A051-9BBA250A628B}"/>
+                <a16:creationId xmlns:a16="http://schemas.microsoft.com/office/drawing/2014/main" xmlns="" id="{0285840A-F59B-4DDE-A051-9BBA250A628B}"/>
               </a:ext>
             </a:extLst>
           </p:cNvPr>
@@ -3695,7 +3695,7 @@
           <p:cNvPr id="2" name="Tiêu đề 1">
             <a:extLst>
               <a:ext uri="{FF2B5EF4-FFF2-40B4-BE49-F238E27FC236}">
-                <a16:creationId xmlns="" xmlns:a16="http://schemas.microsoft.com/office/drawing/2014/main" id="{E117C2F7-CB66-4CB8-B26F-7B3C64D575E4}"/>
+                <a16:creationId xmlns:a16="http://schemas.microsoft.com/office/drawing/2014/main" xmlns="" id="{E117C2F7-CB66-4CB8-B26F-7B3C64D575E4}"/>
               </a:ext>
             </a:extLst>
           </p:cNvPr>
@@ -3737,7 +3737,7 @@
           <p:cNvPr id="3" name="Chỗ dành sẵn cho Nội dung 2">
             <a:extLst>
               <a:ext uri="{FF2B5EF4-FFF2-40B4-BE49-F238E27FC236}">
-                <a16:creationId xmlns="" xmlns:a16="http://schemas.microsoft.com/office/drawing/2014/main" id="{379FEDE1-14F2-46B9-85D8-8B68DB5F2E57}"/>
+                <a16:creationId xmlns:a16="http://schemas.microsoft.com/office/drawing/2014/main" xmlns="" id="{379FEDE1-14F2-46B9-85D8-8B68DB5F2E57}"/>
               </a:ext>
             </a:extLst>
           </p:cNvPr>
@@ -3792,7 +3792,7 @@
           <p:cNvPr id="5" name="Chỗ dành sẵn cho Ngày tháng 4">
             <a:extLst>
               <a:ext uri="{FF2B5EF4-FFF2-40B4-BE49-F238E27FC236}">
-                <a16:creationId xmlns="" xmlns:a16="http://schemas.microsoft.com/office/drawing/2014/main" id="{F8784BEA-5E31-4B76-8435-68BD500D0BF5}"/>
+                <a16:creationId xmlns:a16="http://schemas.microsoft.com/office/drawing/2014/main" xmlns="" id="{F8784BEA-5E31-4B76-8435-68BD500D0BF5}"/>
               </a:ext>
             </a:extLst>
           </p:cNvPr>
@@ -3822,7 +3822,7 @@
           <p:cNvPr id="6" name="Chỗ dành sẵn cho Chân trang 5">
             <a:extLst>
               <a:ext uri="{FF2B5EF4-FFF2-40B4-BE49-F238E27FC236}">
-                <a16:creationId xmlns="" xmlns:a16="http://schemas.microsoft.com/office/drawing/2014/main" id="{E419BEDD-A744-40CE-9FA6-391AD6FC33CD}"/>
+                <a16:creationId xmlns:a16="http://schemas.microsoft.com/office/drawing/2014/main" xmlns="" id="{E419BEDD-A744-40CE-9FA6-391AD6FC33CD}"/>
               </a:ext>
             </a:extLst>
           </p:cNvPr>
@@ -3848,7 +3848,7 @@
           <p:cNvPr id="7" name="Chỗ dành sẵn cho Số hiệu Bản chiếu 6">
             <a:extLst>
               <a:ext uri="{FF2B5EF4-FFF2-40B4-BE49-F238E27FC236}">
-                <a16:creationId xmlns="" xmlns:a16="http://schemas.microsoft.com/office/drawing/2014/main" id="{C093815F-F490-4307-9E87-AAF436C71A68}"/>
+                <a16:creationId xmlns:a16="http://schemas.microsoft.com/office/drawing/2014/main" xmlns="" id="{C093815F-F490-4307-9E87-AAF436C71A68}"/>
               </a:ext>
             </a:extLst>
           </p:cNvPr>
@@ -3878,7 +3878,7 @@
           <p:cNvPr id="9" name="Đường nối Thẳng 8">
             <a:extLst>
               <a:ext uri="{FF2B5EF4-FFF2-40B4-BE49-F238E27FC236}">
-                <a16:creationId xmlns="" xmlns:a16="http://schemas.microsoft.com/office/drawing/2014/main" id="{D39C86C5-91F0-4083-8CE5-1B547E5FEA06}"/>
+                <a16:creationId xmlns:a16="http://schemas.microsoft.com/office/drawing/2014/main" xmlns="" id="{D39C86C5-91F0-4083-8CE5-1B547E5FEA06}"/>
               </a:ext>
             </a:extLst>
           </p:cNvPr>
@@ -3915,7 +3915,7 @@
           <p:cNvPr id="10" name="Tiêu đề phụ 2">
             <a:extLst>
               <a:ext uri="{FF2B5EF4-FFF2-40B4-BE49-F238E27FC236}">
-                <a16:creationId xmlns="" xmlns:a16="http://schemas.microsoft.com/office/drawing/2014/main" id="{A617DA88-4765-4225-9C56-CD0FFD9D7673}"/>
+                <a16:creationId xmlns:a16="http://schemas.microsoft.com/office/drawing/2014/main" xmlns="" id="{A617DA88-4765-4225-9C56-CD0FFD9D7673}"/>
               </a:ext>
             </a:extLst>
           </p:cNvPr>
@@ -3993,7 +3993,7 @@
           <p:cNvPr id="14" name="Chỗ dành sẵn cho Văn bản 40">
             <a:extLst>
               <a:ext uri="{FF2B5EF4-FFF2-40B4-BE49-F238E27FC236}">
-                <a16:creationId xmlns="" xmlns:a16="http://schemas.microsoft.com/office/drawing/2014/main" id="{2E228B39-E69E-4928-A3B9-E0820CF9C197}"/>
+                <a16:creationId xmlns:a16="http://schemas.microsoft.com/office/drawing/2014/main" xmlns="" id="{2E228B39-E69E-4928-A3B9-E0820CF9C197}"/>
               </a:ext>
             </a:extLst>
           </p:cNvPr>
@@ -4049,7 +4049,7 @@
           <p:cNvPr id="20" name="Chỗ dành sẵn cho Văn bản 40">
             <a:extLst>
               <a:ext uri="{FF2B5EF4-FFF2-40B4-BE49-F238E27FC236}">
-                <a16:creationId xmlns="" xmlns:a16="http://schemas.microsoft.com/office/drawing/2014/main" id="{DB13281D-9A7C-4ED9-86E0-B903E8AE724B}"/>
+                <a16:creationId xmlns:a16="http://schemas.microsoft.com/office/drawing/2014/main" xmlns="" id="{DB13281D-9A7C-4ED9-86E0-B903E8AE724B}"/>
               </a:ext>
             </a:extLst>
           </p:cNvPr>
@@ -4105,7 +4105,7 @@
           <p:cNvPr id="21" name="Chỗ dành sẵn cho Hình ảnh 2">
             <a:extLst>
               <a:ext uri="{FF2B5EF4-FFF2-40B4-BE49-F238E27FC236}">
-                <a16:creationId xmlns="" xmlns:a16="http://schemas.microsoft.com/office/drawing/2014/main" id="{F2ACB6B7-AA9C-4400-AE52-4698E1110F22}"/>
+                <a16:creationId xmlns:a16="http://schemas.microsoft.com/office/drawing/2014/main" xmlns="" id="{F2ACB6B7-AA9C-4400-AE52-4698E1110F22}"/>
               </a:ext>
             </a:extLst>
           </p:cNvPr>
@@ -4147,7 +4147,7 @@
           <p:cNvPr id="16" name="Chỗ dành sẵn cho Nội dung 2">
             <a:extLst>
               <a:ext uri="{FF2B5EF4-FFF2-40B4-BE49-F238E27FC236}">
-                <a16:creationId xmlns="" xmlns:a16="http://schemas.microsoft.com/office/drawing/2014/main" id="{609833F7-F057-48CB-9D76-2CA2BC07E553}"/>
+                <a16:creationId xmlns:a16="http://schemas.microsoft.com/office/drawing/2014/main" xmlns="" id="{609833F7-F057-48CB-9D76-2CA2BC07E553}"/>
               </a:ext>
             </a:extLst>
           </p:cNvPr>
@@ -4232,7 +4232,7 @@
           <p:cNvPr id="2" name="Tiêu đề 1">
             <a:extLst>
               <a:ext uri="{FF2B5EF4-FFF2-40B4-BE49-F238E27FC236}">
-                <a16:creationId xmlns="" xmlns:a16="http://schemas.microsoft.com/office/drawing/2014/main" id="{E117C2F7-CB66-4CB8-B26F-7B3C64D575E4}"/>
+                <a16:creationId xmlns:a16="http://schemas.microsoft.com/office/drawing/2014/main" xmlns="" id="{E117C2F7-CB66-4CB8-B26F-7B3C64D575E4}"/>
               </a:ext>
             </a:extLst>
           </p:cNvPr>
@@ -4274,7 +4274,7 @@
           <p:cNvPr id="5" name="Chỗ dành sẵn cho Ngày tháng 4">
             <a:extLst>
               <a:ext uri="{FF2B5EF4-FFF2-40B4-BE49-F238E27FC236}">
-                <a16:creationId xmlns="" xmlns:a16="http://schemas.microsoft.com/office/drawing/2014/main" id="{F8784BEA-5E31-4B76-8435-68BD500D0BF5}"/>
+                <a16:creationId xmlns:a16="http://schemas.microsoft.com/office/drawing/2014/main" xmlns="" id="{F8784BEA-5E31-4B76-8435-68BD500D0BF5}"/>
               </a:ext>
             </a:extLst>
           </p:cNvPr>
@@ -4304,7 +4304,7 @@
           <p:cNvPr id="6" name="Chỗ dành sẵn cho Chân trang 5">
             <a:extLst>
               <a:ext uri="{FF2B5EF4-FFF2-40B4-BE49-F238E27FC236}">
-                <a16:creationId xmlns="" xmlns:a16="http://schemas.microsoft.com/office/drawing/2014/main" id="{E419BEDD-A744-40CE-9FA6-391AD6FC33CD}"/>
+                <a16:creationId xmlns:a16="http://schemas.microsoft.com/office/drawing/2014/main" xmlns="" id="{E419BEDD-A744-40CE-9FA6-391AD6FC33CD}"/>
               </a:ext>
             </a:extLst>
           </p:cNvPr>
@@ -4330,7 +4330,7 @@
           <p:cNvPr id="7" name="Chỗ dành sẵn cho Số hiệu Bản chiếu 6">
             <a:extLst>
               <a:ext uri="{FF2B5EF4-FFF2-40B4-BE49-F238E27FC236}">
-                <a16:creationId xmlns="" xmlns:a16="http://schemas.microsoft.com/office/drawing/2014/main" id="{C093815F-F490-4307-9E87-AAF436C71A68}"/>
+                <a16:creationId xmlns:a16="http://schemas.microsoft.com/office/drawing/2014/main" xmlns="" id="{C093815F-F490-4307-9E87-AAF436C71A68}"/>
               </a:ext>
             </a:extLst>
           </p:cNvPr>
@@ -4360,7 +4360,7 @@
           <p:cNvPr id="9" name="Đường nối Thẳng 8">
             <a:extLst>
               <a:ext uri="{FF2B5EF4-FFF2-40B4-BE49-F238E27FC236}">
-                <a16:creationId xmlns="" xmlns:a16="http://schemas.microsoft.com/office/drawing/2014/main" id="{D39C86C5-91F0-4083-8CE5-1B547E5FEA06}"/>
+                <a16:creationId xmlns:a16="http://schemas.microsoft.com/office/drawing/2014/main" xmlns="" id="{D39C86C5-91F0-4083-8CE5-1B547E5FEA06}"/>
               </a:ext>
             </a:extLst>
           </p:cNvPr>
@@ -4397,7 +4397,7 @@
           <p:cNvPr id="21" name="Chỗ dành sẵn cho Hình ảnh 2">
             <a:extLst>
               <a:ext uri="{FF2B5EF4-FFF2-40B4-BE49-F238E27FC236}">
-                <a16:creationId xmlns="" xmlns:a16="http://schemas.microsoft.com/office/drawing/2014/main" id="{F2ACB6B7-AA9C-4400-AE52-4698E1110F22}"/>
+                <a16:creationId xmlns:a16="http://schemas.microsoft.com/office/drawing/2014/main" xmlns="" id="{F2ACB6B7-AA9C-4400-AE52-4698E1110F22}"/>
               </a:ext>
             </a:extLst>
           </p:cNvPr>
@@ -4443,7 +4443,7 @@
           <p:cNvPr id="13" name="Hình chữ nhật 12" descr="Vết cọ vẽ">
             <a:extLst>
               <a:ext uri="{FF2B5EF4-FFF2-40B4-BE49-F238E27FC236}">
-                <a16:creationId xmlns="" xmlns:a16="http://schemas.microsoft.com/office/drawing/2014/main" id="{0CCD991D-2B03-47A2-8715-7661B26F9B95}"/>
+                <a16:creationId xmlns:a16="http://schemas.microsoft.com/office/drawing/2014/main" xmlns="" id="{0CCD991D-2B03-47A2-8715-7661B26F9B95}"/>
               </a:ext>
             </a:extLst>
           </p:cNvPr>
@@ -4463,7 +4463,7 @@
               <a:alphaModFix amt="35000"/>
               <a:extLst>
                 <a:ext uri="{96DAC541-7B7A-43D3-8B79-37D633B846F1}">
-                  <asvg:svgBlip xmlns="" xmlns:asvg="http://schemas.microsoft.com/office/drawing/2016/SVG/main" r:embed="rId3"/>
+                  <asvg:svgBlip xmlns:asvg="http://schemas.microsoft.com/office/drawing/2016/SVG/main" xmlns="" r:embed="rId3"/>
                 </a:ext>
               </a:extLst>
             </a:blip>
@@ -4506,7 +4506,7 @@
           <p:cNvPr id="15" name="Chỗ dành sẵn cho Văn bản 9" descr="Phần tư logo đối thủ cạnh tranh">
             <a:extLst>
               <a:ext uri="{FF2B5EF4-FFF2-40B4-BE49-F238E27FC236}">
-                <a16:creationId xmlns="" xmlns:a16="http://schemas.microsoft.com/office/drawing/2014/main" id="{7246D54D-92E6-4129-9F9B-80AD6027E5BD}"/>
+                <a16:creationId xmlns:a16="http://schemas.microsoft.com/office/drawing/2014/main" xmlns="" id="{7246D54D-92E6-4129-9F9B-80AD6027E5BD}"/>
               </a:ext>
             </a:extLst>
           </p:cNvPr>
@@ -4595,7 +4595,7 @@
           <p:cNvPr id="17" name="Chỗ dành sẵn cho Văn bản 9" descr="Phần tư logo đối thủ cạnh tranh">
             <a:extLst>
               <a:ext uri="{FF2B5EF4-FFF2-40B4-BE49-F238E27FC236}">
-                <a16:creationId xmlns="" xmlns:a16="http://schemas.microsoft.com/office/drawing/2014/main" id="{6DEE1C9E-9A2E-44D5-B900-58F0DC5C1526}"/>
+                <a16:creationId xmlns:a16="http://schemas.microsoft.com/office/drawing/2014/main" xmlns="" id="{6DEE1C9E-9A2E-44D5-B900-58F0DC5C1526}"/>
               </a:ext>
             </a:extLst>
           </p:cNvPr>
@@ -4692,7 +4692,7 @@
           <p:cNvPr id="18" name="Chỗ dành sẵn cho Văn bản 9">
             <a:extLst>
               <a:ext uri="{FF2B5EF4-FFF2-40B4-BE49-F238E27FC236}">
-                <a16:creationId xmlns="" xmlns:a16="http://schemas.microsoft.com/office/drawing/2014/main" id="{66B9A18B-0CF3-4C0A-B305-707B9A66919A}"/>
+                <a16:creationId xmlns:a16="http://schemas.microsoft.com/office/drawing/2014/main" xmlns="" id="{66B9A18B-0CF3-4C0A-B305-707B9A66919A}"/>
               </a:ext>
             </a:extLst>
           </p:cNvPr>
@@ -4773,7 +4773,7 @@
           <p:cNvPr id="19" name="Chỗ dành sẵn cho Văn bản 9" descr="Phần tư logo đối thủ cạnh tranh">
             <a:extLst>
               <a:ext uri="{FF2B5EF4-FFF2-40B4-BE49-F238E27FC236}">
-                <a16:creationId xmlns="" xmlns:a16="http://schemas.microsoft.com/office/drawing/2014/main" id="{6FE680D8-859C-4A7C-AD2D-F5FBE95F1CF9}"/>
+                <a16:creationId xmlns:a16="http://schemas.microsoft.com/office/drawing/2014/main" xmlns="" id="{6FE680D8-859C-4A7C-AD2D-F5FBE95F1CF9}"/>
               </a:ext>
             </a:extLst>
           </p:cNvPr>
@@ -4854,7 +4854,7 @@
           <p:cNvPr id="22" name="Chỗ dành sẵn cho Hình ảnh 11" descr="Phần tư logo đối thủ cạnh tranh">
             <a:extLst>
               <a:ext uri="{FF2B5EF4-FFF2-40B4-BE49-F238E27FC236}">
-                <a16:creationId xmlns="" xmlns:a16="http://schemas.microsoft.com/office/drawing/2014/main" id="{E6B6CE82-1BDF-4550-8960-7F41345BA07F}"/>
+                <a16:creationId xmlns:a16="http://schemas.microsoft.com/office/drawing/2014/main" xmlns="" id="{E6B6CE82-1BDF-4550-8960-7F41345BA07F}"/>
               </a:ext>
             </a:extLst>
           </p:cNvPr>
@@ -4927,7 +4927,7 @@
           <p:cNvPr id="23" name="Chỗ dành sẵn cho Hình ảnh 11" descr="Phần tư logo đối thủ cạnh tranh">
             <a:extLst>
               <a:ext uri="{FF2B5EF4-FFF2-40B4-BE49-F238E27FC236}">
-                <a16:creationId xmlns="" xmlns:a16="http://schemas.microsoft.com/office/drawing/2014/main" id="{582E2341-B28C-43DC-9292-43E8D75A3BDD}"/>
+                <a16:creationId xmlns:a16="http://schemas.microsoft.com/office/drawing/2014/main" xmlns="" id="{582E2341-B28C-43DC-9292-43E8D75A3BDD}"/>
               </a:ext>
             </a:extLst>
           </p:cNvPr>
@@ -5003,7 +5003,7 @@
           <p:cNvPr id="24" name="Chỗ dành sẵn cho Hình ảnh 11" descr="Phần tư logo đối thủ cạnh tranh">
             <a:extLst>
               <a:ext uri="{FF2B5EF4-FFF2-40B4-BE49-F238E27FC236}">
-                <a16:creationId xmlns="" xmlns:a16="http://schemas.microsoft.com/office/drawing/2014/main" id="{B5CF88F9-58C0-4E88-8243-2E2026B3D847}"/>
+                <a16:creationId xmlns:a16="http://schemas.microsoft.com/office/drawing/2014/main" xmlns="" id="{B5CF88F9-58C0-4E88-8243-2E2026B3D847}"/>
               </a:ext>
             </a:extLst>
           </p:cNvPr>
@@ -5076,7 +5076,7 @@
           <p:cNvPr id="25" name="Chỗ dành sẵn cho Hình ảnh 11" descr="Phần tư logo đối thủ cạnh tranh">
             <a:extLst>
               <a:ext uri="{FF2B5EF4-FFF2-40B4-BE49-F238E27FC236}">
-                <a16:creationId xmlns="" xmlns:a16="http://schemas.microsoft.com/office/drawing/2014/main" id="{A82EE939-4C57-4B18-8083-AFBEAFEFF3C6}"/>
+                <a16:creationId xmlns:a16="http://schemas.microsoft.com/office/drawing/2014/main" xmlns="" id="{A82EE939-4C57-4B18-8083-AFBEAFEFF3C6}"/>
               </a:ext>
             </a:extLst>
           </p:cNvPr>
@@ -5149,7 +5149,7 @@
           <p:cNvPr id="26" name="Chỗ dành sẵn cho Hình ảnh 11" descr="Phần tư logo đối thủ cạnh tranh">
             <a:extLst>
               <a:ext uri="{FF2B5EF4-FFF2-40B4-BE49-F238E27FC236}">
-                <a16:creationId xmlns="" xmlns:a16="http://schemas.microsoft.com/office/drawing/2014/main" id="{6F0782C9-DB20-403D-BE02-0A8B0F75EEB4}"/>
+                <a16:creationId xmlns:a16="http://schemas.microsoft.com/office/drawing/2014/main" xmlns="" id="{6F0782C9-DB20-403D-BE02-0A8B0F75EEB4}"/>
               </a:ext>
             </a:extLst>
           </p:cNvPr>
@@ -5222,7 +5222,7 @@
           <p:cNvPr id="27" name="Chỗ dành sẵn cho Hình ảnh 11" descr="Phần tư logo đối thủ cạnh tranh">
             <a:extLst>
               <a:ext uri="{FF2B5EF4-FFF2-40B4-BE49-F238E27FC236}">
-                <a16:creationId xmlns="" xmlns:a16="http://schemas.microsoft.com/office/drawing/2014/main" id="{BD7EAF5B-32EC-4B5A-91BC-2486855FFC26}"/>
+                <a16:creationId xmlns:a16="http://schemas.microsoft.com/office/drawing/2014/main" xmlns="" id="{BD7EAF5B-32EC-4B5A-91BC-2486855FFC26}"/>
               </a:ext>
             </a:extLst>
           </p:cNvPr>
@@ -5295,10 +5295,10 @@
           <p:cNvPr id="28" name="Chỗ dành sẵn cho Hình ảnh 14" descr="Phần tư logo đối thủ cạnh tranh">
             <a:extLst>
               <a:ext uri="{FF2B5EF4-FFF2-40B4-BE49-F238E27FC236}">
-                <a16:creationId xmlns="" xmlns:a16="http://schemas.microsoft.com/office/drawing/2014/main" id="{13F923C2-8EA1-4CAA-AD2F-96AD06CA8988}"/>
+                <a16:creationId xmlns:a16="http://schemas.microsoft.com/office/drawing/2014/main" xmlns="" id="{13F923C2-8EA1-4CAA-AD2F-96AD06CA8988}"/>
               </a:ext>
               <a:ext uri="{C183D7F6-B498-43B3-948B-1728B52AA6E4}">
-                <adec:decorative xmlns:adec="http://schemas.microsoft.com/office/drawing/2017/decorative" xmlns="" val="0"/>
+                <adec:decorative xmlns="" xmlns:adec="http://schemas.microsoft.com/office/drawing/2017/decorative" val="0"/>
               </a:ext>
             </a:extLst>
           </p:cNvPr>
@@ -5384,7 +5384,7 @@
           <p:cNvPr id="29" name="Đường kết nối mũi tên thẳng 28" descr="Phần tư logo đối thủ cạnh tranh">
             <a:extLst>
               <a:ext uri="{FF2B5EF4-FFF2-40B4-BE49-F238E27FC236}">
-                <a16:creationId xmlns="" xmlns:a16="http://schemas.microsoft.com/office/drawing/2014/main" id="{6E38594D-B49F-47FB-AAB7-D4B848169F40}"/>
+                <a16:creationId xmlns:a16="http://schemas.microsoft.com/office/drawing/2014/main" xmlns="" id="{6E38594D-B49F-47FB-AAB7-D4B848169F40}"/>
               </a:ext>
             </a:extLst>
           </p:cNvPr>
@@ -5428,7 +5428,7 @@
           <p:cNvPr id="30" name="Đường kết nối mũi tên thẳng 29" descr="Phần tư logo đối thủ cạnh tranh">
             <a:extLst>
               <a:ext uri="{FF2B5EF4-FFF2-40B4-BE49-F238E27FC236}">
-                <a16:creationId xmlns="" xmlns:a16="http://schemas.microsoft.com/office/drawing/2014/main" id="{9CDF9FE9-ABF5-4DE2-A545-2BF180F9F5ED}"/>
+                <a16:creationId xmlns:a16="http://schemas.microsoft.com/office/drawing/2014/main" xmlns="" id="{9CDF9FE9-ABF5-4DE2-A545-2BF180F9F5ED}"/>
               </a:ext>
             </a:extLst>
           </p:cNvPr>
@@ -5502,7 +5502,7 @@
           <p:cNvPr id="29" name="Hình chữ nhật 28">
             <a:extLst>
               <a:ext uri="{FF2B5EF4-FFF2-40B4-BE49-F238E27FC236}">
-                <a16:creationId xmlns="" xmlns:a16="http://schemas.microsoft.com/office/drawing/2014/main" id="{178B7359-F8D9-49C3-9ECB-5D7928220A32}"/>
+                <a16:creationId xmlns:a16="http://schemas.microsoft.com/office/drawing/2014/main" xmlns="" id="{178B7359-F8D9-49C3-9ECB-5D7928220A32}"/>
               </a:ext>
             </a:extLst>
           </p:cNvPr>
@@ -5559,7 +5559,7 @@
           <p:cNvPr id="39" name="Hình chữ nhật 38">
             <a:extLst>
               <a:ext uri="{FF2B5EF4-FFF2-40B4-BE49-F238E27FC236}">
-                <a16:creationId xmlns="" xmlns:a16="http://schemas.microsoft.com/office/drawing/2014/main" id="{DD6BF640-6D98-46DC-BF66-FEB2A0511221}"/>
+                <a16:creationId xmlns:a16="http://schemas.microsoft.com/office/drawing/2014/main" xmlns="" id="{DD6BF640-6D98-46DC-BF66-FEB2A0511221}"/>
               </a:ext>
             </a:extLst>
           </p:cNvPr>
@@ -5616,7 +5616,7 @@
           <p:cNvPr id="34" name="Hình chữ nhật 33">
             <a:extLst>
               <a:ext uri="{FF2B5EF4-FFF2-40B4-BE49-F238E27FC236}">
-                <a16:creationId xmlns="" xmlns:a16="http://schemas.microsoft.com/office/drawing/2014/main" id="{E7397380-65CA-490B-89DE-D8D1C25E0B00}"/>
+                <a16:creationId xmlns:a16="http://schemas.microsoft.com/office/drawing/2014/main" xmlns="" id="{E7397380-65CA-490B-89DE-D8D1C25E0B00}"/>
               </a:ext>
             </a:extLst>
           </p:cNvPr>
@@ -5673,7 +5673,7 @@
           <p:cNvPr id="4" name="Hình chữ nhật 3">
             <a:extLst>
               <a:ext uri="{FF2B5EF4-FFF2-40B4-BE49-F238E27FC236}">
-                <a16:creationId xmlns="" xmlns:a16="http://schemas.microsoft.com/office/drawing/2014/main" id="{75252BCA-7050-40A2-A745-BB966870609C}"/>
+                <a16:creationId xmlns:a16="http://schemas.microsoft.com/office/drawing/2014/main" xmlns="" id="{75252BCA-7050-40A2-A745-BB966870609C}"/>
               </a:ext>
             </a:extLst>
           </p:cNvPr>
@@ -5732,7 +5732,7 @@
           <p:cNvPr id="2" name="Tiêu đề 1">
             <a:extLst>
               <a:ext uri="{FF2B5EF4-FFF2-40B4-BE49-F238E27FC236}">
-                <a16:creationId xmlns="" xmlns:a16="http://schemas.microsoft.com/office/drawing/2014/main" id="{E117C2F7-CB66-4CB8-B26F-7B3C64D575E4}"/>
+                <a16:creationId xmlns:a16="http://schemas.microsoft.com/office/drawing/2014/main" xmlns="" id="{E117C2F7-CB66-4CB8-B26F-7B3C64D575E4}"/>
               </a:ext>
             </a:extLst>
           </p:cNvPr>
@@ -5770,7 +5770,7 @@
           <p:cNvPr id="5" name="Chỗ dành sẵn cho Ngày tháng 4">
             <a:extLst>
               <a:ext uri="{FF2B5EF4-FFF2-40B4-BE49-F238E27FC236}">
-                <a16:creationId xmlns="" xmlns:a16="http://schemas.microsoft.com/office/drawing/2014/main" id="{F8784BEA-5E31-4B76-8435-68BD500D0BF5}"/>
+                <a16:creationId xmlns:a16="http://schemas.microsoft.com/office/drawing/2014/main" xmlns="" id="{F8784BEA-5E31-4B76-8435-68BD500D0BF5}"/>
               </a:ext>
             </a:extLst>
           </p:cNvPr>
@@ -5800,7 +5800,7 @@
           <p:cNvPr id="6" name="Chỗ dành sẵn cho Chân trang 5">
             <a:extLst>
               <a:ext uri="{FF2B5EF4-FFF2-40B4-BE49-F238E27FC236}">
-                <a16:creationId xmlns="" xmlns:a16="http://schemas.microsoft.com/office/drawing/2014/main" id="{E419BEDD-A744-40CE-9FA6-391AD6FC33CD}"/>
+                <a16:creationId xmlns:a16="http://schemas.microsoft.com/office/drawing/2014/main" xmlns="" id="{E419BEDD-A744-40CE-9FA6-391AD6FC33CD}"/>
               </a:ext>
             </a:extLst>
           </p:cNvPr>
@@ -5826,7 +5826,7 @@
           <p:cNvPr id="7" name="Chỗ dành sẵn cho Số hiệu Bản chiếu 6">
             <a:extLst>
               <a:ext uri="{FF2B5EF4-FFF2-40B4-BE49-F238E27FC236}">
-                <a16:creationId xmlns="" xmlns:a16="http://schemas.microsoft.com/office/drawing/2014/main" id="{C093815F-F490-4307-9E87-AAF436C71A68}"/>
+                <a16:creationId xmlns:a16="http://schemas.microsoft.com/office/drawing/2014/main" xmlns="" id="{C093815F-F490-4307-9E87-AAF436C71A68}"/>
               </a:ext>
             </a:extLst>
           </p:cNvPr>
@@ -5856,7 +5856,7 @@
           <p:cNvPr id="9" name="Đường nối Thẳng 8">
             <a:extLst>
               <a:ext uri="{FF2B5EF4-FFF2-40B4-BE49-F238E27FC236}">
-                <a16:creationId xmlns="" xmlns:a16="http://schemas.microsoft.com/office/drawing/2014/main" id="{D39C86C5-91F0-4083-8CE5-1B547E5FEA06}"/>
+                <a16:creationId xmlns:a16="http://schemas.microsoft.com/office/drawing/2014/main" xmlns="" id="{D39C86C5-91F0-4083-8CE5-1B547E5FEA06}"/>
               </a:ext>
             </a:extLst>
           </p:cNvPr>
@@ -5893,7 +5893,7 @@
           <p:cNvPr id="21" name="Chỗ dành sẵn cho Hình ảnh 2">
             <a:extLst>
               <a:ext uri="{FF2B5EF4-FFF2-40B4-BE49-F238E27FC236}">
-                <a16:creationId xmlns="" xmlns:a16="http://schemas.microsoft.com/office/drawing/2014/main" id="{F2ACB6B7-AA9C-4400-AE52-4698E1110F22}"/>
+                <a16:creationId xmlns:a16="http://schemas.microsoft.com/office/drawing/2014/main" xmlns="" id="{F2ACB6B7-AA9C-4400-AE52-4698E1110F22}"/>
               </a:ext>
             </a:extLst>
           </p:cNvPr>
@@ -5935,7 +5935,7 @@
           <p:cNvPr id="18" name="Chỗ dành sẵn cho Văn bản 12">
             <a:extLst>
               <a:ext uri="{FF2B5EF4-FFF2-40B4-BE49-F238E27FC236}">
-                <a16:creationId xmlns="" xmlns:a16="http://schemas.microsoft.com/office/drawing/2014/main" id="{C28E9701-34F1-4219-ACE1-7000B0AE2CD4}"/>
+                <a16:creationId xmlns:a16="http://schemas.microsoft.com/office/drawing/2014/main" xmlns="" id="{C28E9701-34F1-4219-ACE1-7000B0AE2CD4}"/>
               </a:ext>
             </a:extLst>
           </p:cNvPr>
@@ -6066,7 +6066,7 @@
           <p:cNvPr id="19" name="Chỗ dành sẵn cho Văn bản 3">
             <a:extLst>
               <a:ext uri="{FF2B5EF4-FFF2-40B4-BE49-F238E27FC236}">
-                <a16:creationId xmlns="" xmlns:a16="http://schemas.microsoft.com/office/drawing/2014/main" id="{415564D0-8659-4746-BD61-2022D5A1571C}"/>
+                <a16:creationId xmlns:a16="http://schemas.microsoft.com/office/drawing/2014/main" xmlns="" id="{415564D0-8659-4746-BD61-2022D5A1571C}"/>
               </a:ext>
             </a:extLst>
           </p:cNvPr>
@@ -6146,7 +6146,7 @@
           <p:cNvPr id="22" name="Tiêu đề phụ 2">
             <a:extLst>
               <a:ext uri="{FF2B5EF4-FFF2-40B4-BE49-F238E27FC236}">
-                <a16:creationId xmlns="" xmlns:a16="http://schemas.microsoft.com/office/drawing/2014/main" id="{322C9944-3681-441A-BDB1-D9901BE86251}"/>
+                <a16:creationId xmlns:a16="http://schemas.microsoft.com/office/drawing/2014/main" xmlns="" id="{322C9944-3681-441A-BDB1-D9901BE86251}"/>
               </a:ext>
             </a:extLst>
           </p:cNvPr>
@@ -6251,7 +6251,7 @@
           <p:cNvPr id="30" name="Hình chữ nhật 29">
             <a:extLst>
               <a:ext uri="{FF2B5EF4-FFF2-40B4-BE49-F238E27FC236}">
-                <a16:creationId xmlns="" xmlns:a16="http://schemas.microsoft.com/office/drawing/2014/main" id="{FB03FB91-2842-4B1B-8AE9-E9D1FF269D35}"/>
+                <a16:creationId xmlns:a16="http://schemas.microsoft.com/office/drawing/2014/main" xmlns="" id="{FB03FB91-2842-4B1B-8AE9-E9D1FF269D35}"/>
               </a:ext>
             </a:extLst>
           </p:cNvPr>
@@ -6310,7 +6310,7 @@
           <p:cNvPr id="31" name="Chỗ dành sẵn cho Văn bản 12">
             <a:extLst>
               <a:ext uri="{FF2B5EF4-FFF2-40B4-BE49-F238E27FC236}">
-                <a16:creationId xmlns="" xmlns:a16="http://schemas.microsoft.com/office/drawing/2014/main" id="{9616E1B6-498C-460B-AB62-AF81D52C4493}"/>
+                <a16:creationId xmlns:a16="http://schemas.microsoft.com/office/drawing/2014/main" xmlns="" id="{9616E1B6-498C-460B-AB62-AF81D52C4493}"/>
               </a:ext>
             </a:extLst>
           </p:cNvPr>
@@ -6466,7 +6466,7 @@
           <p:cNvPr id="35" name="Hình chữ nhật 34">
             <a:extLst>
               <a:ext uri="{FF2B5EF4-FFF2-40B4-BE49-F238E27FC236}">
-                <a16:creationId xmlns="" xmlns:a16="http://schemas.microsoft.com/office/drawing/2014/main" id="{5C441323-C1A6-4BDC-AC0A-1EFAFD9BB852}"/>
+                <a16:creationId xmlns:a16="http://schemas.microsoft.com/office/drawing/2014/main" xmlns="" id="{5C441323-C1A6-4BDC-AC0A-1EFAFD9BB852}"/>
               </a:ext>
             </a:extLst>
           </p:cNvPr>
@@ -6525,7 +6525,7 @@
           <p:cNvPr id="36" name="Chỗ dành sẵn cho Văn bản 12">
             <a:extLst>
               <a:ext uri="{FF2B5EF4-FFF2-40B4-BE49-F238E27FC236}">
-                <a16:creationId xmlns="" xmlns:a16="http://schemas.microsoft.com/office/drawing/2014/main" id="{BDD3F4DF-AE9A-4210-B425-69CEFF021075}"/>
+                <a16:creationId xmlns:a16="http://schemas.microsoft.com/office/drawing/2014/main" xmlns="" id="{BDD3F4DF-AE9A-4210-B425-69CEFF021075}"/>
               </a:ext>
             </a:extLst>
           </p:cNvPr>
@@ -6681,7 +6681,7 @@
           <p:cNvPr id="43" name="Chỗ dành sẵn cho Văn bản 3">
             <a:extLst>
               <a:ext uri="{FF2B5EF4-FFF2-40B4-BE49-F238E27FC236}">
-                <a16:creationId xmlns="" xmlns:a16="http://schemas.microsoft.com/office/drawing/2014/main" id="{DE83707A-ED46-4701-A2DF-CAF67EC69C0D}"/>
+                <a16:creationId xmlns:a16="http://schemas.microsoft.com/office/drawing/2014/main" xmlns="" id="{DE83707A-ED46-4701-A2DF-CAF67EC69C0D}"/>
               </a:ext>
             </a:extLst>
           </p:cNvPr>
@@ -6761,7 +6761,7 @@
           <p:cNvPr id="45" name="Chỗ dành sẵn cho Văn bản 3">
             <a:extLst>
               <a:ext uri="{FF2B5EF4-FFF2-40B4-BE49-F238E27FC236}">
-                <a16:creationId xmlns="" xmlns:a16="http://schemas.microsoft.com/office/drawing/2014/main" id="{79E3F99B-4600-4E33-94D7-64D008878A7E}"/>
+                <a16:creationId xmlns:a16="http://schemas.microsoft.com/office/drawing/2014/main" xmlns="" id="{79E3F99B-4600-4E33-94D7-64D008878A7E}"/>
               </a:ext>
             </a:extLst>
           </p:cNvPr>
@@ -6841,7 +6841,7 @@
           <p:cNvPr id="12" name="Chỗ dành sẵn cho Văn bản 11">
             <a:extLst>
               <a:ext uri="{FF2B5EF4-FFF2-40B4-BE49-F238E27FC236}">
-                <a16:creationId xmlns="" xmlns:a16="http://schemas.microsoft.com/office/drawing/2014/main" id="{1C632C55-1D14-4AE5-91FB-49DA76045810}"/>
+                <a16:creationId xmlns:a16="http://schemas.microsoft.com/office/drawing/2014/main" xmlns="" id="{1C632C55-1D14-4AE5-91FB-49DA76045810}"/>
               </a:ext>
             </a:extLst>
           </p:cNvPr>
@@ -6957,7 +6957,7 @@
           <p:cNvPr id="46" name="Chỗ dành sẵn cho Văn bản 11">
             <a:extLst>
               <a:ext uri="{FF2B5EF4-FFF2-40B4-BE49-F238E27FC236}">
-                <a16:creationId xmlns="" xmlns:a16="http://schemas.microsoft.com/office/drawing/2014/main" id="{52665BC8-C66B-455F-8D42-C0B89951FC6B}"/>
+                <a16:creationId xmlns:a16="http://schemas.microsoft.com/office/drawing/2014/main" xmlns="" id="{52665BC8-C66B-455F-8D42-C0B89951FC6B}"/>
               </a:ext>
             </a:extLst>
           </p:cNvPr>
@@ -7103,7 +7103,7 @@
           <p:cNvPr id="2" name="Tiêu đề 1">
             <a:extLst>
               <a:ext uri="{FF2B5EF4-FFF2-40B4-BE49-F238E27FC236}">
-                <a16:creationId xmlns="" xmlns:a16="http://schemas.microsoft.com/office/drawing/2014/main" id="{E117C2F7-CB66-4CB8-B26F-7B3C64D575E4}"/>
+                <a16:creationId xmlns:a16="http://schemas.microsoft.com/office/drawing/2014/main" xmlns="" id="{E117C2F7-CB66-4CB8-B26F-7B3C64D575E4}"/>
               </a:ext>
             </a:extLst>
           </p:cNvPr>
@@ -7141,7 +7141,7 @@
           <p:cNvPr id="3" name="Chỗ dành sẵn cho Nội dung 2">
             <a:extLst>
               <a:ext uri="{FF2B5EF4-FFF2-40B4-BE49-F238E27FC236}">
-                <a16:creationId xmlns="" xmlns:a16="http://schemas.microsoft.com/office/drawing/2014/main" id="{379FEDE1-14F2-46B9-85D8-8B68DB5F2E57}"/>
+                <a16:creationId xmlns:a16="http://schemas.microsoft.com/office/drawing/2014/main" xmlns="" id="{379FEDE1-14F2-46B9-85D8-8B68DB5F2E57}"/>
               </a:ext>
             </a:extLst>
           </p:cNvPr>
@@ -7196,7 +7196,7 @@
           <p:cNvPr id="5" name="Chỗ dành sẵn cho Ngày tháng 4">
             <a:extLst>
               <a:ext uri="{FF2B5EF4-FFF2-40B4-BE49-F238E27FC236}">
-                <a16:creationId xmlns="" xmlns:a16="http://schemas.microsoft.com/office/drawing/2014/main" id="{F8784BEA-5E31-4B76-8435-68BD500D0BF5}"/>
+                <a16:creationId xmlns:a16="http://schemas.microsoft.com/office/drawing/2014/main" xmlns="" id="{F8784BEA-5E31-4B76-8435-68BD500D0BF5}"/>
               </a:ext>
             </a:extLst>
           </p:cNvPr>
@@ -7226,7 +7226,7 @@
           <p:cNvPr id="6" name="Chỗ dành sẵn cho Chân trang 5">
             <a:extLst>
               <a:ext uri="{FF2B5EF4-FFF2-40B4-BE49-F238E27FC236}">
-                <a16:creationId xmlns="" xmlns:a16="http://schemas.microsoft.com/office/drawing/2014/main" id="{E419BEDD-A744-40CE-9FA6-391AD6FC33CD}"/>
+                <a16:creationId xmlns:a16="http://schemas.microsoft.com/office/drawing/2014/main" xmlns="" id="{E419BEDD-A744-40CE-9FA6-391AD6FC33CD}"/>
               </a:ext>
             </a:extLst>
           </p:cNvPr>
@@ -7252,7 +7252,7 @@
           <p:cNvPr id="7" name="Chỗ dành sẵn cho Số hiệu Bản chiếu 6">
             <a:extLst>
               <a:ext uri="{FF2B5EF4-FFF2-40B4-BE49-F238E27FC236}">
-                <a16:creationId xmlns="" xmlns:a16="http://schemas.microsoft.com/office/drawing/2014/main" id="{C093815F-F490-4307-9E87-AAF436C71A68}"/>
+                <a16:creationId xmlns:a16="http://schemas.microsoft.com/office/drawing/2014/main" xmlns="" id="{C093815F-F490-4307-9E87-AAF436C71A68}"/>
               </a:ext>
             </a:extLst>
           </p:cNvPr>
@@ -7282,7 +7282,7 @@
           <p:cNvPr id="9" name="Đường nối Thẳng 8">
             <a:extLst>
               <a:ext uri="{FF2B5EF4-FFF2-40B4-BE49-F238E27FC236}">
-                <a16:creationId xmlns="" xmlns:a16="http://schemas.microsoft.com/office/drawing/2014/main" id="{D39C86C5-91F0-4083-8CE5-1B547E5FEA06}"/>
+                <a16:creationId xmlns:a16="http://schemas.microsoft.com/office/drawing/2014/main" xmlns="" id="{D39C86C5-91F0-4083-8CE5-1B547E5FEA06}"/>
               </a:ext>
             </a:extLst>
           </p:cNvPr>
@@ -7319,7 +7319,7 @@
           <p:cNvPr id="14" name="Chỗ dành sẵn cho Văn bản 40">
             <a:extLst>
               <a:ext uri="{FF2B5EF4-FFF2-40B4-BE49-F238E27FC236}">
-                <a16:creationId xmlns="" xmlns:a16="http://schemas.microsoft.com/office/drawing/2014/main" id="{2E228B39-E69E-4928-A3B9-E0820CF9C197}"/>
+                <a16:creationId xmlns:a16="http://schemas.microsoft.com/office/drawing/2014/main" xmlns="" id="{2E228B39-E69E-4928-A3B9-E0820CF9C197}"/>
               </a:ext>
             </a:extLst>
           </p:cNvPr>
@@ -7375,7 +7375,7 @@
           <p:cNvPr id="20" name="Chỗ dành sẵn cho Văn bản 40">
             <a:extLst>
               <a:ext uri="{FF2B5EF4-FFF2-40B4-BE49-F238E27FC236}">
-                <a16:creationId xmlns="" xmlns:a16="http://schemas.microsoft.com/office/drawing/2014/main" id="{DB13281D-9A7C-4ED9-86E0-B903E8AE724B}"/>
+                <a16:creationId xmlns:a16="http://schemas.microsoft.com/office/drawing/2014/main" xmlns="" id="{DB13281D-9A7C-4ED9-86E0-B903E8AE724B}"/>
               </a:ext>
             </a:extLst>
           </p:cNvPr>
@@ -7431,7 +7431,7 @@
           <p:cNvPr id="21" name="Chỗ dành sẵn cho Hình ảnh 2">
             <a:extLst>
               <a:ext uri="{FF2B5EF4-FFF2-40B4-BE49-F238E27FC236}">
-                <a16:creationId xmlns="" xmlns:a16="http://schemas.microsoft.com/office/drawing/2014/main" id="{F2ACB6B7-AA9C-4400-AE52-4698E1110F22}"/>
+                <a16:creationId xmlns:a16="http://schemas.microsoft.com/office/drawing/2014/main" xmlns="" id="{F2ACB6B7-AA9C-4400-AE52-4698E1110F22}"/>
               </a:ext>
             </a:extLst>
           </p:cNvPr>
@@ -7473,7 +7473,7 @@
           <p:cNvPr id="16" name="Chỗ dành sẵn cho Nội dung 2">
             <a:extLst>
               <a:ext uri="{FF2B5EF4-FFF2-40B4-BE49-F238E27FC236}">
-                <a16:creationId xmlns="" xmlns:a16="http://schemas.microsoft.com/office/drawing/2014/main" id="{609833F7-F057-48CB-9D76-2CA2BC07E553}"/>
+                <a16:creationId xmlns:a16="http://schemas.microsoft.com/office/drawing/2014/main" xmlns="" id="{609833F7-F057-48CB-9D76-2CA2BC07E553}"/>
               </a:ext>
             </a:extLst>
           </p:cNvPr>
@@ -7558,7 +7558,7 @@
           <p:cNvPr id="42" name="Hình chữ nhật 41" descr="Vết cọ vẽ">
             <a:extLst>
               <a:ext uri="{FF2B5EF4-FFF2-40B4-BE49-F238E27FC236}">
-                <a16:creationId xmlns="" xmlns:a16="http://schemas.microsoft.com/office/drawing/2014/main" id="{5E9B7E8C-EA81-4F11-B6B4-4C6D0883E361}"/>
+                <a16:creationId xmlns:a16="http://schemas.microsoft.com/office/drawing/2014/main" xmlns="" id="{5E9B7E8C-EA81-4F11-B6B4-4C6D0883E361}"/>
               </a:ext>
             </a:extLst>
           </p:cNvPr>
@@ -7578,7 +7578,7 @@
               <a:alphaModFix amt="35000"/>
               <a:extLst>
                 <a:ext uri="{96DAC541-7B7A-43D3-8B79-37D633B846F1}">
-                  <asvg:svgBlip xmlns="" xmlns:asvg="http://schemas.microsoft.com/office/drawing/2016/SVG/main" r:embed="rId3"/>
+                  <asvg:svgBlip xmlns:asvg="http://schemas.microsoft.com/office/drawing/2016/SVG/main" xmlns="" r:embed="rId3"/>
                 </a:ext>
               </a:extLst>
             </a:blip>
@@ -7621,7 +7621,7 @@
           <p:cNvPr id="49" name="Đường nối Thẳng 48">
             <a:extLst>
               <a:ext uri="{FF2B5EF4-FFF2-40B4-BE49-F238E27FC236}">
-                <a16:creationId xmlns="" xmlns:a16="http://schemas.microsoft.com/office/drawing/2014/main" id="{A22D2062-91DE-4F9D-8979-5E7B70BB4D5C}"/>
+                <a16:creationId xmlns:a16="http://schemas.microsoft.com/office/drawing/2014/main" xmlns="" id="{A22D2062-91DE-4F9D-8979-5E7B70BB4D5C}"/>
               </a:ext>
             </a:extLst>
           </p:cNvPr>
@@ -7658,7 +7658,7 @@
           <p:cNvPr id="46" name="Hình bầu dục 45">
             <a:extLst>
               <a:ext uri="{FF2B5EF4-FFF2-40B4-BE49-F238E27FC236}">
-                <a16:creationId xmlns="" xmlns:a16="http://schemas.microsoft.com/office/drawing/2014/main" id="{4EB635A0-8647-462E-8EFA-7972F5298BA4}"/>
+                <a16:creationId xmlns:a16="http://schemas.microsoft.com/office/drawing/2014/main" xmlns="" id="{4EB635A0-8647-462E-8EFA-7972F5298BA4}"/>
               </a:ext>
             </a:extLst>
           </p:cNvPr>
@@ -7717,7 +7717,7 @@
           <p:cNvPr id="47" name="Hình bầu dục 46">
             <a:extLst>
               <a:ext uri="{FF2B5EF4-FFF2-40B4-BE49-F238E27FC236}">
-                <a16:creationId xmlns="" xmlns:a16="http://schemas.microsoft.com/office/drawing/2014/main" id="{85070A80-8F0E-4B18-B219-F60856841BC5}"/>
+                <a16:creationId xmlns:a16="http://schemas.microsoft.com/office/drawing/2014/main" xmlns="" id="{85070A80-8F0E-4B18-B219-F60856841BC5}"/>
               </a:ext>
             </a:extLst>
           </p:cNvPr>
@@ -7776,7 +7776,7 @@
           <p:cNvPr id="48" name="Hình bầu dục 47">
             <a:extLst>
               <a:ext uri="{FF2B5EF4-FFF2-40B4-BE49-F238E27FC236}">
-                <a16:creationId xmlns="" xmlns:a16="http://schemas.microsoft.com/office/drawing/2014/main" id="{ECAA45C4-93C9-4DB5-B9C6-4767D32E7D4F}"/>
+                <a16:creationId xmlns:a16="http://schemas.microsoft.com/office/drawing/2014/main" xmlns="" id="{ECAA45C4-93C9-4DB5-B9C6-4767D32E7D4F}"/>
               </a:ext>
             </a:extLst>
           </p:cNvPr>
@@ -7835,7 +7835,7 @@
           <p:cNvPr id="45" name="Hình bầu dục 44">
             <a:extLst>
               <a:ext uri="{FF2B5EF4-FFF2-40B4-BE49-F238E27FC236}">
-                <a16:creationId xmlns="" xmlns:a16="http://schemas.microsoft.com/office/drawing/2014/main" id="{E5C9AF58-99E9-4922-BA5A-693C45628310}"/>
+                <a16:creationId xmlns:a16="http://schemas.microsoft.com/office/drawing/2014/main" xmlns="" id="{E5C9AF58-99E9-4922-BA5A-693C45628310}"/>
               </a:ext>
             </a:extLst>
           </p:cNvPr>
@@ -7894,7 +7894,7 @@
           <p:cNvPr id="43" name="Hình bầu dục 42">
             <a:extLst>
               <a:ext uri="{FF2B5EF4-FFF2-40B4-BE49-F238E27FC236}">
-                <a16:creationId xmlns="" xmlns:a16="http://schemas.microsoft.com/office/drawing/2014/main" id="{71CAE0A3-2A25-4785-8E62-7CAA552DB48C}"/>
+                <a16:creationId xmlns:a16="http://schemas.microsoft.com/office/drawing/2014/main" xmlns="" id="{71CAE0A3-2A25-4785-8E62-7CAA552DB48C}"/>
               </a:ext>
             </a:extLst>
           </p:cNvPr>
@@ -7953,7 +7953,7 @@
           <p:cNvPr id="2" name="Tiêu đề 1">
             <a:extLst>
               <a:ext uri="{FF2B5EF4-FFF2-40B4-BE49-F238E27FC236}">
-                <a16:creationId xmlns="" xmlns:a16="http://schemas.microsoft.com/office/drawing/2014/main" id="{E117C2F7-CB66-4CB8-B26F-7B3C64D575E4}"/>
+                <a16:creationId xmlns:a16="http://schemas.microsoft.com/office/drawing/2014/main" xmlns="" id="{E117C2F7-CB66-4CB8-B26F-7B3C64D575E4}"/>
               </a:ext>
             </a:extLst>
           </p:cNvPr>
@@ -7995,7 +7995,7 @@
           <p:cNvPr id="5" name="Chỗ dành sẵn cho Ngày tháng 4">
             <a:extLst>
               <a:ext uri="{FF2B5EF4-FFF2-40B4-BE49-F238E27FC236}">
-                <a16:creationId xmlns="" xmlns:a16="http://schemas.microsoft.com/office/drawing/2014/main" id="{F8784BEA-5E31-4B76-8435-68BD500D0BF5}"/>
+                <a16:creationId xmlns:a16="http://schemas.microsoft.com/office/drawing/2014/main" xmlns="" id="{F8784BEA-5E31-4B76-8435-68BD500D0BF5}"/>
               </a:ext>
             </a:extLst>
           </p:cNvPr>
@@ -8025,7 +8025,7 @@
           <p:cNvPr id="6" name="Chỗ dành sẵn cho Chân trang 5">
             <a:extLst>
               <a:ext uri="{FF2B5EF4-FFF2-40B4-BE49-F238E27FC236}">
-                <a16:creationId xmlns="" xmlns:a16="http://schemas.microsoft.com/office/drawing/2014/main" id="{E419BEDD-A744-40CE-9FA6-391AD6FC33CD}"/>
+                <a16:creationId xmlns:a16="http://schemas.microsoft.com/office/drawing/2014/main" xmlns="" id="{E419BEDD-A744-40CE-9FA6-391AD6FC33CD}"/>
               </a:ext>
             </a:extLst>
           </p:cNvPr>
@@ -8051,7 +8051,7 @@
           <p:cNvPr id="7" name="Chỗ dành sẵn cho Số hiệu Bản chiếu 6">
             <a:extLst>
               <a:ext uri="{FF2B5EF4-FFF2-40B4-BE49-F238E27FC236}">
-                <a16:creationId xmlns="" xmlns:a16="http://schemas.microsoft.com/office/drawing/2014/main" id="{C093815F-F490-4307-9E87-AAF436C71A68}"/>
+                <a16:creationId xmlns:a16="http://schemas.microsoft.com/office/drawing/2014/main" xmlns="" id="{C093815F-F490-4307-9E87-AAF436C71A68}"/>
               </a:ext>
             </a:extLst>
           </p:cNvPr>
@@ -8081,7 +8081,7 @@
           <p:cNvPr id="9" name="Đường nối Thẳng 8">
             <a:extLst>
               <a:ext uri="{FF2B5EF4-FFF2-40B4-BE49-F238E27FC236}">
-                <a16:creationId xmlns="" xmlns:a16="http://schemas.microsoft.com/office/drawing/2014/main" id="{D39C86C5-91F0-4083-8CE5-1B547E5FEA06}"/>
+                <a16:creationId xmlns:a16="http://schemas.microsoft.com/office/drawing/2014/main" xmlns="" id="{D39C86C5-91F0-4083-8CE5-1B547E5FEA06}"/>
               </a:ext>
             </a:extLst>
           </p:cNvPr>
@@ -8118,7 +8118,7 @@
           <p:cNvPr id="10" name="Tiêu đề phụ 2">
             <a:extLst>
               <a:ext uri="{FF2B5EF4-FFF2-40B4-BE49-F238E27FC236}">
-                <a16:creationId xmlns="" xmlns:a16="http://schemas.microsoft.com/office/drawing/2014/main" id="{A617DA88-4765-4225-9C56-CD0FFD9D7673}"/>
+                <a16:creationId xmlns:a16="http://schemas.microsoft.com/office/drawing/2014/main" xmlns="" id="{A617DA88-4765-4225-9C56-CD0FFD9D7673}"/>
               </a:ext>
             </a:extLst>
           </p:cNvPr>
@@ -8196,7 +8196,7 @@
           <p:cNvPr id="21" name="Chỗ dành sẵn cho Hình ảnh 2">
             <a:extLst>
               <a:ext uri="{FF2B5EF4-FFF2-40B4-BE49-F238E27FC236}">
-                <a16:creationId xmlns="" xmlns:a16="http://schemas.microsoft.com/office/drawing/2014/main" id="{F2ACB6B7-AA9C-4400-AE52-4698E1110F22}"/>
+                <a16:creationId xmlns:a16="http://schemas.microsoft.com/office/drawing/2014/main" xmlns="" id="{F2ACB6B7-AA9C-4400-AE52-4698E1110F22}"/>
               </a:ext>
             </a:extLst>
           </p:cNvPr>
@@ -8238,7 +8238,7 @@
           <p:cNvPr id="15" name="Chỗ dành sẵn cho Văn bản 3">
             <a:extLst>
               <a:ext uri="{FF2B5EF4-FFF2-40B4-BE49-F238E27FC236}">
-                <a16:creationId xmlns="" xmlns:a16="http://schemas.microsoft.com/office/drawing/2014/main" id="{EE24F90E-9639-47BA-B2B5-44308E98E5FF}"/>
+                <a16:creationId xmlns:a16="http://schemas.microsoft.com/office/drawing/2014/main" xmlns="" id="{EE24F90E-9639-47BA-B2B5-44308E98E5FF}"/>
               </a:ext>
             </a:extLst>
           </p:cNvPr>
@@ -8324,7 +8324,7 @@
           <p:cNvPr id="17" name="Chỗ dành sẵn cho Văn bản 3">
             <a:extLst>
               <a:ext uri="{FF2B5EF4-FFF2-40B4-BE49-F238E27FC236}">
-                <a16:creationId xmlns="" xmlns:a16="http://schemas.microsoft.com/office/drawing/2014/main" id="{80E9425A-8D87-4F85-AA5A-B875BC11159E}"/>
+                <a16:creationId xmlns:a16="http://schemas.microsoft.com/office/drawing/2014/main" xmlns="" id="{80E9425A-8D87-4F85-AA5A-B875BC11159E}"/>
               </a:ext>
             </a:extLst>
           </p:cNvPr>
@@ -8417,7 +8417,7 @@
           <p:cNvPr id="18" name="Chỗ dành sẵn cho Văn bản 3">
             <a:extLst>
               <a:ext uri="{FF2B5EF4-FFF2-40B4-BE49-F238E27FC236}">
-                <a16:creationId xmlns="" xmlns:a16="http://schemas.microsoft.com/office/drawing/2014/main" id="{AAC62CEF-A7CC-4E5C-8E98-48ACBCE01C9F}"/>
+                <a16:creationId xmlns:a16="http://schemas.microsoft.com/office/drawing/2014/main" xmlns="" id="{AAC62CEF-A7CC-4E5C-8E98-48ACBCE01C9F}"/>
               </a:ext>
             </a:extLst>
           </p:cNvPr>
@@ -8500,7 +8500,7 @@
           <p:cNvPr id="19" name="Chỗ dành sẵn cho Văn bản 3">
             <a:extLst>
               <a:ext uri="{FF2B5EF4-FFF2-40B4-BE49-F238E27FC236}">
-                <a16:creationId xmlns="" xmlns:a16="http://schemas.microsoft.com/office/drawing/2014/main" id="{809AFEDE-B5E4-4DBC-BBB4-A12825A2C863}"/>
+                <a16:creationId xmlns:a16="http://schemas.microsoft.com/office/drawing/2014/main" xmlns="" id="{809AFEDE-B5E4-4DBC-BBB4-A12825A2C863}"/>
               </a:ext>
             </a:extLst>
           </p:cNvPr>
@@ -8584,7 +8584,7 @@
           <p:cNvPr id="23" name="Chỗ dành sẵn cho Văn bản 3">
             <a:extLst>
               <a:ext uri="{FF2B5EF4-FFF2-40B4-BE49-F238E27FC236}">
-                <a16:creationId xmlns="" xmlns:a16="http://schemas.microsoft.com/office/drawing/2014/main" id="{C655C2FA-4FE8-4A41-80BA-4F216DED3B33}"/>
+                <a16:creationId xmlns:a16="http://schemas.microsoft.com/office/drawing/2014/main" xmlns="" id="{C655C2FA-4FE8-4A41-80BA-4F216DED3B33}"/>
               </a:ext>
             </a:extLst>
           </p:cNvPr>
@@ -8667,7 +8667,7 @@
           <p:cNvPr id="24" name="Chỗ dành sẵn cho Văn bản 3">
             <a:extLst>
               <a:ext uri="{FF2B5EF4-FFF2-40B4-BE49-F238E27FC236}">
-                <a16:creationId xmlns="" xmlns:a16="http://schemas.microsoft.com/office/drawing/2014/main" id="{EF847E62-5CE2-45BE-A885-8D6CB5A97161}"/>
+                <a16:creationId xmlns:a16="http://schemas.microsoft.com/office/drawing/2014/main" xmlns="" id="{EF847E62-5CE2-45BE-A885-8D6CB5A97161}"/>
               </a:ext>
             </a:extLst>
           </p:cNvPr>
@@ -8751,7 +8751,7 @@
           <p:cNvPr id="26" name="Chỗ dành sẵn cho Văn bản 3">
             <a:extLst>
               <a:ext uri="{FF2B5EF4-FFF2-40B4-BE49-F238E27FC236}">
-                <a16:creationId xmlns="" xmlns:a16="http://schemas.microsoft.com/office/drawing/2014/main" id="{E9700CBF-AC90-4C6B-B28B-6070D7F4D171}"/>
+                <a16:creationId xmlns:a16="http://schemas.microsoft.com/office/drawing/2014/main" xmlns="" id="{E9700CBF-AC90-4C6B-B28B-6070D7F4D171}"/>
               </a:ext>
             </a:extLst>
           </p:cNvPr>
@@ -8834,7 +8834,7 @@
           <p:cNvPr id="27" name="Chỗ dành sẵn cho Văn bản 3">
             <a:extLst>
               <a:ext uri="{FF2B5EF4-FFF2-40B4-BE49-F238E27FC236}">
-                <a16:creationId xmlns="" xmlns:a16="http://schemas.microsoft.com/office/drawing/2014/main" id="{14A999B7-5760-4B03-8394-F38F76320714}"/>
+                <a16:creationId xmlns:a16="http://schemas.microsoft.com/office/drawing/2014/main" xmlns="" id="{14A999B7-5760-4B03-8394-F38F76320714}"/>
               </a:ext>
             </a:extLst>
           </p:cNvPr>
@@ -8918,7 +8918,7 @@
           <p:cNvPr id="29" name="Chỗ dành sẵn cho Văn bản 3">
             <a:extLst>
               <a:ext uri="{FF2B5EF4-FFF2-40B4-BE49-F238E27FC236}">
-                <a16:creationId xmlns="" xmlns:a16="http://schemas.microsoft.com/office/drawing/2014/main" id="{F0F3187D-7DB1-4719-9F22-A55C5CEB6E7B}"/>
+                <a16:creationId xmlns:a16="http://schemas.microsoft.com/office/drawing/2014/main" xmlns="" id="{F0F3187D-7DB1-4719-9F22-A55C5CEB6E7B}"/>
               </a:ext>
             </a:extLst>
           </p:cNvPr>
@@ -9001,7 +9001,7 @@
           <p:cNvPr id="30" name="Chỗ dành sẵn cho Văn bản 3">
             <a:extLst>
               <a:ext uri="{FF2B5EF4-FFF2-40B4-BE49-F238E27FC236}">
-                <a16:creationId xmlns="" xmlns:a16="http://schemas.microsoft.com/office/drawing/2014/main" id="{FC11D98A-051A-491B-9B80-2EFB0B103E76}"/>
+                <a16:creationId xmlns:a16="http://schemas.microsoft.com/office/drawing/2014/main" xmlns="" id="{FC11D98A-051A-491B-9B80-2EFB0B103E76}"/>
               </a:ext>
             </a:extLst>
           </p:cNvPr>
@@ -9085,7 +9085,7 @@
           <p:cNvPr id="32" name="Chỗ dành sẵn cho Văn bản 3">
             <a:extLst>
               <a:ext uri="{FF2B5EF4-FFF2-40B4-BE49-F238E27FC236}">
-                <a16:creationId xmlns="" xmlns:a16="http://schemas.microsoft.com/office/drawing/2014/main" id="{7F4211FC-A6F2-4AFA-9F30-FD13CEAAC5A0}"/>
+                <a16:creationId xmlns:a16="http://schemas.microsoft.com/office/drawing/2014/main" xmlns="" id="{7F4211FC-A6F2-4AFA-9F30-FD13CEAAC5A0}"/>
               </a:ext>
             </a:extLst>
           </p:cNvPr>
@@ -9168,7 +9168,7 @@
           <p:cNvPr id="33" name="Chỗ dành sẵn cho Văn bản 3">
             <a:extLst>
               <a:ext uri="{FF2B5EF4-FFF2-40B4-BE49-F238E27FC236}">
-                <a16:creationId xmlns="" xmlns:a16="http://schemas.microsoft.com/office/drawing/2014/main" id="{D3931DEC-CD0C-4B70-8E1E-036122C0484A}"/>
+                <a16:creationId xmlns:a16="http://schemas.microsoft.com/office/drawing/2014/main" xmlns="" id="{D3931DEC-CD0C-4B70-8E1E-036122C0484A}"/>
               </a:ext>
             </a:extLst>
           </p:cNvPr>
@@ -9252,7 +9252,7 @@
           <p:cNvPr id="34" name="Chỗ dành sẵn cho Văn bản 3">
             <a:extLst>
               <a:ext uri="{FF2B5EF4-FFF2-40B4-BE49-F238E27FC236}">
-                <a16:creationId xmlns="" xmlns:a16="http://schemas.microsoft.com/office/drawing/2014/main" id="{E45025BC-6529-4F89-87D6-1D94E2C72C6F}"/>
+                <a16:creationId xmlns:a16="http://schemas.microsoft.com/office/drawing/2014/main" xmlns="" id="{E45025BC-6529-4F89-87D6-1D94E2C72C6F}"/>
               </a:ext>
             </a:extLst>
           </p:cNvPr>
@@ -9338,7 +9338,7 @@
           <p:cNvPr id="35" name="Chỗ dành sẵn cho Văn bản 3">
             <a:extLst>
               <a:ext uri="{FF2B5EF4-FFF2-40B4-BE49-F238E27FC236}">
-                <a16:creationId xmlns="" xmlns:a16="http://schemas.microsoft.com/office/drawing/2014/main" id="{3CD7F50C-7C74-42DA-AD3A-38EEA8993C5D}"/>
+                <a16:creationId xmlns:a16="http://schemas.microsoft.com/office/drawing/2014/main" xmlns="" id="{3CD7F50C-7C74-42DA-AD3A-38EEA8993C5D}"/>
               </a:ext>
             </a:extLst>
           </p:cNvPr>
@@ -9431,7 +9431,7 @@
           <p:cNvPr id="36" name="Chỗ dành sẵn cho Văn bản 3">
             <a:extLst>
               <a:ext uri="{FF2B5EF4-FFF2-40B4-BE49-F238E27FC236}">
-                <a16:creationId xmlns="" xmlns:a16="http://schemas.microsoft.com/office/drawing/2014/main" id="{6B626BA0-3E25-4C19-9341-736B0E810156}"/>
+                <a16:creationId xmlns:a16="http://schemas.microsoft.com/office/drawing/2014/main" xmlns="" id="{6B626BA0-3E25-4C19-9341-736B0E810156}"/>
               </a:ext>
             </a:extLst>
           </p:cNvPr>
@@ -9517,7 +9517,7 @@
           <p:cNvPr id="37" name="Chỗ dành sẵn cho Văn bản 3">
             <a:extLst>
               <a:ext uri="{FF2B5EF4-FFF2-40B4-BE49-F238E27FC236}">
-                <a16:creationId xmlns="" xmlns:a16="http://schemas.microsoft.com/office/drawing/2014/main" id="{71D35746-C7C9-44AF-B36A-AD900B43E000}"/>
+                <a16:creationId xmlns:a16="http://schemas.microsoft.com/office/drawing/2014/main" xmlns="" id="{71D35746-C7C9-44AF-B36A-AD900B43E000}"/>
               </a:ext>
             </a:extLst>
           </p:cNvPr>
@@ -9610,7 +9610,7 @@
           <p:cNvPr id="38" name="Chỗ dành sẵn cho Văn bản 3">
             <a:extLst>
               <a:ext uri="{FF2B5EF4-FFF2-40B4-BE49-F238E27FC236}">
-                <a16:creationId xmlns="" xmlns:a16="http://schemas.microsoft.com/office/drawing/2014/main" id="{0DD122A5-3E85-448B-AEF4-916061D337DA}"/>
+                <a16:creationId xmlns:a16="http://schemas.microsoft.com/office/drawing/2014/main" xmlns="" id="{0DD122A5-3E85-448B-AEF4-916061D337DA}"/>
               </a:ext>
             </a:extLst>
           </p:cNvPr>
@@ -9696,7 +9696,7 @@
           <p:cNvPr id="39" name="Chỗ dành sẵn cho Văn bản 3">
             <a:extLst>
               <a:ext uri="{FF2B5EF4-FFF2-40B4-BE49-F238E27FC236}">
-                <a16:creationId xmlns="" xmlns:a16="http://schemas.microsoft.com/office/drawing/2014/main" id="{458B3ABB-6123-475E-9158-8F0F7E5CB7EA}"/>
+                <a16:creationId xmlns:a16="http://schemas.microsoft.com/office/drawing/2014/main" xmlns="" id="{458B3ABB-6123-475E-9158-8F0F7E5CB7EA}"/>
               </a:ext>
             </a:extLst>
           </p:cNvPr>
@@ -9789,7 +9789,7 @@
           <p:cNvPr id="40" name="Chỗ dành sẵn cho Văn bản 3">
             <a:extLst>
               <a:ext uri="{FF2B5EF4-FFF2-40B4-BE49-F238E27FC236}">
-                <a16:creationId xmlns="" xmlns:a16="http://schemas.microsoft.com/office/drawing/2014/main" id="{D3B00581-02A2-4EBF-BF5A-C945D4E1CF1F}"/>
+                <a16:creationId xmlns:a16="http://schemas.microsoft.com/office/drawing/2014/main" xmlns="" id="{D3B00581-02A2-4EBF-BF5A-C945D4E1CF1F}"/>
               </a:ext>
             </a:extLst>
           </p:cNvPr>
@@ -9875,7 +9875,7 @@
           <p:cNvPr id="41" name="Chỗ dành sẵn cho Văn bản 3">
             <a:extLst>
               <a:ext uri="{FF2B5EF4-FFF2-40B4-BE49-F238E27FC236}">
-                <a16:creationId xmlns="" xmlns:a16="http://schemas.microsoft.com/office/drawing/2014/main" id="{841B08C8-6479-4E23-9967-D1A97B48518A}"/>
+                <a16:creationId xmlns:a16="http://schemas.microsoft.com/office/drawing/2014/main" xmlns="" id="{841B08C8-6479-4E23-9967-D1A97B48518A}"/>
               </a:ext>
             </a:extLst>
           </p:cNvPr>
@@ -9998,7 +9998,7 @@
           <p:cNvPr id="3" name="Chỗ dành sẵn cho Nội dung 2">
             <a:extLst>
               <a:ext uri="{FF2B5EF4-FFF2-40B4-BE49-F238E27FC236}">
-                <a16:creationId xmlns="" xmlns:a16="http://schemas.microsoft.com/office/drawing/2014/main" id="{379FEDE1-14F2-46B9-85D8-8B68DB5F2E57}"/>
+                <a16:creationId xmlns:a16="http://schemas.microsoft.com/office/drawing/2014/main" xmlns="" id="{379FEDE1-14F2-46B9-85D8-8B68DB5F2E57}"/>
               </a:ext>
             </a:extLst>
           </p:cNvPr>
@@ -10049,7 +10049,7 @@
           <p:cNvPr id="2" name="Tiêu đề 1">
             <a:extLst>
               <a:ext uri="{FF2B5EF4-FFF2-40B4-BE49-F238E27FC236}">
-                <a16:creationId xmlns="" xmlns:a16="http://schemas.microsoft.com/office/drawing/2014/main" id="{E117C2F7-CB66-4CB8-B26F-7B3C64D575E4}"/>
+                <a16:creationId xmlns:a16="http://schemas.microsoft.com/office/drawing/2014/main" xmlns="" id="{E117C2F7-CB66-4CB8-B26F-7B3C64D575E4}"/>
               </a:ext>
             </a:extLst>
           </p:cNvPr>
@@ -10087,7 +10087,7 @@
           <p:cNvPr id="5" name="Chỗ dành sẵn cho Ngày tháng 4">
             <a:extLst>
               <a:ext uri="{FF2B5EF4-FFF2-40B4-BE49-F238E27FC236}">
-                <a16:creationId xmlns="" xmlns:a16="http://schemas.microsoft.com/office/drawing/2014/main" id="{F8784BEA-5E31-4B76-8435-68BD500D0BF5}"/>
+                <a16:creationId xmlns:a16="http://schemas.microsoft.com/office/drawing/2014/main" xmlns="" id="{F8784BEA-5E31-4B76-8435-68BD500D0BF5}"/>
               </a:ext>
             </a:extLst>
           </p:cNvPr>
@@ -10117,7 +10117,7 @@
           <p:cNvPr id="6" name="Chỗ dành sẵn cho Chân trang 5">
             <a:extLst>
               <a:ext uri="{FF2B5EF4-FFF2-40B4-BE49-F238E27FC236}">
-                <a16:creationId xmlns="" xmlns:a16="http://schemas.microsoft.com/office/drawing/2014/main" id="{E419BEDD-A744-40CE-9FA6-391AD6FC33CD}"/>
+                <a16:creationId xmlns:a16="http://schemas.microsoft.com/office/drawing/2014/main" xmlns="" id="{E419BEDD-A744-40CE-9FA6-391AD6FC33CD}"/>
               </a:ext>
             </a:extLst>
           </p:cNvPr>
@@ -10143,7 +10143,7 @@
           <p:cNvPr id="7" name="Chỗ dành sẵn cho Số hiệu Bản chiếu 6">
             <a:extLst>
               <a:ext uri="{FF2B5EF4-FFF2-40B4-BE49-F238E27FC236}">
-                <a16:creationId xmlns="" xmlns:a16="http://schemas.microsoft.com/office/drawing/2014/main" id="{C093815F-F490-4307-9E87-AAF436C71A68}"/>
+                <a16:creationId xmlns:a16="http://schemas.microsoft.com/office/drawing/2014/main" xmlns="" id="{C093815F-F490-4307-9E87-AAF436C71A68}"/>
               </a:ext>
             </a:extLst>
           </p:cNvPr>
@@ -10173,7 +10173,7 @@
           <p:cNvPr id="21" name="Chỗ dành sẵn cho Hình ảnh 2">
             <a:extLst>
               <a:ext uri="{FF2B5EF4-FFF2-40B4-BE49-F238E27FC236}">
-                <a16:creationId xmlns="" xmlns:a16="http://schemas.microsoft.com/office/drawing/2014/main" id="{F2ACB6B7-AA9C-4400-AE52-4698E1110F22}"/>
+                <a16:creationId xmlns:a16="http://schemas.microsoft.com/office/drawing/2014/main" xmlns="" id="{F2ACB6B7-AA9C-4400-AE52-4698E1110F22}"/>
               </a:ext>
             </a:extLst>
           </p:cNvPr>
@@ -10245,7 +10245,7 @@
           <p:cNvPr id="2" name="Tiêu đề 1">
             <a:extLst>
               <a:ext uri="{FF2B5EF4-FFF2-40B4-BE49-F238E27FC236}">
-                <a16:creationId xmlns="" xmlns:a16="http://schemas.microsoft.com/office/drawing/2014/main" id="{E117C2F7-CB66-4CB8-B26F-7B3C64D575E4}"/>
+                <a16:creationId xmlns:a16="http://schemas.microsoft.com/office/drawing/2014/main" xmlns="" id="{E117C2F7-CB66-4CB8-B26F-7B3C64D575E4}"/>
               </a:ext>
             </a:extLst>
           </p:cNvPr>
@@ -10283,7 +10283,7 @@
           <p:cNvPr id="5" name="Chỗ dành sẵn cho Ngày tháng 4">
             <a:extLst>
               <a:ext uri="{FF2B5EF4-FFF2-40B4-BE49-F238E27FC236}">
-                <a16:creationId xmlns="" xmlns:a16="http://schemas.microsoft.com/office/drawing/2014/main" id="{F8784BEA-5E31-4B76-8435-68BD500D0BF5}"/>
+                <a16:creationId xmlns:a16="http://schemas.microsoft.com/office/drawing/2014/main" xmlns="" id="{F8784BEA-5E31-4B76-8435-68BD500D0BF5}"/>
               </a:ext>
             </a:extLst>
           </p:cNvPr>
@@ -10313,7 +10313,7 @@
           <p:cNvPr id="6" name="Chỗ dành sẵn cho Chân trang 5">
             <a:extLst>
               <a:ext uri="{FF2B5EF4-FFF2-40B4-BE49-F238E27FC236}">
-                <a16:creationId xmlns="" xmlns:a16="http://schemas.microsoft.com/office/drawing/2014/main" id="{E419BEDD-A744-40CE-9FA6-391AD6FC33CD}"/>
+                <a16:creationId xmlns:a16="http://schemas.microsoft.com/office/drawing/2014/main" xmlns="" id="{E419BEDD-A744-40CE-9FA6-391AD6FC33CD}"/>
               </a:ext>
             </a:extLst>
           </p:cNvPr>
@@ -10339,7 +10339,7 @@
           <p:cNvPr id="7" name="Chỗ dành sẵn cho Số hiệu Bản chiếu 6">
             <a:extLst>
               <a:ext uri="{FF2B5EF4-FFF2-40B4-BE49-F238E27FC236}">
-                <a16:creationId xmlns="" xmlns:a16="http://schemas.microsoft.com/office/drawing/2014/main" id="{C093815F-F490-4307-9E87-AAF436C71A68}"/>
+                <a16:creationId xmlns:a16="http://schemas.microsoft.com/office/drawing/2014/main" xmlns="" id="{C093815F-F490-4307-9E87-AAF436C71A68}"/>
               </a:ext>
             </a:extLst>
           </p:cNvPr>
@@ -10369,7 +10369,7 @@
           <p:cNvPr id="9" name="Đường nối Thẳng 8">
             <a:extLst>
               <a:ext uri="{FF2B5EF4-FFF2-40B4-BE49-F238E27FC236}">
-                <a16:creationId xmlns="" xmlns:a16="http://schemas.microsoft.com/office/drawing/2014/main" id="{D39C86C5-91F0-4083-8CE5-1B547E5FEA06}"/>
+                <a16:creationId xmlns:a16="http://schemas.microsoft.com/office/drawing/2014/main" xmlns="" id="{D39C86C5-91F0-4083-8CE5-1B547E5FEA06}"/>
               </a:ext>
             </a:extLst>
           </p:cNvPr>
@@ -10406,7 +10406,7 @@
           <p:cNvPr id="21" name="Chỗ dành sẵn cho Hình ảnh 2">
             <a:extLst>
               <a:ext uri="{FF2B5EF4-FFF2-40B4-BE49-F238E27FC236}">
-                <a16:creationId xmlns="" xmlns:a16="http://schemas.microsoft.com/office/drawing/2014/main" id="{F2ACB6B7-AA9C-4400-AE52-4698E1110F22}"/>
+                <a16:creationId xmlns:a16="http://schemas.microsoft.com/office/drawing/2014/main" xmlns="" id="{F2ACB6B7-AA9C-4400-AE52-4698E1110F22}"/>
               </a:ext>
             </a:extLst>
           </p:cNvPr>
@@ -10448,7 +10448,7 @@
           <p:cNvPr id="12" name="Hình chữ nhật 11" descr="Vết cọ vẽ">
             <a:extLst>
               <a:ext uri="{FF2B5EF4-FFF2-40B4-BE49-F238E27FC236}">
-                <a16:creationId xmlns="" xmlns:a16="http://schemas.microsoft.com/office/drawing/2014/main" id="{A7FA5215-18C5-48EB-9287-FD0210082394}"/>
+                <a16:creationId xmlns:a16="http://schemas.microsoft.com/office/drawing/2014/main" xmlns="" id="{A7FA5215-18C5-48EB-9287-FD0210082394}"/>
               </a:ext>
             </a:extLst>
           </p:cNvPr>
@@ -10468,7 +10468,7 @@
               <a:alphaModFix amt="35000"/>
               <a:extLst>
                 <a:ext uri="{96DAC541-7B7A-43D3-8B79-37D633B846F1}">
-                  <asvg:svgBlip xmlns="" xmlns:asvg="http://schemas.microsoft.com/office/drawing/2016/SVG/main" r:embed="rId3"/>
+                  <asvg:svgBlip xmlns:asvg="http://schemas.microsoft.com/office/drawing/2016/SVG/main" xmlns="" r:embed="rId3"/>
                 </a:ext>
               </a:extLst>
             </a:blip>
@@ -10511,7 +10511,7 @@
           <p:cNvPr id="13" name="Chỗ dành sẵn cho Văn bản 3">
             <a:extLst>
               <a:ext uri="{FF2B5EF4-FFF2-40B4-BE49-F238E27FC236}">
-                <a16:creationId xmlns="" xmlns:a16="http://schemas.microsoft.com/office/drawing/2014/main" id="{13B21B5D-078E-4818-93B7-C4BC44E0E670}"/>
+                <a16:creationId xmlns:a16="http://schemas.microsoft.com/office/drawing/2014/main" xmlns="" id="{13B21B5D-078E-4818-93B7-C4BC44E0E670}"/>
               </a:ext>
             </a:extLst>
           </p:cNvPr>
@@ -10594,7 +10594,7 @@
           <p:cNvPr id="15" name="Chỗ dành sẵn cho Văn bản 3">
             <a:extLst>
               <a:ext uri="{FF2B5EF4-FFF2-40B4-BE49-F238E27FC236}">
-                <a16:creationId xmlns="" xmlns:a16="http://schemas.microsoft.com/office/drawing/2014/main" id="{19C62EE8-62D4-42A2-ADFB-270054905059}"/>
+                <a16:creationId xmlns:a16="http://schemas.microsoft.com/office/drawing/2014/main" xmlns="" id="{19C62EE8-62D4-42A2-ADFB-270054905059}"/>
               </a:ext>
             </a:extLst>
           </p:cNvPr>
@@ -10687,7 +10687,7 @@
           <p:cNvPr id="17" name="Chỗ dành sẵn cho Văn bản 3">
             <a:extLst>
               <a:ext uri="{FF2B5EF4-FFF2-40B4-BE49-F238E27FC236}">
-                <a16:creationId xmlns="" xmlns:a16="http://schemas.microsoft.com/office/drawing/2014/main" id="{86BD6FD2-1D30-49A6-830E-AA56A99FC1CE}"/>
+                <a16:creationId xmlns:a16="http://schemas.microsoft.com/office/drawing/2014/main" xmlns="" id="{86BD6FD2-1D30-49A6-830E-AA56A99FC1CE}"/>
               </a:ext>
             </a:extLst>
           </p:cNvPr>
@@ -10796,7 +10796,7 @@
           <p:cNvPr id="19" name="Hình chữ nhật 18" descr="Vết cọ vẽ">
             <a:extLst>
               <a:ext uri="{FF2B5EF4-FFF2-40B4-BE49-F238E27FC236}">
-                <a16:creationId xmlns="" xmlns:a16="http://schemas.microsoft.com/office/drawing/2014/main" id="{092F9F63-01FC-4172-8992-6FBF9B839FC8}"/>
+                <a16:creationId xmlns:a16="http://schemas.microsoft.com/office/drawing/2014/main" xmlns="" id="{092F9F63-01FC-4172-8992-6FBF9B839FC8}"/>
               </a:ext>
             </a:extLst>
           </p:cNvPr>
@@ -10816,7 +10816,7 @@
               <a:alphaModFix amt="35000"/>
               <a:extLst>
                 <a:ext uri="{96DAC541-7B7A-43D3-8B79-37D633B846F1}">
-                  <asvg:svgBlip xmlns="" xmlns:asvg="http://schemas.microsoft.com/office/drawing/2016/SVG/main" r:embed="rId3"/>
+                  <asvg:svgBlip xmlns:asvg="http://schemas.microsoft.com/office/drawing/2016/SVG/main" xmlns="" r:embed="rId3"/>
                 </a:ext>
               </a:extLst>
             </a:blip>
@@ -10859,7 +10859,7 @@
           <p:cNvPr id="23" name="Hình chữ nhật 22" descr="Vết cọ vẽ">
             <a:extLst>
               <a:ext uri="{FF2B5EF4-FFF2-40B4-BE49-F238E27FC236}">
-                <a16:creationId xmlns="" xmlns:a16="http://schemas.microsoft.com/office/drawing/2014/main" id="{F4C281DF-CD63-43AF-A8F3-B0C6542AE01E}"/>
+                <a16:creationId xmlns:a16="http://schemas.microsoft.com/office/drawing/2014/main" xmlns="" id="{F4C281DF-CD63-43AF-A8F3-B0C6542AE01E}"/>
               </a:ext>
             </a:extLst>
           </p:cNvPr>
@@ -10879,7 +10879,7 @@
               <a:alphaModFix amt="35000"/>
               <a:extLst>
                 <a:ext uri="{96DAC541-7B7A-43D3-8B79-37D633B846F1}">
-                  <asvg:svgBlip xmlns="" xmlns:asvg="http://schemas.microsoft.com/office/drawing/2016/SVG/main" r:embed="rId3"/>
+                  <asvg:svgBlip xmlns:asvg="http://schemas.microsoft.com/office/drawing/2016/SVG/main" xmlns="" r:embed="rId3"/>
                 </a:ext>
               </a:extLst>
             </a:blip>
@@ -10922,7 +10922,7 @@
           <p:cNvPr id="25" name="Chỗ dành sẵn cho Văn bản 3">
             <a:extLst>
               <a:ext uri="{FF2B5EF4-FFF2-40B4-BE49-F238E27FC236}">
-                <a16:creationId xmlns="" xmlns:a16="http://schemas.microsoft.com/office/drawing/2014/main" id="{4B294B4F-3059-4977-8F9A-F67332F7B0A4}"/>
+                <a16:creationId xmlns:a16="http://schemas.microsoft.com/office/drawing/2014/main" xmlns="" id="{4B294B4F-3059-4977-8F9A-F67332F7B0A4}"/>
               </a:ext>
             </a:extLst>
           </p:cNvPr>
@@ -11005,7 +11005,7 @@
           <p:cNvPr id="26" name="Chỗ dành sẵn cho Văn bản 3">
             <a:extLst>
               <a:ext uri="{FF2B5EF4-FFF2-40B4-BE49-F238E27FC236}">
-                <a16:creationId xmlns="" xmlns:a16="http://schemas.microsoft.com/office/drawing/2014/main" id="{E6DB76A1-F16D-475C-9887-7EAE32A8C3A3}"/>
+                <a16:creationId xmlns:a16="http://schemas.microsoft.com/office/drawing/2014/main" xmlns="" id="{E6DB76A1-F16D-475C-9887-7EAE32A8C3A3}"/>
               </a:ext>
             </a:extLst>
           </p:cNvPr>
@@ -11114,7 +11114,7 @@
           <p:cNvPr id="27" name="Chỗ dành sẵn cho Văn bản 3">
             <a:extLst>
               <a:ext uri="{FF2B5EF4-FFF2-40B4-BE49-F238E27FC236}">
-                <a16:creationId xmlns="" xmlns:a16="http://schemas.microsoft.com/office/drawing/2014/main" id="{C310658D-D557-47BB-BC8A-B915B830ED05}"/>
+                <a16:creationId xmlns:a16="http://schemas.microsoft.com/office/drawing/2014/main" xmlns="" id="{C310658D-D557-47BB-BC8A-B915B830ED05}"/>
               </a:ext>
             </a:extLst>
           </p:cNvPr>
@@ -11197,7 +11197,7 @@
           <p:cNvPr id="28" name="Chỗ dành sẵn cho Văn bản 3">
             <a:extLst>
               <a:ext uri="{FF2B5EF4-FFF2-40B4-BE49-F238E27FC236}">
-                <a16:creationId xmlns="" xmlns:a16="http://schemas.microsoft.com/office/drawing/2014/main" id="{431AC128-54A5-4348-9354-2090E9446DD0}"/>
+                <a16:creationId xmlns:a16="http://schemas.microsoft.com/office/drawing/2014/main" xmlns="" id="{431AC128-54A5-4348-9354-2090E9446DD0}"/>
               </a:ext>
             </a:extLst>
           </p:cNvPr>
@@ -11306,7 +11306,7 @@
           <p:cNvPr id="29" name="Chỗ dành sẵn cho Hình ảnh 7">
             <a:extLst>
               <a:ext uri="{FF2B5EF4-FFF2-40B4-BE49-F238E27FC236}">
-                <a16:creationId xmlns="" xmlns:a16="http://schemas.microsoft.com/office/drawing/2014/main" id="{546207D6-A979-4C63-A9FA-514FA9733332}"/>
+                <a16:creationId xmlns:a16="http://schemas.microsoft.com/office/drawing/2014/main" xmlns="" id="{546207D6-A979-4C63-A9FA-514FA9733332}"/>
               </a:ext>
             </a:extLst>
           </p:cNvPr>
@@ -11356,7 +11356,7 @@
           <p:cNvPr id="30" name="Chỗ dành sẵn cho Hình ảnh 7">
             <a:extLst>
               <a:ext uri="{FF2B5EF4-FFF2-40B4-BE49-F238E27FC236}">
-                <a16:creationId xmlns="" xmlns:a16="http://schemas.microsoft.com/office/drawing/2014/main" id="{17B9003F-DE29-4AC3-A466-BEFDC52EA5D4}"/>
+                <a16:creationId xmlns:a16="http://schemas.microsoft.com/office/drawing/2014/main" xmlns="" id="{17B9003F-DE29-4AC3-A466-BEFDC52EA5D4}"/>
               </a:ext>
             </a:extLst>
           </p:cNvPr>
@@ -11406,7 +11406,7 @@
           <p:cNvPr id="31" name="Chỗ dành sẵn cho Hình ảnh 7">
             <a:extLst>
               <a:ext uri="{FF2B5EF4-FFF2-40B4-BE49-F238E27FC236}">
-                <a16:creationId xmlns="" xmlns:a16="http://schemas.microsoft.com/office/drawing/2014/main" id="{4BAD77A4-CEB0-4E6E-8ABE-363A50124165}"/>
+                <a16:creationId xmlns:a16="http://schemas.microsoft.com/office/drawing/2014/main" xmlns="" id="{4BAD77A4-CEB0-4E6E-8ABE-363A50124165}"/>
               </a:ext>
             </a:extLst>
           </p:cNvPr>
@@ -11456,7 +11456,7 @@
           <p:cNvPr id="32" name="Chỗ dành sẵn cho Văn bản 3">
             <a:extLst>
               <a:ext uri="{FF2B5EF4-FFF2-40B4-BE49-F238E27FC236}">
-                <a16:creationId xmlns="" xmlns:a16="http://schemas.microsoft.com/office/drawing/2014/main" id="{B4EF5BD4-323A-47A4-8705-96248C8A4AE9}"/>
+                <a16:creationId xmlns:a16="http://schemas.microsoft.com/office/drawing/2014/main" xmlns="" id="{B4EF5BD4-323A-47A4-8705-96248C8A4AE9}"/>
               </a:ext>
             </a:extLst>
           </p:cNvPr>
@@ -11549,7 +11549,7 @@
           <p:cNvPr id="33" name="Chỗ dành sẵn cho Văn bản 3">
             <a:extLst>
               <a:ext uri="{FF2B5EF4-FFF2-40B4-BE49-F238E27FC236}">
-                <a16:creationId xmlns="" xmlns:a16="http://schemas.microsoft.com/office/drawing/2014/main" id="{88881F5B-BE54-484E-82B8-4CB1E9F43AE4}"/>
+                <a16:creationId xmlns:a16="http://schemas.microsoft.com/office/drawing/2014/main" xmlns="" id="{88881F5B-BE54-484E-82B8-4CB1E9F43AE4}"/>
               </a:ext>
             </a:extLst>
           </p:cNvPr>
@@ -11672,7 +11672,7 @@
           <p:cNvPr id="2" name="Tiêu đề 1">
             <a:extLst>
               <a:ext uri="{FF2B5EF4-FFF2-40B4-BE49-F238E27FC236}">
-                <a16:creationId xmlns="" xmlns:a16="http://schemas.microsoft.com/office/drawing/2014/main" id="{E117C2F7-CB66-4CB8-B26F-7B3C64D575E4}"/>
+                <a16:creationId xmlns:a16="http://schemas.microsoft.com/office/drawing/2014/main" xmlns="" id="{E117C2F7-CB66-4CB8-B26F-7B3C64D575E4}"/>
               </a:ext>
             </a:extLst>
           </p:cNvPr>
@@ -11710,7 +11710,7 @@
           <p:cNvPr id="5" name="Chỗ dành sẵn cho Ngày tháng 4">
             <a:extLst>
               <a:ext uri="{FF2B5EF4-FFF2-40B4-BE49-F238E27FC236}">
-                <a16:creationId xmlns="" xmlns:a16="http://schemas.microsoft.com/office/drawing/2014/main" id="{F8784BEA-5E31-4B76-8435-68BD500D0BF5}"/>
+                <a16:creationId xmlns:a16="http://schemas.microsoft.com/office/drawing/2014/main" xmlns="" id="{F8784BEA-5E31-4B76-8435-68BD500D0BF5}"/>
               </a:ext>
             </a:extLst>
           </p:cNvPr>
@@ -11740,7 +11740,7 @@
           <p:cNvPr id="6" name="Chỗ dành sẵn cho Chân trang 5">
             <a:extLst>
               <a:ext uri="{FF2B5EF4-FFF2-40B4-BE49-F238E27FC236}">
-                <a16:creationId xmlns="" xmlns:a16="http://schemas.microsoft.com/office/drawing/2014/main" id="{E419BEDD-A744-40CE-9FA6-391AD6FC33CD}"/>
+                <a16:creationId xmlns:a16="http://schemas.microsoft.com/office/drawing/2014/main" xmlns="" id="{E419BEDD-A744-40CE-9FA6-391AD6FC33CD}"/>
               </a:ext>
             </a:extLst>
           </p:cNvPr>
@@ -11766,7 +11766,7 @@
           <p:cNvPr id="7" name="Chỗ dành sẵn cho Số hiệu Bản chiếu 6">
             <a:extLst>
               <a:ext uri="{FF2B5EF4-FFF2-40B4-BE49-F238E27FC236}">
-                <a16:creationId xmlns="" xmlns:a16="http://schemas.microsoft.com/office/drawing/2014/main" id="{C093815F-F490-4307-9E87-AAF436C71A68}"/>
+                <a16:creationId xmlns:a16="http://schemas.microsoft.com/office/drawing/2014/main" xmlns="" id="{C093815F-F490-4307-9E87-AAF436C71A68}"/>
               </a:ext>
             </a:extLst>
           </p:cNvPr>
@@ -11796,7 +11796,7 @@
           <p:cNvPr id="9" name="Đường nối Thẳng 8">
             <a:extLst>
               <a:ext uri="{FF2B5EF4-FFF2-40B4-BE49-F238E27FC236}">
-                <a16:creationId xmlns="" xmlns:a16="http://schemas.microsoft.com/office/drawing/2014/main" id="{D39C86C5-91F0-4083-8CE5-1B547E5FEA06}"/>
+                <a16:creationId xmlns:a16="http://schemas.microsoft.com/office/drawing/2014/main" xmlns="" id="{D39C86C5-91F0-4083-8CE5-1B547E5FEA06}"/>
               </a:ext>
             </a:extLst>
           </p:cNvPr>
@@ -11833,7 +11833,7 @@
           <p:cNvPr id="10" name="Tiêu đề phụ 2">
             <a:extLst>
               <a:ext uri="{FF2B5EF4-FFF2-40B4-BE49-F238E27FC236}">
-                <a16:creationId xmlns="" xmlns:a16="http://schemas.microsoft.com/office/drawing/2014/main" id="{A617DA88-4765-4225-9C56-CD0FFD9D7673}"/>
+                <a16:creationId xmlns:a16="http://schemas.microsoft.com/office/drawing/2014/main" xmlns="" id="{A617DA88-4765-4225-9C56-CD0FFD9D7673}"/>
               </a:ext>
             </a:extLst>
           </p:cNvPr>
@@ -11911,7 +11911,7 @@
           <p:cNvPr id="21" name="Chỗ dành sẵn cho Hình ảnh 2">
             <a:extLst>
               <a:ext uri="{FF2B5EF4-FFF2-40B4-BE49-F238E27FC236}">
-                <a16:creationId xmlns="" xmlns:a16="http://schemas.microsoft.com/office/drawing/2014/main" id="{F2ACB6B7-AA9C-4400-AE52-4698E1110F22}"/>
+                <a16:creationId xmlns:a16="http://schemas.microsoft.com/office/drawing/2014/main" xmlns="" id="{F2ACB6B7-AA9C-4400-AE52-4698E1110F22}"/>
               </a:ext>
             </a:extLst>
           </p:cNvPr>
@@ -11953,7 +11953,7 @@
           <p:cNvPr id="44" name="Hình chữ nhật 43" descr="Vết cọ vẽ">
             <a:extLst>
               <a:ext uri="{FF2B5EF4-FFF2-40B4-BE49-F238E27FC236}">
-                <a16:creationId xmlns="" xmlns:a16="http://schemas.microsoft.com/office/drawing/2014/main" id="{45F71459-E761-4BAA-8296-9AF4852B6725}"/>
+                <a16:creationId xmlns:a16="http://schemas.microsoft.com/office/drawing/2014/main" xmlns="" id="{45F71459-E761-4BAA-8296-9AF4852B6725}"/>
               </a:ext>
             </a:extLst>
           </p:cNvPr>
@@ -11973,7 +11973,7 @@
               <a:alphaModFix amt="35000"/>
               <a:extLst>
                 <a:ext uri="{96DAC541-7B7A-43D3-8B79-37D633B846F1}">
-                  <asvg:svgBlip xmlns="" xmlns:asvg="http://schemas.microsoft.com/office/drawing/2016/SVG/main" r:embed="rId3"/>
+                  <asvg:svgBlip xmlns:asvg="http://schemas.microsoft.com/office/drawing/2016/SVG/main" xmlns="" r:embed="rId3"/>
                 </a:ext>
               </a:extLst>
             </a:blip>
@@ -12016,7 +12016,7 @@
           <p:cNvPr id="50" name="Chỗ dành sẵn cho Văn bản 3">
             <a:extLst>
               <a:ext uri="{FF2B5EF4-FFF2-40B4-BE49-F238E27FC236}">
-                <a16:creationId xmlns="" xmlns:a16="http://schemas.microsoft.com/office/drawing/2014/main" id="{6AC768B6-7E69-4D83-802E-99B210F63E7C}"/>
+                <a16:creationId xmlns:a16="http://schemas.microsoft.com/office/drawing/2014/main" xmlns="" id="{6AC768B6-7E69-4D83-802E-99B210F63E7C}"/>
               </a:ext>
             </a:extLst>
           </p:cNvPr>
@@ -12099,7 +12099,7 @@
           <p:cNvPr id="52" name="Chỗ dành sẵn cho Văn bản 3">
             <a:extLst>
               <a:ext uri="{FF2B5EF4-FFF2-40B4-BE49-F238E27FC236}">
-                <a16:creationId xmlns="" xmlns:a16="http://schemas.microsoft.com/office/drawing/2014/main" id="{BF4CB0EB-2362-40AE-A515-F4CB60384DCF}"/>
+                <a16:creationId xmlns:a16="http://schemas.microsoft.com/office/drawing/2014/main" xmlns="" id="{BF4CB0EB-2362-40AE-A515-F4CB60384DCF}"/>
               </a:ext>
             </a:extLst>
           </p:cNvPr>
@@ -12182,7 +12182,7 @@
           <p:cNvPr id="53" name="Hình chữ nhật 52" descr="Vết cọ vẽ">
             <a:extLst>
               <a:ext uri="{FF2B5EF4-FFF2-40B4-BE49-F238E27FC236}">
-                <a16:creationId xmlns="" xmlns:a16="http://schemas.microsoft.com/office/drawing/2014/main" id="{649EA34C-A785-4041-A0AB-24331FD3E59F}"/>
+                <a16:creationId xmlns:a16="http://schemas.microsoft.com/office/drawing/2014/main" xmlns="" id="{649EA34C-A785-4041-A0AB-24331FD3E59F}"/>
               </a:ext>
             </a:extLst>
           </p:cNvPr>
@@ -12202,7 +12202,7 @@
               <a:alphaModFix amt="35000"/>
               <a:extLst>
                 <a:ext uri="{96DAC541-7B7A-43D3-8B79-37D633B846F1}">
-                  <asvg:svgBlip xmlns="" xmlns:asvg="http://schemas.microsoft.com/office/drawing/2016/SVG/main" r:embed="rId3"/>
+                  <asvg:svgBlip xmlns:asvg="http://schemas.microsoft.com/office/drawing/2016/SVG/main" xmlns="" r:embed="rId3"/>
                 </a:ext>
               </a:extLst>
             </a:blip>
@@ -12245,7 +12245,7 @@
           <p:cNvPr id="54" name="Chỗ dành sẵn cho Văn bản 3">
             <a:extLst>
               <a:ext uri="{FF2B5EF4-FFF2-40B4-BE49-F238E27FC236}">
-                <a16:creationId xmlns="" xmlns:a16="http://schemas.microsoft.com/office/drawing/2014/main" id="{C7883561-875A-4883-8EBA-695D8F428B34}"/>
+                <a16:creationId xmlns:a16="http://schemas.microsoft.com/office/drawing/2014/main" xmlns="" id="{C7883561-875A-4883-8EBA-695D8F428B34}"/>
               </a:ext>
             </a:extLst>
           </p:cNvPr>
@@ -12328,7 +12328,7 @@
           <p:cNvPr id="56" name="Chỗ dành sẵn cho Văn bản 3">
             <a:extLst>
               <a:ext uri="{FF2B5EF4-FFF2-40B4-BE49-F238E27FC236}">
-                <a16:creationId xmlns="" xmlns:a16="http://schemas.microsoft.com/office/drawing/2014/main" id="{012DB6B7-23AC-4EF4-B923-9AD4D38FE8F7}"/>
+                <a16:creationId xmlns:a16="http://schemas.microsoft.com/office/drawing/2014/main" xmlns="" id="{012DB6B7-23AC-4EF4-B923-9AD4D38FE8F7}"/>
               </a:ext>
             </a:extLst>
           </p:cNvPr>
@@ -12411,7 +12411,7 @@
           <p:cNvPr id="57" name="Hình chữ nhật 56" descr="Vết cọ vẽ">
             <a:extLst>
               <a:ext uri="{FF2B5EF4-FFF2-40B4-BE49-F238E27FC236}">
-                <a16:creationId xmlns="" xmlns:a16="http://schemas.microsoft.com/office/drawing/2014/main" id="{4C9A4FED-7338-4464-BD67-68B1B1F078A9}"/>
+                <a16:creationId xmlns:a16="http://schemas.microsoft.com/office/drawing/2014/main" xmlns="" id="{4C9A4FED-7338-4464-BD67-68B1B1F078A9}"/>
               </a:ext>
             </a:extLst>
           </p:cNvPr>
@@ -12431,7 +12431,7 @@
               <a:alphaModFix amt="35000"/>
               <a:extLst>
                 <a:ext uri="{96DAC541-7B7A-43D3-8B79-37D633B846F1}">
-                  <asvg:svgBlip xmlns="" xmlns:asvg="http://schemas.microsoft.com/office/drawing/2016/SVG/main" r:embed="rId3"/>
+                  <asvg:svgBlip xmlns:asvg="http://schemas.microsoft.com/office/drawing/2016/SVG/main" xmlns="" r:embed="rId3"/>
                 </a:ext>
               </a:extLst>
             </a:blip>
@@ -12474,7 +12474,7 @@
           <p:cNvPr id="58" name="Chỗ dành sẵn cho Văn bản 3">
             <a:extLst>
               <a:ext uri="{FF2B5EF4-FFF2-40B4-BE49-F238E27FC236}">
-                <a16:creationId xmlns="" xmlns:a16="http://schemas.microsoft.com/office/drawing/2014/main" id="{FF72A063-C2D4-42E7-95AF-2DBF9DB9DC3C}"/>
+                <a16:creationId xmlns:a16="http://schemas.microsoft.com/office/drawing/2014/main" xmlns="" id="{FF72A063-C2D4-42E7-95AF-2DBF9DB9DC3C}"/>
               </a:ext>
             </a:extLst>
           </p:cNvPr>
@@ -12557,7 +12557,7 @@
           <p:cNvPr id="60" name="Chỗ dành sẵn cho Văn bản 3">
             <a:extLst>
               <a:ext uri="{FF2B5EF4-FFF2-40B4-BE49-F238E27FC236}">
-                <a16:creationId xmlns="" xmlns:a16="http://schemas.microsoft.com/office/drawing/2014/main" id="{DCA75C38-AA57-488A-93F2-F457032ACBBE}"/>
+                <a16:creationId xmlns:a16="http://schemas.microsoft.com/office/drawing/2014/main" xmlns="" id="{DCA75C38-AA57-488A-93F2-F457032ACBBE}"/>
               </a:ext>
             </a:extLst>
           </p:cNvPr>
@@ -12640,7 +12640,7 @@
           <p:cNvPr id="61" name="Hình chữ nhật 60" descr="Vết cọ vẽ">
             <a:extLst>
               <a:ext uri="{FF2B5EF4-FFF2-40B4-BE49-F238E27FC236}">
-                <a16:creationId xmlns="" xmlns:a16="http://schemas.microsoft.com/office/drawing/2014/main" id="{CBB617DF-59C7-4901-819F-9FEF8687F033}"/>
+                <a16:creationId xmlns:a16="http://schemas.microsoft.com/office/drawing/2014/main" xmlns="" id="{CBB617DF-59C7-4901-819F-9FEF8687F033}"/>
               </a:ext>
             </a:extLst>
           </p:cNvPr>
@@ -12660,7 +12660,7 @@
               <a:alphaModFix amt="35000"/>
               <a:extLst>
                 <a:ext uri="{96DAC541-7B7A-43D3-8B79-37D633B846F1}">
-                  <asvg:svgBlip xmlns="" xmlns:asvg="http://schemas.microsoft.com/office/drawing/2016/SVG/main" r:embed="rId3"/>
+                  <asvg:svgBlip xmlns:asvg="http://schemas.microsoft.com/office/drawing/2016/SVG/main" xmlns="" r:embed="rId3"/>
                 </a:ext>
               </a:extLst>
             </a:blip>
@@ -12703,7 +12703,7 @@
           <p:cNvPr id="62" name="Chỗ dành sẵn cho Văn bản 3">
             <a:extLst>
               <a:ext uri="{FF2B5EF4-FFF2-40B4-BE49-F238E27FC236}">
-                <a16:creationId xmlns="" xmlns:a16="http://schemas.microsoft.com/office/drawing/2014/main" id="{FA1A5060-0709-436F-9B45-E81C52904172}"/>
+                <a16:creationId xmlns:a16="http://schemas.microsoft.com/office/drawing/2014/main" xmlns="" id="{FA1A5060-0709-436F-9B45-E81C52904172}"/>
               </a:ext>
             </a:extLst>
           </p:cNvPr>
@@ -12786,7 +12786,7 @@
           <p:cNvPr id="64" name="Chỗ dành sẵn cho Văn bản 3">
             <a:extLst>
               <a:ext uri="{FF2B5EF4-FFF2-40B4-BE49-F238E27FC236}">
-                <a16:creationId xmlns="" xmlns:a16="http://schemas.microsoft.com/office/drawing/2014/main" id="{D1E38D5A-8267-4462-A410-F99B81044F4C}"/>
+                <a16:creationId xmlns:a16="http://schemas.microsoft.com/office/drawing/2014/main" xmlns="" id="{D1E38D5A-8267-4462-A410-F99B81044F4C}"/>
               </a:ext>
             </a:extLst>
           </p:cNvPr>
@@ -12869,7 +12869,7 @@
           <p:cNvPr id="65" name="Hình chữ nhật 64" descr="Vết cọ vẽ">
             <a:extLst>
               <a:ext uri="{FF2B5EF4-FFF2-40B4-BE49-F238E27FC236}">
-                <a16:creationId xmlns="" xmlns:a16="http://schemas.microsoft.com/office/drawing/2014/main" id="{D485ED5B-CAAF-4D50-B350-1FD874EBA4D7}"/>
+                <a16:creationId xmlns:a16="http://schemas.microsoft.com/office/drawing/2014/main" xmlns="" id="{D485ED5B-CAAF-4D50-B350-1FD874EBA4D7}"/>
               </a:ext>
             </a:extLst>
           </p:cNvPr>
@@ -12889,7 +12889,7 @@
               <a:alphaModFix amt="35000"/>
               <a:extLst>
                 <a:ext uri="{96DAC541-7B7A-43D3-8B79-37D633B846F1}">
-                  <asvg:svgBlip xmlns="" xmlns:asvg="http://schemas.microsoft.com/office/drawing/2016/SVG/main" r:embed="rId3"/>
+                  <asvg:svgBlip xmlns:asvg="http://schemas.microsoft.com/office/drawing/2016/SVG/main" xmlns="" r:embed="rId3"/>
                 </a:ext>
               </a:extLst>
             </a:blip>
@@ -12932,7 +12932,7 @@
           <p:cNvPr id="66" name="Chỗ dành sẵn cho Văn bản 3">
             <a:extLst>
               <a:ext uri="{FF2B5EF4-FFF2-40B4-BE49-F238E27FC236}">
-                <a16:creationId xmlns="" xmlns:a16="http://schemas.microsoft.com/office/drawing/2014/main" id="{D6E28A9E-F913-4B5F-B3BC-410D8AA45F20}"/>
+                <a16:creationId xmlns:a16="http://schemas.microsoft.com/office/drawing/2014/main" xmlns="" id="{D6E28A9E-F913-4B5F-B3BC-410D8AA45F20}"/>
               </a:ext>
             </a:extLst>
           </p:cNvPr>
@@ -13015,7 +13015,7 @@
           <p:cNvPr id="68" name="Chỗ dành sẵn cho Văn bản 3">
             <a:extLst>
               <a:ext uri="{FF2B5EF4-FFF2-40B4-BE49-F238E27FC236}">
-                <a16:creationId xmlns="" xmlns:a16="http://schemas.microsoft.com/office/drawing/2014/main" id="{2B41B518-590B-4CF3-B4E8-70F9DDFB196E}"/>
+                <a16:creationId xmlns:a16="http://schemas.microsoft.com/office/drawing/2014/main" xmlns="" id="{2B41B518-590B-4CF3-B4E8-70F9DDFB196E}"/>
               </a:ext>
             </a:extLst>
           </p:cNvPr>
@@ -13098,7 +13098,7 @@
           <p:cNvPr id="69" name="Hình chữ nhật 68" descr="Vết cọ vẽ">
             <a:extLst>
               <a:ext uri="{FF2B5EF4-FFF2-40B4-BE49-F238E27FC236}">
-                <a16:creationId xmlns="" xmlns:a16="http://schemas.microsoft.com/office/drawing/2014/main" id="{C331D4D8-F16F-49D3-BDB7-1FB2BCE6EAEA}"/>
+                <a16:creationId xmlns:a16="http://schemas.microsoft.com/office/drawing/2014/main" xmlns="" id="{C331D4D8-F16F-49D3-BDB7-1FB2BCE6EAEA}"/>
               </a:ext>
             </a:extLst>
           </p:cNvPr>
@@ -13118,7 +13118,7 @@
               <a:alphaModFix amt="35000"/>
               <a:extLst>
                 <a:ext uri="{96DAC541-7B7A-43D3-8B79-37D633B846F1}">
-                  <asvg:svgBlip xmlns="" xmlns:asvg="http://schemas.microsoft.com/office/drawing/2016/SVG/main" r:embed="rId3"/>
+                  <asvg:svgBlip xmlns:asvg="http://schemas.microsoft.com/office/drawing/2016/SVG/main" xmlns="" r:embed="rId3"/>
                 </a:ext>
               </a:extLst>
             </a:blip>
@@ -13161,7 +13161,7 @@
           <p:cNvPr id="70" name="Chỗ dành sẵn cho Văn bản 3">
             <a:extLst>
               <a:ext uri="{FF2B5EF4-FFF2-40B4-BE49-F238E27FC236}">
-                <a16:creationId xmlns="" xmlns:a16="http://schemas.microsoft.com/office/drawing/2014/main" id="{0D7912DE-7BEE-491D-83D9-ED9BFE8998E8}"/>
+                <a16:creationId xmlns:a16="http://schemas.microsoft.com/office/drawing/2014/main" xmlns="" id="{0D7912DE-7BEE-491D-83D9-ED9BFE8998E8}"/>
               </a:ext>
             </a:extLst>
           </p:cNvPr>
@@ -13244,7 +13244,7 @@
           <p:cNvPr id="72" name="Chỗ dành sẵn cho Văn bản 3">
             <a:extLst>
               <a:ext uri="{FF2B5EF4-FFF2-40B4-BE49-F238E27FC236}">
-                <a16:creationId xmlns="" xmlns:a16="http://schemas.microsoft.com/office/drawing/2014/main" id="{A588BDB2-BB85-458C-AF31-D90BEE530110}"/>
+                <a16:creationId xmlns:a16="http://schemas.microsoft.com/office/drawing/2014/main" xmlns="" id="{A588BDB2-BB85-458C-AF31-D90BEE530110}"/>
               </a:ext>
             </a:extLst>
           </p:cNvPr>
@@ -13327,7 +13327,7 @@
           <p:cNvPr id="73" name="Chỗ dành sẵn cho Hình ảnh 3">
             <a:extLst>
               <a:ext uri="{FF2B5EF4-FFF2-40B4-BE49-F238E27FC236}">
-                <a16:creationId xmlns="" xmlns:a16="http://schemas.microsoft.com/office/drawing/2014/main" id="{E9B1CB54-DBEA-47FB-AFCA-953A06370DEF}"/>
+                <a16:creationId xmlns:a16="http://schemas.microsoft.com/office/drawing/2014/main" xmlns="" id="{E9B1CB54-DBEA-47FB-AFCA-953A06370DEF}"/>
               </a:ext>
             </a:extLst>
           </p:cNvPr>
@@ -13380,7 +13380,7 @@
           <p:cNvPr id="75" name="Chỗ dành sẵn cho Hình ảnh 3">
             <a:extLst>
               <a:ext uri="{FF2B5EF4-FFF2-40B4-BE49-F238E27FC236}">
-                <a16:creationId xmlns="" xmlns:a16="http://schemas.microsoft.com/office/drawing/2014/main" id="{72C260FD-1E05-47E9-B248-27CAC5FC3B69}"/>
+                <a16:creationId xmlns:a16="http://schemas.microsoft.com/office/drawing/2014/main" xmlns="" id="{72C260FD-1E05-47E9-B248-27CAC5FC3B69}"/>
               </a:ext>
             </a:extLst>
           </p:cNvPr>
@@ -13433,7 +13433,7 @@
           <p:cNvPr id="78" name="Chỗ dành sẵn cho Hình ảnh 3">
             <a:extLst>
               <a:ext uri="{FF2B5EF4-FFF2-40B4-BE49-F238E27FC236}">
-                <a16:creationId xmlns="" xmlns:a16="http://schemas.microsoft.com/office/drawing/2014/main" id="{BDFC2481-D48B-4444-9ADC-73238E01E93A}"/>
+                <a16:creationId xmlns:a16="http://schemas.microsoft.com/office/drawing/2014/main" xmlns="" id="{BDFC2481-D48B-4444-9ADC-73238E01E93A}"/>
               </a:ext>
             </a:extLst>
           </p:cNvPr>
@@ -13486,7 +13486,7 @@
           <p:cNvPr id="79" name="Chỗ dành sẵn cho Hình ảnh 3">
             <a:extLst>
               <a:ext uri="{FF2B5EF4-FFF2-40B4-BE49-F238E27FC236}">
-                <a16:creationId xmlns="" xmlns:a16="http://schemas.microsoft.com/office/drawing/2014/main" id="{659B6395-72AE-4725-9373-C44AC7C2962A}"/>
+                <a16:creationId xmlns:a16="http://schemas.microsoft.com/office/drawing/2014/main" xmlns="" id="{659B6395-72AE-4725-9373-C44AC7C2962A}"/>
               </a:ext>
             </a:extLst>
           </p:cNvPr>
@@ -13539,7 +13539,7 @@
           <p:cNvPr id="80" name="Chỗ dành sẵn cho Hình ảnh 3">
             <a:extLst>
               <a:ext uri="{FF2B5EF4-FFF2-40B4-BE49-F238E27FC236}">
-                <a16:creationId xmlns="" xmlns:a16="http://schemas.microsoft.com/office/drawing/2014/main" id="{41E8F088-085E-4881-BFA7-545F97699A75}"/>
+                <a16:creationId xmlns:a16="http://schemas.microsoft.com/office/drawing/2014/main" xmlns="" id="{41E8F088-085E-4881-BFA7-545F97699A75}"/>
               </a:ext>
             </a:extLst>
           </p:cNvPr>
@@ -13592,7 +13592,7 @@
           <p:cNvPr id="81" name="Chỗ dành sẵn cho Hình ảnh 3">
             <a:extLst>
               <a:ext uri="{FF2B5EF4-FFF2-40B4-BE49-F238E27FC236}">
-                <a16:creationId xmlns="" xmlns:a16="http://schemas.microsoft.com/office/drawing/2014/main" id="{DD2AACCA-1BD1-4ECD-95C3-E9AB07D242E0}"/>
+                <a16:creationId xmlns:a16="http://schemas.microsoft.com/office/drawing/2014/main" xmlns="" id="{DD2AACCA-1BD1-4ECD-95C3-E9AB07D242E0}"/>
               </a:ext>
             </a:extLst>
           </p:cNvPr>
@@ -13675,7 +13675,7 @@
           <p:cNvPr id="7" name="Hình chữ nhật 6" descr="Bàn nhà hàng">
             <a:extLst>
               <a:ext uri="{FF2B5EF4-FFF2-40B4-BE49-F238E27FC236}">
-                <a16:creationId xmlns="" xmlns:a16="http://schemas.microsoft.com/office/drawing/2014/main" id="{C7B053CA-3420-4992-BA29-CDE43C99B795}"/>
+                <a16:creationId xmlns:a16="http://schemas.microsoft.com/office/drawing/2014/main" xmlns="" id="{C7B053CA-3420-4992-BA29-CDE43C99B795}"/>
               </a:ext>
             </a:extLst>
           </p:cNvPr>
@@ -13734,7 +13734,7 @@
           <p:cNvPr id="8" name="Hình chữ nhật 7" descr="Vết cọ vẽ">
             <a:extLst>
               <a:ext uri="{FF2B5EF4-FFF2-40B4-BE49-F238E27FC236}">
-                <a16:creationId xmlns="" xmlns:a16="http://schemas.microsoft.com/office/drawing/2014/main" id="{7C197BE4-2E4C-4177-8440-BB95B0A4C7FB}"/>
+                <a16:creationId xmlns:a16="http://schemas.microsoft.com/office/drawing/2014/main" xmlns="" id="{7C197BE4-2E4C-4177-8440-BB95B0A4C7FB}"/>
               </a:ext>
             </a:extLst>
           </p:cNvPr>
@@ -13789,10 +13789,10 @@
           <p:cNvPr id="9" name="Chỗ dành sẵn cho Hình ảnh 14" descr="Logo của bạn">
             <a:extLst>
               <a:ext uri="{FF2B5EF4-FFF2-40B4-BE49-F238E27FC236}">
-                <a16:creationId xmlns="" xmlns:a16="http://schemas.microsoft.com/office/drawing/2014/main" id="{8D7231FC-3A25-45B8-B883-4F6A0FC02B80}"/>
+                <a16:creationId xmlns:a16="http://schemas.microsoft.com/office/drawing/2014/main" xmlns="" id="{8D7231FC-3A25-45B8-B883-4F6A0FC02B80}"/>
               </a:ext>
               <a:ext uri="{C183D7F6-B498-43B3-948B-1728B52AA6E4}">
-                <adec:decorative xmlns:adec="http://schemas.microsoft.com/office/drawing/2017/decorative" xmlns="" val="0"/>
+                <adec:decorative xmlns="" xmlns:adec="http://schemas.microsoft.com/office/drawing/2017/decorative" val="0"/>
               </a:ext>
             </a:extLst>
           </p:cNvPr>
@@ -13842,7 +13842,7 @@
           <p:cNvPr id="4" name="Chỗ dành sẵn cho Ngày tháng 3">
             <a:extLst>
               <a:ext uri="{FF2B5EF4-FFF2-40B4-BE49-F238E27FC236}">
-                <a16:creationId xmlns="" xmlns:a16="http://schemas.microsoft.com/office/drawing/2014/main" id="{F47AE549-C84B-493A-BE76-6879C9B69BA0}"/>
+                <a16:creationId xmlns:a16="http://schemas.microsoft.com/office/drawing/2014/main" xmlns="" id="{F47AE549-C84B-493A-BE76-6879C9B69BA0}"/>
               </a:ext>
             </a:extLst>
           </p:cNvPr>
@@ -13880,7 +13880,7 @@
           <p:cNvPr id="5" name="Chỗ dành sẵn cho Chân trang 4">
             <a:extLst>
               <a:ext uri="{FF2B5EF4-FFF2-40B4-BE49-F238E27FC236}">
-                <a16:creationId xmlns="" xmlns:a16="http://schemas.microsoft.com/office/drawing/2014/main" id="{55761A8C-74CD-483A-A3C5-A7D79CACCF6F}"/>
+                <a16:creationId xmlns:a16="http://schemas.microsoft.com/office/drawing/2014/main" xmlns="" id="{55761A8C-74CD-483A-A3C5-A7D79CACCF6F}"/>
               </a:ext>
             </a:extLst>
           </p:cNvPr>
@@ -13914,7 +13914,7 @@
           <p:cNvPr id="6" name="Chỗ dành sẵn cho Số hiệu Bản chiếu 5">
             <a:extLst>
               <a:ext uri="{FF2B5EF4-FFF2-40B4-BE49-F238E27FC236}">
-                <a16:creationId xmlns="" xmlns:a16="http://schemas.microsoft.com/office/drawing/2014/main" id="{6308FC7C-F5F3-4D82-ADCB-B64F9FBB21A1}"/>
+                <a16:creationId xmlns:a16="http://schemas.microsoft.com/office/drawing/2014/main" xmlns="" id="{6308FC7C-F5F3-4D82-ADCB-B64F9FBB21A1}"/>
               </a:ext>
             </a:extLst>
           </p:cNvPr>
@@ -13944,7 +13944,7 @@
           <p:cNvPr id="11" name="Đường nối Thẳng 10">
             <a:extLst>
               <a:ext uri="{FF2B5EF4-FFF2-40B4-BE49-F238E27FC236}">
-                <a16:creationId xmlns="" xmlns:a16="http://schemas.microsoft.com/office/drawing/2014/main" id="{C90D35E8-D43B-49F9-9465-A7A8F698FC8A}"/>
+                <a16:creationId xmlns:a16="http://schemas.microsoft.com/office/drawing/2014/main" xmlns="" id="{C90D35E8-D43B-49F9-9465-A7A8F698FC8A}"/>
               </a:ext>
             </a:extLst>
           </p:cNvPr>
@@ -13981,7 +13981,7 @@
           <p:cNvPr id="12" name="Tiêu đề phụ 2">
             <a:extLst>
               <a:ext uri="{FF2B5EF4-FFF2-40B4-BE49-F238E27FC236}">
-                <a16:creationId xmlns="" xmlns:a16="http://schemas.microsoft.com/office/drawing/2014/main" id="{C863CA31-4E68-4CD7-9214-51D7BBC1FA1F}"/>
+                <a16:creationId xmlns:a16="http://schemas.microsoft.com/office/drawing/2014/main" xmlns="" id="{C863CA31-4E68-4CD7-9214-51D7BBC1FA1F}"/>
               </a:ext>
             </a:extLst>
           </p:cNvPr>
@@ -14091,7 +14091,7 @@
           <p:cNvPr id="14" name="Tiêu đề 1">
             <a:extLst>
               <a:ext uri="{FF2B5EF4-FFF2-40B4-BE49-F238E27FC236}">
-                <a16:creationId xmlns="" xmlns:a16="http://schemas.microsoft.com/office/drawing/2014/main" id="{CCAEEA74-ABCB-45B1-A352-71E9CCD670DE}"/>
+                <a16:creationId xmlns:a16="http://schemas.microsoft.com/office/drawing/2014/main" xmlns="" id="{CCAEEA74-ABCB-45B1-A352-71E9CCD670DE}"/>
               </a:ext>
             </a:extLst>
           </p:cNvPr>
@@ -14168,7 +14168,7 @@
           <p:cNvPr id="2" name="Tiêu đề 1">
             <a:extLst>
               <a:ext uri="{FF2B5EF4-FFF2-40B4-BE49-F238E27FC236}">
-                <a16:creationId xmlns="" xmlns:a16="http://schemas.microsoft.com/office/drawing/2014/main" id="{E117C2F7-CB66-4CB8-B26F-7B3C64D575E4}"/>
+                <a16:creationId xmlns:a16="http://schemas.microsoft.com/office/drawing/2014/main" xmlns="" id="{E117C2F7-CB66-4CB8-B26F-7B3C64D575E4}"/>
               </a:ext>
             </a:extLst>
           </p:cNvPr>
@@ -14206,7 +14206,7 @@
           <p:cNvPr id="5" name="Chỗ dành sẵn cho Ngày tháng 4">
             <a:extLst>
               <a:ext uri="{FF2B5EF4-FFF2-40B4-BE49-F238E27FC236}">
-                <a16:creationId xmlns="" xmlns:a16="http://schemas.microsoft.com/office/drawing/2014/main" id="{F8784BEA-5E31-4B76-8435-68BD500D0BF5}"/>
+                <a16:creationId xmlns:a16="http://schemas.microsoft.com/office/drawing/2014/main" xmlns="" id="{F8784BEA-5E31-4B76-8435-68BD500D0BF5}"/>
               </a:ext>
             </a:extLst>
           </p:cNvPr>
@@ -14236,7 +14236,7 @@
           <p:cNvPr id="6" name="Chỗ dành sẵn cho Chân trang 5">
             <a:extLst>
               <a:ext uri="{FF2B5EF4-FFF2-40B4-BE49-F238E27FC236}">
-                <a16:creationId xmlns="" xmlns:a16="http://schemas.microsoft.com/office/drawing/2014/main" id="{E419BEDD-A744-40CE-9FA6-391AD6FC33CD}"/>
+                <a16:creationId xmlns:a16="http://schemas.microsoft.com/office/drawing/2014/main" xmlns="" id="{E419BEDD-A744-40CE-9FA6-391AD6FC33CD}"/>
               </a:ext>
             </a:extLst>
           </p:cNvPr>
@@ -14262,7 +14262,7 @@
           <p:cNvPr id="7" name="Chỗ dành sẵn cho Số hiệu Bản chiếu 6">
             <a:extLst>
               <a:ext uri="{FF2B5EF4-FFF2-40B4-BE49-F238E27FC236}">
-                <a16:creationId xmlns="" xmlns:a16="http://schemas.microsoft.com/office/drawing/2014/main" id="{C093815F-F490-4307-9E87-AAF436C71A68}"/>
+                <a16:creationId xmlns:a16="http://schemas.microsoft.com/office/drawing/2014/main" xmlns="" id="{C093815F-F490-4307-9E87-AAF436C71A68}"/>
               </a:ext>
             </a:extLst>
           </p:cNvPr>
@@ -14292,7 +14292,7 @@
           <p:cNvPr id="9" name="Đường nối Thẳng 8">
             <a:extLst>
               <a:ext uri="{FF2B5EF4-FFF2-40B4-BE49-F238E27FC236}">
-                <a16:creationId xmlns="" xmlns:a16="http://schemas.microsoft.com/office/drawing/2014/main" id="{D39C86C5-91F0-4083-8CE5-1B547E5FEA06}"/>
+                <a16:creationId xmlns:a16="http://schemas.microsoft.com/office/drawing/2014/main" xmlns="" id="{D39C86C5-91F0-4083-8CE5-1B547E5FEA06}"/>
               </a:ext>
             </a:extLst>
           </p:cNvPr>
@@ -14329,7 +14329,7 @@
           <p:cNvPr id="10" name="Tiêu đề phụ 2">
             <a:extLst>
               <a:ext uri="{FF2B5EF4-FFF2-40B4-BE49-F238E27FC236}">
-                <a16:creationId xmlns="" xmlns:a16="http://schemas.microsoft.com/office/drawing/2014/main" id="{A617DA88-4765-4225-9C56-CD0FFD9D7673}"/>
+                <a16:creationId xmlns:a16="http://schemas.microsoft.com/office/drawing/2014/main" xmlns="" id="{A617DA88-4765-4225-9C56-CD0FFD9D7673}"/>
               </a:ext>
             </a:extLst>
           </p:cNvPr>
@@ -14407,7 +14407,7 @@
           <p:cNvPr id="21" name="Chỗ dành sẵn cho Hình ảnh 2">
             <a:extLst>
               <a:ext uri="{FF2B5EF4-FFF2-40B4-BE49-F238E27FC236}">
-                <a16:creationId xmlns="" xmlns:a16="http://schemas.microsoft.com/office/drawing/2014/main" id="{F2ACB6B7-AA9C-4400-AE52-4698E1110F22}"/>
+                <a16:creationId xmlns:a16="http://schemas.microsoft.com/office/drawing/2014/main" xmlns="" id="{F2ACB6B7-AA9C-4400-AE52-4698E1110F22}"/>
               </a:ext>
             </a:extLst>
           </p:cNvPr>
@@ -14449,7 +14449,7 @@
           <p:cNvPr id="59" name="Hình chữ nhật 58" descr="Vết cọ vẽ">
             <a:extLst>
               <a:ext uri="{FF2B5EF4-FFF2-40B4-BE49-F238E27FC236}">
-                <a16:creationId xmlns="" xmlns:a16="http://schemas.microsoft.com/office/drawing/2014/main" id="{29FB1599-AC79-4571-B03A-98277CE717CC}"/>
+                <a16:creationId xmlns:a16="http://schemas.microsoft.com/office/drawing/2014/main" xmlns="" id="{29FB1599-AC79-4571-B03A-98277CE717CC}"/>
               </a:ext>
             </a:extLst>
           </p:cNvPr>
@@ -14469,7 +14469,7 @@
               <a:alphaModFix amt="35000"/>
               <a:extLst>
                 <a:ext uri="{96DAC541-7B7A-43D3-8B79-37D633B846F1}">
-                  <asvg:svgBlip xmlns="" xmlns:asvg="http://schemas.microsoft.com/office/drawing/2016/SVG/main" r:embed="rId3"/>
+                  <asvg:svgBlip xmlns:asvg="http://schemas.microsoft.com/office/drawing/2016/SVG/main" xmlns="" r:embed="rId3"/>
                 </a:ext>
               </a:extLst>
             </a:blip>
@@ -14512,7 +14512,7 @@
           <p:cNvPr id="63" name="Chỗ dành sẵn cho Văn bản 3">
             <a:extLst>
               <a:ext uri="{FF2B5EF4-FFF2-40B4-BE49-F238E27FC236}">
-                <a16:creationId xmlns="" xmlns:a16="http://schemas.microsoft.com/office/drawing/2014/main" id="{AC056410-CC3A-4562-8AD4-DDA11527B7AE}"/>
+                <a16:creationId xmlns:a16="http://schemas.microsoft.com/office/drawing/2014/main" xmlns="" id="{AC056410-CC3A-4562-8AD4-DDA11527B7AE}"/>
               </a:ext>
             </a:extLst>
           </p:cNvPr>
@@ -14595,7 +14595,7 @@
           <p:cNvPr id="74" name="Chỗ dành sẵn cho Văn bản 3">
             <a:extLst>
               <a:ext uri="{FF2B5EF4-FFF2-40B4-BE49-F238E27FC236}">
-                <a16:creationId xmlns="" xmlns:a16="http://schemas.microsoft.com/office/drawing/2014/main" id="{E9EF01CE-943D-4321-A20D-EB63E56E3212}"/>
+                <a16:creationId xmlns:a16="http://schemas.microsoft.com/office/drawing/2014/main" xmlns="" id="{E9EF01CE-943D-4321-A20D-EB63E56E3212}"/>
               </a:ext>
             </a:extLst>
           </p:cNvPr>
@@ -14675,7 +14675,7 @@
           <p:cNvPr id="76" name="Chỗ dành sẵn cho Văn bản 3">
             <a:extLst>
               <a:ext uri="{FF2B5EF4-FFF2-40B4-BE49-F238E27FC236}">
-                <a16:creationId xmlns="" xmlns:a16="http://schemas.microsoft.com/office/drawing/2014/main" id="{B77364C8-3D3A-415B-9433-C4696B84A988}"/>
+                <a16:creationId xmlns:a16="http://schemas.microsoft.com/office/drawing/2014/main" xmlns="" id="{B77364C8-3D3A-415B-9433-C4696B84A988}"/>
               </a:ext>
             </a:extLst>
           </p:cNvPr>
@@ -14758,7 +14758,7 @@
           <p:cNvPr id="77" name="Chỗ dành sẵn cho Văn bản 3">
             <a:extLst>
               <a:ext uri="{FF2B5EF4-FFF2-40B4-BE49-F238E27FC236}">
-                <a16:creationId xmlns="" xmlns:a16="http://schemas.microsoft.com/office/drawing/2014/main" id="{19ABCF73-31BD-4929-9900-AB2F7023E665}"/>
+                <a16:creationId xmlns:a16="http://schemas.microsoft.com/office/drawing/2014/main" xmlns="" id="{19ABCF73-31BD-4929-9900-AB2F7023E665}"/>
               </a:ext>
             </a:extLst>
           </p:cNvPr>
@@ -14838,7 +14838,7 @@
           <p:cNvPr id="82" name="Chỗ dành sẵn cho Văn bản 3">
             <a:extLst>
               <a:ext uri="{FF2B5EF4-FFF2-40B4-BE49-F238E27FC236}">
-                <a16:creationId xmlns="" xmlns:a16="http://schemas.microsoft.com/office/drawing/2014/main" id="{CDE0C703-933F-44FB-9589-30DCA646D9B1}"/>
+                <a16:creationId xmlns:a16="http://schemas.microsoft.com/office/drawing/2014/main" xmlns="" id="{CDE0C703-933F-44FB-9589-30DCA646D9B1}"/>
               </a:ext>
             </a:extLst>
           </p:cNvPr>
@@ -14921,7 +14921,7 @@
           <p:cNvPr id="83" name="Chỗ dành sẵn cho Văn bản 3">
             <a:extLst>
               <a:ext uri="{FF2B5EF4-FFF2-40B4-BE49-F238E27FC236}">
-                <a16:creationId xmlns="" xmlns:a16="http://schemas.microsoft.com/office/drawing/2014/main" id="{679401A1-F51D-455D-88BB-4C189CE1A1A5}"/>
+                <a16:creationId xmlns:a16="http://schemas.microsoft.com/office/drawing/2014/main" xmlns="" id="{679401A1-F51D-455D-88BB-4C189CE1A1A5}"/>
               </a:ext>
             </a:extLst>
           </p:cNvPr>
@@ -15001,7 +15001,7 @@
           <p:cNvPr id="84" name="Chỗ dành sẵn cho Văn bản 3">
             <a:extLst>
               <a:ext uri="{FF2B5EF4-FFF2-40B4-BE49-F238E27FC236}">
-                <a16:creationId xmlns="" xmlns:a16="http://schemas.microsoft.com/office/drawing/2014/main" id="{5B3DB4F9-0262-4485-A538-5A6C02DD46DC}"/>
+                <a16:creationId xmlns:a16="http://schemas.microsoft.com/office/drawing/2014/main" xmlns="" id="{5B3DB4F9-0262-4485-A538-5A6C02DD46DC}"/>
               </a:ext>
             </a:extLst>
           </p:cNvPr>
@@ -15084,7 +15084,7 @@
           <p:cNvPr id="85" name="Chỗ dành sẵn cho Văn bản 3">
             <a:extLst>
               <a:ext uri="{FF2B5EF4-FFF2-40B4-BE49-F238E27FC236}">
-                <a16:creationId xmlns="" xmlns:a16="http://schemas.microsoft.com/office/drawing/2014/main" id="{AA1742CF-6B82-4A44-9413-7CC52CB9A9AE}"/>
+                <a16:creationId xmlns:a16="http://schemas.microsoft.com/office/drawing/2014/main" xmlns="" id="{AA1742CF-6B82-4A44-9413-7CC52CB9A9AE}"/>
               </a:ext>
             </a:extLst>
           </p:cNvPr>
@@ -15164,7 +15164,7 @@
           <p:cNvPr id="86" name="Chỗ dành sẵn cho Văn bản 3">
             <a:extLst>
               <a:ext uri="{FF2B5EF4-FFF2-40B4-BE49-F238E27FC236}">
-                <a16:creationId xmlns="" xmlns:a16="http://schemas.microsoft.com/office/drawing/2014/main" id="{298DDAA6-2DD7-45D2-BE23-DF28D9F3FE81}"/>
+                <a16:creationId xmlns:a16="http://schemas.microsoft.com/office/drawing/2014/main" xmlns="" id="{298DDAA6-2DD7-45D2-BE23-DF28D9F3FE81}"/>
               </a:ext>
             </a:extLst>
           </p:cNvPr>
@@ -15247,7 +15247,7 @@
           <p:cNvPr id="87" name="Chỗ dành sẵn cho Văn bản 3">
             <a:extLst>
               <a:ext uri="{FF2B5EF4-FFF2-40B4-BE49-F238E27FC236}">
-                <a16:creationId xmlns="" xmlns:a16="http://schemas.microsoft.com/office/drawing/2014/main" id="{0839545C-9AD8-44AD-8D2B-331D8B4030B6}"/>
+                <a16:creationId xmlns:a16="http://schemas.microsoft.com/office/drawing/2014/main" xmlns="" id="{0839545C-9AD8-44AD-8D2B-331D8B4030B6}"/>
               </a:ext>
             </a:extLst>
           </p:cNvPr>
@@ -15327,7 +15327,7 @@
           <p:cNvPr id="88" name="Đường nối Thẳng 87">
             <a:extLst>
               <a:ext uri="{FF2B5EF4-FFF2-40B4-BE49-F238E27FC236}">
-                <a16:creationId xmlns="" xmlns:a16="http://schemas.microsoft.com/office/drawing/2014/main" id="{41D6688E-B7D9-4DE1-9F3F-37C2A92C4E0F}"/>
+                <a16:creationId xmlns:a16="http://schemas.microsoft.com/office/drawing/2014/main" xmlns="" id="{41D6688E-B7D9-4DE1-9F3F-37C2A92C4E0F}"/>
               </a:ext>
             </a:extLst>
           </p:cNvPr>
@@ -15364,7 +15364,7 @@
           <p:cNvPr id="89" name="Đường nối Thẳng 88">
             <a:extLst>
               <a:ext uri="{FF2B5EF4-FFF2-40B4-BE49-F238E27FC236}">
-                <a16:creationId xmlns="" xmlns:a16="http://schemas.microsoft.com/office/drawing/2014/main" id="{F181279E-4A25-4C06-AC3E-DD484486E99E}"/>
+                <a16:creationId xmlns:a16="http://schemas.microsoft.com/office/drawing/2014/main" xmlns="" id="{F181279E-4A25-4C06-AC3E-DD484486E99E}"/>
               </a:ext>
             </a:extLst>
           </p:cNvPr>
@@ -15401,7 +15401,7 @@
           <p:cNvPr id="90" name="Đường nối Thẳng 89">
             <a:extLst>
               <a:ext uri="{FF2B5EF4-FFF2-40B4-BE49-F238E27FC236}">
-                <a16:creationId xmlns="" xmlns:a16="http://schemas.microsoft.com/office/drawing/2014/main" id="{B4474904-40E3-4615-B2E6-774159563047}"/>
+                <a16:creationId xmlns:a16="http://schemas.microsoft.com/office/drawing/2014/main" xmlns="" id="{B4474904-40E3-4615-B2E6-774159563047}"/>
               </a:ext>
             </a:extLst>
           </p:cNvPr>
@@ -15438,7 +15438,7 @@
           <p:cNvPr id="91" name="Đường nối Thẳng 90">
             <a:extLst>
               <a:ext uri="{FF2B5EF4-FFF2-40B4-BE49-F238E27FC236}">
-                <a16:creationId xmlns="" xmlns:a16="http://schemas.microsoft.com/office/drawing/2014/main" id="{F07585DD-C644-4DA0-8B68-A0E1AD3EE09B}"/>
+                <a16:creationId xmlns:a16="http://schemas.microsoft.com/office/drawing/2014/main" xmlns="" id="{F07585DD-C644-4DA0-8B68-A0E1AD3EE09B}"/>
               </a:ext>
             </a:extLst>
           </p:cNvPr>
@@ -15475,7 +15475,7 @@
           <p:cNvPr id="92" name="Đường nối Thẳng 91">
             <a:extLst>
               <a:ext uri="{FF2B5EF4-FFF2-40B4-BE49-F238E27FC236}">
-                <a16:creationId xmlns="" xmlns:a16="http://schemas.microsoft.com/office/drawing/2014/main" id="{D24FEA3C-C05C-407B-B68B-2614F9A64317}"/>
+                <a16:creationId xmlns:a16="http://schemas.microsoft.com/office/drawing/2014/main" xmlns="" id="{D24FEA3C-C05C-407B-B68B-2614F9A64317}"/>
               </a:ext>
             </a:extLst>
           </p:cNvPr>
@@ -15512,7 +15512,7 @@
           <p:cNvPr id="93" name="Chỗ dành sẵn cho biểu đồ 3" descr="Sơ đồ tài trợ">
             <a:extLst>
               <a:ext uri="{FF2B5EF4-FFF2-40B4-BE49-F238E27FC236}">
-                <a16:creationId xmlns="" xmlns:a16="http://schemas.microsoft.com/office/drawing/2014/main" id="{F3103F9C-FB5A-4708-903D-6EACBC625172}"/>
+                <a16:creationId xmlns:a16="http://schemas.microsoft.com/office/drawing/2014/main" xmlns="" id="{F3103F9C-FB5A-4708-903D-6EACBC625172}"/>
               </a:ext>
             </a:extLst>
           </p:cNvPr>
@@ -15588,7 +15588,7 @@
           <p:cNvPr id="12" name="Hình chữ nhật 11" descr="Ly, cốc và đĩa trên bàn">
             <a:extLst>
               <a:ext uri="{FF2B5EF4-FFF2-40B4-BE49-F238E27FC236}">
-                <a16:creationId xmlns="" xmlns:a16="http://schemas.microsoft.com/office/drawing/2014/main" id="{D05799BA-ECD2-4CD6-8250-EA03F132B9BA}"/>
+                <a16:creationId xmlns:a16="http://schemas.microsoft.com/office/drawing/2014/main" xmlns="" id="{D05799BA-ECD2-4CD6-8250-EA03F132B9BA}"/>
               </a:ext>
             </a:extLst>
           </p:cNvPr>
@@ -15644,7 +15644,7 @@
           <p:cNvPr id="11" name="Hình chữ nhật 10" descr="Mặt nạ cọ vẽ">
             <a:extLst>
               <a:ext uri="{FF2B5EF4-FFF2-40B4-BE49-F238E27FC236}">
-                <a16:creationId xmlns="" xmlns:a16="http://schemas.microsoft.com/office/drawing/2014/main" id="{E5FBC040-9C06-484E-B57F-7F574589FF0E}"/>
+                <a16:creationId xmlns:a16="http://schemas.microsoft.com/office/drawing/2014/main" xmlns="" id="{E5FBC040-9C06-484E-B57F-7F574589FF0E}"/>
               </a:ext>
             </a:extLst>
           </p:cNvPr>
@@ -15699,7 +15699,7 @@
           <p:cNvPr id="2" name="Tiêu đề 1">
             <a:extLst>
               <a:ext uri="{FF2B5EF4-FFF2-40B4-BE49-F238E27FC236}">
-                <a16:creationId xmlns="" xmlns:a16="http://schemas.microsoft.com/office/drawing/2014/main" id="{895F031D-510E-4663-BF87-CD265E4A7E11}"/>
+                <a16:creationId xmlns:a16="http://schemas.microsoft.com/office/drawing/2014/main" xmlns="" id="{895F031D-510E-4663-BF87-CD265E4A7E11}"/>
               </a:ext>
             </a:extLst>
           </p:cNvPr>
@@ -15739,7 +15739,7 @@
           <p:cNvPr id="3" name="Chỗ dành sẵn cho Nội dung 2">
             <a:extLst>
               <a:ext uri="{FF2B5EF4-FFF2-40B4-BE49-F238E27FC236}">
-                <a16:creationId xmlns="" xmlns:a16="http://schemas.microsoft.com/office/drawing/2014/main" id="{24CDB312-4D1B-447F-97E7-ABE93A3DE43C}"/>
+                <a16:creationId xmlns:a16="http://schemas.microsoft.com/office/drawing/2014/main" xmlns="" id="{24CDB312-4D1B-447F-97E7-ABE93A3DE43C}"/>
               </a:ext>
             </a:extLst>
           </p:cNvPr>
@@ -15843,7 +15843,7 @@
           <p:cNvPr id="6" name="Chỗ dành sẵn cho Chân trang 5">
             <a:extLst>
               <a:ext uri="{FF2B5EF4-FFF2-40B4-BE49-F238E27FC236}">
-                <a16:creationId xmlns="" xmlns:a16="http://schemas.microsoft.com/office/drawing/2014/main" id="{D12FBE19-D2C9-41FC-A797-CF4A863F3089}"/>
+                <a16:creationId xmlns:a16="http://schemas.microsoft.com/office/drawing/2014/main" xmlns="" id="{D12FBE19-D2C9-41FC-A797-CF4A863F3089}"/>
               </a:ext>
             </a:extLst>
           </p:cNvPr>
@@ -15869,7 +15869,7 @@
           <p:cNvPr id="7" name="Chỗ dành sẵn cho Số hiệu Bản chiếu 6">
             <a:extLst>
               <a:ext uri="{FF2B5EF4-FFF2-40B4-BE49-F238E27FC236}">
-                <a16:creationId xmlns="" xmlns:a16="http://schemas.microsoft.com/office/drawing/2014/main" id="{83F0F4E3-5500-460C-AB20-C7CE0A3FBAD0}"/>
+                <a16:creationId xmlns:a16="http://schemas.microsoft.com/office/drawing/2014/main" xmlns="" id="{83F0F4E3-5500-460C-AB20-C7CE0A3FBAD0}"/>
               </a:ext>
             </a:extLst>
           </p:cNvPr>
@@ -15899,7 +15899,7 @@
           <p:cNvPr id="10" name="Hình bầu dục 9">
             <a:extLst>
               <a:ext uri="{FF2B5EF4-FFF2-40B4-BE49-F238E27FC236}">
-                <a16:creationId xmlns="" xmlns:a16="http://schemas.microsoft.com/office/drawing/2014/main" id="{1EDFCD21-B871-4944-9E6C-ABFDA63AC6FD}"/>
+                <a16:creationId xmlns:a16="http://schemas.microsoft.com/office/drawing/2014/main" xmlns="" id="{1EDFCD21-B871-4944-9E6C-ABFDA63AC6FD}"/>
               </a:ext>
             </a:extLst>
           </p:cNvPr>
@@ -15951,7 +15951,7 @@
           <p:cNvPr id="13" name="Đường nối Thẳng 12">
             <a:extLst>
               <a:ext uri="{FF2B5EF4-FFF2-40B4-BE49-F238E27FC236}">
-                <a16:creationId xmlns="" xmlns:a16="http://schemas.microsoft.com/office/drawing/2014/main" id="{039BD365-42F3-4F69-886B-478D54864737}"/>
+                <a16:creationId xmlns:a16="http://schemas.microsoft.com/office/drawing/2014/main" xmlns="" id="{039BD365-42F3-4F69-886B-478D54864737}"/>
               </a:ext>
             </a:extLst>
           </p:cNvPr>
@@ -15988,7 +15988,7 @@
           <p:cNvPr id="14" name="Chỗ dành sẵn cho Hình ảnh 2">
             <a:extLst>
               <a:ext uri="{FF2B5EF4-FFF2-40B4-BE49-F238E27FC236}">
-                <a16:creationId xmlns="" xmlns:a16="http://schemas.microsoft.com/office/drawing/2014/main" id="{280FA08D-85FA-44C3-8767-041020BA4734}"/>
+                <a16:creationId xmlns:a16="http://schemas.microsoft.com/office/drawing/2014/main" xmlns="" id="{280FA08D-85FA-44C3-8767-041020BA4734}"/>
               </a:ext>
             </a:extLst>
           </p:cNvPr>
@@ -16060,7 +16060,7 @@
           <p:cNvPr id="16" name="Hình chữ nhật 15" descr="Cốc trên bàn">
             <a:extLst>
               <a:ext uri="{FF2B5EF4-FFF2-40B4-BE49-F238E27FC236}">
-                <a16:creationId xmlns="" xmlns:a16="http://schemas.microsoft.com/office/drawing/2014/main" id="{26EA01E0-35F5-4371-9D8C-7F3A16EBAEDF}"/>
+                <a16:creationId xmlns:a16="http://schemas.microsoft.com/office/drawing/2014/main" xmlns="" id="{26EA01E0-35F5-4371-9D8C-7F3A16EBAEDF}"/>
               </a:ext>
             </a:extLst>
           </p:cNvPr>
@@ -16116,7 +16116,7 @@
           <p:cNvPr id="15" name="Hình chữ nhật 14" descr="Mặt nạ cọ vẽ">
             <a:extLst>
               <a:ext uri="{FF2B5EF4-FFF2-40B4-BE49-F238E27FC236}">
-                <a16:creationId xmlns="" xmlns:a16="http://schemas.microsoft.com/office/drawing/2014/main" id="{F28DE59C-954D-4B4D-A240-A9111C89F6A8}"/>
+                <a16:creationId xmlns:a16="http://schemas.microsoft.com/office/drawing/2014/main" xmlns="" id="{F28DE59C-954D-4B4D-A240-A9111C89F6A8}"/>
               </a:ext>
             </a:extLst>
           </p:cNvPr>
@@ -16171,7 +16171,7 @@
           <p:cNvPr id="6" name="Chỗ dành sẵn cho Chân trang 5">
             <a:extLst>
               <a:ext uri="{FF2B5EF4-FFF2-40B4-BE49-F238E27FC236}">
-                <a16:creationId xmlns="" xmlns:a16="http://schemas.microsoft.com/office/drawing/2014/main" id="{D12FBE19-D2C9-41FC-A797-CF4A863F3089}"/>
+                <a16:creationId xmlns:a16="http://schemas.microsoft.com/office/drawing/2014/main" xmlns="" id="{D12FBE19-D2C9-41FC-A797-CF4A863F3089}"/>
               </a:ext>
             </a:extLst>
           </p:cNvPr>
@@ -16202,7 +16202,7 @@
           <p:cNvPr id="17" name="Bố trí tiêu đề cảm ơn">
             <a:extLst>
               <a:ext uri="{FF2B5EF4-FFF2-40B4-BE49-F238E27FC236}">
-                <a16:creationId xmlns="" xmlns:a16="http://schemas.microsoft.com/office/drawing/2014/main" id="{E329346F-CCD7-4FB0-98B2-13C3DB0AA176}"/>
+                <a16:creationId xmlns:a16="http://schemas.microsoft.com/office/drawing/2014/main" xmlns="" id="{E329346F-CCD7-4FB0-98B2-13C3DB0AA176}"/>
               </a:ext>
             </a:extLst>
           </p:cNvPr>
@@ -16246,7 +16246,7 @@
           <p:cNvPr id="18" name="Đường nối Thẳng 17">
             <a:extLst>
               <a:ext uri="{FF2B5EF4-FFF2-40B4-BE49-F238E27FC236}">
-                <a16:creationId xmlns="" xmlns:a16="http://schemas.microsoft.com/office/drawing/2014/main" id="{05BAF915-A340-4955-812D-8F555BDB4102}"/>
+                <a16:creationId xmlns:a16="http://schemas.microsoft.com/office/drawing/2014/main" xmlns="" id="{05BAF915-A340-4955-812D-8F555BDB4102}"/>
               </a:ext>
             </a:extLst>
           </p:cNvPr>
@@ -16283,10 +16283,10 @@
           <p:cNvPr id="19" name="Chỗ dành sẵn cho Hình ảnh 14" descr="Logo của bạn">
             <a:extLst>
               <a:ext uri="{FF2B5EF4-FFF2-40B4-BE49-F238E27FC236}">
-                <a16:creationId xmlns="" xmlns:a16="http://schemas.microsoft.com/office/drawing/2014/main" id="{DE1A1E87-77E1-4901-A7FE-5FFA9F5B4BBD}"/>
+                <a16:creationId xmlns:a16="http://schemas.microsoft.com/office/drawing/2014/main" xmlns="" id="{DE1A1E87-77E1-4901-A7FE-5FFA9F5B4BBD}"/>
               </a:ext>
               <a:ext uri="{C183D7F6-B498-43B3-948B-1728B52AA6E4}">
-                <adec:decorative xmlns:adec="http://schemas.microsoft.com/office/drawing/2017/decorative" xmlns="" val="0"/>
+                <adec:decorative xmlns="" xmlns:adec="http://schemas.microsoft.com/office/drawing/2017/decorative" val="0"/>
               </a:ext>
             </a:extLst>
           </p:cNvPr>
@@ -16336,7 +16336,7 @@
           <p:cNvPr id="20" name="Chỗ dành sẵn cho Văn bản 10">
             <a:extLst>
               <a:ext uri="{FF2B5EF4-FFF2-40B4-BE49-F238E27FC236}">
-                <a16:creationId xmlns="" xmlns:a16="http://schemas.microsoft.com/office/drawing/2014/main" id="{6A0BD12F-1E2D-481D-BBF0-A56B2BD0D563}"/>
+                <a16:creationId xmlns:a16="http://schemas.microsoft.com/office/drawing/2014/main" xmlns="" id="{6A0BD12F-1E2D-481D-BBF0-A56B2BD0D563}"/>
               </a:ext>
             </a:extLst>
           </p:cNvPr>
@@ -16399,7 +16399,7 @@
           <p:cNvPr id="21" name="Chỗ dành sẵn cho Văn bản 10">
             <a:extLst>
               <a:ext uri="{FF2B5EF4-FFF2-40B4-BE49-F238E27FC236}">
-                <a16:creationId xmlns="" xmlns:a16="http://schemas.microsoft.com/office/drawing/2014/main" id="{FAC44F14-FD8B-4299-8C06-FB93B882538D}"/>
+                <a16:creationId xmlns:a16="http://schemas.microsoft.com/office/drawing/2014/main" xmlns="" id="{FAC44F14-FD8B-4299-8C06-FB93B882538D}"/>
               </a:ext>
             </a:extLst>
           </p:cNvPr>
@@ -16453,7 +16453,7 @@
           <p:cNvPr id="22" name="Chỗ dành sẵn cho Văn bản 10">
             <a:extLst>
               <a:ext uri="{FF2B5EF4-FFF2-40B4-BE49-F238E27FC236}">
-                <a16:creationId xmlns="" xmlns:a16="http://schemas.microsoft.com/office/drawing/2014/main" id="{C3CE0E11-D8F9-40F9-B542-06B00FA4FCA1}"/>
+                <a16:creationId xmlns:a16="http://schemas.microsoft.com/office/drawing/2014/main" xmlns="" id="{C3CE0E11-D8F9-40F9-B542-06B00FA4FCA1}"/>
               </a:ext>
             </a:extLst>
           </p:cNvPr>
@@ -16503,7 +16503,7 @@
           <p:cNvPr id="23" name="Chỗ dành sẵn cho Văn bản 10">
             <a:extLst>
               <a:ext uri="{FF2B5EF4-FFF2-40B4-BE49-F238E27FC236}">
-                <a16:creationId xmlns="" xmlns:a16="http://schemas.microsoft.com/office/drawing/2014/main" id="{4D4FB496-FE3D-4CC5-83B0-B2793EFEF004}"/>
+                <a16:creationId xmlns:a16="http://schemas.microsoft.com/office/drawing/2014/main" xmlns="" id="{4D4FB496-FE3D-4CC5-83B0-B2793EFEF004}"/>
               </a:ext>
             </a:extLst>
           </p:cNvPr>
@@ -16565,7 +16565,7 @@
           <p:cNvPr id="24" name="Chỗ dành sẵn cho Văn bản 10">
             <a:extLst>
               <a:ext uri="{FF2B5EF4-FFF2-40B4-BE49-F238E27FC236}">
-                <a16:creationId xmlns="" xmlns:a16="http://schemas.microsoft.com/office/drawing/2014/main" id="{00F0D864-E0B5-4A45-A4DF-4334FDD7B146}"/>
+                <a16:creationId xmlns:a16="http://schemas.microsoft.com/office/drawing/2014/main" xmlns="" id="{00F0D864-E0B5-4A45-A4DF-4334FDD7B146}"/>
               </a:ext>
             </a:extLst>
           </p:cNvPr>
@@ -16645,7 +16645,7 @@
           <p:cNvPr id="7" name="Hình chữ nhật 6">
             <a:extLst>
               <a:ext uri="{FF2B5EF4-FFF2-40B4-BE49-F238E27FC236}">
-                <a16:creationId xmlns="" xmlns:a16="http://schemas.microsoft.com/office/drawing/2014/main" id="{390A20B4-6B07-46D4-988D-DBEB544368D0}"/>
+                <a16:creationId xmlns:a16="http://schemas.microsoft.com/office/drawing/2014/main" xmlns="" id="{390A20B4-6B07-46D4-988D-DBEB544368D0}"/>
               </a:ext>
             </a:extLst>
           </p:cNvPr>
@@ -16701,7 +16701,7 @@
           <p:cNvPr id="6" name="Hình chữ nhật 5" descr="Mặt nạ cọ vẽ">
             <a:extLst>
               <a:ext uri="{FF2B5EF4-FFF2-40B4-BE49-F238E27FC236}">
-                <a16:creationId xmlns="" xmlns:a16="http://schemas.microsoft.com/office/drawing/2014/main" id="{711F6639-CBD0-4C8A-8EF9-F2CC36C9EF71}"/>
+                <a16:creationId xmlns:a16="http://schemas.microsoft.com/office/drawing/2014/main" xmlns="" id="{711F6639-CBD0-4C8A-8EF9-F2CC36C9EF71}"/>
               </a:ext>
             </a:extLst>
           </p:cNvPr>
@@ -16756,7 +16756,7 @@
           <p:cNvPr id="2" name="Tiêu đề 1">
             <a:extLst>
               <a:ext uri="{FF2B5EF4-FFF2-40B4-BE49-F238E27FC236}">
-                <a16:creationId xmlns="" xmlns:a16="http://schemas.microsoft.com/office/drawing/2014/main" id="{16041A2D-ABDE-480C-AB32-045C19139898}"/>
+                <a16:creationId xmlns:a16="http://schemas.microsoft.com/office/drawing/2014/main" xmlns="" id="{16041A2D-ABDE-480C-AB32-045C19139898}"/>
               </a:ext>
             </a:extLst>
           </p:cNvPr>
@@ -16794,7 +16794,7 @@
           <p:cNvPr id="3" name="Chỗ dành sẵn cho Ngày tháng 2">
             <a:extLst>
               <a:ext uri="{FF2B5EF4-FFF2-40B4-BE49-F238E27FC236}">
-                <a16:creationId xmlns="" xmlns:a16="http://schemas.microsoft.com/office/drawing/2014/main" id="{AD2437AC-C786-43E7-929A-85563795020F}"/>
+                <a16:creationId xmlns:a16="http://schemas.microsoft.com/office/drawing/2014/main" xmlns="" id="{AD2437AC-C786-43E7-929A-85563795020F}"/>
               </a:ext>
             </a:extLst>
           </p:cNvPr>
@@ -16832,7 +16832,7 @@
           <p:cNvPr id="4" name="Chỗ dành sẵn cho Chân trang 3">
             <a:extLst>
               <a:ext uri="{FF2B5EF4-FFF2-40B4-BE49-F238E27FC236}">
-                <a16:creationId xmlns="" xmlns:a16="http://schemas.microsoft.com/office/drawing/2014/main" id="{07720D3E-4D0E-4BDD-B620-8E9C6BCD0D19}"/>
+                <a16:creationId xmlns:a16="http://schemas.microsoft.com/office/drawing/2014/main" xmlns="" id="{07720D3E-4D0E-4BDD-B620-8E9C6BCD0D19}"/>
               </a:ext>
             </a:extLst>
           </p:cNvPr>
@@ -16866,7 +16866,7 @@
           <p:cNvPr id="5" name="Chỗ dành sẵn cho Số hiệu Bản chiếu 4">
             <a:extLst>
               <a:ext uri="{FF2B5EF4-FFF2-40B4-BE49-F238E27FC236}">
-                <a16:creationId xmlns="" xmlns:a16="http://schemas.microsoft.com/office/drawing/2014/main" id="{75F94F75-329A-4132-BE8F-030145C9711E}"/>
+                <a16:creationId xmlns:a16="http://schemas.microsoft.com/office/drawing/2014/main" xmlns="" id="{75F94F75-329A-4132-BE8F-030145C9711E}"/>
               </a:ext>
             </a:extLst>
           </p:cNvPr>
@@ -16896,7 +16896,7 @@
           <p:cNvPr id="8" name="Hình bầu dục 7">
             <a:extLst>
               <a:ext uri="{FF2B5EF4-FFF2-40B4-BE49-F238E27FC236}">
-                <a16:creationId xmlns="" xmlns:a16="http://schemas.microsoft.com/office/drawing/2014/main" id="{B3648138-4C46-4CBA-BAE1-4631A0564817}"/>
+                <a16:creationId xmlns:a16="http://schemas.microsoft.com/office/drawing/2014/main" xmlns="" id="{B3648138-4C46-4CBA-BAE1-4631A0564817}"/>
               </a:ext>
             </a:extLst>
           </p:cNvPr>
@@ -16948,7 +16948,7 @@
           <p:cNvPr id="9" name="Chỗ dành sẵn cho Hình ảnh 2">
             <a:extLst>
               <a:ext uri="{FF2B5EF4-FFF2-40B4-BE49-F238E27FC236}">
-                <a16:creationId xmlns="" xmlns:a16="http://schemas.microsoft.com/office/drawing/2014/main" id="{68E6C031-0B7B-4A1F-B78B-87ACBE781CBE}"/>
+                <a16:creationId xmlns:a16="http://schemas.microsoft.com/office/drawing/2014/main" xmlns="" id="{68E6C031-0B7B-4A1F-B78B-87ACBE781CBE}"/>
               </a:ext>
             </a:extLst>
           </p:cNvPr>
@@ -16990,7 +16990,7 @@
           <p:cNvPr id="14" name="Đường nối Thẳng 13">
             <a:extLst>
               <a:ext uri="{FF2B5EF4-FFF2-40B4-BE49-F238E27FC236}">
-                <a16:creationId xmlns="" xmlns:a16="http://schemas.microsoft.com/office/drawing/2014/main" id="{823827E5-BBC8-407C-8683-18B54D1003FD}"/>
+                <a16:creationId xmlns:a16="http://schemas.microsoft.com/office/drawing/2014/main" xmlns="" id="{823827E5-BBC8-407C-8683-18B54D1003FD}"/>
               </a:ext>
             </a:extLst>
           </p:cNvPr>
@@ -17057,7 +17057,7 @@
           <p:cNvPr id="2" name="Tiêu đề 1">
             <a:extLst>
               <a:ext uri="{FF2B5EF4-FFF2-40B4-BE49-F238E27FC236}">
-                <a16:creationId xmlns="" xmlns:a16="http://schemas.microsoft.com/office/drawing/2014/main" id="{E117C2F7-CB66-4CB8-B26F-7B3C64D575E4}"/>
+                <a16:creationId xmlns:a16="http://schemas.microsoft.com/office/drawing/2014/main" xmlns="" id="{E117C2F7-CB66-4CB8-B26F-7B3C64D575E4}"/>
               </a:ext>
             </a:extLst>
           </p:cNvPr>
@@ -17099,7 +17099,7 @@
           <p:cNvPr id="5" name="Chỗ dành sẵn cho Ngày tháng 4">
             <a:extLst>
               <a:ext uri="{FF2B5EF4-FFF2-40B4-BE49-F238E27FC236}">
-                <a16:creationId xmlns="" xmlns:a16="http://schemas.microsoft.com/office/drawing/2014/main" id="{F8784BEA-5E31-4B76-8435-68BD500D0BF5}"/>
+                <a16:creationId xmlns:a16="http://schemas.microsoft.com/office/drawing/2014/main" xmlns="" id="{F8784BEA-5E31-4B76-8435-68BD500D0BF5}"/>
               </a:ext>
             </a:extLst>
           </p:cNvPr>
@@ -17129,7 +17129,7 @@
           <p:cNvPr id="6" name="Chỗ dành sẵn cho Chân trang 5">
             <a:extLst>
               <a:ext uri="{FF2B5EF4-FFF2-40B4-BE49-F238E27FC236}">
-                <a16:creationId xmlns="" xmlns:a16="http://schemas.microsoft.com/office/drawing/2014/main" id="{E419BEDD-A744-40CE-9FA6-391AD6FC33CD}"/>
+                <a16:creationId xmlns:a16="http://schemas.microsoft.com/office/drawing/2014/main" xmlns="" id="{E419BEDD-A744-40CE-9FA6-391AD6FC33CD}"/>
               </a:ext>
             </a:extLst>
           </p:cNvPr>
@@ -17160,7 +17160,7 @@
           <p:cNvPr id="7" name="Chỗ dành sẵn cho Số hiệu Bản chiếu 6">
             <a:extLst>
               <a:ext uri="{FF2B5EF4-FFF2-40B4-BE49-F238E27FC236}">
-                <a16:creationId xmlns="" xmlns:a16="http://schemas.microsoft.com/office/drawing/2014/main" id="{C093815F-F490-4307-9E87-AAF436C71A68}"/>
+                <a16:creationId xmlns:a16="http://schemas.microsoft.com/office/drawing/2014/main" xmlns="" id="{C093815F-F490-4307-9E87-AAF436C71A68}"/>
               </a:ext>
             </a:extLst>
           </p:cNvPr>
@@ -17190,7 +17190,7 @@
           <p:cNvPr id="9" name="Đường nối Thẳng 8">
             <a:extLst>
               <a:ext uri="{FF2B5EF4-FFF2-40B4-BE49-F238E27FC236}">
-                <a16:creationId xmlns="" xmlns:a16="http://schemas.microsoft.com/office/drawing/2014/main" id="{D39C86C5-91F0-4083-8CE5-1B547E5FEA06}"/>
+                <a16:creationId xmlns:a16="http://schemas.microsoft.com/office/drawing/2014/main" xmlns="" id="{D39C86C5-91F0-4083-8CE5-1B547E5FEA06}"/>
               </a:ext>
             </a:extLst>
           </p:cNvPr>
@@ -17227,7 +17227,7 @@
           <p:cNvPr id="21" name="Chỗ dành sẵn cho Hình ảnh 2">
             <a:extLst>
               <a:ext uri="{FF2B5EF4-FFF2-40B4-BE49-F238E27FC236}">
-                <a16:creationId xmlns="" xmlns:a16="http://schemas.microsoft.com/office/drawing/2014/main" id="{F2ACB6B7-AA9C-4400-AE52-4698E1110F22}"/>
+                <a16:creationId xmlns:a16="http://schemas.microsoft.com/office/drawing/2014/main" xmlns="" id="{F2ACB6B7-AA9C-4400-AE52-4698E1110F22}"/>
               </a:ext>
             </a:extLst>
           </p:cNvPr>
@@ -17269,7 +17269,7 @@
           <p:cNvPr id="24" name="Hình chữ nhật 23" descr="Vết cọ vẽ">
             <a:extLst>
               <a:ext uri="{FF2B5EF4-FFF2-40B4-BE49-F238E27FC236}">
-                <a16:creationId xmlns="" xmlns:a16="http://schemas.microsoft.com/office/drawing/2014/main" id="{D96D18D3-B702-4651-BEF4-0E6B09A7D555}"/>
+                <a16:creationId xmlns:a16="http://schemas.microsoft.com/office/drawing/2014/main" xmlns="" id="{D96D18D3-B702-4651-BEF4-0E6B09A7D555}"/>
               </a:ext>
             </a:extLst>
           </p:cNvPr>
@@ -17289,7 +17289,7 @@
               <a:alphaModFix amt="35000"/>
               <a:extLst>
                 <a:ext uri="{96DAC541-7B7A-43D3-8B79-37D633B846F1}">
-                  <asvg:svgBlip xmlns="" xmlns:asvg="http://schemas.microsoft.com/office/drawing/2016/SVG/main" r:embed="rId3"/>
+                  <asvg:svgBlip xmlns:asvg="http://schemas.microsoft.com/office/drawing/2016/SVG/main" xmlns="" r:embed="rId3"/>
                 </a:ext>
               </a:extLst>
             </a:blip>
@@ -17332,7 +17332,7 @@
           <p:cNvPr id="34" name="Chỗ dành sẵn cho Văn bản 3">
             <a:extLst>
               <a:ext uri="{FF2B5EF4-FFF2-40B4-BE49-F238E27FC236}">
-                <a16:creationId xmlns="" xmlns:a16="http://schemas.microsoft.com/office/drawing/2014/main" id="{652C9FD8-1460-4E64-B8BC-CA45BA7C4B66}"/>
+                <a16:creationId xmlns:a16="http://schemas.microsoft.com/office/drawing/2014/main" xmlns="" id="{652C9FD8-1460-4E64-B8BC-CA45BA7C4B66}"/>
               </a:ext>
             </a:extLst>
           </p:cNvPr>
@@ -17415,7 +17415,7 @@
           <p:cNvPr id="36" name="Chỗ dành sẵn cho Văn bản 3">
             <a:extLst>
               <a:ext uri="{FF2B5EF4-FFF2-40B4-BE49-F238E27FC236}">
-                <a16:creationId xmlns="" xmlns:a16="http://schemas.microsoft.com/office/drawing/2014/main" id="{2B2471E0-ECA3-4640-BFDE-00A4244C2547}"/>
+                <a16:creationId xmlns:a16="http://schemas.microsoft.com/office/drawing/2014/main" xmlns="" id="{2B2471E0-ECA3-4640-BFDE-00A4244C2547}"/>
               </a:ext>
             </a:extLst>
           </p:cNvPr>
@@ -17539,7 +17539,7 @@
           <p:cNvPr id="37" name="Chỗ dành sẵn cho Văn bản 3">
             <a:extLst>
               <a:ext uri="{FF2B5EF4-FFF2-40B4-BE49-F238E27FC236}">
-                <a16:creationId xmlns="" xmlns:a16="http://schemas.microsoft.com/office/drawing/2014/main" id="{8BACAAC9-DC1B-45F5-8B83-C468D78DB910}"/>
+                <a16:creationId xmlns:a16="http://schemas.microsoft.com/office/drawing/2014/main" xmlns="" id="{8BACAAC9-DC1B-45F5-8B83-C468D78DB910}"/>
               </a:ext>
             </a:extLst>
           </p:cNvPr>
@@ -17622,7 +17622,7 @@
           <p:cNvPr id="38" name="Đường nối Thẳng 37">
             <a:extLst>
               <a:ext uri="{FF2B5EF4-FFF2-40B4-BE49-F238E27FC236}">
-                <a16:creationId xmlns="" xmlns:a16="http://schemas.microsoft.com/office/drawing/2014/main" id="{433BF02C-5128-4705-BDAA-A36BA2E50DFF}"/>
+                <a16:creationId xmlns:a16="http://schemas.microsoft.com/office/drawing/2014/main" xmlns="" id="{433BF02C-5128-4705-BDAA-A36BA2E50DFF}"/>
               </a:ext>
             </a:extLst>
           </p:cNvPr>
@@ -17659,7 +17659,7 @@
           <p:cNvPr id="39" name="Hình chữ nhật 38" descr="Vết cọ vẽ">
             <a:extLst>
               <a:ext uri="{FF2B5EF4-FFF2-40B4-BE49-F238E27FC236}">
-                <a16:creationId xmlns="" xmlns:a16="http://schemas.microsoft.com/office/drawing/2014/main" id="{5D721349-BDDA-47F4-BB33-DDAB2DD44F1B}"/>
+                <a16:creationId xmlns:a16="http://schemas.microsoft.com/office/drawing/2014/main" xmlns="" id="{5D721349-BDDA-47F4-BB33-DDAB2DD44F1B}"/>
               </a:ext>
             </a:extLst>
           </p:cNvPr>
@@ -17679,7 +17679,7 @@
               <a:alphaModFix amt="35000"/>
               <a:extLst>
                 <a:ext uri="{96DAC541-7B7A-43D3-8B79-37D633B846F1}">
-                  <asvg:svgBlip xmlns="" xmlns:asvg="http://schemas.microsoft.com/office/drawing/2016/SVG/main" r:embed="rId3"/>
+                  <asvg:svgBlip xmlns:asvg="http://schemas.microsoft.com/office/drawing/2016/SVG/main" xmlns="" r:embed="rId3"/>
                 </a:ext>
               </a:extLst>
             </a:blip>
@@ -17722,7 +17722,7 @@
           <p:cNvPr id="40" name="Chỗ dành sẵn cho Văn bản 3">
             <a:extLst>
               <a:ext uri="{FF2B5EF4-FFF2-40B4-BE49-F238E27FC236}">
-                <a16:creationId xmlns="" xmlns:a16="http://schemas.microsoft.com/office/drawing/2014/main" id="{9BD9BC82-9664-4610-A1BC-90E5F4CC736E}"/>
+                <a16:creationId xmlns:a16="http://schemas.microsoft.com/office/drawing/2014/main" xmlns="" id="{9BD9BC82-9664-4610-A1BC-90E5F4CC736E}"/>
               </a:ext>
             </a:extLst>
           </p:cNvPr>
@@ -17805,7 +17805,7 @@
           <p:cNvPr id="42" name="Chỗ dành sẵn cho Văn bản 3">
             <a:extLst>
               <a:ext uri="{FF2B5EF4-FFF2-40B4-BE49-F238E27FC236}">
-                <a16:creationId xmlns="" xmlns:a16="http://schemas.microsoft.com/office/drawing/2014/main" id="{7879E591-AFC3-45A3-9875-660930C57AF4}"/>
+                <a16:creationId xmlns:a16="http://schemas.microsoft.com/office/drawing/2014/main" xmlns="" id="{7879E591-AFC3-45A3-9875-660930C57AF4}"/>
               </a:ext>
             </a:extLst>
           </p:cNvPr>
@@ -17929,7 +17929,7 @@
           <p:cNvPr id="43" name="Chỗ dành sẵn cho Văn bản 3">
             <a:extLst>
               <a:ext uri="{FF2B5EF4-FFF2-40B4-BE49-F238E27FC236}">
-                <a16:creationId xmlns="" xmlns:a16="http://schemas.microsoft.com/office/drawing/2014/main" id="{274C99EA-E9EB-43A8-8807-6DD5323F881E}"/>
+                <a16:creationId xmlns:a16="http://schemas.microsoft.com/office/drawing/2014/main" xmlns="" id="{274C99EA-E9EB-43A8-8807-6DD5323F881E}"/>
               </a:ext>
             </a:extLst>
           </p:cNvPr>
@@ -18012,7 +18012,7 @@
           <p:cNvPr id="44" name="Chỗ dành sẵn cho Hình ảnh 7">
             <a:extLst>
               <a:ext uri="{FF2B5EF4-FFF2-40B4-BE49-F238E27FC236}">
-                <a16:creationId xmlns="" xmlns:a16="http://schemas.microsoft.com/office/drawing/2014/main" id="{74E5C1DF-1CF3-431D-8289-3A269EFD1DFE}"/>
+                <a16:creationId xmlns:a16="http://schemas.microsoft.com/office/drawing/2014/main" xmlns="" id="{74E5C1DF-1CF3-431D-8289-3A269EFD1DFE}"/>
               </a:ext>
             </a:extLst>
           </p:cNvPr>
@@ -18062,7 +18062,7 @@
           <p:cNvPr id="46" name="Chỗ dành sẵn cho Hình ảnh 7">
             <a:extLst>
               <a:ext uri="{FF2B5EF4-FFF2-40B4-BE49-F238E27FC236}">
-                <a16:creationId xmlns="" xmlns:a16="http://schemas.microsoft.com/office/drawing/2014/main" id="{62765A35-4E4D-481A-AD5D-F689CCD638E4}"/>
+                <a16:creationId xmlns:a16="http://schemas.microsoft.com/office/drawing/2014/main" xmlns="" id="{62765A35-4E4D-481A-AD5D-F689CCD638E4}"/>
               </a:ext>
             </a:extLst>
           </p:cNvPr>
@@ -18142,7 +18142,7 @@
           <p:cNvPr id="2" name="Tiêu đề 1">
             <a:extLst>
               <a:ext uri="{FF2B5EF4-FFF2-40B4-BE49-F238E27FC236}">
-                <a16:creationId xmlns="" xmlns:a16="http://schemas.microsoft.com/office/drawing/2014/main" id="{E117C2F7-CB66-4CB8-B26F-7B3C64D575E4}"/>
+                <a16:creationId xmlns:a16="http://schemas.microsoft.com/office/drawing/2014/main" xmlns="" id="{E117C2F7-CB66-4CB8-B26F-7B3C64D575E4}"/>
               </a:ext>
             </a:extLst>
           </p:cNvPr>
@@ -18180,7 +18180,7 @@
           <p:cNvPr id="5" name="Chỗ dành sẵn cho Ngày tháng 4">
             <a:extLst>
               <a:ext uri="{FF2B5EF4-FFF2-40B4-BE49-F238E27FC236}">
-                <a16:creationId xmlns="" xmlns:a16="http://schemas.microsoft.com/office/drawing/2014/main" id="{F8784BEA-5E31-4B76-8435-68BD500D0BF5}"/>
+                <a16:creationId xmlns:a16="http://schemas.microsoft.com/office/drawing/2014/main" xmlns="" id="{F8784BEA-5E31-4B76-8435-68BD500D0BF5}"/>
               </a:ext>
             </a:extLst>
           </p:cNvPr>
@@ -18210,7 +18210,7 @@
           <p:cNvPr id="6" name="Chỗ dành sẵn cho Chân trang 5">
             <a:extLst>
               <a:ext uri="{FF2B5EF4-FFF2-40B4-BE49-F238E27FC236}">
-                <a16:creationId xmlns="" xmlns:a16="http://schemas.microsoft.com/office/drawing/2014/main" id="{E419BEDD-A744-40CE-9FA6-391AD6FC33CD}"/>
+                <a16:creationId xmlns:a16="http://schemas.microsoft.com/office/drawing/2014/main" xmlns="" id="{E419BEDD-A744-40CE-9FA6-391AD6FC33CD}"/>
               </a:ext>
             </a:extLst>
           </p:cNvPr>
@@ -18236,7 +18236,7 @@
           <p:cNvPr id="7" name="Chỗ dành sẵn cho Số hiệu Bản chiếu 6">
             <a:extLst>
               <a:ext uri="{FF2B5EF4-FFF2-40B4-BE49-F238E27FC236}">
-                <a16:creationId xmlns="" xmlns:a16="http://schemas.microsoft.com/office/drawing/2014/main" id="{C093815F-F490-4307-9E87-AAF436C71A68}"/>
+                <a16:creationId xmlns:a16="http://schemas.microsoft.com/office/drawing/2014/main" xmlns="" id="{C093815F-F490-4307-9E87-AAF436C71A68}"/>
               </a:ext>
             </a:extLst>
           </p:cNvPr>
@@ -18266,7 +18266,7 @@
           <p:cNvPr id="9" name="Đường nối Thẳng 8">
             <a:extLst>
               <a:ext uri="{FF2B5EF4-FFF2-40B4-BE49-F238E27FC236}">
-                <a16:creationId xmlns="" xmlns:a16="http://schemas.microsoft.com/office/drawing/2014/main" id="{D39C86C5-91F0-4083-8CE5-1B547E5FEA06}"/>
+                <a16:creationId xmlns:a16="http://schemas.microsoft.com/office/drawing/2014/main" xmlns="" id="{D39C86C5-91F0-4083-8CE5-1B547E5FEA06}"/>
               </a:ext>
             </a:extLst>
           </p:cNvPr>
@@ -18303,7 +18303,7 @@
           <p:cNvPr id="10" name="Tiêu đề phụ 2">
             <a:extLst>
               <a:ext uri="{FF2B5EF4-FFF2-40B4-BE49-F238E27FC236}">
-                <a16:creationId xmlns="" xmlns:a16="http://schemas.microsoft.com/office/drawing/2014/main" id="{A617DA88-4765-4225-9C56-CD0FFD9D7673}"/>
+                <a16:creationId xmlns:a16="http://schemas.microsoft.com/office/drawing/2014/main" xmlns="" id="{A617DA88-4765-4225-9C56-CD0FFD9D7673}"/>
               </a:ext>
             </a:extLst>
           </p:cNvPr>
@@ -18381,7 +18381,7 @@
           <p:cNvPr id="21" name="Chỗ dành sẵn cho Hình ảnh 2">
             <a:extLst>
               <a:ext uri="{FF2B5EF4-FFF2-40B4-BE49-F238E27FC236}">
-                <a16:creationId xmlns="" xmlns:a16="http://schemas.microsoft.com/office/drawing/2014/main" id="{F2ACB6B7-AA9C-4400-AE52-4698E1110F22}"/>
+                <a16:creationId xmlns:a16="http://schemas.microsoft.com/office/drawing/2014/main" xmlns="" id="{F2ACB6B7-AA9C-4400-AE52-4698E1110F22}"/>
               </a:ext>
             </a:extLst>
           </p:cNvPr>
@@ -18423,7 +18423,7 @@
           <p:cNvPr id="17" name="Chỗ dành sẵn cho Văn bản 3">
             <a:extLst>
               <a:ext uri="{FF2B5EF4-FFF2-40B4-BE49-F238E27FC236}">
-                <a16:creationId xmlns="" xmlns:a16="http://schemas.microsoft.com/office/drawing/2014/main" id="{005754B0-9295-4959-B988-1280E463A93F}"/>
+                <a16:creationId xmlns:a16="http://schemas.microsoft.com/office/drawing/2014/main" xmlns="" id="{005754B0-9295-4959-B988-1280E463A93F}"/>
               </a:ext>
             </a:extLst>
           </p:cNvPr>
@@ -18506,7 +18506,7 @@
           <p:cNvPr id="18" name="Chỗ dành sẵn cho Văn bản 12">
             <a:extLst>
               <a:ext uri="{FF2B5EF4-FFF2-40B4-BE49-F238E27FC236}">
-                <a16:creationId xmlns="" xmlns:a16="http://schemas.microsoft.com/office/drawing/2014/main" id="{8D6DC9E5-924D-4DD3-A31B-2D243B49A0D4}"/>
+                <a16:creationId xmlns:a16="http://schemas.microsoft.com/office/drawing/2014/main" xmlns="" id="{8D6DC9E5-924D-4DD3-A31B-2D243B49A0D4}"/>
               </a:ext>
             </a:extLst>
           </p:cNvPr>
@@ -18647,7 +18647,7 @@
           <p:cNvPr id="17" name="Hình chữ nhật 16" descr="Vết cọ vẽ">
             <a:extLst>
               <a:ext uri="{FF2B5EF4-FFF2-40B4-BE49-F238E27FC236}">
-                <a16:creationId xmlns="" xmlns:a16="http://schemas.microsoft.com/office/drawing/2014/main" id="{D91B44A9-F70B-48B6-8E13-182147782AE2}"/>
+                <a16:creationId xmlns:a16="http://schemas.microsoft.com/office/drawing/2014/main" xmlns="" id="{D91B44A9-F70B-48B6-8E13-182147782AE2}"/>
               </a:ext>
             </a:extLst>
           </p:cNvPr>
@@ -18667,7 +18667,7 @@
               <a:alphaModFix amt="35000"/>
               <a:extLst>
                 <a:ext uri="{96DAC541-7B7A-43D3-8B79-37D633B846F1}">
-                  <asvg:svgBlip xmlns="" xmlns:asvg="http://schemas.microsoft.com/office/drawing/2016/SVG/main" r:embed="rId3"/>
+                  <asvg:svgBlip xmlns:asvg="http://schemas.microsoft.com/office/drawing/2016/SVG/main" xmlns="" r:embed="rId3"/>
                 </a:ext>
               </a:extLst>
             </a:blip>
@@ -18713,7 +18713,7 @@
           <p:cNvPr id="8" name="Hình bầu dục 7">
             <a:extLst>
               <a:ext uri="{FF2B5EF4-FFF2-40B4-BE49-F238E27FC236}">
-                <a16:creationId xmlns="" xmlns:a16="http://schemas.microsoft.com/office/drawing/2014/main" id="{C671094F-F73C-475D-9540-55DD444F1FF9}"/>
+                <a16:creationId xmlns:a16="http://schemas.microsoft.com/office/drawing/2014/main" xmlns="" id="{C671094F-F73C-475D-9540-55DD444F1FF9}"/>
               </a:ext>
             </a:extLst>
           </p:cNvPr>
@@ -18772,7 +18772,7 @@
           <p:cNvPr id="4" name="Hình bầu dục 3">
             <a:extLst>
               <a:ext uri="{FF2B5EF4-FFF2-40B4-BE49-F238E27FC236}">
-                <a16:creationId xmlns="" xmlns:a16="http://schemas.microsoft.com/office/drawing/2014/main" id="{C7038C80-39FC-46F2-9E65-573C76CC235F}"/>
+                <a16:creationId xmlns:a16="http://schemas.microsoft.com/office/drawing/2014/main" xmlns="" id="{C7038C80-39FC-46F2-9E65-573C76CC235F}"/>
               </a:ext>
             </a:extLst>
           </p:cNvPr>
@@ -18831,7 +18831,7 @@
           <p:cNvPr id="2" name="Tiêu đề 1">
             <a:extLst>
               <a:ext uri="{FF2B5EF4-FFF2-40B4-BE49-F238E27FC236}">
-                <a16:creationId xmlns="" xmlns:a16="http://schemas.microsoft.com/office/drawing/2014/main" id="{E117C2F7-CB66-4CB8-B26F-7B3C64D575E4}"/>
+                <a16:creationId xmlns:a16="http://schemas.microsoft.com/office/drawing/2014/main" xmlns="" id="{E117C2F7-CB66-4CB8-B26F-7B3C64D575E4}"/>
               </a:ext>
             </a:extLst>
           </p:cNvPr>
@@ -18873,7 +18873,7 @@
           <p:cNvPr id="5" name="Chỗ dành sẵn cho Ngày tháng 4">
             <a:extLst>
               <a:ext uri="{FF2B5EF4-FFF2-40B4-BE49-F238E27FC236}">
-                <a16:creationId xmlns="" xmlns:a16="http://schemas.microsoft.com/office/drawing/2014/main" id="{F8784BEA-5E31-4B76-8435-68BD500D0BF5}"/>
+                <a16:creationId xmlns:a16="http://schemas.microsoft.com/office/drawing/2014/main" xmlns="" id="{F8784BEA-5E31-4B76-8435-68BD500D0BF5}"/>
               </a:ext>
             </a:extLst>
           </p:cNvPr>
@@ -18903,7 +18903,7 @@
           <p:cNvPr id="6" name="Chỗ dành sẵn cho Chân trang 5">
             <a:extLst>
               <a:ext uri="{FF2B5EF4-FFF2-40B4-BE49-F238E27FC236}">
-                <a16:creationId xmlns="" xmlns:a16="http://schemas.microsoft.com/office/drawing/2014/main" id="{E419BEDD-A744-40CE-9FA6-391AD6FC33CD}"/>
+                <a16:creationId xmlns:a16="http://schemas.microsoft.com/office/drawing/2014/main" xmlns="" id="{E419BEDD-A744-40CE-9FA6-391AD6FC33CD}"/>
               </a:ext>
             </a:extLst>
           </p:cNvPr>
@@ -18929,7 +18929,7 @@
           <p:cNvPr id="7" name="Chỗ dành sẵn cho Số hiệu Bản chiếu 6">
             <a:extLst>
               <a:ext uri="{FF2B5EF4-FFF2-40B4-BE49-F238E27FC236}">
-                <a16:creationId xmlns="" xmlns:a16="http://schemas.microsoft.com/office/drawing/2014/main" id="{C093815F-F490-4307-9E87-AAF436C71A68}"/>
+                <a16:creationId xmlns:a16="http://schemas.microsoft.com/office/drawing/2014/main" xmlns="" id="{C093815F-F490-4307-9E87-AAF436C71A68}"/>
               </a:ext>
             </a:extLst>
           </p:cNvPr>
@@ -18959,7 +18959,7 @@
           <p:cNvPr id="9" name="Đường nối Thẳng 8">
             <a:extLst>
               <a:ext uri="{FF2B5EF4-FFF2-40B4-BE49-F238E27FC236}">
-                <a16:creationId xmlns="" xmlns:a16="http://schemas.microsoft.com/office/drawing/2014/main" id="{D39C86C5-91F0-4083-8CE5-1B547E5FEA06}"/>
+                <a16:creationId xmlns:a16="http://schemas.microsoft.com/office/drawing/2014/main" xmlns="" id="{D39C86C5-91F0-4083-8CE5-1B547E5FEA06}"/>
               </a:ext>
             </a:extLst>
           </p:cNvPr>
@@ -18996,7 +18996,7 @@
           <p:cNvPr id="21" name="Chỗ dành sẵn cho Hình ảnh 2">
             <a:extLst>
               <a:ext uri="{FF2B5EF4-FFF2-40B4-BE49-F238E27FC236}">
-                <a16:creationId xmlns="" xmlns:a16="http://schemas.microsoft.com/office/drawing/2014/main" id="{F2ACB6B7-AA9C-4400-AE52-4698E1110F22}"/>
+                <a16:creationId xmlns:a16="http://schemas.microsoft.com/office/drawing/2014/main" xmlns="" id="{F2ACB6B7-AA9C-4400-AE52-4698E1110F22}"/>
               </a:ext>
             </a:extLst>
           </p:cNvPr>
@@ -19038,7 +19038,7 @@
           <p:cNvPr id="18" name="Hình chữ nhật 17">
             <a:extLst>
               <a:ext uri="{FF2B5EF4-FFF2-40B4-BE49-F238E27FC236}">
-                <a16:creationId xmlns="" xmlns:a16="http://schemas.microsoft.com/office/drawing/2014/main" id="{714F18D6-EBB2-42FB-8DEA-EDE2DEF458D2}"/>
+                <a16:creationId xmlns:a16="http://schemas.microsoft.com/office/drawing/2014/main" xmlns="" id="{714F18D6-EBB2-42FB-8DEA-EDE2DEF458D2}"/>
               </a:ext>
             </a:extLst>
           </p:cNvPr>
@@ -19057,7 +19057,7 @@
             <a:blip r:embed="rId4">
               <a:extLst>
                 <a:ext uri="{96DAC541-7B7A-43D3-8B79-37D633B846F1}">
-                  <asvg:svgBlip xmlns="" xmlns:asvg="http://schemas.microsoft.com/office/drawing/2016/SVG/main" r:embed="rId5"/>
+                  <asvg:svgBlip xmlns:asvg="http://schemas.microsoft.com/office/drawing/2016/SVG/main" xmlns="" r:embed="rId5"/>
                 </a:ext>
               </a:extLst>
             </a:blip>
@@ -19100,7 +19100,7 @@
           <p:cNvPr id="19" name="Chỗ dành sẵn cho Hình ảnh 11" descr="Pizza trên bàn">
             <a:extLst>
               <a:ext uri="{FF2B5EF4-FFF2-40B4-BE49-F238E27FC236}">
-                <a16:creationId xmlns="" xmlns:a16="http://schemas.microsoft.com/office/drawing/2014/main" id="{3A2CE4F0-232A-4D5A-93A7-CC26326CA64B}"/>
+                <a16:creationId xmlns:a16="http://schemas.microsoft.com/office/drawing/2014/main" xmlns="" id="{3A2CE4F0-232A-4D5A-93A7-CC26326CA64B}"/>
               </a:ext>
             </a:extLst>
           </p:cNvPr>
@@ -19152,7 +19152,7 @@
           <p:cNvPr id="22" name="Hình chữ nhật 21">
             <a:extLst>
               <a:ext uri="{FF2B5EF4-FFF2-40B4-BE49-F238E27FC236}">
-                <a16:creationId xmlns="" xmlns:a16="http://schemas.microsoft.com/office/drawing/2014/main" id="{B2B02871-8276-43E0-9F6F-1BE83CC24FF3}"/>
+                <a16:creationId xmlns:a16="http://schemas.microsoft.com/office/drawing/2014/main" xmlns="" id="{B2B02871-8276-43E0-9F6F-1BE83CC24FF3}"/>
               </a:ext>
             </a:extLst>
           </p:cNvPr>
@@ -19171,7 +19171,7 @@
             <a:blip r:embed="rId6">
               <a:extLst>
                 <a:ext uri="{96DAC541-7B7A-43D3-8B79-37D633B846F1}">
-                  <asvg:svgBlip xmlns="" xmlns:asvg="http://schemas.microsoft.com/office/drawing/2016/SVG/main" r:embed="rId7"/>
+                  <asvg:svgBlip xmlns:asvg="http://schemas.microsoft.com/office/drawing/2016/SVG/main" xmlns="" r:embed="rId7"/>
                 </a:ext>
               </a:extLst>
             </a:blip>
@@ -19214,7 +19214,7 @@
           <p:cNvPr id="23" name="Chỗ dành sẵn cho Hình ảnh 14">
             <a:extLst>
               <a:ext uri="{FF2B5EF4-FFF2-40B4-BE49-F238E27FC236}">
-                <a16:creationId xmlns="" xmlns:a16="http://schemas.microsoft.com/office/drawing/2014/main" id="{957C18BD-F894-4B44-871C-9F7D25ED9D5C}"/>
+                <a16:creationId xmlns:a16="http://schemas.microsoft.com/office/drawing/2014/main" xmlns="" id="{957C18BD-F894-4B44-871C-9F7D25ED9D5C}"/>
               </a:ext>
             </a:extLst>
           </p:cNvPr>
@@ -19266,7 +19266,7 @@
           <p:cNvPr id="24" name="Chỗ dành sẵn cho Văn bản 3">
             <a:extLst>
               <a:ext uri="{FF2B5EF4-FFF2-40B4-BE49-F238E27FC236}">
-                <a16:creationId xmlns="" xmlns:a16="http://schemas.microsoft.com/office/drawing/2014/main" id="{8AE96935-E804-4C56-A9CB-9A944335B8D5}"/>
+                <a16:creationId xmlns:a16="http://schemas.microsoft.com/office/drawing/2014/main" xmlns="" id="{8AE96935-E804-4C56-A9CB-9A944335B8D5}"/>
               </a:ext>
             </a:extLst>
           </p:cNvPr>
@@ -19352,7 +19352,7 @@
           <p:cNvPr id="27" name="Chỗ dành sẵn cho Văn bản 3">
             <a:extLst>
               <a:ext uri="{FF2B5EF4-FFF2-40B4-BE49-F238E27FC236}">
-                <a16:creationId xmlns="" xmlns:a16="http://schemas.microsoft.com/office/drawing/2014/main" id="{B2001541-780F-4D96-9204-D61C68A52F75}"/>
+                <a16:creationId xmlns:a16="http://schemas.microsoft.com/office/drawing/2014/main" xmlns="" id="{B2001541-780F-4D96-9204-D61C68A52F75}"/>
               </a:ext>
             </a:extLst>
           </p:cNvPr>
@@ -19449,7 +19449,7 @@
           <p:cNvPr id="28" name="Chỗ dành sẵn cho Văn bản 3">
             <a:extLst>
               <a:ext uri="{FF2B5EF4-FFF2-40B4-BE49-F238E27FC236}">
-                <a16:creationId xmlns="" xmlns:a16="http://schemas.microsoft.com/office/drawing/2014/main" id="{DC1D0DF0-7807-4F44-BC2B-B9700C962CCD}"/>
+                <a16:creationId xmlns:a16="http://schemas.microsoft.com/office/drawing/2014/main" xmlns="" id="{DC1D0DF0-7807-4F44-BC2B-B9700C962CCD}"/>
               </a:ext>
             </a:extLst>
           </p:cNvPr>
@@ -19535,7 +19535,7 @@
           <p:cNvPr id="31" name="Chỗ dành sẵn cho Văn bản 3">
             <a:extLst>
               <a:ext uri="{FF2B5EF4-FFF2-40B4-BE49-F238E27FC236}">
-                <a16:creationId xmlns="" xmlns:a16="http://schemas.microsoft.com/office/drawing/2014/main" id="{F7D8D8DB-F27B-4D75-83DB-E682CA45BDA4}"/>
+                <a16:creationId xmlns:a16="http://schemas.microsoft.com/office/drawing/2014/main" xmlns="" id="{F7D8D8DB-F27B-4D75-83DB-E682CA45BDA4}"/>
               </a:ext>
             </a:extLst>
           </p:cNvPr>
@@ -19632,7 +19632,7 @@
           <p:cNvPr id="33" name="Chỗ dành sẵn cho Hình ảnh 7">
             <a:extLst>
               <a:ext uri="{FF2B5EF4-FFF2-40B4-BE49-F238E27FC236}">
-                <a16:creationId xmlns="" xmlns:a16="http://schemas.microsoft.com/office/drawing/2014/main" id="{C36D084F-9099-4412-AB38-BEE332147833}"/>
+                <a16:creationId xmlns:a16="http://schemas.microsoft.com/office/drawing/2014/main" xmlns="" id="{C36D084F-9099-4412-AB38-BEE332147833}"/>
               </a:ext>
             </a:extLst>
           </p:cNvPr>
@@ -19681,7 +19681,7 @@
           <p:cNvPr id="34" name="Chỗ dành sẵn cho Hình ảnh 7">
             <a:extLst>
               <a:ext uri="{FF2B5EF4-FFF2-40B4-BE49-F238E27FC236}">
-                <a16:creationId xmlns="" xmlns:a16="http://schemas.microsoft.com/office/drawing/2014/main" id="{5A529E1A-870B-49B1-A061-C26BF495213C}"/>
+                <a16:creationId xmlns:a16="http://schemas.microsoft.com/office/drawing/2014/main" xmlns="" id="{5A529E1A-870B-49B1-A061-C26BF495213C}"/>
               </a:ext>
             </a:extLst>
           </p:cNvPr>
@@ -19759,7 +19759,7 @@
           <p:cNvPr id="2" name="Chỗ dành sẵn cho Ngày tháng 1">
             <a:extLst>
               <a:ext uri="{FF2B5EF4-FFF2-40B4-BE49-F238E27FC236}">
-                <a16:creationId xmlns="" xmlns:a16="http://schemas.microsoft.com/office/drawing/2014/main" id="{33A261C6-E42E-4F1C-8216-77A358DB0BE2}"/>
+                <a16:creationId xmlns:a16="http://schemas.microsoft.com/office/drawing/2014/main" xmlns="" id="{33A261C6-E42E-4F1C-8216-77A358DB0BE2}"/>
               </a:ext>
             </a:extLst>
           </p:cNvPr>
@@ -19789,7 +19789,7 @@
           <p:cNvPr id="3" name="Chỗ dành sẵn cho Chân trang 2">
             <a:extLst>
               <a:ext uri="{FF2B5EF4-FFF2-40B4-BE49-F238E27FC236}">
-                <a16:creationId xmlns="" xmlns:a16="http://schemas.microsoft.com/office/drawing/2014/main" id="{5B901FE4-4890-4330-96D0-D3F6E9666E33}"/>
+                <a16:creationId xmlns:a16="http://schemas.microsoft.com/office/drawing/2014/main" xmlns="" id="{5B901FE4-4890-4330-96D0-D3F6E9666E33}"/>
               </a:ext>
             </a:extLst>
           </p:cNvPr>
@@ -19815,7 +19815,7 @@
           <p:cNvPr id="4" name="Chỗ dành sẵn cho số hiệu trang chiếu 3">
             <a:extLst>
               <a:ext uri="{FF2B5EF4-FFF2-40B4-BE49-F238E27FC236}">
-                <a16:creationId xmlns="" xmlns:a16="http://schemas.microsoft.com/office/drawing/2014/main" id="{1498604B-E739-4608-A505-18C0674AB395}"/>
+                <a16:creationId xmlns:a16="http://schemas.microsoft.com/office/drawing/2014/main" xmlns="" id="{1498604B-E739-4608-A505-18C0674AB395}"/>
               </a:ext>
             </a:extLst>
           </p:cNvPr>
@@ -19875,7 +19875,7 @@
           <p:cNvPr id="8" name="Hình chữ nhật 7" descr="Nội thất nhà hàng">
             <a:extLst>
               <a:ext uri="{FF2B5EF4-FFF2-40B4-BE49-F238E27FC236}">
-                <a16:creationId xmlns="" xmlns:a16="http://schemas.microsoft.com/office/drawing/2014/main" id="{3663C424-4D11-4875-A44A-FF368BB74F6C}"/>
+                <a16:creationId xmlns:a16="http://schemas.microsoft.com/office/drawing/2014/main" xmlns="" id="{3663C424-4D11-4875-A44A-FF368BB74F6C}"/>
               </a:ext>
             </a:extLst>
           </p:cNvPr>
@@ -19930,7 +19930,7 @@
           <p:cNvPr id="7" name="Hình chữ nhật 6" descr="Mặt nạ cọ vẽ">
             <a:extLst>
               <a:ext uri="{FF2B5EF4-FFF2-40B4-BE49-F238E27FC236}">
-                <a16:creationId xmlns="" xmlns:a16="http://schemas.microsoft.com/office/drawing/2014/main" id="{609FB4CD-BB02-4D4B-8D86-3EC7DD3B67FE}"/>
+                <a16:creationId xmlns:a16="http://schemas.microsoft.com/office/drawing/2014/main" xmlns="" id="{609FB4CD-BB02-4D4B-8D86-3EC7DD3B67FE}"/>
               </a:ext>
             </a:extLst>
           </p:cNvPr>
@@ -19985,7 +19985,7 @@
           <p:cNvPr id="2" name="Tiêu đề 1">
             <a:extLst>
               <a:ext uri="{FF2B5EF4-FFF2-40B4-BE49-F238E27FC236}">
-                <a16:creationId xmlns="" xmlns:a16="http://schemas.microsoft.com/office/drawing/2014/main" id="{F1A8E0E8-66CF-479B-9B2B-23573DD99317}"/>
+                <a16:creationId xmlns:a16="http://schemas.microsoft.com/office/drawing/2014/main" xmlns="" id="{F1A8E0E8-66CF-479B-9B2B-23573DD99317}"/>
               </a:ext>
             </a:extLst>
           </p:cNvPr>
@@ -20025,7 +20025,7 @@
           <p:cNvPr id="3" name="Chỗ dành sẵn cho Văn bản 2">
             <a:extLst>
               <a:ext uri="{FF2B5EF4-FFF2-40B4-BE49-F238E27FC236}">
-                <a16:creationId xmlns="" xmlns:a16="http://schemas.microsoft.com/office/drawing/2014/main" id="{89B65A51-5568-4F87-9DD3-A3B39AB95DE1}"/>
+                <a16:creationId xmlns:a16="http://schemas.microsoft.com/office/drawing/2014/main" xmlns="" id="{89B65A51-5568-4F87-9DD3-A3B39AB95DE1}"/>
               </a:ext>
             </a:extLst>
           </p:cNvPr>
@@ -20156,7 +20156,7 @@
           <p:cNvPr id="4" name="Chỗ dành sẵn cho Ngày tháng 3">
             <a:extLst>
               <a:ext uri="{FF2B5EF4-FFF2-40B4-BE49-F238E27FC236}">
-                <a16:creationId xmlns="" xmlns:a16="http://schemas.microsoft.com/office/drawing/2014/main" id="{F97AA241-A7D4-4B81-98DB-F4B364A35D32}"/>
+                <a16:creationId xmlns:a16="http://schemas.microsoft.com/office/drawing/2014/main" xmlns="" id="{F97AA241-A7D4-4B81-98DB-F4B364A35D32}"/>
               </a:ext>
             </a:extLst>
           </p:cNvPr>
@@ -20186,7 +20186,7 @@
           <p:cNvPr id="5" name="Chỗ dành sẵn cho Chân trang 4">
             <a:extLst>
               <a:ext uri="{FF2B5EF4-FFF2-40B4-BE49-F238E27FC236}">
-                <a16:creationId xmlns="" xmlns:a16="http://schemas.microsoft.com/office/drawing/2014/main" id="{615585EA-45A6-4D35-A7AB-F97FC27E47BF}"/>
+                <a16:creationId xmlns:a16="http://schemas.microsoft.com/office/drawing/2014/main" xmlns="" id="{615585EA-45A6-4D35-A7AB-F97FC27E47BF}"/>
               </a:ext>
             </a:extLst>
           </p:cNvPr>
@@ -20220,7 +20220,7 @@
           <p:cNvPr id="6" name="Chỗ dành sẵn cho Số hiệu Bản chiếu 5">
             <a:extLst>
               <a:ext uri="{FF2B5EF4-FFF2-40B4-BE49-F238E27FC236}">
-                <a16:creationId xmlns="" xmlns:a16="http://schemas.microsoft.com/office/drawing/2014/main" id="{07F3847C-49D2-4ADE-9E05-28B879A96F83}"/>
+                <a16:creationId xmlns:a16="http://schemas.microsoft.com/office/drawing/2014/main" xmlns="" id="{07F3847C-49D2-4ADE-9E05-28B879A96F83}"/>
               </a:ext>
             </a:extLst>
           </p:cNvPr>
@@ -20259,7 +20259,7 @@
           <p:cNvPr id="9" name="Hình bầu dục 8">
             <a:extLst>
               <a:ext uri="{FF2B5EF4-FFF2-40B4-BE49-F238E27FC236}">
-                <a16:creationId xmlns="" xmlns:a16="http://schemas.microsoft.com/office/drawing/2014/main" id="{D95556C4-3308-4A8B-A7F9-BEAC5A6230BE}"/>
+                <a16:creationId xmlns:a16="http://schemas.microsoft.com/office/drawing/2014/main" xmlns="" id="{D95556C4-3308-4A8B-A7F9-BEAC5A6230BE}"/>
               </a:ext>
             </a:extLst>
           </p:cNvPr>
@@ -20311,7 +20311,7 @@
           <p:cNvPr id="11" name="Đường nối Thẳng 10">
             <a:extLst>
               <a:ext uri="{FF2B5EF4-FFF2-40B4-BE49-F238E27FC236}">
-                <a16:creationId xmlns="" xmlns:a16="http://schemas.microsoft.com/office/drawing/2014/main" id="{9CAF3222-5D2C-427A-822C-5118901C34DE}"/>
+                <a16:creationId xmlns:a16="http://schemas.microsoft.com/office/drawing/2014/main" xmlns="" id="{9CAF3222-5D2C-427A-822C-5118901C34DE}"/>
               </a:ext>
             </a:extLst>
           </p:cNvPr>
@@ -20348,7 +20348,7 @@
           <p:cNvPr id="12" name="Chỗ dành sẵn cho Hình ảnh 2">
             <a:extLst>
               <a:ext uri="{FF2B5EF4-FFF2-40B4-BE49-F238E27FC236}">
-                <a16:creationId xmlns="" xmlns:a16="http://schemas.microsoft.com/office/drawing/2014/main" id="{CF79489C-0CC8-496C-B0B4-808444D916F6}"/>
+                <a16:creationId xmlns:a16="http://schemas.microsoft.com/office/drawing/2014/main" xmlns="" id="{CF79489C-0CC8-496C-B0B4-808444D916F6}"/>
               </a:ext>
             </a:extLst>
           </p:cNvPr>
@@ -20420,7 +20420,7 @@
           <p:cNvPr id="9" name="Hình chữ nhật 8" descr="Người đàn ông trẻ đang uống cà phê">
             <a:extLst>
               <a:ext uri="{FF2B5EF4-FFF2-40B4-BE49-F238E27FC236}">
-                <a16:creationId xmlns="" xmlns:a16="http://schemas.microsoft.com/office/drawing/2014/main" id="{816EFE26-DD10-44FC-BAAF-4EA15D4086A7}"/>
+                <a16:creationId xmlns:a16="http://schemas.microsoft.com/office/drawing/2014/main" xmlns="" id="{816EFE26-DD10-44FC-BAAF-4EA15D4086A7}"/>
               </a:ext>
             </a:extLst>
           </p:cNvPr>
@@ -20476,7 +20476,7 @@
           <p:cNvPr id="8" name="Hình chữ nhật 7" descr="Mặt nạ cọ vẽ">
             <a:extLst>
               <a:ext uri="{FF2B5EF4-FFF2-40B4-BE49-F238E27FC236}">
-                <a16:creationId xmlns="" xmlns:a16="http://schemas.microsoft.com/office/drawing/2014/main" id="{4190C024-B222-4F26-9066-AD52FB0D45E3}"/>
+                <a16:creationId xmlns:a16="http://schemas.microsoft.com/office/drawing/2014/main" xmlns="" id="{4190C024-B222-4F26-9066-AD52FB0D45E3}"/>
               </a:ext>
             </a:extLst>
           </p:cNvPr>
@@ -20531,7 +20531,7 @@
           <p:cNvPr id="2" name="Tiêu đề 1">
             <a:extLst>
               <a:ext uri="{FF2B5EF4-FFF2-40B4-BE49-F238E27FC236}">
-                <a16:creationId xmlns="" xmlns:a16="http://schemas.microsoft.com/office/drawing/2014/main" id="{895F031D-510E-4663-BF87-CD265E4A7E11}"/>
+                <a16:creationId xmlns:a16="http://schemas.microsoft.com/office/drawing/2014/main" xmlns="" id="{895F031D-510E-4663-BF87-CD265E4A7E11}"/>
               </a:ext>
             </a:extLst>
           </p:cNvPr>
@@ -20571,7 +20571,7 @@
           <p:cNvPr id="3" name="Chỗ dành sẵn cho Nội dung 2">
             <a:extLst>
               <a:ext uri="{FF2B5EF4-FFF2-40B4-BE49-F238E27FC236}">
-                <a16:creationId xmlns="" xmlns:a16="http://schemas.microsoft.com/office/drawing/2014/main" id="{24CDB312-4D1B-447F-97E7-ABE93A3DE43C}"/>
+                <a16:creationId xmlns:a16="http://schemas.microsoft.com/office/drawing/2014/main" xmlns="" id="{24CDB312-4D1B-447F-97E7-ABE93A3DE43C}"/>
               </a:ext>
             </a:extLst>
           </p:cNvPr>
@@ -20666,7 +20666,7 @@
           <p:cNvPr id="6" name="Chỗ dành sẵn cho Chân trang 5">
             <a:extLst>
               <a:ext uri="{FF2B5EF4-FFF2-40B4-BE49-F238E27FC236}">
-                <a16:creationId xmlns="" xmlns:a16="http://schemas.microsoft.com/office/drawing/2014/main" id="{D12FBE19-D2C9-41FC-A797-CF4A863F3089}"/>
+                <a16:creationId xmlns:a16="http://schemas.microsoft.com/office/drawing/2014/main" xmlns="" id="{D12FBE19-D2C9-41FC-A797-CF4A863F3089}"/>
               </a:ext>
             </a:extLst>
           </p:cNvPr>
@@ -20697,7 +20697,7 @@
           <p:cNvPr id="7" name="Chỗ dành sẵn cho Số hiệu Bản chiếu 6">
             <a:extLst>
               <a:ext uri="{FF2B5EF4-FFF2-40B4-BE49-F238E27FC236}">
-                <a16:creationId xmlns="" xmlns:a16="http://schemas.microsoft.com/office/drawing/2014/main" id="{83F0F4E3-5500-460C-AB20-C7CE0A3FBAD0}"/>
+                <a16:creationId xmlns:a16="http://schemas.microsoft.com/office/drawing/2014/main" xmlns="" id="{83F0F4E3-5500-460C-AB20-C7CE0A3FBAD0}"/>
               </a:ext>
             </a:extLst>
           </p:cNvPr>
@@ -20727,7 +20727,7 @@
           <p:cNvPr id="10" name="Hình bầu dục 9">
             <a:extLst>
               <a:ext uri="{FF2B5EF4-FFF2-40B4-BE49-F238E27FC236}">
-                <a16:creationId xmlns="" xmlns:a16="http://schemas.microsoft.com/office/drawing/2014/main" id="{1EDFCD21-B871-4944-9E6C-ABFDA63AC6FD}"/>
+                <a16:creationId xmlns:a16="http://schemas.microsoft.com/office/drawing/2014/main" xmlns="" id="{1EDFCD21-B871-4944-9E6C-ABFDA63AC6FD}"/>
               </a:ext>
             </a:extLst>
           </p:cNvPr>
@@ -20779,7 +20779,7 @@
           <p:cNvPr id="13" name="Đường nối Thẳng 12">
             <a:extLst>
               <a:ext uri="{FF2B5EF4-FFF2-40B4-BE49-F238E27FC236}">
-                <a16:creationId xmlns="" xmlns:a16="http://schemas.microsoft.com/office/drawing/2014/main" id="{039BD365-42F3-4F69-886B-478D54864737}"/>
+                <a16:creationId xmlns:a16="http://schemas.microsoft.com/office/drawing/2014/main" xmlns="" id="{039BD365-42F3-4F69-886B-478D54864737}"/>
               </a:ext>
             </a:extLst>
           </p:cNvPr>
@@ -20816,7 +20816,7 @@
           <p:cNvPr id="14" name="Chỗ dành sẵn cho Hình ảnh 2">
             <a:extLst>
               <a:ext uri="{FF2B5EF4-FFF2-40B4-BE49-F238E27FC236}">
-                <a16:creationId xmlns="" xmlns:a16="http://schemas.microsoft.com/office/drawing/2014/main" id="{280FA08D-85FA-44C3-8767-041020BA4734}"/>
+                <a16:creationId xmlns:a16="http://schemas.microsoft.com/office/drawing/2014/main" xmlns="" id="{280FA08D-85FA-44C3-8767-041020BA4734}"/>
               </a:ext>
             </a:extLst>
           </p:cNvPr>
@@ -20888,7 +20888,7 @@
           <p:cNvPr id="10" name="Hình chữ nhật 9" descr="Người phụ nữ trẻ đang cười với điện thoại di động">
             <a:extLst>
               <a:ext uri="{FF2B5EF4-FFF2-40B4-BE49-F238E27FC236}">
-                <a16:creationId xmlns="" xmlns:a16="http://schemas.microsoft.com/office/drawing/2014/main" id="{95A5621D-11A8-4134-AA47-F59127E702CB}"/>
+                <a16:creationId xmlns:a16="http://schemas.microsoft.com/office/drawing/2014/main" xmlns="" id="{95A5621D-11A8-4134-AA47-F59127E702CB}"/>
               </a:ext>
             </a:extLst>
           </p:cNvPr>
@@ -20944,7 +20944,7 @@
           <p:cNvPr id="8" name="Hình chữ nhật 7" descr="Mặt nạ cọ vẽ">
             <a:extLst>
               <a:ext uri="{FF2B5EF4-FFF2-40B4-BE49-F238E27FC236}">
-                <a16:creationId xmlns="" xmlns:a16="http://schemas.microsoft.com/office/drawing/2014/main" id="{41855D31-B9D9-4D6C-8BAD-6CBA6017C18D}"/>
+                <a16:creationId xmlns:a16="http://schemas.microsoft.com/office/drawing/2014/main" xmlns="" id="{41855D31-B9D9-4D6C-8BAD-6CBA6017C18D}"/>
               </a:ext>
             </a:extLst>
           </p:cNvPr>
@@ -20999,7 +20999,7 @@
           <p:cNvPr id="27" name="Tiêu đề 25">
             <a:extLst>
               <a:ext uri="{FF2B5EF4-FFF2-40B4-BE49-F238E27FC236}">
-                <a16:creationId xmlns="" xmlns:a16="http://schemas.microsoft.com/office/drawing/2014/main" id="{618935A2-A027-4F36-94E5-021BC775EE5A}"/>
+                <a16:creationId xmlns:a16="http://schemas.microsoft.com/office/drawing/2014/main" xmlns="" id="{618935A2-A027-4F36-94E5-021BC775EE5A}"/>
               </a:ext>
             </a:extLst>
           </p:cNvPr>
@@ -21033,7 +21033,7 @@
           <p:cNvPr id="5" name="Chỗ dành sẵn cho Ngày tháng 4">
             <a:extLst>
               <a:ext uri="{FF2B5EF4-FFF2-40B4-BE49-F238E27FC236}">
-                <a16:creationId xmlns="" xmlns:a16="http://schemas.microsoft.com/office/drawing/2014/main" id="{7F87E340-E9AB-4958-9BB5-EA625139913E}"/>
+                <a16:creationId xmlns:a16="http://schemas.microsoft.com/office/drawing/2014/main" xmlns="" id="{7F87E340-E9AB-4958-9BB5-EA625139913E}"/>
               </a:ext>
             </a:extLst>
           </p:cNvPr>
@@ -21063,7 +21063,7 @@
           <p:cNvPr id="6" name="Chỗ dành sẵn cho Chân trang 5">
             <a:extLst>
               <a:ext uri="{FF2B5EF4-FFF2-40B4-BE49-F238E27FC236}">
-                <a16:creationId xmlns="" xmlns:a16="http://schemas.microsoft.com/office/drawing/2014/main" id="{D6FFFCFA-118E-40C3-9A31-9334927F7599}"/>
+                <a16:creationId xmlns:a16="http://schemas.microsoft.com/office/drawing/2014/main" xmlns="" id="{D6FFFCFA-118E-40C3-9A31-9334927F7599}"/>
               </a:ext>
             </a:extLst>
           </p:cNvPr>
@@ -21089,7 +21089,7 @@
           <p:cNvPr id="7" name="Chỗ dành sẵn cho Số hiệu Bản chiếu 6">
             <a:extLst>
               <a:ext uri="{FF2B5EF4-FFF2-40B4-BE49-F238E27FC236}">
-                <a16:creationId xmlns="" xmlns:a16="http://schemas.microsoft.com/office/drawing/2014/main" id="{04CCF696-3C50-45B5-BF9E-733C5D210A50}"/>
+                <a16:creationId xmlns:a16="http://schemas.microsoft.com/office/drawing/2014/main" xmlns="" id="{04CCF696-3C50-45B5-BF9E-733C5D210A50}"/>
               </a:ext>
             </a:extLst>
           </p:cNvPr>
@@ -21128,7 +21128,7 @@
           <p:cNvPr id="9" name="Chỗ dành sẵn cho Hình ảnh 2">
             <a:extLst>
               <a:ext uri="{FF2B5EF4-FFF2-40B4-BE49-F238E27FC236}">
-                <a16:creationId xmlns="" xmlns:a16="http://schemas.microsoft.com/office/drawing/2014/main" id="{ADB7BE2C-F374-4A10-96A5-F4C3D52DF3D4}"/>
+                <a16:creationId xmlns:a16="http://schemas.microsoft.com/office/drawing/2014/main" xmlns="" id="{ADB7BE2C-F374-4A10-96A5-F4C3D52DF3D4}"/>
               </a:ext>
             </a:extLst>
           </p:cNvPr>
@@ -21170,7 +21170,7 @@
           <p:cNvPr id="11" name="Hình bầu dục 10">
             <a:extLst>
               <a:ext uri="{FF2B5EF4-FFF2-40B4-BE49-F238E27FC236}">
-                <a16:creationId xmlns="" xmlns:a16="http://schemas.microsoft.com/office/drawing/2014/main" id="{8D0DD7A6-4E62-41D2-9037-F6ADD1C3BF56}"/>
+                <a16:creationId xmlns:a16="http://schemas.microsoft.com/office/drawing/2014/main" xmlns="" id="{8D0DD7A6-4E62-41D2-9037-F6ADD1C3BF56}"/>
               </a:ext>
             </a:extLst>
           </p:cNvPr>
@@ -21222,7 +21222,7 @@
           <p:cNvPr id="14" name="Đường nối Thẳng 13">
             <a:extLst>
               <a:ext uri="{FF2B5EF4-FFF2-40B4-BE49-F238E27FC236}">
-                <a16:creationId xmlns="" xmlns:a16="http://schemas.microsoft.com/office/drawing/2014/main" id="{D182F2C1-1B27-4C93-8CE6-A529D3C9E336}"/>
+                <a16:creationId xmlns:a16="http://schemas.microsoft.com/office/drawing/2014/main" xmlns="" id="{D182F2C1-1B27-4C93-8CE6-A529D3C9E336}"/>
               </a:ext>
             </a:extLst>
           </p:cNvPr>
@@ -21259,7 +21259,7 @@
           <p:cNvPr id="21" name="Chỗ dành sẵn cho Nội dung 2">
             <a:extLst>
               <a:ext uri="{FF2B5EF4-FFF2-40B4-BE49-F238E27FC236}">
-                <a16:creationId xmlns="" xmlns:a16="http://schemas.microsoft.com/office/drawing/2014/main" id="{479F16AA-9675-49E6-85D6-845D59565E4D}"/>
+                <a16:creationId xmlns:a16="http://schemas.microsoft.com/office/drawing/2014/main" xmlns="" id="{479F16AA-9675-49E6-85D6-845D59565E4D}"/>
               </a:ext>
             </a:extLst>
           </p:cNvPr>
@@ -21397,7 +21397,7 @@
           <p:cNvPr id="11" name="Hình chữ nhật 10" descr="Vết cọ vẽ">
             <a:extLst>
               <a:ext uri="{FF2B5EF4-FFF2-40B4-BE49-F238E27FC236}">
-                <a16:creationId xmlns="" xmlns:a16="http://schemas.microsoft.com/office/drawing/2014/main" id="{08C782C8-0805-4592-ADC0-CF3D28CFE0C4}"/>
+                <a16:creationId xmlns:a16="http://schemas.microsoft.com/office/drawing/2014/main" xmlns="" id="{08C782C8-0805-4592-ADC0-CF3D28CFE0C4}"/>
               </a:ext>
             </a:extLst>
           </p:cNvPr>
@@ -21417,7 +21417,7 @@
               <a:alphaModFix amt="35000"/>
               <a:extLst>
                 <a:ext uri="{96DAC541-7B7A-43D3-8B79-37D633B846F1}">
-                  <asvg:svgBlip xmlns="" xmlns:asvg="http://schemas.microsoft.com/office/drawing/2016/SVG/main" r:embed="rId3"/>
+                  <asvg:svgBlip xmlns:asvg="http://schemas.microsoft.com/office/drawing/2016/SVG/main" xmlns="" r:embed="rId3"/>
                 </a:ext>
               </a:extLst>
             </a:blip>
@@ -21460,7 +21460,7 @@
           <p:cNvPr id="13" name="Hình chữ nhật 12" descr="Vết cọ vẽ">
             <a:extLst>
               <a:ext uri="{FF2B5EF4-FFF2-40B4-BE49-F238E27FC236}">
-                <a16:creationId xmlns="" xmlns:a16="http://schemas.microsoft.com/office/drawing/2014/main" id="{9867BBE4-E529-4F6E-BECB-86D66409ED65}"/>
+                <a16:creationId xmlns:a16="http://schemas.microsoft.com/office/drawing/2014/main" xmlns="" id="{9867BBE4-E529-4F6E-BECB-86D66409ED65}"/>
               </a:ext>
             </a:extLst>
           </p:cNvPr>
@@ -21480,7 +21480,7 @@
               <a:alphaModFix amt="35000"/>
               <a:extLst>
                 <a:ext uri="{96DAC541-7B7A-43D3-8B79-37D633B846F1}">
-                  <asvg:svgBlip xmlns="" xmlns:asvg="http://schemas.microsoft.com/office/drawing/2016/SVG/main" r:embed="rId3"/>
+                  <asvg:svgBlip xmlns:asvg="http://schemas.microsoft.com/office/drawing/2016/SVG/main" xmlns="" r:embed="rId3"/>
                 </a:ext>
               </a:extLst>
             </a:blip>
@@ -21523,7 +21523,7 @@
           <p:cNvPr id="2" name="Tiêu đề 1">
             <a:extLst>
               <a:ext uri="{FF2B5EF4-FFF2-40B4-BE49-F238E27FC236}">
-                <a16:creationId xmlns="" xmlns:a16="http://schemas.microsoft.com/office/drawing/2014/main" id="{ED6F3FD8-7BEB-4080-AD20-18CB6D7ECE3E}"/>
+                <a16:creationId xmlns:a16="http://schemas.microsoft.com/office/drawing/2014/main" xmlns="" id="{ED6F3FD8-7BEB-4080-AD20-18CB6D7ECE3E}"/>
               </a:ext>
             </a:extLst>
           </p:cNvPr>
@@ -21561,7 +21561,7 @@
           <p:cNvPr id="4" name="Chỗ dành sẵn cho Ngày tháng 3">
             <a:extLst>
               <a:ext uri="{FF2B5EF4-FFF2-40B4-BE49-F238E27FC236}">
-                <a16:creationId xmlns="" xmlns:a16="http://schemas.microsoft.com/office/drawing/2014/main" id="{347BF347-570A-4D1E-AA9F-818FDB9B3F8F}"/>
+                <a16:creationId xmlns:a16="http://schemas.microsoft.com/office/drawing/2014/main" xmlns="" id="{347BF347-570A-4D1E-AA9F-818FDB9B3F8F}"/>
               </a:ext>
             </a:extLst>
           </p:cNvPr>
@@ -21591,7 +21591,7 @@
           <p:cNvPr id="5" name="Chỗ dành sẵn cho Chân trang 4">
             <a:extLst>
               <a:ext uri="{FF2B5EF4-FFF2-40B4-BE49-F238E27FC236}">
-                <a16:creationId xmlns="" xmlns:a16="http://schemas.microsoft.com/office/drawing/2014/main" id="{434DE783-5F47-47F2-85AE-C24C08C00904}"/>
+                <a16:creationId xmlns:a16="http://schemas.microsoft.com/office/drawing/2014/main" xmlns="" id="{434DE783-5F47-47F2-85AE-C24C08C00904}"/>
               </a:ext>
             </a:extLst>
           </p:cNvPr>
@@ -21617,7 +21617,7 @@
           <p:cNvPr id="6" name="Chỗ dành sẵn cho Số hiệu Bản chiếu 5">
             <a:extLst>
               <a:ext uri="{FF2B5EF4-FFF2-40B4-BE49-F238E27FC236}">
-                <a16:creationId xmlns="" xmlns:a16="http://schemas.microsoft.com/office/drawing/2014/main" id="{AF7FE2BF-F092-4959-8655-90D829347C26}"/>
+                <a16:creationId xmlns:a16="http://schemas.microsoft.com/office/drawing/2014/main" xmlns="" id="{AF7FE2BF-F092-4959-8655-90D829347C26}"/>
               </a:ext>
             </a:extLst>
           </p:cNvPr>
@@ -21647,7 +21647,7 @@
           <p:cNvPr id="7" name="Hình chữ nhật 6" descr="Vết cọ vẽ">
             <a:extLst>
               <a:ext uri="{FF2B5EF4-FFF2-40B4-BE49-F238E27FC236}">
-                <a16:creationId xmlns="" xmlns:a16="http://schemas.microsoft.com/office/drawing/2014/main" id="{8BD46B2B-D1EB-4F6A-9DE0-7A15A95DC05D}"/>
+                <a16:creationId xmlns:a16="http://schemas.microsoft.com/office/drawing/2014/main" xmlns="" id="{8BD46B2B-D1EB-4F6A-9DE0-7A15A95DC05D}"/>
               </a:ext>
             </a:extLst>
           </p:cNvPr>
@@ -21667,7 +21667,7 @@
               <a:alphaModFix amt="35000"/>
               <a:extLst>
                 <a:ext uri="{96DAC541-7B7A-43D3-8B79-37D633B846F1}">
-                  <asvg:svgBlip xmlns="" xmlns:asvg="http://schemas.microsoft.com/office/drawing/2016/SVG/main" r:embed="rId3"/>
+                  <asvg:svgBlip xmlns:asvg="http://schemas.microsoft.com/office/drawing/2016/SVG/main" xmlns="" r:embed="rId3"/>
                 </a:ext>
               </a:extLst>
             </a:blip>
@@ -21710,7 +21710,7 @@
           <p:cNvPr id="9" name="Hình chữ nhật 8" descr="Vết cọ vẽ">
             <a:extLst>
               <a:ext uri="{FF2B5EF4-FFF2-40B4-BE49-F238E27FC236}">
-                <a16:creationId xmlns="" xmlns:a16="http://schemas.microsoft.com/office/drawing/2014/main" id="{6F1436FB-165E-4908-9E28-A8598A7E3101}"/>
+                <a16:creationId xmlns:a16="http://schemas.microsoft.com/office/drawing/2014/main" xmlns="" id="{6F1436FB-165E-4908-9E28-A8598A7E3101}"/>
               </a:ext>
             </a:extLst>
           </p:cNvPr>
@@ -21730,7 +21730,7 @@
               <a:alphaModFix amt="35000"/>
               <a:extLst>
                 <a:ext uri="{96DAC541-7B7A-43D3-8B79-37D633B846F1}">
-                  <asvg:svgBlip xmlns="" xmlns:asvg="http://schemas.microsoft.com/office/drawing/2016/SVG/main" r:embed="rId3"/>
+                  <asvg:svgBlip xmlns:asvg="http://schemas.microsoft.com/office/drawing/2016/SVG/main" xmlns="" r:embed="rId3"/>
                 </a:ext>
               </a:extLst>
             </a:blip>
@@ -21773,7 +21773,7 @@
           <p:cNvPr id="16" name="Chỗ dành sẵn cho Hình ảnh 81" descr="Biểu tượng Kính">
             <a:extLst>
               <a:ext uri="{FF2B5EF4-FFF2-40B4-BE49-F238E27FC236}">
-                <a16:creationId xmlns="" xmlns:a16="http://schemas.microsoft.com/office/drawing/2014/main" id="{FA770760-E084-465D-92C2-D95A8E9D6A87}"/>
+                <a16:creationId xmlns:a16="http://schemas.microsoft.com/office/drawing/2014/main" xmlns="" id="{FA770760-E084-465D-92C2-D95A8E9D6A87}"/>
               </a:ext>
             </a:extLst>
           </p:cNvPr>
@@ -21819,7 +21819,7 @@
           <p:cNvPr id="20" name="Hình bầu dục 19">
             <a:extLst>
               <a:ext uri="{FF2B5EF4-FFF2-40B4-BE49-F238E27FC236}">
-                <a16:creationId xmlns="" xmlns:a16="http://schemas.microsoft.com/office/drawing/2014/main" id="{71A7B534-52F4-40CD-9F32-B55843BFE1AF}"/>
+                <a16:creationId xmlns:a16="http://schemas.microsoft.com/office/drawing/2014/main" xmlns="" id="{71A7B534-52F4-40CD-9F32-B55843BFE1AF}"/>
               </a:ext>
             </a:extLst>
           </p:cNvPr>
@@ -21876,7 +21876,7 @@
           <p:cNvPr id="23" name="Chỗ dành sẵn cho Hình ảnh 81" descr="Biểu tượng Kính">
             <a:extLst>
               <a:ext uri="{FF2B5EF4-FFF2-40B4-BE49-F238E27FC236}">
-                <a16:creationId xmlns="" xmlns:a16="http://schemas.microsoft.com/office/drawing/2014/main" id="{360A394A-115E-490F-A44B-D11719211D3A}"/>
+                <a16:creationId xmlns:a16="http://schemas.microsoft.com/office/drawing/2014/main" xmlns="" id="{360A394A-115E-490F-A44B-D11719211D3A}"/>
               </a:ext>
             </a:extLst>
           </p:cNvPr>
@@ -21922,7 +21922,7 @@
           <p:cNvPr id="24" name="Hình bầu dục 23">
             <a:extLst>
               <a:ext uri="{FF2B5EF4-FFF2-40B4-BE49-F238E27FC236}">
-                <a16:creationId xmlns="" xmlns:a16="http://schemas.microsoft.com/office/drawing/2014/main" id="{24B05348-828C-4161-AC9D-32C0F64C8558}"/>
+                <a16:creationId xmlns:a16="http://schemas.microsoft.com/office/drawing/2014/main" xmlns="" id="{24B05348-828C-4161-AC9D-32C0F64C8558}"/>
               </a:ext>
             </a:extLst>
           </p:cNvPr>
@@ -21979,7 +21979,7 @@
           <p:cNvPr id="33" name="Chỗ dành sẵn cho Hình ảnh 81" descr="Biểu tượng Kính">
             <a:extLst>
               <a:ext uri="{FF2B5EF4-FFF2-40B4-BE49-F238E27FC236}">
-                <a16:creationId xmlns="" xmlns:a16="http://schemas.microsoft.com/office/drawing/2014/main" id="{439FD4DD-D61C-4B02-8367-30738F632496}"/>
+                <a16:creationId xmlns:a16="http://schemas.microsoft.com/office/drawing/2014/main" xmlns="" id="{439FD4DD-D61C-4B02-8367-30738F632496}"/>
               </a:ext>
             </a:extLst>
           </p:cNvPr>
@@ -22025,7 +22025,7 @@
           <p:cNvPr id="34" name="Hình bầu dục 33">
             <a:extLst>
               <a:ext uri="{FF2B5EF4-FFF2-40B4-BE49-F238E27FC236}">
-                <a16:creationId xmlns="" xmlns:a16="http://schemas.microsoft.com/office/drawing/2014/main" id="{C9D05566-2E31-4BF1-84A9-915D1DC2D524}"/>
+                <a16:creationId xmlns:a16="http://schemas.microsoft.com/office/drawing/2014/main" xmlns="" id="{C9D05566-2E31-4BF1-84A9-915D1DC2D524}"/>
               </a:ext>
             </a:extLst>
           </p:cNvPr>
@@ -22082,7 +22082,7 @@
           <p:cNvPr id="35" name="Chỗ dành sẵn cho Hình ảnh 81" descr="Biểu tượng Kính">
             <a:extLst>
               <a:ext uri="{FF2B5EF4-FFF2-40B4-BE49-F238E27FC236}">
-                <a16:creationId xmlns="" xmlns:a16="http://schemas.microsoft.com/office/drawing/2014/main" id="{B3682957-0496-44A8-9D25-2C8CF6C44DA8}"/>
+                <a16:creationId xmlns:a16="http://schemas.microsoft.com/office/drawing/2014/main" xmlns="" id="{B3682957-0496-44A8-9D25-2C8CF6C44DA8}"/>
               </a:ext>
             </a:extLst>
           </p:cNvPr>
@@ -22128,7 +22128,7 @@
           <p:cNvPr id="36" name="Hình bầu dục 35">
             <a:extLst>
               <a:ext uri="{FF2B5EF4-FFF2-40B4-BE49-F238E27FC236}">
-                <a16:creationId xmlns="" xmlns:a16="http://schemas.microsoft.com/office/drawing/2014/main" id="{D41006D2-6E2A-4E2D-BFDD-0F4690FFAF18}"/>
+                <a16:creationId xmlns:a16="http://schemas.microsoft.com/office/drawing/2014/main" xmlns="" id="{D41006D2-6E2A-4E2D-BFDD-0F4690FFAF18}"/>
               </a:ext>
             </a:extLst>
           </p:cNvPr>
@@ -22185,7 +22185,7 @@
           <p:cNvPr id="37" name="Đường nối Thẳng 36">
             <a:extLst>
               <a:ext uri="{FF2B5EF4-FFF2-40B4-BE49-F238E27FC236}">
-                <a16:creationId xmlns="" xmlns:a16="http://schemas.microsoft.com/office/drawing/2014/main" id="{D23F3562-993B-4398-A9F0-2EB3F91CE387}"/>
+                <a16:creationId xmlns:a16="http://schemas.microsoft.com/office/drawing/2014/main" xmlns="" id="{D23F3562-993B-4398-A9F0-2EB3F91CE387}"/>
               </a:ext>
             </a:extLst>
           </p:cNvPr>
@@ -22222,7 +22222,7 @@
           <p:cNvPr id="38" name="Tiêu đề phụ 2">
             <a:extLst>
               <a:ext uri="{FF2B5EF4-FFF2-40B4-BE49-F238E27FC236}">
-                <a16:creationId xmlns="" xmlns:a16="http://schemas.microsoft.com/office/drawing/2014/main" id="{7C726E26-D540-424D-A785-221B0A06B9C0}"/>
+                <a16:creationId xmlns:a16="http://schemas.microsoft.com/office/drawing/2014/main" xmlns="" id="{7C726E26-D540-424D-A785-221B0A06B9C0}"/>
               </a:ext>
             </a:extLst>
           </p:cNvPr>
@@ -22300,7 +22300,7 @@
           <p:cNvPr id="41" name="Chỗ dành sẵn cho Văn bản 40">
             <a:extLst>
               <a:ext uri="{FF2B5EF4-FFF2-40B4-BE49-F238E27FC236}">
-                <a16:creationId xmlns="" xmlns:a16="http://schemas.microsoft.com/office/drawing/2014/main" id="{59B205DF-9BF4-48EF-8022-300C804E010A}"/>
+                <a16:creationId xmlns:a16="http://schemas.microsoft.com/office/drawing/2014/main" xmlns="" id="{59B205DF-9BF4-48EF-8022-300C804E010A}"/>
               </a:ext>
             </a:extLst>
           </p:cNvPr>
@@ -22351,7 +22351,7 @@
           <p:cNvPr id="42" name="Chỗ dành sẵn cho Văn bản 40">
             <a:extLst>
               <a:ext uri="{FF2B5EF4-FFF2-40B4-BE49-F238E27FC236}">
-                <a16:creationId xmlns="" xmlns:a16="http://schemas.microsoft.com/office/drawing/2014/main" id="{C0A3825F-66E4-4D75-A32B-6A194767C07D}"/>
+                <a16:creationId xmlns:a16="http://schemas.microsoft.com/office/drawing/2014/main" xmlns="" id="{C0A3825F-66E4-4D75-A32B-6A194767C07D}"/>
               </a:ext>
             </a:extLst>
           </p:cNvPr>
@@ -22407,7 +22407,7 @@
           <p:cNvPr id="44" name="Chỗ dành sẵn cho Văn bản 40">
             <a:extLst>
               <a:ext uri="{FF2B5EF4-FFF2-40B4-BE49-F238E27FC236}">
-                <a16:creationId xmlns="" xmlns:a16="http://schemas.microsoft.com/office/drawing/2014/main" id="{5B8A89D1-A311-4B44-88F9-A887EAC076BF}"/>
+                <a16:creationId xmlns:a16="http://schemas.microsoft.com/office/drawing/2014/main" xmlns="" id="{5B8A89D1-A311-4B44-88F9-A887EAC076BF}"/>
               </a:ext>
             </a:extLst>
           </p:cNvPr>
@@ -22458,7 +22458,7 @@
           <p:cNvPr id="45" name="Chỗ dành sẵn cho Văn bản 40">
             <a:extLst>
               <a:ext uri="{FF2B5EF4-FFF2-40B4-BE49-F238E27FC236}">
-                <a16:creationId xmlns="" xmlns:a16="http://schemas.microsoft.com/office/drawing/2014/main" id="{E8383D4D-0BCE-4438-B642-E9D5AC09B69C}"/>
+                <a16:creationId xmlns:a16="http://schemas.microsoft.com/office/drawing/2014/main" xmlns="" id="{E8383D4D-0BCE-4438-B642-E9D5AC09B69C}"/>
               </a:ext>
             </a:extLst>
           </p:cNvPr>
@@ -22514,7 +22514,7 @@
           <p:cNvPr id="47" name="Chỗ dành sẵn cho Văn bản 40">
             <a:extLst>
               <a:ext uri="{FF2B5EF4-FFF2-40B4-BE49-F238E27FC236}">
-                <a16:creationId xmlns="" xmlns:a16="http://schemas.microsoft.com/office/drawing/2014/main" id="{75BC95B2-2A0B-4600-8DEA-881D97FE4D91}"/>
+                <a16:creationId xmlns:a16="http://schemas.microsoft.com/office/drawing/2014/main" xmlns="" id="{75BC95B2-2A0B-4600-8DEA-881D97FE4D91}"/>
               </a:ext>
             </a:extLst>
           </p:cNvPr>
@@ -22565,7 +22565,7 @@
           <p:cNvPr id="48" name="Chỗ dành sẵn cho Văn bản 40">
             <a:extLst>
               <a:ext uri="{FF2B5EF4-FFF2-40B4-BE49-F238E27FC236}">
-                <a16:creationId xmlns="" xmlns:a16="http://schemas.microsoft.com/office/drawing/2014/main" id="{678160C2-383A-4E7C-9882-901E9C2ACCB9}"/>
+                <a16:creationId xmlns:a16="http://schemas.microsoft.com/office/drawing/2014/main" xmlns="" id="{678160C2-383A-4E7C-9882-901E9C2ACCB9}"/>
               </a:ext>
             </a:extLst>
           </p:cNvPr>
@@ -22621,7 +22621,7 @@
           <p:cNvPr id="49" name="Chỗ dành sẵn cho Văn bản 40">
             <a:extLst>
               <a:ext uri="{FF2B5EF4-FFF2-40B4-BE49-F238E27FC236}">
-                <a16:creationId xmlns="" xmlns:a16="http://schemas.microsoft.com/office/drawing/2014/main" id="{BD1CBE09-ACAD-43FB-8617-942C604D408C}"/>
+                <a16:creationId xmlns:a16="http://schemas.microsoft.com/office/drawing/2014/main" xmlns="" id="{BD1CBE09-ACAD-43FB-8617-942C604D408C}"/>
               </a:ext>
             </a:extLst>
           </p:cNvPr>
@@ -22672,7 +22672,7 @@
           <p:cNvPr id="50" name="Chỗ dành sẵn cho Văn bản 40">
             <a:extLst>
               <a:ext uri="{FF2B5EF4-FFF2-40B4-BE49-F238E27FC236}">
-                <a16:creationId xmlns="" xmlns:a16="http://schemas.microsoft.com/office/drawing/2014/main" id="{AF933841-8F79-4411-AE38-0E6EFFE2F13E}"/>
+                <a16:creationId xmlns:a16="http://schemas.microsoft.com/office/drawing/2014/main" xmlns="" id="{AF933841-8F79-4411-AE38-0E6EFFE2F13E}"/>
               </a:ext>
             </a:extLst>
           </p:cNvPr>
@@ -22728,7 +22728,7 @@
           <p:cNvPr id="51" name="Chỗ dành sẵn cho Hình ảnh 2">
             <a:extLst>
               <a:ext uri="{FF2B5EF4-FFF2-40B4-BE49-F238E27FC236}">
-                <a16:creationId xmlns="" xmlns:a16="http://schemas.microsoft.com/office/drawing/2014/main" id="{EDF88690-C7C9-40D4-A61F-373255AC0C78}"/>
+                <a16:creationId xmlns:a16="http://schemas.microsoft.com/office/drawing/2014/main" xmlns="" id="{EDF88690-C7C9-40D4-A61F-373255AC0C78}"/>
               </a:ext>
             </a:extLst>
           </p:cNvPr>
@@ -22800,7 +22800,7 @@
           <p:cNvPr id="29" name="Hình chữ nhật 28" descr="Vết cọ vẽ">
             <a:extLst>
               <a:ext uri="{FF2B5EF4-FFF2-40B4-BE49-F238E27FC236}">
-                <a16:creationId xmlns="" xmlns:a16="http://schemas.microsoft.com/office/drawing/2014/main" id="{E2FED427-78BF-4C02-954D-E32E814394EA}"/>
+                <a16:creationId xmlns:a16="http://schemas.microsoft.com/office/drawing/2014/main" xmlns="" id="{E2FED427-78BF-4C02-954D-E32E814394EA}"/>
               </a:ext>
             </a:extLst>
           </p:cNvPr>
@@ -22820,7 +22820,7 @@
               <a:alphaModFix amt="35000"/>
               <a:extLst>
                 <a:ext uri="{96DAC541-7B7A-43D3-8B79-37D633B846F1}">
-                  <asvg:svgBlip xmlns="" xmlns:asvg="http://schemas.microsoft.com/office/drawing/2016/SVG/main" r:embed="rId3"/>
+                  <asvg:svgBlip xmlns:asvg="http://schemas.microsoft.com/office/drawing/2016/SVG/main" xmlns="" r:embed="rId3"/>
                 </a:ext>
               </a:extLst>
             </a:blip>
@@ -22866,7 +22866,7 @@
           <p:cNvPr id="34" name="Hình bầu dục 33">
             <a:extLst>
               <a:ext uri="{FF2B5EF4-FFF2-40B4-BE49-F238E27FC236}">
-                <a16:creationId xmlns="" xmlns:a16="http://schemas.microsoft.com/office/drawing/2014/main" id="{C9D05566-2E31-4BF1-84A9-915D1DC2D524}"/>
+                <a16:creationId xmlns:a16="http://schemas.microsoft.com/office/drawing/2014/main" xmlns="" id="{C9D05566-2E31-4BF1-84A9-915D1DC2D524}"/>
               </a:ext>
             </a:extLst>
           </p:cNvPr>
@@ -22925,7 +22925,7 @@
           <p:cNvPr id="20" name="Hình bầu dục 19">
             <a:extLst>
               <a:ext uri="{FF2B5EF4-FFF2-40B4-BE49-F238E27FC236}">
-                <a16:creationId xmlns="" xmlns:a16="http://schemas.microsoft.com/office/drawing/2014/main" id="{71A7B534-52F4-40CD-9F32-B55843BFE1AF}"/>
+                <a16:creationId xmlns:a16="http://schemas.microsoft.com/office/drawing/2014/main" xmlns="" id="{71A7B534-52F4-40CD-9F32-B55843BFE1AF}"/>
               </a:ext>
             </a:extLst>
           </p:cNvPr>
@@ -22984,7 +22984,7 @@
           <p:cNvPr id="30" name="Hình chữ nhật 29" descr="Màn hình máy tính">
             <a:extLst>
               <a:ext uri="{FF2B5EF4-FFF2-40B4-BE49-F238E27FC236}">
-                <a16:creationId xmlns="" xmlns:a16="http://schemas.microsoft.com/office/drawing/2014/main" id="{562DC173-30FD-4C7B-8C34-C152F7D036AC}"/>
+                <a16:creationId xmlns:a16="http://schemas.microsoft.com/office/drawing/2014/main" xmlns="" id="{562DC173-30FD-4C7B-8C34-C152F7D036AC}"/>
               </a:ext>
             </a:extLst>
           </p:cNvPr>
@@ -23003,7 +23003,7 @@
             <a:blip r:embed="rId4">
               <a:extLst>
                 <a:ext uri="{96DAC541-7B7A-43D3-8B79-37D633B846F1}">
-                  <asvg:svgBlip xmlns="" xmlns:asvg="http://schemas.microsoft.com/office/drawing/2016/SVG/main" r:embed="rId5"/>
+                  <asvg:svgBlip xmlns:asvg="http://schemas.microsoft.com/office/drawing/2016/SVG/main" xmlns="" r:embed="rId5"/>
                 </a:ext>
               </a:extLst>
             </a:blip>
@@ -23049,7 +23049,7 @@
           <p:cNvPr id="8" name="Chỗ dành sẵn cho Hình ảnh 7">
             <a:extLst>
               <a:ext uri="{FF2B5EF4-FFF2-40B4-BE49-F238E27FC236}">
-                <a16:creationId xmlns="" xmlns:a16="http://schemas.microsoft.com/office/drawing/2014/main" id="{CE072FE3-2973-4B25-909E-2BA6663CF30C}"/>
+                <a16:creationId xmlns:a16="http://schemas.microsoft.com/office/drawing/2014/main" xmlns="" id="{CE072FE3-2973-4B25-909E-2BA6663CF30C}"/>
               </a:ext>
             </a:extLst>
           </p:cNvPr>
@@ -23098,7 +23098,7 @@
           <p:cNvPr id="2" name="Tiêu đề 1">
             <a:extLst>
               <a:ext uri="{FF2B5EF4-FFF2-40B4-BE49-F238E27FC236}">
-                <a16:creationId xmlns="" xmlns:a16="http://schemas.microsoft.com/office/drawing/2014/main" id="{ED6F3FD8-7BEB-4080-AD20-18CB6D7ECE3E}"/>
+                <a16:creationId xmlns:a16="http://schemas.microsoft.com/office/drawing/2014/main" xmlns="" id="{ED6F3FD8-7BEB-4080-AD20-18CB6D7ECE3E}"/>
               </a:ext>
             </a:extLst>
           </p:cNvPr>
@@ -23136,7 +23136,7 @@
           <p:cNvPr id="4" name="Chỗ dành sẵn cho Ngày tháng 3">
             <a:extLst>
               <a:ext uri="{FF2B5EF4-FFF2-40B4-BE49-F238E27FC236}">
-                <a16:creationId xmlns="" xmlns:a16="http://schemas.microsoft.com/office/drawing/2014/main" id="{347BF347-570A-4D1E-AA9F-818FDB9B3F8F}"/>
+                <a16:creationId xmlns:a16="http://schemas.microsoft.com/office/drawing/2014/main" xmlns="" id="{347BF347-570A-4D1E-AA9F-818FDB9B3F8F}"/>
               </a:ext>
             </a:extLst>
           </p:cNvPr>
@@ -23166,7 +23166,7 @@
           <p:cNvPr id="5" name="Chỗ dành sẵn cho Chân trang 4">
             <a:extLst>
               <a:ext uri="{FF2B5EF4-FFF2-40B4-BE49-F238E27FC236}">
-                <a16:creationId xmlns="" xmlns:a16="http://schemas.microsoft.com/office/drawing/2014/main" id="{434DE783-5F47-47F2-85AE-C24C08C00904}"/>
+                <a16:creationId xmlns:a16="http://schemas.microsoft.com/office/drawing/2014/main" xmlns="" id="{434DE783-5F47-47F2-85AE-C24C08C00904}"/>
               </a:ext>
             </a:extLst>
           </p:cNvPr>
@@ -23192,7 +23192,7 @@
           <p:cNvPr id="6" name="Chỗ dành sẵn cho Số hiệu Bản chiếu 5">
             <a:extLst>
               <a:ext uri="{FF2B5EF4-FFF2-40B4-BE49-F238E27FC236}">
-                <a16:creationId xmlns="" xmlns:a16="http://schemas.microsoft.com/office/drawing/2014/main" id="{AF7FE2BF-F092-4959-8655-90D829347C26}"/>
+                <a16:creationId xmlns:a16="http://schemas.microsoft.com/office/drawing/2014/main" xmlns="" id="{AF7FE2BF-F092-4959-8655-90D829347C26}"/>
               </a:ext>
             </a:extLst>
           </p:cNvPr>
@@ -23222,7 +23222,7 @@
           <p:cNvPr id="16" name="Chỗ dành sẵn cho Hình ảnh 81" descr="Biểu tượng Kính">
             <a:extLst>
               <a:ext uri="{FF2B5EF4-FFF2-40B4-BE49-F238E27FC236}">
-                <a16:creationId xmlns="" xmlns:a16="http://schemas.microsoft.com/office/drawing/2014/main" id="{FA770760-E084-465D-92C2-D95A8E9D6A87}"/>
+                <a16:creationId xmlns:a16="http://schemas.microsoft.com/office/drawing/2014/main" xmlns="" id="{FA770760-E084-465D-92C2-D95A8E9D6A87}"/>
               </a:ext>
             </a:extLst>
           </p:cNvPr>
@@ -23268,7 +23268,7 @@
           <p:cNvPr id="33" name="Chỗ dành sẵn cho Hình ảnh 81" descr="Biểu tượng Kính">
             <a:extLst>
               <a:ext uri="{FF2B5EF4-FFF2-40B4-BE49-F238E27FC236}">
-                <a16:creationId xmlns="" xmlns:a16="http://schemas.microsoft.com/office/drawing/2014/main" id="{439FD4DD-D61C-4B02-8367-30738F632496}"/>
+                <a16:creationId xmlns:a16="http://schemas.microsoft.com/office/drawing/2014/main" xmlns="" id="{439FD4DD-D61C-4B02-8367-30738F632496}"/>
               </a:ext>
             </a:extLst>
           </p:cNvPr>
@@ -23314,7 +23314,7 @@
           <p:cNvPr id="37" name="Đường nối Thẳng 36">
             <a:extLst>
               <a:ext uri="{FF2B5EF4-FFF2-40B4-BE49-F238E27FC236}">
-                <a16:creationId xmlns="" xmlns:a16="http://schemas.microsoft.com/office/drawing/2014/main" id="{D23F3562-993B-4398-A9F0-2EB3F91CE387}"/>
+                <a16:creationId xmlns:a16="http://schemas.microsoft.com/office/drawing/2014/main" xmlns="" id="{D23F3562-993B-4398-A9F0-2EB3F91CE387}"/>
               </a:ext>
             </a:extLst>
           </p:cNvPr>
@@ -23351,7 +23351,7 @@
           <p:cNvPr id="41" name="Chỗ dành sẵn cho Văn bản 40">
             <a:extLst>
               <a:ext uri="{FF2B5EF4-FFF2-40B4-BE49-F238E27FC236}">
-                <a16:creationId xmlns="" xmlns:a16="http://schemas.microsoft.com/office/drawing/2014/main" id="{59B205DF-9BF4-48EF-8022-300C804E010A}"/>
+                <a16:creationId xmlns:a16="http://schemas.microsoft.com/office/drawing/2014/main" xmlns="" id="{59B205DF-9BF4-48EF-8022-300C804E010A}"/>
               </a:ext>
             </a:extLst>
           </p:cNvPr>
@@ -23406,7 +23406,7 @@
           <p:cNvPr id="42" name="Chỗ dành sẵn cho Văn bản 40">
             <a:extLst>
               <a:ext uri="{FF2B5EF4-FFF2-40B4-BE49-F238E27FC236}">
-                <a16:creationId xmlns="" xmlns:a16="http://schemas.microsoft.com/office/drawing/2014/main" id="{C0A3825F-66E4-4D75-A32B-6A194767C07D}"/>
+                <a16:creationId xmlns:a16="http://schemas.microsoft.com/office/drawing/2014/main" xmlns="" id="{C0A3825F-66E4-4D75-A32B-6A194767C07D}"/>
               </a:ext>
             </a:extLst>
           </p:cNvPr>
@@ -23487,7 +23487,7 @@
           <p:cNvPr id="47" name="Chỗ dành sẵn cho Văn bản 40">
             <a:extLst>
               <a:ext uri="{FF2B5EF4-FFF2-40B4-BE49-F238E27FC236}">
-                <a16:creationId xmlns="" xmlns:a16="http://schemas.microsoft.com/office/drawing/2014/main" id="{75BC95B2-2A0B-4600-8DEA-881D97FE4D91}"/>
+                <a16:creationId xmlns:a16="http://schemas.microsoft.com/office/drawing/2014/main" xmlns="" id="{75BC95B2-2A0B-4600-8DEA-881D97FE4D91}"/>
               </a:ext>
             </a:extLst>
           </p:cNvPr>
@@ -23542,7 +23542,7 @@
           <p:cNvPr id="48" name="Chỗ dành sẵn cho Văn bản 40">
             <a:extLst>
               <a:ext uri="{FF2B5EF4-FFF2-40B4-BE49-F238E27FC236}">
-                <a16:creationId xmlns="" xmlns:a16="http://schemas.microsoft.com/office/drawing/2014/main" id="{678160C2-383A-4E7C-9882-901E9C2ACCB9}"/>
+                <a16:creationId xmlns:a16="http://schemas.microsoft.com/office/drawing/2014/main" xmlns="" id="{678160C2-383A-4E7C-9882-901E9C2ACCB9}"/>
               </a:ext>
             </a:extLst>
           </p:cNvPr>
@@ -23623,7 +23623,7 @@
           <p:cNvPr id="51" name="Chỗ dành sẵn cho Hình ảnh 2">
             <a:extLst>
               <a:ext uri="{FF2B5EF4-FFF2-40B4-BE49-F238E27FC236}">
-                <a16:creationId xmlns="" xmlns:a16="http://schemas.microsoft.com/office/drawing/2014/main" id="{EDF88690-C7C9-40D4-A61F-373255AC0C78}"/>
+                <a16:creationId xmlns:a16="http://schemas.microsoft.com/office/drawing/2014/main" xmlns="" id="{EDF88690-C7C9-40D4-A61F-373255AC0C78}"/>
               </a:ext>
             </a:extLst>
           </p:cNvPr>
@@ -23695,7 +23695,7 @@
           <p:cNvPr id="7" name="Hình chữ nhật 6">
             <a:extLst>
               <a:ext uri="{FF2B5EF4-FFF2-40B4-BE49-F238E27FC236}">
-                <a16:creationId xmlns="" xmlns:a16="http://schemas.microsoft.com/office/drawing/2014/main" id="{390A20B4-6B07-46D4-988D-DBEB544368D0}"/>
+                <a16:creationId xmlns:a16="http://schemas.microsoft.com/office/drawing/2014/main" xmlns="" id="{390A20B4-6B07-46D4-988D-DBEB544368D0}"/>
               </a:ext>
             </a:extLst>
           </p:cNvPr>
@@ -23751,7 +23751,7 @@
           <p:cNvPr id="6" name="Hình chữ nhật 5" descr="Mặt nạ cọ vẽ">
             <a:extLst>
               <a:ext uri="{FF2B5EF4-FFF2-40B4-BE49-F238E27FC236}">
-                <a16:creationId xmlns="" xmlns:a16="http://schemas.microsoft.com/office/drawing/2014/main" id="{711F6639-CBD0-4C8A-8EF9-F2CC36C9EF71}"/>
+                <a16:creationId xmlns:a16="http://schemas.microsoft.com/office/drawing/2014/main" xmlns="" id="{711F6639-CBD0-4C8A-8EF9-F2CC36C9EF71}"/>
               </a:ext>
             </a:extLst>
           </p:cNvPr>
@@ -23806,7 +23806,7 @@
           <p:cNvPr id="2" name="Tiêu đề 1">
             <a:extLst>
               <a:ext uri="{FF2B5EF4-FFF2-40B4-BE49-F238E27FC236}">
-                <a16:creationId xmlns="" xmlns:a16="http://schemas.microsoft.com/office/drawing/2014/main" id="{16041A2D-ABDE-480C-AB32-045C19139898}"/>
+                <a16:creationId xmlns:a16="http://schemas.microsoft.com/office/drawing/2014/main" xmlns="" id="{16041A2D-ABDE-480C-AB32-045C19139898}"/>
               </a:ext>
             </a:extLst>
           </p:cNvPr>
@@ -23844,7 +23844,7 @@
           <p:cNvPr id="3" name="Chỗ dành sẵn cho Ngày tháng 2">
             <a:extLst>
               <a:ext uri="{FF2B5EF4-FFF2-40B4-BE49-F238E27FC236}">
-                <a16:creationId xmlns="" xmlns:a16="http://schemas.microsoft.com/office/drawing/2014/main" id="{AD2437AC-C786-43E7-929A-85563795020F}"/>
+                <a16:creationId xmlns:a16="http://schemas.microsoft.com/office/drawing/2014/main" xmlns="" id="{AD2437AC-C786-43E7-929A-85563795020F}"/>
               </a:ext>
             </a:extLst>
           </p:cNvPr>
@@ -23882,7 +23882,7 @@
           <p:cNvPr id="4" name="Chỗ dành sẵn cho Chân trang 3">
             <a:extLst>
               <a:ext uri="{FF2B5EF4-FFF2-40B4-BE49-F238E27FC236}">
-                <a16:creationId xmlns="" xmlns:a16="http://schemas.microsoft.com/office/drawing/2014/main" id="{07720D3E-4D0E-4BDD-B620-8E9C6BCD0D19}"/>
+                <a16:creationId xmlns:a16="http://schemas.microsoft.com/office/drawing/2014/main" xmlns="" id="{07720D3E-4D0E-4BDD-B620-8E9C6BCD0D19}"/>
               </a:ext>
             </a:extLst>
           </p:cNvPr>
@@ -23916,7 +23916,7 @@
           <p:cNvPr id="5" name="Chỗ dành sẵn cho Số hiệu Bản chiếu 4">
             <a:extLst>
               <a:ext uri="{FF2B5EF4-FFF2-40B4-BE49-F238E27FC236}">
-                <a16:creationId xmlns="" xmlns:a16="http://schemas.microsoft.com/office/drawing/2014/main" id="{75F94F75-329A-4132-BE8F-030145C9711E}"/>
+                <a16:creationId xmlns:a16="http://schemas.microsoft.com/office/drawing/2014/main" xmlns="" id="{75F94F75-329A-4132-BE8F-030145C9711E}"/>
               </a:ext>
             </a:extLst>
           </p:cNvPr>
@@ -23946,7 +23946,7 @@
           <p:cNvPr id="8" name="Hình bầu dục 7">
             <a:extLst>
               <a:ext uri="{FF2B5EF4-FFF2-40B4-BE49-F238E27FC236}">
-                <a16:creationId xmlns="" xmlns:a16="http://schemas.microsoft.com/office/drawing/2014/main" id="{B3648138-4C46-4CBA-BAE1-4631A0564817}"/>
+                <a16:creationId xmlns:a16="http://schemas.microsoft.com/office/drawing/2014/main" xmlns="" id="{B3648138-4C46-4CBA-BAE1-4631A0564817}"/>
               </a:ext>
             </a:extLst>
           </p:cNvPr>
@@ -23998,7 +23998,7 @@
           <p:cNvPr id="9" name="Chỗ dành sẵn cho Hình ảnh 2">
             <a:extLst>
               <a:ext uri="{FF2B5EF4-FFF2-40B4-BE49-F238E27FC236}">
-                <a16:creationId xmlns="" xmlns:a16="http://schemas.microsoft.com/office/drawing/2014/main" id="{68E6C031-0B7B-4A1F-B78B-87ACBE781CBE}"/>
+                <a16:creationId xmlns:a16="http://schemas.microsoft.com/office/drawing/2014/main" xmlns="" id="{68E6C031-0B7B-4A1F-B78B-87ACBE781CBE}"/>
               </a:ext>
             </a:extLst>
           </p:cNvPr>
@@ -24044,7 +24044,7 @@
           <p:cNvPr id="14" name="Đường nối Thẳng 13">
             <a:extLst>
               <a:ext uri="{FF2B5EF4-FFF2-40B4-BE49-F238E27FC236}">
-                <a16:creationId xmlns="" xmlns:a16="http://schemas.microsoft.com/office/drawing/2014/main" id="{823827E5-BBC8-407C-8683-18B54D1003FD}"/>
+                <a16:creationId xmlns:a16="http://schemas.microsoft.com/office/drawing/2014/main" xmlns="" id="{823827E5-BBC8-407C-8683-18B54D1003FD}"/>
               </a:ext>
             </a:extLst>
           </p:cNvPr>
@@ -24081,7 +24081,7 @@
           <p:cNvPr id="15" name="Tiêu đề phụ 2">
             <a:extLst>
               <a:ext uri="{FF2B5EF4-FFF2-40B4-BE49-F238E27FC236}">
-                <a16:creationId xmlns="" xmlns:a16="http://schemas.microsoft.com/office/drawing/2014/main" id="{07FA0C7A-BDB4-41ED-8B06-85890DD70D92}"/>
+                <a16:creationId xmlns:a16="http://schemas.microsoft.com/office/drawing/2014/main" xmlns="" id="{07FA0C7A-BDB4-41ED-8B06-85890DD70D92}"/>
               </a:ext>
             </a:extLst>
           </p:cNvPr>
@@ -24189,7 +24189,7 @@
           <p:cNvPr id="2" name="Tiêu đề 1">
             <a:extLst>
               <a:ext uri="{FF2B5EF4-FFF2-40B4-BE49-F238E27FC236}">
-                <a16:creationId xmlns="" xmlns:a16="http://schemas.microsoft.com/office/drawing/2014/main" id="{E117C2F7-CB66-4CB8-B26F-7B3C64D575E4}"/>
+                <a16:creationId xmlns:a16="http://schemas.microsoft.com/office/drawing/2014/main" xmlns="" id="{E117C2F7-CB66-4CB8-B26F-7B3C64D575E4}"/>
               </a:ext>
             </a:extLst>
           </p:cNvPr>
@@ -24231,7 +24231,7 @@
           <p:cNvPr id="3" name="Chỗ dành sẵn cho Nội dung 2">
             <a:extLst>
               <a:ext uri="{FF2B5EF4-FFF2-40B4-BE49-F238E27FC236}">
-                <a16:creationId xmlns="" xmlns:a16="http://schemas.microsoft.com/office/drawing/2014/main" id="{379FEDE1-14F2-46B9-85D8-8B68DB5F2E57}"/>
+                <a16:creationId xmlns:a16="http://schemas.microsoft.com/office/drawing/2014/main" xmlns="" id="{379FEDE1-14F2-46B9-85D8-8B68DB5F2E57}"/>
               </a:ext>
             </a:extLst>
           </p:cNvPr>
@@ -24282,7 +24282,7 @@
           <p:cNvPr id="4" name="Chỗ dành sẵn cho Nội dung 3">
             <a:extLst>
               <a:ext uri="{FF2B5EF4-FFF2-40B4-BE49-F238E27FC236}">
-                <a16:creationId xmlns="" xmlns:a16="http://schemas.microsoft.com/office/drawing/2014/main" id="{7069FC09-58F1-47E8-B7C1-B82F1844D96E}"/>
+                <a16:creationId xmlns:a16="http://schemas.microsoft.com/office/drawing/2014/main" xmlns="" id="{7069FC09-58F1-47E8-B7C1-B82F1844D96E}"/>
               </a:ext>
             </a:extLst>
           </p:cNvPr>
@@ -24333,7 +24333,7 @@
           <p:cNvPr id="5" name="Chỗ dành sẵn cho Ngày tháng 4">
             <a:extLst>
               <a:ext uri="{FF2B5EF4-FFF2-40B4-BE49-F238E27FC236}">
-                <a16:creationId xmlns="" xmlns:a16="http://schemas.microsoft.com/office/drawing/2014/main" id="{F8784BEA-5E31-4B76-8435-68BD500D0BF5}"/>
+                <a16:creationId xmlns:a16="http://schemas.microsoft.com/office/drawing/2014/main" xmlns="" id="{F8784BEA-5E31-4B76-8435-68BD500D0BF5}"/>
               </a:ext>
             </a:extLst>
           </p:cNvPr>
@@ -24363,7 +24363,7 @@
           <p:cNvPr id="6" name="Chỗ dành sẵn cho Chân trang 5">
             <a:extLst>
               <a:ext uri="{FF2B5EF4-FFF2-40B4-BE49-F238E27FC236}">
-                <a16:creationId xmlns="" xmlns:a16="http://schemas.microsoft.com/office/drawing/2014/main" id="{E419BEDD-A744-40CE-9FA6-391AD6FC33CD}"/>
+                <a16:creationId xmlns:a16="http://schemas.microsoft.com/office/drawing/2014/main" xmlns="" id="{E419BEDD-A744-40CE-9FA6-391AD6FC33CD}"/>
               </a:ext>
             </a:extLst>
           </p:cNvPr>
@@ -24389,7 +24389,7 @@
           <p:cNvPr id="7" name="Chỗ dành sẵn cho Số hiệu Bản chiếu 6">
             <a:extLst>
               <a:ext uri="{FF2B5EF4-FFF2-40B4-BE49-F238E27FC236}">
-                <a16:creationId xmlns="" xmlns:a16="http://schemas.microsoft.com/office/drawing/2014/main" id="{C093815F-F490-4307-9E87-AAF436C71A68}"/>
+                <a16:creationId xmlns:a16="http://schemas.microsoft.com/office/drawing/2014/main" xmlns="" id="{C093815F-F490-4307-9E87-AAF436C71A68}"/>
               </a:ext>
             </a:extLst>
           </p:cNvPr>
@@ -24419,7 +24419,7 @@
           <p:cNvPr id="9" name="Đường nối Thẳng 8">
             <a:extLst>
               <a:ext uri="{FF2B5EF4-FFF2-40B4-BE49-F238E27FC236}">
-                <a16:creationId xmlns="" xmlns:a16="http://schemas.microsoft.com/office/drawing/2014/main" id="{D39C86C5-91F0-4083-8CE5-1B547E5FEA06}"/>
+                <a16:creationId xmlns:a16="http://schemas.microsoft.com/office/drawing/2014/main" xmlns="" id="{D39C86C5-91F0-4083-8CE5-1B547E5FEA06}"/>
               </a:ext>
             </a:extLst>
           </p:cNvPr>
@@ -24456,7 +24456,7 @@
           <p:cNvPr id="10" name="Tiêu đề phụ 2">
             <a:extLst>
               <a:ext uri="{FF2B5EF4-FFF2-40B4-BE49-F238E27FC236}">
-                <a16:creationId xmlns="" xmlns:a16="http://schemas.microsoft.com/office/drawing/2014/main" id="{A617DA88-4765-4225-9C56-CD0FFD9D7673}"/>
+                <a16:creationId xmlns:a16="http://schemas.microsoft.com/office/drawing/2014/main" xmlns="" id="{A617DA88-4765-4225-9C56-CD0FFD9D7673}"/>
               </a:ext>
             </a:extLst>
           </p:cNvPr>
@@ -24534,7 +24534,7 @@
           <p:cNvPr id="14" name="Chỗ dành sẵn cho Văn bản 40">
             <a:extLst>
               <a:ext uri="{FF2B5EF4-FFF2-40B4-BE49-F238E27FC236}">
-                <a16:creationId xmlns="" xmlns:a16="http://schemas.microsoft.com/office/drawing/2014/main" id="{2E228B39-E69E-4928-A3B9-E0820CF9C197}"/>
+                <a16:creationId xmlns:a16="http://schemas.microsoft.com/office/drawing/2014/main" xmlns="" id="{2E228B39-E69E-4928-A3B9-E0820CF9C197}"/>
               </a:ext>
             </a:extLst>
           </p:cNvPr>
@@ -24590,7 +24590,7 @@
           <p:cNvPr id="17" name="Chỗ dành sẵn cho Nội dung 3">
             <a:extLst>
               <a:ext uri="{FF2B5EF4-FFF2-40B4-BE49-F238E27FC236}">
-                <a16:creationId xmlns="" xmlns:a16="http://schemas.microsoft.com/office/drawing/2014/main" id="{5400C05A-142B-49F8-AC8C-60DBCE7C4B58}"/>
+                <a16:creationId xmlns:a16="http://schemas.microsoft.com/office/drawing/2014/main" xmlns="" id="{5400C05A-142B-49F8-AC8C-60DBCE7C4B58}"/>
               </a:ext>
             </a:extLst>
           </p:cNvPr>
@@ -24641,7 +24641,7 @@
           <p:cNvPr id="19" name="Chỗ dành sẵn cho Văn bản 40">
             <a:extLst>
               <a:ext uri="{FF2B5EF4-FFF2-40B4-BE49-F238E27FC236}">
-                <a16:creationId xmlns="" xmlns:a16="http://schemas.microsoft.com/office/drawing/2014/main" id="{BA84A100-E46E-4A91-8A0C-75C717CDFB6D}"/>
+                <a16:creationId xmlns:a16="http://schemas.microsoft.com/office/drawing/2014/main" xmlns="" id="{BA84A100-E46E-4A91-8A0C-75C717CDFB6D}"/>
               </a:ext>
             </a:extLst>
           </p:cNvPr>
@@ -24697,7 +24697,7 @@
           <p:cNvPr id="20" name="Chỗ dành sẵn cho Văn bản 40">
             <a:extLst>
               <a:ext uri="{FF2B5EF4-FFF2-40B4-BE49-F238E27FC236}">
-                <a16:creationId xmlns="" xmlns:a16="http://schemas.microsoft.com/office/drawing/2014/main" id="{DB13281D-9A7C-4ED9-86E0-B903E8AE724B}"/>
+                <a16:creationId xmlns:a16="http://schemas.microsoft.com/office/drawing/2014/main" xmlns="" id="{DB13281D-9A7C-4ED9-86E0-B903E8AE724B}"/>
               </a:ext>
             </a:extLst>
           </p:cNvPr>
@@ -24753,7 +24753,7 @@
           <p:cNvPr id="21" name="Chỗ dành sẵn cho Hình ảnh 2">
             <a:extLst>
               <a:ext uri="{FF2B5EF4-FFF2-40B4-BE49-F238E27FC236}">
-                <a16:creationId xmlns="" xmlns:a16="http://schemas.microsoft.com/office/drawing/2014/main" id="{F2ACB6B7-AA9C-4400-AE52-4698E1110F22}"/>
+                <a16:creationId xmlns:a16="http://schemas.microsoft.com/office/drawing/2014/main" xmlns="" id="{F2ACB6B7-AA9C-4400-AE52-4698E1110F22}"/>
               </a:ext>
             </a:extLst>
           </p:cNvPr>
@@ -24833,7 +24833,7 @@
           <p:cNvPr id="2" name="Chỗ dành sẵn cho Tiêu đề 1">
             <a:extLst>
               <a:ext uri="{FF2B5EF4-FFF2-40B4-BE49-F238E27FC236}">
-                <a16:creationId xmlns="" xmlns:a16="http://schemas.microsoft.com/office/drawing/2014/main" id="{5AEE8E21-DA8C-48C2-84A8-3E52CDB57D58}"/>
+                <a16:creationId xmlns:a16="http://schemas.microsoft.com/office/drawing/2014/main" xmlns="" id="{5AEE8E21-DA8C-48C2-84A8-3E52CDB57D58}"/>
               </a:ext>
             </a:extLst>
           </p:cNvPr>
@@ -24908,7 +24908,7 @@
           <p:cNvPr id="3" name="Chỗ dành sẵn cho Văn bản 2">
             <a:extLst>
               <a:ext uri="{FF2B5EF4-FFF2-40B4-BE49-F238E27FC236}">
-                <a16:creationId xmlns="" xmlns:a16="http://schemas.microsoft.com/office/drawing/2014/main" id="{7AC391D3-C433-4A10-BCCB-AC8D646401E9}"/>
+                <a16:creationId xmlns:a16="http://schemas.microsoft.com/office/drawing/2014/main" xmlns="" id="{7AC391D3-C433-4A10-BCCB-AC8D646401E9}"/>
               </a:ext>
             </a:extLst>
           </p:cNvPr>
@@ -25016,7 +25016,7 @@
           <p:cNvPr id="4" name="Chỗ dành sẵn cho Ngày tháng 3">
             <a:extLst>
               <a:ext uri="{FF2B5EF4-FFF2-40B4-BE49-F238E27FC236}">
-                <a16:creationId xmlns="" xmlns:a16="http://schemas.microsoft.com/office/drawing/2014/main" id="{821464C9-3D68-47CD-9063-9947FA3963D1}"/>
+                <a16:creationId xmlns:a16="http://schemas.microsoft.com/office/drawing/2014/main" xmlns="" id="{821464C9-3D68-47CD-9063-9947FA3963D1}"/>
               </a:ext>
             </a:extLst>
           </p:cNvPr>
@@ -25062,7 +25062,7 @@
           <p:cNvPr id="5" name="Chỗ dành sẵn cho Chân trang 4">
             <a:extLst>
               <a:ext uri="{FF2B5EF4-FFF2-40B4-BE49-F238E27FC236}">
-                <a16:creationId xmlns="" xmlns:a16="http://schemas.microsoft.com/office/drawing/2014/main" id="{FC0211C0-B516-4F22-84A2-69B5EEFB4ECB}"/>
+                <a16:creationId xmlns:a16="http://schemas.microsoft.com/office/drawing/2014/main" xmlns="" id="{FC0211C0-B516-4F22-84A2-69B5EEFB4ECB}"/>
               </a:ext>
             </a:extLst>
           </p:cNvPr>
@@ -25104,7 +25104,7 @@
           <p:cNvPr id="6" name="Chỗ dành sẵn cho Số Trang chiếu 5">
             <a:extLst>
               <a:ext uri="{FF2B5EF4-FFF2-40B4-BE49-F238E27FC236}">
-                <a16:creationId xmlns="" xmlns:a16="http://schemas.microsoft.com/office/drawing/2014/main" id="{E935D5E2-D6AF-47D7-B943-C9FAB666BA67}"/>
+                <a16:creationId xmlns:a16="http://schemas.microsoft.com/office/drawing/2014/main" xmlns="" id="{E935D5E2-D6AF-47D7-B943-C9FAB666BA67}"/>
               </a:ext>
             </a:extLst>
           </p:cNvPr>
@@ -25151,7 +25151,7 @@
           <p:cNvPr id="7" name="Hình bầu dục 6">
             <a:extLst>
               <a:ext uri="{FF2B5EF4-FFF2-40B4-BE49-F238E27FC236}">
-                <a16:creationId xmlns="" xmlns:a16="http://schemas.microsoft.com/office/drawing/2014/main" id="{AA0AC1CF-7888-4B0B-B751-F9C83F4B7C06}"/>
+                <a16:creationId xmlns:a16="http://schemas.microsoft.com/office/drawing/2014/main" xmlns="" id="{AA0AC1CF-7888-4B0B-B751-F9C83F4B7C06}"/>
               </a:ext>
             </a:extLst>
           </p:cNvPr>
@@ -25567,7 +25567,7 @@
           <p:cNvPr id="3" name="Tiêu đề 2">
             <a:extLst>
               <a:ext uri="{FF2B5EF4-FFF2-40B4-BE49-F238E27FC236}">
-                <a16:creationId xmlns="" xmlns:a16="http://schemas.microsoft.com/office/drawing/2014/main" id="{FCDE14EA-D755-42BB-A773-87353BE40D26}"/>
+                <a16:creationId xmlns:a16="http://schemas.microsoft.com/office/drawing/2014/main" xmlns="" id="{FCDE14EA-D755-42BB-A773-87353BE40D26}"/>
               </a:ext>
             </a:extLst>
           </p:cNvPr>
@@ -25578,7 +25578,12 @@
             <p:ph type="title"/>
           </p:nvPr>
         </p:nvSpPr>
-        <p:spPr/>
+        <p:spPr>
+          <a:xfrm>
+            <a:off x="838206" y="631014"/>
+            <a:ext cx="10515600" cy="856343"/>
+          </a:xfrm>
+        </p:spPr>
         <p:txBody>
           <a:bodyPr rtlCol="0"/>
           <a:lstStyle/>
@@ -25633,1522 +25638,16 @@
           </a:extLst>
         </p:spPr>
       </p:pic>
-    </p:spTree>
-    <p:extLst>
-      <p:ext uri="{BB962C8B-B14F-4D97-AF65-F5344CB8AC3E}">
-        <p14:creationId xmlns:p14="http://schemas.microsoft.com/office/powerpoint/2010/main" val="88559871"/>
-      </p:ext>
-    </p:extLst>
-  </p:cSld>
-  <p:clrMapOvr>
-    <a:masterClrMapping/>
-  </p:clrMapOvr>
-</p:sld>
-</file>
-
-<file path=ppt/slides/slide2.xml><?xml version="1.0" encoding="utf-8"?>
-<p:sld xmlns:a="http://schemas.openxmlformats.org/drawingml/2006/main" xmlns:r="http://schemas.openxmlformats.org/officeDocument/2006/relationships" xmlns:p="http://schemas.openxmlformats.org/presentationml/2006/main">
-  <p:cSld>
-    <p:spTree>
-      <p:nvGrpSpPr>
-        <p:cNvPr id="1" name=""/>
-        <p:cNvGrpSpPr/>
-        <p:nvPr/>
-      </p:nvGrpSpPr>
-      <p:grpSpPr>
-        <a:xfrm>
-          <a:off x="0" y="0"/>
-          <a:ext cx="0" cy="0"/>
-          <a:chOff x="0" y="0"/>
-          <a:chExt cx="0" cy="0"/>
-        </a:xfrm>
-      </p:grpSpPr>
-      <p:sp>
-        <p:nvSpPr>
-          <p:cNvPr id="2" name="Tiêu đề 1">
-            <a:extLst>
-              <a:ext uri="{FF2B5EF4-FFF2-40B4-BE49-F238E27FC236}">
-                <a16:creationId xmlns="" xmlns:a16="http://schemas.microsoft.com/office/drawing/2014/main" id="{E22F6ABE-4870-48E3-AE47-ED2EA02CC6AD}"/>
-              </a:ext>
-            </a:extLst>
-          </p:cNvPr>
-          <p:cNvSpPr>
-            <a:spLocks noGrp="1"/>
-          </p:cNvSpPr>
-          <p:nvPr>
-            <p:ph type="title"/>
-          </p:nvPr>
-        </p:nvSpPr>
-        <p:spPr/>
-        <p:txBody>
-          <a:bodyPr rtlCol="0"/>
-          <a:lstStyle/>
-          <a:p>
-            <a:pPr rtl="0"/>
-            <a:r>
-              <a:rPr lang="en-US" smtClean="0"/>
-              <a:t>USE-CASE</a:t>
-            </a:r>
-            <a:endParaRPr lang="vi-VN" dirty="0"/>
-          </a:p>
-        </p:txBody>
-      </p:sp>
-      <p:sp>
-        <p:nvSpPr>
-          <p:cNvPr id="3" name="Chỗ dành sẵn cho Số hiệu Bản chiếu 2">
-            <a:extLst>
-              <a:ext uri="{FF2B5EF4-FFF2-40B4-BE49-F238E27FC236}">
-                <a16:creationId xmlns="" xmlns:a16="http://schemas.microsoft.com/office/drawing/2014/main" id="{CBC537DE-195A-4043-B5BF-124CAA94D18D}"/>
-              </a:ext>
-            </a:extLst>
-          </p:cNvPr>
-          <p:cNvSpPr>
-            <a:spLocks noGrp="1"/>
-          </p:cNvSpPr>
-          <p:nvPr>
-            <p:ph type="sldNum" sz="quarter" idx="12"/>
-          </p:nvPr>
-        </p:nvSpPr>
-        <p:spPr/>
-        <p:txBody>
-          <a:bodyPr rtlCol="0"/>
-          <a:lstStyle/>
-          <a:p>
-            <a:pPr rtl="0"/>
-            <a:fld id="{F470E458-E7C2-4395-B75D-476A174CEE45}" type="slidenum">
-              <a:rPr lang="vi-VN" smtClean="0"/>
-              <a:t>2</a:t>
-            </a:fld>
-            <a:endParaRPr lang="vi-VN" dirty="0"/>
-          </a:p>
-        </p:txBody>
-      </p:sp>
-      <p:pic>
-        <p:nvPicPr>
-          <p:cNvPr id="24" name="Ảnh 23"/>
-          <p:cNvPicPr>
-            <a:picLocks noChangeAspect="1"/>
-          </p:cNvPicPr>
-          <p:nvPr/>
-        </p:nvPicPr>
-        <p:blipFill>
-          <a:blip r:embed="rId3"/>
-          <a:stretch>
-            <a:fillRect/>
-          </a:stretch>
-        </p:blipFill>
-        <p:spPr>
-          <a:xfrm>
-            <a:off x="881068" y="1610114"/>
-            <a:ext cx="10528570" cy="4944989"/>
-          </a:xfrm>
-          <a:prstGeom prst="rect">
-            <a:avLst/>
-          </a:prstGeom>
-        </p:spPr>
-      </p:pic>
-    </p:spTree>
-    <p:extLst>
-      <p:ext uri="{BB962C8B-B14F-4D97-AF65-F5344CB8AC3E}">
-        <p14:creationId xmlns:p14="http://schemas.microsoft.com/office/powerpoint/2010/main" val="2294329924"/>
-      </p:ext>
-    </p:extLst>
-  </p:cSld>
-  <p:clrMapOvr>
-    <a:masterClrMapping/>
-  </p:clrMapOvr>
-</p:sld>
-</file>
-
-<file path=ppt/slides/slide3.xml><?xml version="1.0" encoding="utf-8"?>
-<p:sld xmlns:a="http://schemas.openxmlformats.org/drawingml/2006/main" xmlns:r="http://schemas.openxmlformats.org/officeDocument/2006/relationships" xmlns:p="http://schemas.openxmlformats.org/presentationml/2006/main">
-  <p:cSld>
-    <p:spTree>
-      <p:nvGrpSpPr>
-        <p:cNvPr id="1" name=""/>
-        <p:cNvGrpSpPr/>
-        <p:nvPr/>
-      </p:nvGrpSpPr>
-      <p:grpSpPr>
-        <a:xfrm>
-          <a:off x="0" y="0"/>
-          <a:ext cx="0" cy="0"/>
-          <a:chOff x="0" y="0"/>
-          <a:chExt cx="0" cy="0"/>
-        </a:xfrm>
-      </p:grpSpPr>
-      <p:sp>
-        <p:nvSpPr>
-          <p:cNvPr id="2" name="Tiêu đề 1">
-            <a:extLst>
-              <a:ext uri="{FF2B5EF4-FFF2-40B4-BE49-F238E27FC236}">
-                <a16:creationId xmlns="" xmlns:a16="http://schemas.microsoft.com/office/drawing/2014/main" id="{E22F6ABE-4870-48E3-AE47-ED2EA02CC6AD}"/>
-              </a:ext>
-            </a:extLst>
-          </p:cNvPr>
-          <p:cNvSpPr>
-            <a:spLocks noGrp="1"/>
-          </p:cNvSpPr>
-          <p:nvPr>
-            <p:ph type="title"/>
-          </p:nvPr>
-        </p:nvSpPr>
-        <p:spPr/>
-        <p:txBody>
-          <a:bodyPr rtlCol="0"/>
-          <a:lstStyle/>
-          <a:p>
-            <a:pPr rtl="0"/>
-            <a:r>
-              <a:rPr lang="en-US" smtClean="0"/>
-              <a:t>USE-CASE</a:t>
-            </a:r>
-            <a:endParaRPr lang="vi-VN" dirty="0"/>
-          </a:p>
-        </p:txBody>
-      </p:sp>
-      <p:sp>
-        <p:nvSpPr>
-          <p:cNvPr id="3" name="Chỗ dành sẵn cho Số hiệu Bản chiếu 2">
-            <a:extLst>
-              <a:ext uri="{FF2B5EF4-FFF2-40B4-BE49-F238E27FC236}">
-                <a16:creationId xmlns="" xmlns:a16="http://schemas.microsoft.com/office/drawing/2014/main" id="{CBC537DE-195A-4043-B5BF-124CAA94D18D}"/>
-              </a:ext>
-            </a:extLst>
-          </p:cNvPr>
-          <p:cNvSpPr>
-            <a:spLocks noGrp="1"/>
-          </p:cNvSpPr>
-          <p:nvPr>
-            <p:ph type="sldNum" sz="quarter" idx="12"/>
-          </p:nvPr>
-        </p:nvSpPr>
-        <p:spPr/>
-        <p:txBody>
-          <a:bodyPr rtlCol="0"/>
-          <a:lstStyle/>
-          <a:p>
-            <a:pPr rtl="0"/>
-            <a:fld id="{F470E458-E7C2-4395-B75D-476A174CEE45}" type="slidenum">
-              <a:rPr lang="vi-VN" smtClean="0"/>
-              <a:t>3</a:t>
-            </a:fld>
-            <a:endParaRPr lang="vi-VN" dirty="0"/>
-          </a:p>
-        </p:txBody>
-      </p:sp>
-      <p:pic>
-        <p:nvPicPr>
-          <p:cNvPr id="6" name="Ảnh 5"/>
-          <p:cNvPicPr>
-            <a:picLocks noChangeAspect="1"/>
-          </p:cNvPicPr>
-          <p:nvPr/>
-        </p:nvPicPr>
-        <p:blipFill>
-          <a:blip r:embed="rId3"/>
-          <a:stretch>
-            <a:fillRect/>
-          </a:stretch>
-        </p:blipFill>
-        <p:spPr>
-          <a:xfrm>
-            <a:off x="1413107" y="1535438"/>
-            <a:ext cx="9629775" cy="5017762"/>
-          </a:xfrm>
-          <a:prstGeom prst="rect">
-            <a:avLst/>
-          </a:prstGeom>
-        </p:spPr>
-      </p:pic>
-    </p:spTree>
-    <p:extLst>
-      <p:ext uri="{BB962C8B-B14F-4D97-AF65-F5344CB8AC3E}">
-        <p14:creationId xmlns:p14="http://schemas.microsoft.com/office/powerpoint/2010/main" val="3730788683"/>
-      </p:ext>
-    </p:extLst>
-  </p:cSld>
-  <p:clrMapOvr>
-    <a:masterClrMapping/>
-  </p:clrMapOvr>
-</p:sld>
-</file>
-
-<file path=ppt/slides/slide4.xml><?xml version="1.0" encoding="utf-8"?>
-<p:sld xmlns:a="http://schemas.openxmlformats.org/drawingml/2006/main" xmlns:r="http://schemas.openxmlformats.org/officeDocument/2006/relationships" xmlns:p="http://schemas.openxmlformats.org/presentationml/2006/main">
-  <p:cSld>
-    <p:spTree>
-      <p:nvGrpSpPr>
-        <p:cNvPr id="1" name=""/>
-        <p:cNvGrpSpPr/>
-        <p:nvPr/>
-      </p:nvGrpSpPr>
-      <p:grpSpPr>
-        <a:xfrm>
-          <a:off x="0" y="0"/>
-          <a:ext cx="0" cy="0"/>
-          <a:chOff x="0" y="0"/>
-          <a:chExt cx="0" cy="0"/>
-        </a:xfrm>
-      </p:grpSpPr>
-      <p:sp>
-        <p:nvSpPr>
-          <p:cNvPr id="2" name="Tiêu đề 1">
-            <a:extLst>
-              <a:ext uri="{FF2B5EF4-FFF2-40B4-BE49-F238E27FC236}">
-                <a16:creationId xmlns="" xmlns:a16="http://schemas.microsoft.com/office/drawing/2014/main" id="{E22F6ABE-4870-48E3-AE47-ED2EA02CC6AD}"/>
-              </a:ext>
-            </a:extLst>
-          </p:cNvPr>
-          <p:cNvSpPr>
-            <a:spLocks noGrp="1"/>
-          </p:cNvSpPr>
-          <p:nvPr>
-            <p:ph type="title"/>
-          </p:nvPr>
-        </p:nvSpPr>
-        <p:spPr/>
-        <p:txBody>
-          <a:bodyPr rtlCol="0"/>
-          <a:lstStyle/>
-          <a:p>
-            <a:pPr rtl="0"/>
-            <a:r>
-              <a:rPr lang="en-US" smtClean="0"/>
-              <a:t>USE-CASE</a:t>
-            </a:r>
-            <a:endParaRPr lang="vi-VN" dirty="0"/>
-          </a:p>
-        </p:txBody>
-      </p:sp>
-      <p:sp>
-        <p:nvSpPr>
-          <p:cNvPr id="3" name="Chỗ dành sẵn cho Số hiệu Bản chiếu 2">
-            <a:extLst>
-              <a:ext uri="{FF2B5EF4-FFF2-40B4-BE49-F238E27FC236}">
-                <a16:creationId xmlns="" xmlns:a16="http://schemas.microsoft.com/office/drawing/2014/main" id="{CBC537DE-195A-4043-B5BF-124CAA94D18D}"/>
-              </a:ext>
-            </a:extLst>
-          </p:cNvPr>
-          <p:cNvSpPr>
-            <a:spLocks noGrp="1"/>
-          </p:cNvSpPr>
-          <p:nvPr>
-            <p:ph type="sldNum" sz="quarter" idx="12"/>
-          </p:nvPr>
-        </p:nvSpPr>
-        <p:spPr/>
-        <p:txBody>
-          <a:bodyPr rtlCol="0"/>
-          <a:lstStyle/>
-          <a:p>
-            <a:pPr rtl="0"/>
-            <a:fld id="{F470E458-E7C2-4395-B75D-476A174CEE45}" type="slidenum">
-              <a:rPr lang="vi-VN" smtClean="0"/>
-              <a:t>4</a:t>
-            </a:fld>
-            <a:endParaRPr lang="vi-VN" dirty="0"/>
-          </a:p>
-        </p:txBody>
-      </p:sp>
-      <p:pic>
-        <p:nvPicPr>
-          <p:cNvPr id="4" name="Ảnh 3"/>
-          <p:cNvPicPr>
-            <a:picLocks noChangeAspect="1"/>
-          </p:cNvPicPr>
-          <p:nvPr/>
-        </p:nvPicPr>
-        <p:blipFill>
-          <a:blip r:embed="rId3"/>
-          <a:stretch>
-            <a:fillRect/>
-          </a:stretch>
-        </p:blipFill>
-        <p:spPr>
-          <a:xfrm>
-            <a:off x="2710123" y="1537700"/>
-            <a:ext cx="6771766" cy="4877566"/>
-          </a:xfrm>
-          <a:prstGeom prst="rect">
-            <a:avLst/>
-          </a:prstGeom>
-        </p:spPr>
-      </p:pic>
-    </p:spTree>
-    <p:extLst>
-      <p:ext uri="{BB962C8B-B14F-4D97-AF65-F5344CB8AC3E}">
-        <p14:creationId xmlns:p14="http://schemas.microsoft.com/office/powerpoint/2010/main" val="3217824344"/>
-      </p:ext>
-    </p:extLst>
-  </p:cSld>
-  <p:clrMapOvr>
-    <a:masterClrMapping/>
-  </p:clrMapOvr>
-</p:sld>
-</file>
-
-<file path=ppt/slides/slide5.xml><?xml version="1.0" encoding="utf-8"?>
-<p:sld xmlns:a="http://schemas.openxmlformats.org/drawingml/2006/main" xmlns:r="http://schemas.openxmlformats.org/officeDocument/2006/relationships" xmlns:p="http://schemas.openxmlformats.org/presentationml/2006/main">
-  <p:cSld>
-    <p:spTree>
-      <p:nvGrpSpPr>
-        <p:cNvPr id="1" name=""/>
-        <p:cNvGrpSpPr/>
-        <p:nvPr/>
-      </p:nvGrpSpPr>
-      <p:grpSpPr>
-        <a:xfrm>
-          <a:off x="0" y="0"/>
-          <a:ext cx="0" cy="0"/>
-          <a:chOff x="0" y="0"/>
-          <a:chExt cx="0" cy="0"/>
-        </a:xfrm>
-      </p:grpSpPr>
-      <p:sp>
-        <p:nvSpPr>
-          <p:cNvPr id="2" name="Tiêu đề 1">
-            <a:extLst>
-              <a:ext uri="{FF2B5EF4-FFF2-40B4-BE49-F238E27FC236}">
-                <a16:creationId xmlns="" xmlns:a16="http://schemas.microsoft.com/office/drawing/2014/main" id="{E22F6ABE-4870-48E3-AE47-ED2EA02CC6AD}"/>
-              </a:ext>
-            </a:extLst>
-          </p:cNvPr>
-          <p:cNvSpPr>
-            <a:spLocks noGrp="1"/>
-          </p:cNvSpPr>
-          <p:nvPr>
-            <p:ph type="title"/>
-          </p:nvPr>
-        </p:nvSpPr>
-        <p:spPr/>
-        <p:txBody>
-          <a:bodyPr rtlCol="0"/>
-          <a:lstStyle/>
-          <a:p>
-            <a:pPr rtl="0"/>
-            <a:r>
-              <a:rPr lang="en-US" smtClean="0"/>
-              <a:t>ERD</a:t>
-            </a:r>
-            <a:endParaRPr lang="vi-VN" dirty="0"/>
-          </a:p>
-        </p:txBody>
-      </p:sp>
-      <p:sp>
-        <p:nvSpPr>
-          <p:cNvPr id="3" name="Chỗ dành sẵn cho Số hiệu Bản chiếu 2">
-            <a:extLst>
-              <a:ext uri="{FF2B5EF4-FFF2-40B4-BE49-F238E27FC236}">
-                <a16:creationId xmlns="" xmlns:a16="http://schemas.microsoft.com/office/drawing/2014/main" id="{CBC537DE-195A-4043-B5BF-124CAA94D18D}"/>
-              </a:ext>
-            </a:extLst>
-          </p:cNvPr>
-          <p:cNvSpPr>
-            <a:spLocks noGrp="1"/>
-          </p:cNvSpPr>
-          <p:nvPr>
-            <p:ph type="sldNum" sz="quarter" idx="12"/>
-          </p:nvPr>
-        </p:nvSpPr>
-        <p:spPr/>
-        <p:txBody>
-          <a:bodyPr rtlCol="0"/>
-          <a:lstStyle/>
-          <a:p>
-            <a:pPr rtl="0"/>
-            <a:fld id="{F470E458-E7C2-4395-B75D-476A174CEE45}" type="slidenum">
-              <a:rPr lang="vi-VN" smtClean="0"/>
-              <a:t>5</a:t>
-            </a:fld>
-            <a:endParaRPr lang="vi-VN" dirty="0"/>
-          </a:p>
-        </p:txBody>
-      </p:sp>
-      <p:pic>
-        <p:nvPicPr>
-          <p:cNvPr id="5" name="Ảnh 4"/>
-          <p:cNvPicPr>
-            <a:picLocks noChangeAspect="1"/>
-          </p:cNvPicPr>
-          <p:nvPr/>
-        </p:nvPicPr>
-        <p:blipFill>
-          <a:blip r:embed="rId3"/>
-          <a:stretch>
-            <a:fillRect/>
-          </a:stretch>
-        </p:blipFill>
-        <p:spPr>
-          <a:xfrm>
-            <a:off x="805605" y="2141596"/>
-            <a:ext cx="10604033" cy="2747409"/>
-          </a:xfrm>
-          <a:prstGeom prst="rect">
-            <a:avLst/>
-          </a:prstGeom>
-        </p:spPr>
-      </p:pic>
-    </p:spTree>
-    <p:extLst>
-      <p:ext uri="{BB962C8B-B14F-4D97-AF65-F5344CB8AC3E}">
-        <p14:creationId xmlns:p14="http://schemas.microsoft.com/office/powerpoint/2010/main" val="433307003"/>
-      </p:ext>
-    </p:extLst>
-  </p:cSld>
-  <p:clrMapOvr>
-    <a:masterClrMapping/>
-  </p:clrMapOvr>
-</p:sld>
-</file>
-
-<file path=ppt/slides/slide6.xml><?xml version="1.0" encoding="utf-8"?>
-<p:sld xmlns:a="http://schemas.openxmlformats.org/drawingml/2006/main" xmlns:r="http://schemas.openxmlformats.org/officeDocument/2006/relationships" xmlns:p="http://schemas.openxmlformats.org/presentationml/2006/main">
-  <p:cSld>
-    <p:spTree>
-      <p:nvGrpSpPr>
-        <p:cNvPr id="1" name=""/>
-        <p:cNvGrpSpPr/>
-        <p:nvPr/>
-      </p:nvGrpSpPr>
-      <p:grpSpPr>
-        <a:xfrm>
-          <a:off x="0" y="0"/>
-          <a:ext cx="0" cy="0"/>
-          <a:chOff x="0" y="0"/>
-          <a:chExt cx="0" cy="0"/>
-        </a:xfrm>
-      </p:grpSpPr>
-      <p:sp>
-        <p:nvSpPr>
-          <p:cNvPr id="2" name="Tiêu đề 1">
-            <a:extLst>
-              <a:ext uri="{FF2B5EF4-FFF2-40B4-BE49-F238E27FC236}">
-                <a16:creationId xmlns="" xmlns:a16="http://schemas.microsoft.com/office/drawing/2014/main" id="{5E6BA8EF-BB79-496B-BDCB-D7B0EA27E9B2}"/>
-              </a:ext>
-            </a:extLst>
-          </p:cNvPr>
-          <p:cNvSpPr>
-            <a:spLocks noGrp="1"/>
-          </p:cNvSpPr>
-          <p:nvPr>
-            <p:ph type="title"/>
-          </p:nvPr>
-        </p:nvSpPr>
-        <p:spPr/>
-        <p:txBody>
-          <a:bodyPr rtlCol="0"/>
-          <a:lstStyle/>
-          <a:p>
-            <a:pPr rtl="0"/>
-            <a:r>
-              <a:rPr lang="en-US" smtClean="0"/>
-              <a:t>TIMELINE</a:t>
-            </a:r>
-            <a:endParaRPr lang="vi-VN" dirty="0"/>
-          </a:p>
-        </p:txBody>
-      </p:sp>
-      <p:sp>
-        <p:nvSpPr>
-          <p:cNvPr id="4" name="Tiêu đề phụ 3">
-            <a:extLst>
-              <a:ext uri="{FF2B5EF4-FFF2-40B4-BE49-F238E27FC236}">
-                <a16:creationId xmlns="" xmlns:a16="http://schemas.microsoft.com/office/drawing/2014/main" id="{AC5FF02E-6EA5-485E-9ACC-BE0A77CACFDB}"/>
-              </a:ext>
-            </a:extLst>
-          </p:cNvPr>
-          <p:cNvSpPr>
-            <a:spLocks noGrp="1"/>
-          </p:cNvSpPr>
-          <p:nvPr>
-            <p:ph type="subTitle" idx="15"/>
-          </p:nvPr>
-        </p:nvSpPr>
-        <p:spPr/>
-        <p:txBody>
-          <a:bodyPr rtlCol="0"/>
-          <a:lstStyle/>
-          <a:p>
-            <a:pPr rtl="0"/>
-            <a:endParaRPr lang="vi-VN" dirty="0"/>
-          </a:p>
-        </p:txBody>
-      </p:sp>
-      <p:sp>
-        <p:nvSpPr>
-          <p:cNvPr id="8" name="Chỗ dành sẵn cho Văn bản 7">
-            <a:extLst>
-              <a:ext uri="{FF2B5EF4-FFF2-40B4-BE49-F238E27FC236}">
-                <a16:creationId xmlns="" xmlns:a16="http://schemas.microsoft.com/office/drawing/2014/main" id="{822EAD1C-2E2B-45B8-AC27-3017CA0A5E44}"/>
-              </a:ext>
-            </a:extLst>
-          </p:cNvPr>
-          <p:cNvSpPr>
-            <a:spLocks noGrp="1"/>
-          </p:cNvSpPr>
-          <p:nvPr>
-            <p:ph type="body" sz="half" idx="42"/>
-          </p:nvPr>
-        </p:nvSpPr>
-        <p:spPr>
-          <a:xfrm>
-            <a:off x="1154679" y="2764009"/>
-            <a:ext cx="1106424" cy="314428"/>
-          </a:xfrm>
-        </p:spPr>
-        <p:txBody>
-          <a:bodyPr rtlCol="0"/>
-          <a:lstStyle/>
-          <a:p>
-            <a:pPr rtl="0"/>
-            <a:r>
-              <a:rPr lang="en-US" smtClean="0"/>
-              <a:t>2</a:t>
-            </a:r>
-            <a:endParaRPr lang="vi-VN" dirty="0"/>
-          </a:p>
-        </p:txBody>
-      </p:sp>
-      <p:sp>
-        <p:nvSpPr>
-          <p:cNvPr id="9" name="Chỗ dành sẵn cho Văn bản 8">
-            <a:extLst>
-              <a:ext uri="{FF2B5EF4-FFF2-40B4-BE49-F238E27FC236}">
-                <a16:creationId xmlns="" xmlns:a16="http://schemas.microsoft.com/office/drawing/2014/main" id="{C25A7720-FC34-4F1B-8D65-70BB3089B846}"/>
-              </a:ext>
-            </a:extLst>
-          </p:cNvPr>
-          <p:cNvSpPr>
-            <a:spLocks noGrp="1"/>
-          </p:cNvSpPr>
-          <p:nvPr>
-            <p:ph type="body" sz="half" idx="43"/>
-          </p:nvPr>
-        </p:nvSpPr>
-        <p:spPr>
-          <a:xfrm>
-            <a:off x="1154679" y="3006922"/>
-            <a:ext cx="1106424" cy="314427"/>
-          </a:xfrm>
-        </p:spPr>
-        <p:txBody>
-          <a:bodyPr rtlCol="0"/>
-          <a:lstStyle/>
-          <a:p>
-            <a:pPr rtl="0"/>
-            <a:r>
-              <a:rPr lang="en-US" smtClean="0"/>
-              <a:t>Thg 12</a:t>
-            </a:r>
-            <a:endParaRPr lang="vi-VN" dirty="0"/>
-          </a:p>
-        </p:txBody>
-      </p:sp>
-      <p:sp>
-        <p:nvSpPr>
-          <p:cNvPr id="7" name="Chỗ dành sẵn cho Văn bản 6">
-            <a:extLst>
-              <a:ext uri="{FF2B5EF4-FFF2-40B4-BE49-F238E27FC236}">
-                <a16:creationId xmlns="" xmlns:a16="http://schemas.microsoft.com/office/drawing/2014/main" id="{477292B3-2F30-41D9-B605-ABFC370B7891}"/>
-              </a:ext>
-            </a:extLst>
-          </p:cNvPr>
-          <p:cNvSpPr>
-            <a:spLocks noGrp="1"/>
-          </p:cNvSpPr>
-          <p:nvPr>
-            <p:ph type="body" sz="half" idx="34"/>
-          </p:nvPr>
-        </p:nvSpPr>
-        <p:spPr/>
-        <p:txBody>
-          <a:bodyPr rtlCol="0">
-            <a:normAutofit fontScale="92500"/>
-          </a:bodyPr>
-          <a:lstStyle/>
-          <a:p>
-            <a:pPr rtl="0"/>
-            <a:r>
-              <a:rPr lang="en-US" smtClean="0"/>
-              <a:t>Khởi tạo dự án</a:t>
-            </a:r>
-            <a:endParaRPr lang="vi-VN" dirty="0"/>
-          </a:p>
-        </p:txBody>
-      </p:sp>
-      <p:sp>
-        <p:nvSpPr>
-          <p:cNvPr id="6" name="Chỗ dành sẵn cho Văn bản 5">
-            <a:extLst>
-              <a:ext uri="{FF2B5EF4-FFF2-40B4-BE49-F238E27FC236}">
-                <a16:creationId xmlns="" xmlns:a16="http://schemas.microsoft.com/office/drawing/2014/main" id="{DC771A6E-8BBB-4F0C-A3C5-12B90C51FD92}"/>
-              </a:ext>
-            </a:extLst>
-          </p:cNvPr>
-          <p:cNvSpPr>
-            <a:spLocks noGrp="1"/>
-          </p:cNvSpPr>
-          <p:nvPr>
-            <p:ph type="body" sz="half" idx="2"/>
-          </p:nvPr>
-        </p:nvSpPr>
-        <p:spPr>
-          <a:xfrm>
-            <a:off x="859129" y="4083691"/>
-            <a:ext cx="1728216" cy="1234930"/>
-          </a:xfrm>
-        </p:spPr>
-        <p:txBody>
-          <a:bodyPr rtlCol="0">
-            <a:normAutofit fontScale="70000" lnSpcReduction="20000"/>
-          </a:bodyPr>
-          <a:lstStyle/>
-          <a:p>
-            <a:r>
-              <a:rPr lang="en-US" b="1"/>
-              <a:t>Lực: </a:t>
-            </a:r>
-            <a:r>
-              <a:rPr lang="en-US"/>
-              <a:t>Tạo </a:t>
-            </a:r>
-            <a:r>
-              <a:rPr lang="en-US" smtClean="0"/>
-              <a:t>Git repository</a:t>
-            </a:r>
-          </a:p>
-          <a:p>
-            <a:r>
-              <a:rPr lang="en-US" b="1"/>
-              <a:t>Lực: </a:t>
-            </a:r>
-            <a:r>
-              <a:rPr lang="en-US" smtClean="0"/>
-              <a:t>Phân </a:t>
-            </a:r>
-            <a:r>
-              <a:rPr lang="en-US" smtClean="0"/>
-              <a:t>chia công việc</a:t>
-            </a:r>
-          </a:p>
-          <a:p>
-            <a:r>
-              <a:rPr lang="en-US" b="1"/>
-              <a:t>Lực: </a:t>
-            </a:r>
-            <a:r>
-              <a:rPr lang="en-US" smtClean="0"/>
-              <a:t>Trình </a:t>
-            </a:r>
-            <a:r>
-              <a:rPr lang="en-US" smtClean="0"/>
-              <a:t>bày tính năng sơ đồ use-case</a:t>
-            </a:r>
-          </a:p>
-          <a:p>
-            <a:r>
-              <a:rPr lang="en-US" b="1"/>
-              <a:t>Lực: </a:t>
-            </a:r>
-            <a:r>
-              <a:rPr lang="en-US" smtClean="0"/>
-              <a:t>Trình </a:t>
-            </a:r>
-            <a:r>
-              <a:rPr lang="en-US" smtClean="0"/>
-              <a:t>bày sơ đồ ERD</a:t>
-            </a:r>
-          </a:p>
-        </p:txBody>
-      </p:sp>
-      <p:sp>
-        <p:nvSpPr>
-          <p:cNvPr id="21" name="Chỗ dành sẵn cho Văn bản 20">
-            <a:extLst>
-              <a:ext uri="{FF2B5EF4-FFF2-40B4-BE49-F238E27FC236}">
-                <a16:creationId xmlns="" xmlns:a16="http://schemas.microsoft.com/office/drawing/2014/main" id="{39B0401A-1AD7-428B-8650-C1CF85C4A716}"/>
-              </a:ext>
-            </a:extLst>
-          </p:cNvPr>
-          <p:cNvSpPr>
-            <a:spLocks noGrp="1"/>
-          </p:cNvSpPr>
-          <p:nvPr>
-            <p:ph type="body" sz="half" idx="60"/>
-          </p:nvPr>
-        </p:nvSpPr>
-        <p:spPr/>
-        <p:txBody>
-          <a:bodyPr rtlCol="0">
-            <a:normAutofit/>
-          </a:bodyPr>
-          <a:lstStyle/>
-          <a:p>
-            <a:pPr rtl="0"/>
-            <a:r>
-              <a:rPr lang="en-US" smtClean="0"/>
-              <a:t>Tạo models</a:t>
-            </a:r>
-            <a:endParaRPr lang="vi-VN" dirty="0"/>
-          </a:p>
-        </p:txBody>
-      </p:sp>
-      <p:sp>
-        <p:nvSpPr>
-          <p:cNvPr id="20" name="Chỗ dành sẵn cho Văn bản 19">
-            <a:extLst>
-              <a:ext uri="{FF2B5EF4-FFF2-40B4-BE49-F238E27FC236}">
-                <a16:creationId xmlns="" xmlns:a16="http://schemas.microsoft.com/office/drawing/2014/main" id="{2B7C69F6-DEB5-477D-8357-29FA66FE78C3}"/>
-              </a:ext>
-            </a:extLst>
-          </p:cNvPr>
-          <p:cNvSpPr>
-            <a:spLocks noGrp="1"/>
-          </p:cNvSpPr>
-          <p:nvPr>
-            <p:ph type="body" sz="half" idx="59"/>
-          </p:nvPr>
-        </p:nvSpPr>
-        <p:spPr/>
-        <p:txBody>
-          <a:bodyPr rtlCol="0">
-            <a:normAutofit fontScale="77500" lnSpcReduction="20000"/>
-          </a:bodyPr>
-          <a:lstStyle/>
-          <a:p>
-            <a:r>
-              <a:rPr lang="en-US" b="1"/>
-              <a:t>Lực: </a:t>
-            </a:r>
-            <a:r>
-              <a:rPr lang="en-US" smtClean="0"/>
-              <a:t>Tạo </a:t>
-            </a:r>
-            <a:r>
-              <a:rPr lang="en-US" smtClean="0"/>
-              <a:t>các models theo sơ đồ ERD</a:t>
-            </a:r>
-          </a:p>
-          <a:p>
-            <a:r>
-              <a:rPr lang="en-US" b="1"/>
-              <a:t>Lực: </a:t>
-            </a:r>
-            <a:r>
-              <a:rPr lang="en-US" smtClean="0"/>
-              <a:t>Ràng </a:t>
-            </a:r>
-            <a:r>
-              <a:rPr lang="en-US" smtClean="0"/>
-              <a:t>buộc thuộc tính và các mối quan hệ</a:t>
-            </a:r>
-          </a:p>
-          <a:p>
-            <a:r>
-              <a:rPr lang="en-US" b="1"/>
-              <a:t>Lực: </a:t>
-            </a:r>
-            <a:r>
-              <a:rPr lang="en-US" smtClean="0"/>
-              <a:t>Kết </a:t>
-            </a:r>
-            <a:r>
-              <a:rPr lang="en-US" smtClean="0"/>
-              <a:t>nối với mongoose database</a:t>
-            </a:r>
-          </a:p>
-        </p:txBody>
-      </p:sp>
-      <p:sp>
-        <p:nvSpPr>
-          <p:cNvPr id="23" name="Chỗ dành sẵn cho Văn bản 22">
-            <a:extLst>
-              <a:ext uri="{FF2B5EF4-FFF2-40B4-BE49-F238E27FC236}">
-                <a16:creationId xmlns="" xmlns:a16="http://schemas.microsoft.com/office/drawing/2014/main" id="{12A8ED58-9C37-4635-8248-4C2FB626D0ED}"/>
-              </a:ext>
-            </a:extLst>
-          </p:cNvPr>
-          <p:cNvSpPr>
-            <a:spLocks noGrp="1"/>
-          </p:cNvSpPr>
-          <p:nvPr>
-            <p:ph type="body" sz="half" idx="62"/>
-          </p:nvPr>
-        </p:nvSpPr>
-        <p:spPr/>
-        <p:txBody>
-          <a:bodyPr rtlCol="0">
-            <a:normAutofit/>
-          </a:bodyPr>
-          <a:lstStyle/>
-          <a:p>
-            <a:pPr rtl="0"/>
-            <a:r>
-              <a:rPr lang="en-US" smtClean="0"/>
-              <a:t>Tạo API</a:t>
-            </a:r>
-            <a:endParaRPr lang="vi-VN" dirty="0"/>
-          </a:p>
-        </p:txBody>
-      </p:sp>
-      <p:sp>
-        <p:nvSpPr>
-          <p:cNvPr id="22" name="Chỗ dành sẵn cho Văn bản 21">
-            <a:extLst>
-              <a:ext uri="{FF2B5EF4-FFF2-40B4-BE49-F238E27FC236}">
-                <a16:creationId xmlns="" xmlns:a16="http://schemas.microsoft.com/office/drawing/2014/main" id="{B66059B7-0D74-40D6-81EF-3DE7A9681CCB}"/>
-              </a:ext>
-            </a:extLst>
-          </p:cNvPr>
-          <p:cNvSpPr>
-            <a:spLocks noGrp="1"/>
-          </p:cNvSpPr>
-          <p:nvPr>
-            <p:ph type="body" sz="half" idx="61"/>
-          </p:nvPr>
-        </p:nvSpPr>
-        <p:spPr>
-          <a:xfrm>
-            <a:off x="5231117" y="4083690"/>
-            <a:ext cx="1728215" cy="1336467"/>
-          </a:xfrm>
-        </p:spPr>
-        <p:txBody>
-          <a:bodyPr rtlCol="0">
-            <a:normAutofit fontScale="77500" lnSpcReduction="20000"/>
-          </a:bodyPr>
-          <a:lstStyle/>
-          <a:p>
-            <a:r>
-              <a:rPr lang="en-US" b="1"/>
-              <a:t>An : </a:t>
-            </a:r>
-            <a:r>
-              <a:rPr lang="en-US" smtClean="0"/>
-              <a:t>Tìm </a:t>
-            </a:r>
-            <a:r>
-              <a:rPr lang="en-US"/>
-              <a:t>kiếm, thêm, sửa, </a:t>
-            </a:r>
-            <a:r>
-              <a:rPr lang="en-US" smtClean="0"/>
-              <a:t>xóa phòng chat</a:t>
-            </a:r>
-          </a:p>
-          <a:p>
-            <a:r>
-              <a:rPr lang="en-US" b="1" smtClean="0"/>
-              <a:t>Vững: </a:t>
-            </a:r>
-            <a:r>
-              <a:rPr lang="en-US" smtClean="0"/>
-              <a:t>Đăng </a:t>
-            </a:r>
-            <a:r>
-              <a:rPr lang="en-US" smtClean="0"/>
-              <a:t>ký, đăng nhập, quên mật khẩu</a:t>
-            </a:r>
-          </a:p>
-          <a:p>
-            <a:r>
-              <a:rPr lang="en-US" b="1"/>
-              <a:t>Lực: </a:t>
-            </a:r>
-            <a:r>
-              <a:rPr lang="en-US" smtClean="0"/>
-              <a:t>Quản </a:t>
-            </a:r>
-            <a:r>
-              <a:rPr lang="en-US" smtClean="0"/>
-              <a:t>lý tài khoản</a:t>
-            </a:r>
-          </a:p>
-        </p:txBody>
-      </p:sp>
-      <p:sp>
-        <p:nvSpPr>
-          <p:cNvPr id="25" name="Chỗ dành sẵn cho Văn bản 24">
-            <a:extLst>
-              <a:ext uri="{FF2B5EF4-FFF2-40B4-BE49-F238E27FC236}">
-                <a16:creationId xmlns="" xmlns:a16="http://schemas.microsoft.com/office/drawing/2014/main" id="{9D1B7D3B-0CDD-4C21-A7AC-1AB6CCE181D1}"/>
-              </a:ext>
-            </a:extLst>
-          </p:cNvPr>
-          <p:cNvSpPr>
-            <a:spLocks noGrp="1"/>
-          </p:cNvSpPr>
-          <p:nvPr>
-            <p:ph type="body" sz="half" idx="64"/>
-          </p:nvPr>
-        </p:nvSpPr>
-        <p:spPr/>
-        <p:txBody>
-          <a:bodyPr rtlCol="0">
-            <a:normAutofit/>
-          </a:bodyPr>
-          <a:lstStyle/>
-          <a:p>
-            <a:pPr rtl="0"/>
-            <a:r>
-              <a:rPr lang="en-US" smtClean="0"/>
-              <a:t>Tạo views</a:t>
-            </a:r>
-            <a:endParaRPr lang="vi-VN" dirty="0"/>
-          </a:p>
-        </p:txBody>
-      </p:sp>
-      <p:sp>
-        <p:nvSpPr>
-          <p:cNvPr id="24" name="Chỗ dành sẵn cho Văn bản 23">
-            <a:extLst>
-              <a:ext uri="{FF2B5EF4-FFF2-40B4-BE49-F238E27FC236}">
-                <a16:creationId xmlns="" xmlns:a16="http://schemas.microsoft.com/office/drawing/2014/main" id="{C5D17E8B-D872-426A-850E-A358990ED3B0}"/>
-              </a:ext>
-            </a:extLst>
-          </p:cNvPr>
-          <p:cNvSpPr>
-            <a:spLocks noGrp="1"/>
-          </p:cNvSpPr>
-          <p:nvPr>
-            <p:ph type="body" sz="half" idx="63"/>
-          </p:nvPr>
-        </p:nvSpPr>
-        <p:spPr/>
-        <p:txBody>
-          <a:bodyPr rtlCol="0">
-            <a:normAutofit fontScale="77500" lnSpcReduction="20000"/>
-          </a:bodyPr>
-          <a:lstStyle/>
-          <a:p>
-            <a:r>
-              <a:rPr lang="en-US" b="1"/>
-              <a:t>An : </a:t>
-            </a:r>
-            <a:r>
-              <a:rPr lang="en-US" smtClean="0"/>
-              <a:t>Tìm </a:t>
-            </a:r>
-            <a:r>
-              <a:rPr lang="en-US"/>
-              <a:t>kiếm, thêm, sửa, </a:t>
-            </a:r>
-            <a:r>
-              <a:rPr lang="en-US" smtClean="0"/>
-              <a:t>xóa phòng chat</a:t>
-            </a:r>
-            <a:endParaRPr lang="en-US"/>
-          </a:p>
-          <a:p>
-            <a:r>
-              <a:rPr lang="en-US" b="1"/>
-              <a:t>Vững </a:t>
-            </a:r>
-            <a:r>
-              <a:rPr lang="en-US" b="1" smtClean="0"/>
-              <a:t>: </a:t>
-            </a:r>
-            <a:r>
-              <a:rPr lang="en-US" smtClean="0"/>
-              <a:t>Đăng </a:t>
-            </a:r>
-            <a:r>
-              <a:rPr lang="en-US"/>
-              <a:t>ký, đăng nhập, quên mật khẩu</a:t>
-            </a:r>
-          </a:p>
-          <a:p>
-            <a:r>
-              <a:rPr lang="en-US" b="1"/>
-              <a:t>Lực: </a:t>
-            </a:r>
-            <a:r>
-              <a:rPr lang="en-US" smtClean="0"/>
-              <a:t>Quản </a:t>
-            </a:r>
-            <a:r>
-              <a:rPr lang="en-US"/>
-              <a:t>lý tài </a:t>
-            </a:r>
-            <a:r>
-              <a:rPr lang="en-US" smtClean="0"/>
-              <a:t>khoản</a:t>
-            </a:r>
-            <a:endParaRPr lang="en-US"/>
-          </a:p>
-        </p:txBody>
-      </p:sp>
-      <p:sp>
-        <p:nvSpPr>
-          <p:cNvPr id="19" name="Chỗ dành sẵn cho Văn bản 18">
-            <a:extLst>
-              <a:ext uri="{FF2B5EF4-FFF2-40B4-BE49-F238E27FC236}">
-                <a16:creationId xmlns="" xmlns:a16="http://schemas.microsoft.com/office/drawing/2014/main" id="{B743DB92-F799-4859-B31D-2F2615C5E2B5}"/>
-              </a:ext>
-            </a:extLst>
-          </p:cNvPr>
-          <p:cNvSpPr>
-            <a:spLocks noGrp="1"/>
-          </p:cNvSpPr>
-          <p:nvPr>
-            <p:ph type="body" sz="half" idx="58"/>
-          </p:nvPr>
-        </p:nvSpPr>
-        <p:spPr/>
-        <p:txBody>
-          <a:bodyPr rtlCol="0">
-            <a:normAutofit/>
-          </a:bodyPr>
-          <a:lstStyle/>
-          <a:p>
-            <a:pPr rtl="0"/>
-            <a:r>
-              <a:rPr lang="en-US" smtClean="0"/>
-              <a:t>Testing</a:t>
-            </a:r>
-            <a:endParaRPr lang="vi-VN" dirty="0"/>
-          </a:p>
-        </p:txBody>
-      </p:sp>
-      <p:sp>
-        <p:nvSpPr>
-          <p:cNvPr id="18" name="Chỗ dành sẵn cho Văn bản 17">
-            <a:extLst>
-              <a:ext uri="{FF2B5EF4-FFF2-40B4-BE49-F238E27FC236}">
-                <a16:creationId xmlns="" xmlns:a16="http://schemas.microsoft.com/office/drawing/2014/main" id="{AEE62498-709A-48EE-B092-1921D0EAAE30}"/>
-              </a:ext>
-            </a:extLst>
-          </p:cNvPr>
-          <p:cNvSpPr>
-            <a:spLocks noGrp="1"/>
-          </p:cNvSpPr>
-          <p:nvPr>
-            <p:ph type="body" sz="half" idx="57"/>
-          </p:nvPr>
-        </p:nvSpPr>
-        <p:spPr/>
-        <p:txBody>
-          <a:bodyPr rtlCol="0"/>
-          <a:lstStyle/>
-          <a:p>
-            <a:r>
-              <a:rPr lang="en-US" smtClean="0"/>
-              <a:t>Chạy </a:t>
-            </a:r>
-            <a:r>
-              <a:rPr lang="en-US" smtClean="0"/>
-              <a:t>thử</a:t>
-            </a:r>
-          </a:p>
-          <a:p>
-            <a:r>
-              <a:rPr lang="en-US" smtClean="0"/>
-              <a:t>Kiểm </a:t>
-            </a:r>
-            <a:r>
-              <a:rPr lang="en-US" smtClean="0"/>
-              <a:t>lỗi</a:t>
-            </a:r>
-            <a:r>
-              <a:rPr lang="vi-VN" smtClean="0"/>
-              <a:t> </a:t>
-            </a:r>
-            <a:endParaRPr lang="vi-VN" dirty="0"/>
-          </a:p>
-        </p:txBody>
-      </p:sp>
-      <p:sp>
-        <p:nvSpPr>
-          <p:cNvPr id="3" name="Chỗ dành sẵn cho Số hiệu Bản chiếu 2">
-            <a:extLst>
-              <a:ext uri="{FF2B5EF4-FFF2-40B4-BE49-F238E27FC236}">
-                <a16:creationId xmlns="" xmlns:a16="http://schemas.microsoft.com/office/drawing/2014/main" id="{21E03582-55FC-48E1-AF04-61EC8D4AA900}"/>
-              </a:ext>
-            </a:extLst>
-          </p:cNvPr>
-          <p:cNvSpPr>
-            <a:spLocks noGrp="1"/>
-          </p:cNvSpPr>
-          <p:nvPr>
-            <p:ph type="sldNum" sz="quarter" idx="12"/>
-          </p:nvPr>
-        </p:nvSpPr>
-        <p:spPr/>
-        <p:txBody>
-          <a:bodyPr rtlCol="0"/>
-          <a:lstStyle/>
-          <a:p>
-            <a:pPr rtl="0"/>
-            <a:fld id="{F470E458-E7C2-4395-B75D-476A174CEE45}" type="slidenum">
-              <a:rPr lang="vi-VN" smtClean="0"/>
-              <a:t>6</a:t>
-            </a:fld>
-            <a:endParaRPr lang="vi-VN" dirty="0"/>
-          </a:p>
-        </p:txBody>
-      </p:sp>
-      <p:sp>
-        <p:nvSpPr>
-          <p:cNvPr id="36" name="Chỗ dành sẵn cho Văn bản 7">
-            <a:extLst>
-              <a:ext uri="{FF2B5EF4-FFF2-40B4-BE49-F238E27FC236}">
-                <a16:creationId xmlns="" xmlns:a16="http://schemas.microsoft.com/office/drawing/2014/main" id="{822EAD1C-2E2B-45B8-AC27-3017CA0A5E44}"/>
-              </a:ext>
-            </a:extLst>
-          </p:cNvPr>
-          <p:cNvSpPr>
-            <a:spLocks noGrp="1"/>
-          </p:cNvSpPr>
-          <p:nvPr>
-            <p:ph type="body" sz="half" idx="42"/>
-          </p:nvPr>
-        </p:nvSpPr>
-        <p:spPr>
-          <a:xfrm>
-            <a:off x="3353992" y="2791030"/>
-            <a:ext cx="1106424" cy="314428"/>
-          </a:xfrm>
-        </p:spPr>
-        <p:txBody>
-          <a:bodyPr rtlCol="0"/>
-          <a:lstStyle/>
-          <a:p>
-            <a:pPr rtl="0"/>
-            <a:r>
-              <a:rPr lang="en-US" smtClean="0"/>
-              <a:t>15</a:t>
-            </a:r>
-            <a:endParaRPr lang="vi-VN" dirty="0"/>
-          </a:p>
-        </p:txBody>
-      </p:sp>
-      <p:sp>
-        <p:nvSpPr>
-          <p:cNvPr id="37" name="Chỗ dành sẵn cho Văn bản 8">
-            <a:extLst>
-              <a:ext uri="{FF2B5EF4-FFF2-40B4-BE49-F238E27FC236}">
-                <a16:creationId xmlns="" xmlns:a16="http://schemas.microsoft.com/office/drawing/2014/main" id="{C25A7720-FC34-4F1B-8D65-70BB3089B846}"/>
-              </a:ext>
-            </a:extLst>
-          </p:cNvPr>
-          <p:cNvSpPr>
-            <a:spLocks noGrp="1"/>
-          </p:cNvSpPr>
-          <p:nvPr>
-            <p:ph type="body" sz="half" idx="43"/>
-          </p:nvPr>
-        </p:nvSpPr>
-        <p:spPr>
-          <a:xfrm>
-            <a:off x="3353992" y="3033943"/>
-            <a:ext cx="1106424" cy="314427"/>
-          </a:xfrm>
-        </p:spPr>
-        <p:txBody>
-          <a:bodyPr rtlCol="0"/>
-          <a:lstStyle/>
-          <a:p>
-            <a:pPr rtl="0"/>
-            <a:r>
-              <a:rPr lang="en-US" smtClean="0"/>
-              <a:t>Thg 12</a:t>
-            </a:r>
-            <a:endParaRPr lang="vi-VN" dirty="0"/>
-          </a:p>
-        </p:txBody>
-      </p:sp>
-      <p:sp>
-        <p:nvSpPr>
-          <p:cNvPr id="38" name="Chỗ dành sẵn cho Văn bản 7">
-            <a:extLst>
-              <a:ext uri="{FF2B5EF4-FFF2-40B4-BE49-F238E27FC236}">
-                <a16:creationId xmlns="" xmlns:a16="http://schemas.microsoft.com/office/drawing/2014/main" id="{822EAD1C-2E2B-45B8-AC27-3017CA0A5E44}"/>
-              </a:ext>
-            </a:extLst>
-          </p:cNvPr>
-          <p:cNvSpPr>
-            <a:spLocks noGrp="1"/>
-          </p:cNvSpPr>
-          <p:nvPr>
-            <p:ph type="body" sz="half" idx="42"/>
-          </p:nvPr>
-        </p:nvSpPr>
-        <p:spPr>
-          <a:xfrm>
-            <a:off x="5553305" y="2791030"/>
-            <a:ext cx="1106424" cy="314428"/>
-          </a:xfrm>
-        </p:spPr>
-        <p:txBody>
-          <a:bodyPr rtlCol="0"/>
-          <a:lstStyle/>
-          <a:p>
-            <a:pPr rtl="0"/>
-            <a:r>
-              <a:rPr lang="en-US" smtClean="0"/>
-              <a:t>15</a:t>
-            </a:r>
-            <a:endParaRPr lang="vi-VN" dirty="0"/>
-          </a:p>
-        </p:txBody>
-      </p:sp>
-      <p:sp>
-        <p:nvSpPr>
-          <p:cNvPr id="39" name="Chỗ dành sẵn cho Văn bản 8">
-            <a:extLst>
-              <a:ext uri="{FF2B5EF4-FFF2-40B4-BE49-F238E27FC236}">
-                <a16:creationId xmlns="" xmlns:a16="http://schemas.microsoft.com/office/drawing/2014/main" id="{C25A7720-FC34-4F1B-8D65-70BB3089B846}"/>
-              </a:ext>
-            </a:extLst>
-          </p:cNvPr>
-          <p:cNvSpPr>
-            <a:spLocks noGrp="1"/>
-          </p:cNvSpPr>
-          <p:nvPr>
-            <p:ph type="body" sz="half" idx="43"/>
-          </p:nvPr>
-        </p:nvSpPr>
-        <p:spPr>
-          <a:xfrm>
-            <a:off x="5553305" y="3033943"/>
-            <a:ext cx="1106424" cy="314427"/>
-          </a:xfrm>
-        </p:spPr>
-        <p:txBody>
-          <a:bodyPr rtlCol="0"/>
-          <a:lstStyle/>
-          <a:p>
-            <a:pPr rtl="0"/>
-            <a:r>
-              <a:rPr lang="en-US" smtClean="0"/>
-              <a:t>Thg 12</a:t>
-            </a:r>
-            <a:endParaRPr lang="vi-VN" dirty="0"/>
-          </a:p>
-        </p:txBody>
-      </p:sp>
-      <p:sp>
-        <p:nvSpPr>
-          <p:cNvPr id="40" name="Chỗ dành sẵn cho Văn bản 7">
-            <a:extLst>
-              <a:ext uri="{FF2B5EF4-FFF2-40B4-BE49-F238E27FC236}">
-                <a16:creationId xmlns="" xmlns:a16="http://schemas.microsoft.com/office/drawing/2014/main" id="{822EAD1C-2E2B-45B8-AC27-3017CA0A5E44}"/>
-              </a:ext>
-            </a:extLst>
-          </p:cNvPr>
-          <p:cNvSpPr>
-            <a:spLocks noGrp="1"/>
-          </p:cNvSpPr>
-          <p:nvPr>
-            <p:ph type="body" sz="half" idx="42"/>
-          </p:nvPr>
-        </p:nvSpPr>
-        <p:spPr>
-          <a:xfrm>
-            <a:off x="7752618" y="2791030"/>
-            <a:ext cx="1106424" cy="314428"/>
-          </a:xfrm>
-        </p:spPr>
-        <p:txBody>
-          <a:bodyPr rtlCol="0"/>
-          <a:lstStyle/>
-          <a:p>
-            <a:pPr rtl="0"/>
-            <a:r>
-              <a:rPr lang="en-US" smtClean="0"/>
-              <a:t>15</a:t>
-            </a:r>
-            <a:endParaRPr lang="vi-VN" dirty="0"/>
-          </a:p>
-        </p:txBody>
-      </p:sp>
-      <p:sp>
-        <p:nvSpPr>
-          <p:cNvPr id="41" name="Chỗ dành sẵn cho Văn bản 8">
-            <a:extLst>
-              <a:ext uri="{FF2B5EF4-FFF2-40B4-BE49-F238E27FC236}">
-                <a16:creationId xmlns="" xmlns:a16="http://schemas.microsoft.com/office/drawing/2014/main" id="{C25A7720-FC34-4F1B-8D65-70BB3089B846}"/>
-              </a:ext>
-            </a:extLst>
-          </p:cNvPr>
-          <p:cNvSpPr>
-            <a:spLocks noGrp="1"/>
-          </p:cNvSpPr>
-          <p:nvPr>
-            <p:ph type="body" sz="half" idx="43"/>
-          </p:nvPr>
-        </p:nvSpPr>
-        <p:spPr>
-          <a:xfrm>
-            <a:off x="7752618" y="3033943"/>
-            <a:ext cx="1106424" cy="314427"/>
-          </a:xfrm>
-        </p:spPr>
-        <p:txBody>
-          <a:bodyPr rtlCol="0"/>
-          <a:lstStyle/>
-          <a:p>
-            <a:pPr rtl="0"/>
-            <a:r>
-              <a:rPr lang="en-US" smtClean="0"/>
-              <a:t>Thg 12</a:t>
-            </a:r>
-            <a:endParaRPr lang="vi-VN" dirty="0"/>
-          </a:p>
-        </p:txBody>
-      </p:sp>
-      <p:sp>
-        <p:nvSpPr>
-          <p:cNvPr id="42" name="Chỗ dành sẵn cho Văn bản 7">
-            <a:extLst>
-              <a:ext uri="{FF2B5EF4-FFF2-40B4-BE49-F238E27FC236}">
-                <a16:creationId xmlns="" xmlns:a16="http://schemas.microsoft.com/office/drawing/2014/main" id="{822EAD1C-2E2B-45B8-AC27-3017CA0A5E44}"/>
-              </a:ext>
-            </a:extLst>
-          </p:cNvPr>
-          <p:cNvSpPr>
-            <a:spLocks noGrp="1"/>
-          </p:cNvSpPr>
-          <p:nvPr>
-            <p:ph type="body" sz="half" idx="42"/>
-          </p:nvPr>
-        </p:nvSpPr>
-        <p:spPr>
-          <a:xfrm>
-            <a:off x="9936458" y="2791030"/>
-            <a:ext cx="1106424" cy="314428"/>
-          </a:xfrm>
-        </p:spPr>
-        <p:txBody>
-          <a:bodyPr rtlCol="0"/>
-          <a:lstStyle/>
-          <a:p>
-            <a:pPr rtl="0"/>
-            <a:r>
-              <a:rPr lang="en-US" smtClean="0"/>
-              <a:t>16</a:t>
-            </a:r>
-            <a:endParaRPr lang="vi-VN" dirty="0"/>
-          </a:p>
-        </p:txBody>
-      </p:sp>
-      <p:sp>
-        <p:nvSpPr>
-          <p:cNvPr id="43" name="Chỗ dành sẵn cho Văn bản 8">
-            <a:extLst>
-              <a:ext uri="{FF2B5EF4-FFF2-40B4-BE49-F238E27FC236}">
-                <a16:creationId xmlns="" xmlns:a16="http://schemas.microsoft.com/office/drawing/2014/main" id="{C25A7720-FC34-4F1B-8D65-70BB3089B846}"/>
-              </a:ext>
-            </a:extLst>
-          </p:cNvPr>
-          <p:cNvSpPr>
-            <a:spLocks noGrp="1"/>
-          </p:cNvSpPr>
-          <p:nvPr>
-            <p:ph type="body" sz="half" idx="43"/>
-          </p:nvPr>
-        </p:nvSpPr>
-        <p:spPr>
-          <a:xfrm>
-            <a:off x="9936458" y="3033943"/>
-            <a:ext cx="1106424" cy="314427"/>
-          </a:xfrm>
-        </p:spPr>
-        <p:txBody>
-          <a:bodyPr rtlCol="0"/>
-          <a:lstStyle/>
-          <a:p>
-            <a:pPr rtl="0"/>
-            <a:r>
-              <a:rPr lang="en-US" smtClean="0"/>
-              <a:t>Thg 12</a:t>
-            </a:r>
-            <a:endParaRPr lang="vi-VN" dirty="0"/>
-          </a:p>
-        </p:txBody>
-      </p:sp>
-    </p:spTree>
-    <p:extLst>
-      <p:ext uri="{BB962C8B-B14F-4D97-AF65-F5344CB8AC3E}">
-        <p14:creationId xmlns:p14="http://schemas.microsoft.com/office/powerpoint/2010/main" val="4016413224"/>
-      </p:ext>
-    </p:extLst>
-  </p:cSld>
-  <p:clrMapOvr>
-    <a:masterClrMapping/>
-  </p:clrMapOvr>
-</p:sld>
-</file>
-
-<file path=ppt/slides/slide7.xml><?xml version="1.0" encoding="utf-8"?>
-<p:sld xmlns:a="http://schemas.openxmlformats.org/drawingml/2006/main" xmlns:r="http://schemas.openxmlformats.org/officeDocument/2006/relationships" xmlns:p="http://schemas.openxmlformats.org/presentationml/2006/main">
-  <p:cSld>
-    <p:spTree>
-      <p:nvGrpSpPr>
-        <p:cNvPr id="1" name=""/>
-        <p:cNvGrpSpPr/>
-        <p:nvPr/>
-      </p:nvGrpSpPr>
-      <p:grpSpPr>
-        <a:xfrm>
-          <a:off x="0" y="0"/>
-          <a:ext cx="0" cy="0"/>
-          <a:chOff x="0" y="0"/>
-          <a:chExt cx="0" cy="0"/>
-        </a:xfrm>
-      </p:grpSpPr>
-      <p:sp>
-        <p:nvSpPr>
-          <p:cNvPr id="3" name="Tiêu đề 2">
-            <a:extLst>
-              <a:ext uri="{FF2B5EF4-FFF2-40B4-BE49-F238E27FC236}">
-                <a16:creationId xmlns="" xmlns:a16="http://schemas.microsoft.com/office/drawing/2014/main" id="{FE4C0176-F748-42D4-A25B-71F0C054D3BB}"/>
-              </a:ext>
-            </a:extLst>
-          </p:cNvPr>
-          <p:cNvSpPr>
-            <a:spLocks noGrp="1"/>
-          </p:cNvSpPr>
-          <p:nvPr>
-            <p:ph type="title"/>
-          </p:nvPr>
-        </p:nvSpPr>
-        <p:spPr>
-          <a:xfrm>
-            <a:off x="838206" y="1671791"/>
-            <a:ext cx="10515600" cy="704696"/>
-          </a:xfrm>
-        </p:spPr>
-        <p:txBody>
-          <a:bodyPr rtlCol="0">
-            <a:noAutofit/>
-          </a:bodyPr>
-          <a:lstStyle/>
-          <a:p>
-            <a:pPr rtl="0"/>
-            <a:r>
-              <a:rPr lang="vi-VN" sz="5400"/>
-              <a:t>CẢM </a:t>
-            </a:r>
-            <a:r>
-              <a:rPr lang="vi-VN" sz="5400" smtClean="0"/>
-              <a:t>ƠN</a:t>
-            </a:r>
-            <a:endParaRPr lang="vi-VN" sz="5400" dirty="0"/>
-          </a:p>
-        </p:txBody>
-      </p:sp>
       <p:graphicFrame>
         <p:nvGraphicFramePr>
-          <p:cNvPr id="21" name="Bảng 20"/>
+          <p:cNvPr id="4" name="Bảng 3"/>
           <p:cNvGraphicFramePr>
             <a:graphicFrameLocks noGrp="1"/>
           </p:cNvGraphicFramePr>
           <p:nvPr>
             <p:extLst>
               <p:ext uri="{D42A27DB-BD31-4B8C-83A1-F6EECF244321}">
-                <p14:modId xmlns:p14="http://schemas.microsoft.com/office/powerpoint/2010/main" val="408493315"/>
+                <p14:modId xmlns:p14="http://schemas.microsoft.com/office/powerpoint/2010/main" val="3087247270"/>
               </p:ext>
             </p:extLst>
           </p:nvPr>
@@ -27176,14 +25675,32 @@
                     <a:p>
                       <a:pPr algn="ctr"/>
                       <a:r>
-                        <a:rPr lang="en-US" smtClean="0"/>
+                        <a:rPr lang="en-US" smtClean="0">
+                          <a:solidFill>
+                            <a:schemeClr val="bg2">
+                              <a:lumMod val="90000"/>
+                            </a:schemeClr>
+                          </a:solidFill>
+                        </a:rPr>
                         <a:t>THÀNH</a:t>
                       </a:r>
                       <a:r>
-                        <a:rPr lang="en-US" baseline="0" smtClean="0"/>
+                        <a:rPr lang="en-US" baseline="0" smtClean="0">
+                          <a:solidFill>
+                            <a:schemeClr val="bg2">
+                              <a:lumMod val="90000"/>
+                            </a:schemeClr>
+                          </a:solidFill>
+                        </a:rPr>
                         <a:t> VIÊN NHÓM 8</a:t>
                       </a:r>
-                      <a:endParaRPr lang="en-US"/>
+                      <a:endParaRPr lang="en-US">
+                        <a:solidFill>
+                          <a:schemeClr val="bg2">
+                            <a:lumMod val="90000"/>
+                          </a:schemeClr>
+                        </a:solidFill>
+                      </a:endParaRPr>
                     </a:p>
                   </a:txBody>
                   <a:tcPr/>
@@ -27217,14 +25734,32 @@
                     <a:p>
                       <a:pPr algn="ctr"/>
                       <a:r>
-                        <a:rPr lang="en-US" smtClean="0"/>
+                        <a:rPr lang="en-US" smtClean="0">
+                          <a:solidFill>
+                            <a:schemeClr val="tx2">
+                              <a:lumMod val="50000"/>
+                            </a:schemeClr>
+                          </a:solidFill>
+                        </a:rPr>
                         <a:t>Lê</a:t>
                       </a:r>
                       <a:r>
-                        <a:rPr lang="en-US" baseline="0" smtClean="0"/>
+                        <a:rPr lang="en-US" baseline="0" smtClean="0">
+                          <a:solidFill>
+                            <a:schemeClr val="tx2">
+                              <a:lumMod val="50000"/>
+                            </a:schemeClr>
+                          </a:solidFill>
+                        </a:rPr>
                         <a:t> Tuấn Lực</a:t>
                       </a:r>
-                      <a:endParaRPr lang="en-US"/>
+                      <a:endParaRPr lang="en-US">
+                        <a:solidFill>
+                          <a:schemeClr val="tx2">
+                            <a:lumMod val="50000"/>
+                          </a:schemeClr>
+                        </a:solidFill>
+                      </a:endParaRPr>
                     </a:p>
                   </a:txBody>
                   <a:tcPr/>
@@ -27236,14 +25771,32 @@
                     <a:p>
                       <a:pPr algn="ctr"/>
                       <a:r>
-                        <a:rPr lang="en-US" smtClean="0"/>
+                        <a:rPr lang="en-US" smtClean="0">
+                          <a:solidFill>
+                            <a:schemeClr val="tx2">
+                              <a:lumMod val="50000"/>
+                            </a:schemeClr>
+                          </a:solidFill>
+                        </a:rPr>
                         <a:t>Lê</a:t>
                       </a:r>
                       <a:r>
-                        <a:rPr lang="en-US" baseline="0" smtClean="0"/>
+                        <a:rPr lang="en-US" baseline="0" smtClean="0">
+                          <a:solidFill>
+                            <a:schemeClr val="tx2">
+                              <a:lumMod val="50000"/>
+                            </a:schemeClr>
+                          </a:solidFill>
+                        </a:rPr>
                         <a:t> Thành An</a:t>
                       </a:r>
-                      <a:endParaRPr lang="en-US"/>
+                      <a:endParaRPr lang="en-US">
+                        <a:solidFill>
+                          <a:schemeClr val="tx2">
+                            <a:lumMod val="50000"/>
+                          </a:schemeClr>
+                        </a:solidFill>
+                      </a:endParaRPr>
                     </a:p>
                   </a:txBody>
                   <a:tcPr/>
@@ -27255,14 +25808,1792 @@
                     <a:p>
                       <a:pPr algn="ctr"/>
                       <a:r>
-                        <a:rPr lang="en-US" smtClean="0"/>
+                        <a:rPr lang="en-US" smtClean="0">
+                          <a:solidFill>
+                            <a:schemeClr val="tx2">
+                              <a:lumMod val="50000"/>
+                            </a:schemeClr>
+                          </a:solidFill>
+                        </a:rPr>
                         <a:t>Liên</a:t>
                       </a:r>
                       <a:r>
-                        <a:rPr lang="en-US" baseline="0" smtClean="0"/>
+                        <a:rPr lang="en-US" baseline="0" smtClean="0">
+                          <a:solidFill>
+                            <a:schemeClr val="tx2">
+                              <a:lumMod val="50000"/>
+                            </a:schemeClr>
+                          </a:solidFill>
+                        </a:rPr>
                         <a:t> Tấn Vững</a:t>
                       </a:r>
+                      <a:endParaRPr lang="en-US">
+                        <a:solidFill>
+                          <a:schemeClr val="tx2">
+                            <a:lumMod val="50000"/>
+                          </a:schemeClr>
+                        </a:solidFill>
+                      </a:endParaRPr>
+                    </a:p>
+                  </a:txBody>
+                  <a:tcPr/>
+                </a:tc>
+              </a:tr>
+            </a:tbl>
+          </a:graphicData>
+        </a:graphic>
+      </p:graphicFrame>
+      <p:sp>
+        <p:nvSpPr>
+          <p:cNvPr id="2" name="Hộp Văn bản 1"/>
+          <p:cNvSpPr txBox="1"/>
+          <p:nvPr/>
+        </p:nvSpPr>
+        <p:spPr>
+          <a:xfrm>
+            <a:off x="4032428" y="1538536"/>
+            <a:ext cx="4127156" cy="307777"/>
+          </a:xfrm>
+          <a:prstGeom prst="rect">
+            <a:avLst/>
+          </a:prstGeom>
+          <a:noFill/>
+        </p:spPr>
+        <p:txBody>
+          <a:bodyPr wrap="square" rtlCol="0">
+            <a:spAutoFit/>
+          </a:bodyPr>
+          <a:lstStyle/>
+          <a:p>
+            <a:pPr algn="ctr"/>
+            <a:r>
+              <a:rPr lang="en-US" sz="1400" smtClean="0">
+                <a:solidFill>
+                  <a:schemeClr val="accent6"/>
+                </a:solidFill>
+                <a:latin typeface="Bahnschrift Light" panose="020B0502040204020203" pitchFamily="34" charset="0"/>
+              </a:rPr>
+              <a:t>IT19A1B: LẬP TRÌNH MÃ NGUỒN MỞ</a:t>
+            </a:r>
+            <a:endParaRPr lang="en-US" sz="1400">
+              <a:solidFill>
+                <a:schemeClr val="accent6"/>
+              </a:solidFill>
+              <a:latin typeface="Bahnschrift Light" panose="020B0502040204020203" pitchFamily="34" charset="0"/>
+            </a:endParaRPr>
+          </a:p>
+        </p:txBody>
+      </p:sp>
+    </p:spTree>
+    <p:extLst>
+      <p:ext uri="{BB962C8B-B14F-4D97-AF65-F5344CB8AC3E}">
+        <p14:creationId xmlns:p14="http://schemas.microsoft.com/office/powerpoint/2010/main" val="88559871"/>
+      </p:ext>
+    </p:extLst>
+  </p:cSld>
+  <p:clrMapOvr>
+    <a:masterClrMapping/>
+  </p:clrMapOvr>
+</p:sld>
+</file>
+
+<file path=ppt/slides/slide2.xml><?xml version="1.0" encoding="utf-8"?>
+<p:sld xmlns:a="http://schemas.openxmlformats.org/drawingml/2006/main" xmlns:r="http://schemas.openxmlformats.org/officeDocument/2006/relationships" xmlns:p="http://schemas.openxmlformats.org/presentationml/2006/main">
+  <p:cSld>
+    <p:spTree>
+      <p:nvGrpSpPr>
+        <p:cNvPr id="1" name=""/>
+        <p:cNvGrpSpPr/>
+        <p:nvPr/>
+      </p:nvGrpSpPr>
+      <p:grpSpPr>
+        <a:xfrm>
+          <a:off x="0" y="0"/>
+          <a:ext cx="0" cy="0"/>
+          <a:chOff x="0" y="0"/>
+          <a:chExt cx="0" cy="0"/>
+        </a:xfrm>
+      </p:grpSpPr>
+      <p:sp>
+        <p:nvSpPr>
+          <p:cNvPr id="2" name="Tiêu đề 1">
+            <a:extLst>
+              <a:ext uri="{FF2B5EF4-FFF2-40B4-BE49-F238E27FC236}">
+                <a16:creationId xmlns:a16="http://schemas.microsoft.com/office/drawing/2014/main" xmlns="" id="{E22F6ABE-4870-48E3-AE47-ED2EA02CC6AD}"/>
+              </a:ext>
+            </a:extLst>
+          </p:cNvPr>
+          <p:cNvSpPr>
+            <a:spLocks noGrp="1"/>
+          </p:cNvSpPr>
+          <p:nvPr>
+            <p:ph type="title"/>
+          </p:nvPr>
+        </p:nvSpPr>
+        <p:spPr/>
+        <p:txBody>
+          <a:bodyPr rtlCol="0"/>
+          <a:lstStyle/>
+          <a:p>
+            <a:pPr rtl="0"/>
+            <a:r>
+              <a:rPr lang="en-US" smtClean="0"/>
+              <a:t>USE-CASE</a:t>
+            </a:r>
+            <a:endParaRPr lang="vi-VN" dirty="0"/>
+          </a:p>
+        </p:txBody>
+      </p:sp>
+      <p:sp>
+        <p:nvSpPr>
+          <p:cNvPr id="3" name="Chỗ dành sẵn cho Số hiệu Bản chiếu 2">
+            <a:extLst>
+              <a:ext uri="{FF2B5EF4-FFF2-40B4-BE49-F238E27FC236}">
+                <a16:creationId xmlns:a16="http://schemas.microsoft.com/office/drawing/2014/main" xmlns="" id="{CBC537DE-195A-4043-B5BF-124CAA94D18D}"/>
+              </a:ext>
+            </a:extLst>
+          </p:cNvPr>
+          <p:cNvSpPr>
+            <a:spLocks noGrp="1"/>
+          </p:cNvSpPr>
+          <p:nvPr>
+            <p:ph type="sldNum" sz="quarter" idx="12"/>
+          </p:nvPr>
+        </p:nvSpPr>
+        <p:spPr/>
+        <p:txBody>
+          <a:bodyPr rtlCol="0"/>
+          <a:lstStyle/>
+          <a:p>
+            <a:pPr rtl="0"/>
+            <a:fld id="{F470E458-E7C2-4395-B75D-476A174CEE45}" type="slidenum">
+              <a:rPr lang="vi-VN" smtClean="0"/>
+              <a:t>2</a:t>
+            </a:fld>
+            <a:endParaRPr lang="vi-VN" dirty="0"/>
+          </a:p>
+        </p:txBody>
+      </p:sp>
+      <p:pic>
+        <p:nvPicPr>
+          <p:cNvPr id="24" name="Ảnh 23"/>
+          <p:cNvPicPr>
+            <a:picLocks noChangeAspect="1"/>
+          </p:cNvPicPr>
+          <p:nvPr/>
+        </p:nvPicPr>
+        <p:blipFill>
+          <a:blip r:embed="rId3"/>
+          <a:stretch>
+            <a:fillRect/>
+          </a:stretch>
+        </p:blipFill>
+        <p:spPr>
+          <a:xfrm>
+            <a:off x="831721" y="1601876"/>
+            <a:ext cx="10528570" cy="4944989"/>
+          </a:xfrm>
+          <a:prstGeom prst="rect">
+            <a:avLst/>
+          </a:prstGeom>
+        </p:spPr>
+      </p:pic>
+    </p:spTree>
+    <p:extLst>
+      <p:ext uri="{BB962C8B-B14F-4D97-AF65-F5344CB8AC3E}">
+        <p14:creationId xmlns:p14="http://schemas.microsoft.com/office/powerpoint/2010/main" val="2294329924"/>
+      </p:ext>
+    </p:extLst>
+  </p:cSld>
+  <p:clrMapOvr>
+    <a:masterClrMapping/>
+  </p:clrMapOvr>
+</p:sld>
+</file>
+
+<file path=ppt/slides/slide3.xml><?xml version="1.0" encoding="utf-8"?>
+<p:sld xmlns:a="http://schemas.openxmlformats.org/drawingml/2006/main" xmlns:r="http://schemas.openxmlformats.org/officeDocument/2006/relationships" xmlns:p="http://schemas.openxmlformats.org/presentationml/2006/main">
+  <p:cSld>
+    <p:spTree>
+      <p:nvGrpSpPr>
+        <p:cNvPr id="1" name=""/>
+        <p:cNvGrpSpPr/>
+        <p:nvPr/>
+      </p:nvGrpSpPr>
+      <p:grpSpPr>
+        <a:xfrm>
+          <a:off x="0" y="0"/>
+          <a:ext cx="0" cy="0"/>
+          <a:chOff x="0" y="0"/>
+          <a:chExt cx="0" cy="0"/>
+        </a:xfrm>
+      </p:grpSpPr>
+      <p:sp>
+        <p:nvSpPr>
+          <p:cNvPr id="2" name="Tiêu đề 1">
+            <a:extLst>
+              <a:ext uri="{FF2B5EF4-FFF2-40B4-BE49-F238E27FC236}">
+                <a16:creationId xmlns:a16="http://schemas.microsoft.com/office/drawing/2014/main" xmlns="" id="{E22F6ABE-4870-48E3-AE47-ED2EA02CC6AD}"/>
+              </a:ext>
+            </a:extLst>
+          </p:cNvPr>
+          <p:cNvSpPr>
+            <a:spLocks noGrp="1"/>
+          </p:cNvSpPr>
+          <p:nvPr>
+            <p:ph type="title"/>
+          </p:nvPr>
+        </p:nvSpPr>
+        <p:spPr/>
+        <p:txBody>
+          <a:bodyPr rtlCol="0"/>
+          <a:lstStyle/>
+          <a:p>
+            <a:pPr rtl="0"/>
+            <a:r>
+              <a:rPr lang="en-US" smtClean="0"/>
+              <a:t>USE-CASE</a:t>
+            </a:r>
+            <a:endParaRPr lang="vi-VN" dirty="0"/>
+          </a:p>
+        </p:txBody>
+      </p:sp>
+      <p:sp>
+        <p:nvSpPr>
+          <p:cNvPr id="3" name="Chỗ dành sẵn cho Số hiệu Bản chiếu 2">
+            <a:extLst>
+              <a:ext uri="{FF2B5EF4-FFF2-40B4-BE49-F238E27FC236}">
+                <a16:creationId xmlns:a16="http://schemas.microsoft.com/office/drawing/2014/main" xmlns="" id="{CBC537DE-195A-4043-B5BF-124CAA94D18D}"/>
+              </a:ext>
+            </a:extLst>
+          </p:cNvPr>
+          <p:cNvSpPr>
+            <a:spLocks noGrp="1"/>
+          </p:cNvSpPr>
+          <p:nvPr>
+            <p:ph type="sldNum" sz="quarter" idx="12"/>
+          </p:nvPr>
+        </p:nvSpPr>
+        <p:spPr/>
+        <p:txBody>
+          <a:bodyPr rtlCol="0"/>
+          <a:lstStyle/>
+          <a:p>
+            <a:pPr rtl="0"/>
+            <a:fld id="{F470E458-E7C2-4395-B75D-476A174CEE45}" type="slidenum">
+              <a:rPr lang="vi-VN" smtClean="0"/>
+              <a:t>3</a:t>
+            </a:fld>
+            <a:endParaRPr lang="vi-VN" dirty="0"/>
+          </a:p>
+        </p:txBody>
+      </p:sp>
+      <p:sp>
+        <p:nvSpPr>
+          <p:cNvPr id="23" name="Chỗ dành sẵn cho Hình ảnh 22"/>
+          <p:cNvSpPr>
+            <a:spLocks noGrp="1"/>
+          </p:cNvSpPr>
+          <p:nvPr>
+            <p:ph type="pic" sz="quarter" idx="73"/>
+          </p:nvPr>
+        </p:nvSpPr>
+        <p:spPr/>
+      </p:sp>
+      <p:sp>
+        <p:nvSpPr>
+          <p:cNvPr id="24" name="Chỗ dành sẵn cho Hình ảnh 23"/>
+          <p:cNvSpPr>
+            <a:spLocks noGrp="1"/>
+          </p:cNvSpPr>
+          <p:nvPr>
+            <p:ph type="pic" sz="quarter" idx="74"/>
+          </p:nvPr>
+        </p:nvSpPr>
+        <p:spPr/>
+      </p:sp>
+      <p:sp>
+        <p:nvSpPr>
+          <p:cNvPr id="25" name="Chỗ dành sẵn cho Hình ảnh 24"/>
+          <p:cNvSpPr>
+            <a:spLocks noGrp="1"/>
+          </p:cNvSpPr>
+          <p:nvPr>
+            <p:ph type="pic" sz="quarter" idx="75"/>
+          </p:nvPr>
+        </p:nvSpPr>
+        <p:spPr/>
+      </p:sp>
+      <p:pic>
+        <p:nvPicPr>
+          <p:cNvPr id="6" name="Ảnh 5"/>
+          <p:cNvPicPr>
+            <a:picLocks noChangeAspect="1"/>
+          </p:cNvPicPr>
+          <p:nvPr/>
+        </p:nvPicPr>
+        <p:blipFill>
+          <a:blip r:embed="rId3"/>
+          <a:stretch>
+            <a:fillRect/>
+          </a:stretch>
+        </p:blipFill>
+        <p:spPr>
+          <a:xfrm>
+            <a:off x="1295478" y="1600631"/>
+            <a:ext cx="9629775" cy="5017762"/>
+          </a:xfrm>
+          <a:prstGeom prst="rect">
+            <a:avLst/>
+          </a:prstGeom>
+        </p:spPr>
+      </p:pic>
+    </p:spTree>
+    <p:extLst>
+      <p:ext uri="{BB962C8B-B14F-4D97-AF65-F5344CB8AC3E}">
+        <p14:creationId xmlns:p14="http://schemas.microsoft.com/office/powerpoint/2010/main" val="3730788683"/>
+      </p:ext>
+    </p:extLst>
+  </p:cSld>
+  <p:clrMapOvr>
+    <a:masterClrMapping/>
+  </p:clrMapOvr>
+</p:sld>
+</file>
+
+<file path=ppt/slides/slide4.xml><?xml version="1.0" encoding="utf-8"?>
+<p:sld xmlns:a="http://schemas.openxmlformats.org/drawingml/2006/main" xmlns:r="http://schemas.openxmlformats.org/officeDocument/2006/relationships" xmlns:p="http://schemas.openxmlformats.org/presentationml/2006/main">
+  <p:cSld>
+    <p:spTree>
+      <p:nvGrpSpPr>
+        <p:cNvPr id="1" name=""/>
+        <p:cNvGrpSpPr/>
+        <p:nvPr/>
+      </p:nvGrpSpPr>
+      <p:grpSpPr>
+        <a:xfrm>
+          <a:off x="0" y="0"/>
+          <a:ext cx="0" cy="0"/>
+          <a:chOff x="0" y="0"/>
+          <a:chExt cx="0" cy="0"/>
+        </a:xfrm>
+      </p:grpSpPr>
+      <p:sp>
+        <p:nvSpPr>
+          <p:cNvPr id="2" name="Tiêu đề 1">
+            <a:extLst>
+              <a:ext uri="{FF2B5EF4-FFF2-40B4-BE49-F238E27FC236}">
+                <a16:creationId xmlns:a16="http://schemas.microsoft.com/office/drawing/2014/main" xmlns="" id="{E22F6ABE-4870-48E3-AE47-ED2EA02CC6AD}"/>
+              </a:ext>
+            </a:extLst>
+          </p:cNvPr>
+          <p:cNvSpPr>
+            <a:spLocks noGrp="1"/>
+          </p:cNvSpPr>
+          <p:nvPr>
+            <p:ph type="title"/>
+          </p:nvPr>
+        </p:nvSpPr>
+        <p:spPr/>
+        <p:txBody>
+          <a:bodyPr rtlCol="0"/>
+          <a:lstStyle/>
+          <a:p>
+            <a:pPr rtl="0"/>
+            <a:r>
+              <a:rPr lang="en-US" smtClean="0"/>
+              <a:t>USE-CASE</a:t>
+            </a:r>
+            <a:endParaRPr lang="vi-VN" dirty="0"/>
+          </a:p>
+        </p:txBody>
+      </p:sp>
+      <p:sp>
+        <p:nvSpPr>
+          <p:cNvPr id="3" name="Chỗ dành sẵn cho Số hiệu Bản chiếu 2">
+            <a:extLst>
+              <a:ext uri="{FF2B5EF4-FFF2-40B4-BE49-F238E27FC236}">
+                <a16:creationId xmlns:a16="http://schemas.microsoft.com/office/drawing/2014/main" xmlns="" id="{CBC537DE-195A-4043-B5BF-124CAA94D18D}"/>
+              </a:ext>
+            </a:extLst>
+          </p:cNvPr>
+          <p:cNvSpPr>
+            <a:spLocks noGrp="1"/>
+          </p:cNvSpPr>
+          <p:nvPr>
+            <p:ph type="sldNum" sz="quarter" idx="12"/>
+          </p:nvPr>
+        </p:nvSpPr>
+        <p:spPr/>
+        <p:txBody>
+          <a:bodyPr rtlCol="0"/>
+          <a:lstStyle/>
+          <a:p>
+            <a:pPr rtl="0"/>
+            <a:fld id="{F470E458-E7C2-4395-B75D-476A174CEE45}" type="slidenum">
+              <a:rPr lang="vi-VN" smtClean="0"/>
+              <a:t>4</a:t>
+            </a:fld>
+            <a:endParaRPr lang="vi-VN" dirty="0"/>
+          </a:p>
+        </p:txBody>
+      </p:sp>
+      <p:sp>
+        <p:nvSpPr>
+          <p:cNvPr id="28" name="Chỗ dành sẵn cho Hình ảnh 27"/>
+          <p:cNvSpPr>
+            <a:spLocks noGrp="1"/>
+          </p:cNvSpPr>
+          <p:nvPr>
+            <p:ph type="pic" sz="quarter" idx="74"/>
+          </p:nvPr>
+        </p:nvSpPr>
+        <p:spPr/>
+      </p:sp>
+      <p:pic>
+        <p:nvPicPr>
+          <p:cNvPr id="4" name="Ảnh 3"/>
+          <p:cNvPicPr>
+            <a:picLocks noChangeAspect="1"/>
+          </p:cNvPicPr>
+          <p:nvPr/>
+        </p:nvPicPr>
+        <p:blipFill>
+          <a:blip r:embed="rId3"/>
+          <a:stretch>
+            <a:fillRect/>
+          </a:stretch>
+        </p:blipFill>
+        <p:spPr>
+          <a:xfrm>
+            <a:off x="2710123" y="1587127"/>
+            <a:ext cx="6771766" cy="4877566"/>
+          </a:xfrm>
+          <a:prstGeom prst="rect">
+            <a:avLst/>
+          </a:prstGeom>
+        </p:spPr>
+      </p:pic>
+    </p:spTree>
+    <p:extLst>
+      <p:ext uri="{BB962C8B-B14F-4D97-AF65-F5344CB8AC3E}">
+        <p14:creationId xmlns:p14="http://schemas.microsoft.com/office/powerpoint/2010/main" val="3217824344"/>
+      </p:ext>
+    </p:extLst>
+  </p:cSld>
+  <p:clrMapOvr>
+    <a:masterClrMapping/>
+  </p:clrMapOvr>
+</p:sld>
+</file>
+
+<file path=ppt/slides/slide5.xml><?xml version="1.0" encoding="utf-8"?>
+<p:sld xmlns:a="http://schemas.openxmlformats.org/drawingml/2006/main" xmlns:r="http://schemas.openxmlformats.org/officeDocument/2006/relationships" xmlns:p="http://schemas.openxmlformats.org/presentationml/2006/main">
+  <p:cSld>
+    <p:spTree>
+      <p:nvGrpSpPr>
+        <p:cNvPr id="1" name=""/>
+        <p:cNvGrpSpPr/>
+        <p:nvPr/>
+      </p:nvGrpSpPr>
+      <p:grpSpPr>
+        <a:xfrm>
+          <a:off x="0" y="0"/>
+          <a:ext cx="0" cy="0"/>
+          <a:chOff x="0" y="0"/>
+          <a:chExt cx="0" cy="0"/>
+        </a:xfrm>
+      </p:grpSpPr>
+      <p:sp>
+        <p:nvSpPr>
+          <p:cNvPr id="2" name="Tiêu đề 1">
+            <a:extLst>
+              <a:ext uri="{FF2B5EF4-FFF2-40B4-BE49-F238E27FC236}">
+                <a16:creationId xmlns:a16="http://schemas.microsoft.com/office/drawing/2014/main" xmlns="" id="{E22F6ABE-4870-48E3-AE47-ED2EA02CC6AD}"/>
+              </a:ext>
+            </a:extLst>
+          </p:cNvPr>
+          <p:cNvSpPr>
+            <a:spLocks noGrp="1"/>
+          </p:cNvSpPr>
+          <p:nvPr>
+            <p:ph type="title"/>
+          </p:nvPr>
+        </p:nvSpPr>
+        <p:spPr/>
+        <p:txBody>
+          <a:bodyPr rtlCol="0"/>
+          <a:lstStyle/>
+          <a:p>
+            <a:pPr rtl="0"/>
+            <a:r>
+              <a:rPr lang="en-US" smtClean="0"/>
+              <a:t>ERD</a:t>
+            </a:r>
+            <a:endParaRPr lang="vi-VN" dirty="0"/>
+          </a:p>
+        </p:txBody>
+      </p:sp>
+      <p:sp>
+        <p:nvSpPr>
+          <p:cNvPr id="3" name="Chỗ dành sẵn cho Số hiệu Bản chiếu 2">
+            <a:extLst>
+              <a:ext uri="{FF2B5EF4-FFF2-40B4-BE49-F238E27FC236}">
+                <a16:creationId xmlns:a16="http://schemas.microsoft.com/office/drawing/2014/main" xmlns="" id="{CBC537DE-195A-4043-B5BF-124CAA94D18D}"/>
+              </a:ext>
+            </a:extLst>
+          </p:cNvPr>
+          <p:cNvSpPr>
+            <a:spLocks noGrp="1"/>
+          </p:cNvSpPr>
+          <p:nvPr>
+            <p:ph type="sldNum" sz="quarter" idx="12"/>
+          </p:nvPr>
+        </p:nvSpPr>
+        <p:spPr/>
+        <p:txBody>
+          <a:bodyPr rtlCol="0"/>
+          <a:lstStyle/>
+          <a:p>
+            <a:pPr rtl="0"/>
+            <a:fld id="{F470E458-E7C2-4395-B75D-476A174CEE45}" type="slidenum">
+              <a:rPr lang="vi-VN" smtClean="0"/>
+              <a:t>5</a:t>
+            </a:fld>
+            <a:endParaRPr lang="vi-VN" dirty="0"/>
+          </a:p>
+        </p:txBody>
+      </p:sp>
+      <p:pic>
+        <p:nvPicPr>
+          <p:cNvPr id="5" name="Ảnh 4"/>
+          <p:cNvPicPr>
+            <a:picLocks noChangeAspect="1"/>
+          </p:cNvPicPr>
+          <p:nvPr/>
+        </p:nvPicPr>
+        <p:blipFill>
+          <a:blip r:embed="rId3"/>
+          <a:stretch>
+            <a:fillRect/>
+          </a:stretch>
+        </p:blipFill>
+        <p:spPr>
+          <a:xfrm>
+            <a:off x="805605" y="2141596"/>
+            <a:ext cx="10604033" cy="2747409"/>
+          </a:xfrm>
+          <a:prstGeom prst="rect">
+            <a:avLst/>
+          </a:prstGeom>
+        </p:spPr>
+      </p:pic>
+    </p:spTree>
+    <p:extLst>
+      <p:ext uri="{BB962C8B-B14F-4D97-AF65-F5344CB8AC3E}">
+        <p14:creationId xmlns:p14="http://schemas.microsoft.com/office/powerpoint/2010/main" val="433307003"/>
+      </p:ext>
+    </p:extLst>
+  </p:cSld>
+  <p:clrMapOvr>
+    <a:masterClrMapping/>
+  </p:clrMapOvr>
+</p:sld>
+</file>
+
+<file path=ppt/slides/slide6.xml><?xml version="1.0" encoding="utf-8"?>
+<p:sld xmlns:a="http://schemas.openxmlformats.org/drawingml/2006/main" xmlns:r="http://schemas.openxmlformats.org/officeDocument/2006/relationships" xmlns:p="http://schemas.openxmlformats.org/presentationml/2006/main">
+  <p:cSld>
+    <p:spTree>
+      <p:nvGrpSpPr>
+        <p:cNvPr id="1" name=""/>
+        <p:cNvGrpSpPr/>
+        <p:nvPr/>
+      </p:nvGrpSpPr>
+      <p:grpSpPr>
+        <a:xfrm>
+          <a:off x="0" y="0"/>
+          <a:ext cx="0" cy="0"/>
+          <a:chOff x="0" y="0"/>
+          <a:chExt cx="0" cy="0"/>
+        </a:xfrm>
+      </p:grpSpPr>
+      <p:sp>
+        <p:nvSpPr>
+          <p:cNvPr id="2" name="Tiêu đề 1">
+            <a:extLst>
+              <a:ext uri="{FF2B5EF4-FFF2-40B4-BE49-F238E27FC236}">
+                <a16:creationId xmlns:a16="http://schemas.microsoft.com/office/drawing/2014/main" xmlns="" id="{5E6BA8EF-BB79-496B-BDCB-D7B0EA27E9B2}"/>
+              </a:ext>
+            </a:extLst>
+          </p:cNvPr>
+          <p:cNvSpPr>
+            <a:spLocks noGrp="1"/>
+          </p:cNvSpPr>
+          <p:nvPr>
+            <p:ph type="title"/>
+          </p:nvPr>
+        </p:nvSpPr>
+        <p:spPr/>
+        <p:txBody>
+          <a:bodyPr rtlCol="0"/>
+          <a:lstStyle/>
+          <a:p>
+            <a:pPr rtl="0"/>
+            <a:r>
+              <a:rPr lang="en-US" smtClean="0"/>
+              <a:t>TIMELINE</a:t>
+            </a:r>
+            <a:endParaRPr lang="vi-VN" dirty="0"/>
+          </a:p>
+        </p:txBody>
+      </p:sp>
+      <p:sp>
+        <p:nvSpPr>
+          <p:cNvPr id="4" name="Tiêu đề phụ 3">
+            <a:extLst>
+              <a:ext uri="{FF2B5EF4-FFF2-40B4-BE49-F238E27FC236}">
+                <a16:creationId xmlns:a16="http://schemas.microsoft.com/office/drawing/2014/main" xmlns="" id="{AC5FF02E-6EA5-485E-9ACC-BE0A77CACFDB}"/>
+              </a:ext>
+            </a:extLst>
+          </p:cNvPr>
+          <p:cNvSpPr>
+            <a:spLocks noGrp="1"/>
+          </p:cNvSpPr>
+          <p:nvPr>
+            <p:ph type="subTitle" idx="15"/>
+          </p:nvPr>
+        </p:nvSpPr>
+        <p:spPr/>
+        <p:txBody>
+          <a:bodyPr rtlCol="0"/>
+          <a:lstStyle/>
+          <a:p>
+            <a:pPr rtl="0"/>
+            <a:endParaRPr lang="vi-VN" dirty="0"/>
+          </a:p>
+        </p:txBody>
+      </p:sp>
+      <p:sp>
+        <p:nvSpPr>
+          <p:cNvPr id="8" name="Chỗ dành sẵn cho Văn bản 7">
+            <a:extLst>
+              <a:ext uri="{FF2B5EF4-FFF2-40B4-BE49-F238E27FC236}">
+                <a16:creationId xmlns:a16="http://schemas.microsoft.com/office/drawing/2014/main" xmlns="" id="{822EAD1C-2E2B-45B8-AC27-3017CA0A5E44}"/>
+              </a:ext>
+            </a:extLst>
+          </p:cNvPr>
+          <p:cNvSpPr>
+            <a:spLocks noGrp="1"/>
+          </p:cNvSpPr>
+          <p:nvPr>
+            <p:ph type="body" sz="half" idx="42"/>
+          </p:nvPr>
+        </p:nvSpPr>
+        <p:spPr>
+          <a:xfrm>
+            <a:off x="1154679" y="2764009"/>
+            <a:ext cx="1106424" cy="314428"/>
+          </a:xfrm>
+        </p:spPr>
+        <p:txBody>
+          <a:bodyPr rtlCol="0"/>
+          <a:lstStyle/>
+          <a:p>
+            <a:pPr rtl="0"/>
+            <a:r>
+              <a:rPr lang="en-US" smtClean="0"/>
+              <a:t>2</a:t>
+            </a:r>
+            <a:endParaRPr lang="vi-VN" dirty="0"/>
+          </a:p>
+        </p:txBody>
+      </p:sp>
+      <p:sp>
+        <p:nvSpPr>
+          <p:cNvPr id="9" name="Chỗ dành sẵn cho Văn bản 8">
+            <a:extLst>
+              <a:ext uri="{FF2B5EF4-FFF2-40B4-BE49-F238E27FC236}">
+                <a16:creationId xmlns:a16="http://schemas.microsoft.com/office/drawing/2014/main" xmlns="" id="{C25A7720-FC34-4F1B-8D65-70BB3089B846}"/>
+              </a:ext>
+            </a:extLst>
+          </p:cNvPr>
+          <p:cNvSpPr>
+            <a:spLocks noGrp="1"/>
+          </p:cNvSpPr>
+          <p:nvPr>
+            <p:ph type="body" sz="half" idx="43"/>
+          </p:nvPr>
+        </p:nvSpPr>
+        <p:spPr>
+          <a:xfrm>
+            <a:off x="1154679" y="3006922"/>
+            <a:ext cx="1106424" cy="314427"/>
+          </a:xfrm>
+        </p:spPr>
+        <p:txBody>
+          <a:bodyPr rtlCol="0"/>
+          <a:lstStyle/>
+          <a:p>
+            <a:pPr rtl="0"/>
+            <a:r>
+              <a:rPr lang="en-US" smtClean="0"/>
+              <a:t>Thg 12</a:t>
+            </a:r>
+            <a:endParaRPr lang="vi-VN" dirty="0"/>
+          </a:p>
+        </p:txBody>
+      </p:sp>
+      <p:sp>
+        <p:nvSpPr>
+          <p:cNvPr id="7" name="Chỗ dành sẵn cho Văn bản 6">
+            <a:extLst>
+              <a:ext uri="{FF2B5EF4-FFF2-40B4-BE49-F238E27FC236}">
+                <a16:creationId xmlns:a16="http://schemas.microsoft.com/office/drawing/2014/main" xmlns="" id="{477292B3-2F30-41D9-B605-ABFC370B7891}"/>
+              </a:ext>
+            </a:extLst>
+          </p:cNvPr>
+          <p:cNvSpPr>
+            <a:spLocks noGrp="1"/>
+          </p:cNvSpPr>
+          <p:nvPr>
+            <p:ph type="body" sz="half" idx="34"/>
+          </p:nvPr>
+        </p:nvSpPr>
+        <p:spPr/>
+        <p:txBody>
+          <a:bodyPr rtlCol="0">
+            <a:normAutofit fontScale="92500"/>
+          </a:bodyPr>
+          <a:lstStyle/>
+          <a:p>
+            <a:pPr rtl="0"/>
+            <a:r>
+              <a:rPr lang="en-US" smtClean="0"/>
+              <a:t>Khởi tạo dự án</a:t>
+            </a:r>
+            <a:endParaRPr lang="vi-VN" dirty="0"/>
+          </a:p>
+        </p:txBody>
+      </p:sp>
+      <p:sp>
+        <p:nvSpPr>
+          <p:cNvPr id="6" name="Chỗ dành sẵn cho Văn bản 5">
+            <a:extLst>
+              <a:ext uri="{FF2B5EF4-FFF2-40B4-BE49-F238E27FC236}">
+                <a16:creationId xmlns:a16="http://schemas.microsoft.com/office/drawing/2014/main" xmlns="" id="{DC771A6E-8BBB-4F0C-A3C5-12B90C51FD92}"/>
+              </a:ext>
+            </a:extLst>
+          </p:cNvPr>
+          <p:cNvSpPr>
+            <a:spLocks noGrp="1"/>
+          </p:cNvSpPr>
+          <p:nvPr>
+            <p:ph type="body" sz="half" idx="2"/>
+          </p:nvPr>
+        </p:nvSpPr>
+        <p:spPr>
+          <a:xfrm>
+            <a:off x="859129" y="4083691"/>
+            <a:ext cx="1728216" cy="1234930"/>
+          </a:xfrm>
+        </p:spPr>
+        <p:txBody>
+          <a:bodyPr rtlCol="0">
+            <a:normAutofit fontScale="70000" lnSpcReduction="20000"/>
+          </a:bodyPr>
+          <a:lstStyle/>
+          <a:p>
+            <a:r>
+              <a:rPr lang="en-US" b="1"/>
+              <a:t>Lực: </a:t>
+            </a:r>
+            <a:r>
+              <a:rPr lang="en-US"/>
+              <a:t>Tạo </a:t>
+            </a:r>
+            <a:r>
+              <a:rPr lang="en-US" smtClean="0"/>
+              <a:t>Git repository</a:t>
+            </a:r>
+          </a:p>
+          <a:p>
+            <a:r>
+              <a:rPr lang="en-US" b="1"/>
+              <a:t>Lực: </a:t>
+            </a:r>
+            <a:r>
+              <a:rPr lang="en-US" smtClean="0"/>
+              <a:t>Phân chia công việc</a:t>
+            </a:r>
+          </a:p>
+          <a:p>
+            <a:r>
+              <a:rPr lang="en-US" b="1"/>
+              <a:t>Lực: </a:t>
+            </a:r>
+            <a:r>
+              <a:rPr lang="en-US" smtClean="0"/>
+              <a:t>Trình bày tính năng sơ đồ use-case</a:t>
+            </a:r>
+          </a:p>
+          <a:p>
+            <a:r>
+              <a:rPr lang="en-US" b="1"/>
+              <a:t>Lực: </a:t>
+            </a:r>
+            <a:r>
+              <a:rPr lang="en-US" smtClean="0"/>
+              <a:t>Trình bày sơ đồ ERD</a:t>
+            </a:r>
+          </a:p>
+        </p:txBody>
+      </p:sp>
+      <p:sp>
+        <p:nvSpPr>
+          <p:cNvPr id="21" name="Chỗ dành sẵn cho Văn bản 20">
+            <a:extLst>
+              <a:ext uri="{FF2B5EF4-FFF2-40B4-BE49-F238E27FC236}">
+                <a16:creationId xmlns:a16="http://schemas.microsoft.com/office/drawing/2014/main" xmlns="" id="{39B0401A-1AD7-428B-8650-C1CF85C4A716}"/>
+              </a:ext>
+            </a:extLst>
+          </p:cNvPr>
+          <p:cNvSpPr>
+            <a:spLocks noGrp="1"/>
+          </p:cNvSpPr>
+          <p:nvPr>
+            <p:ph type="body" sz="half" idx="60"/>
+          </p:nvPr>
+        </p:nvSpPr>
+        <p:spPr/>
+        <p:txBody>
+          <a:bodyPr rtlCol="0">
+            <a:normAutofit/>
+          </a:bodyPr>
+          <a:lstStyle/>
+          <a:p>
+            <a:pPr rtl="0"/>
+            <a:r>
+              <a:rPr lang="en-US" smtClean="0"/>
+              <a:t>Tạo models</a:t>
+            </a:r>
+            <a:endParaRPr lang="vi-VN" dirty="0"/>
+          </a:p>
+        </p:txBody>
+      </p:sp>
+      <p:sp>
+        <p:nvSpPr>
+          <p:cNvPr id="20" name="Chỗ dành sẵn cho Văn bản 19">
+            <a:extLst>
+              <a:ext uri="{FF2B5EF4-FFF2-40B4-BE49-F238E27FC236}">
+                <a16:creationId xmlns:a16="http://schemas.microsoft.com/office/drawing/2014/main" xmlns="" id="{2B7C69F6-DEB5-477D-8357-29FA66FE78C3}"/>
+              </a:ext>
+            </a:extLst>
+          </p:cNvPr>
+          <p:cNvSpPr>
+            <a:spLocks noGrp="1"/>
+          </p:cNvSpPr>
+          <p:nvPr>
+            <p:ph type="body" sz="half" idx="59"/>
+          </p:nvPr>
+        </p:nvSpPr>
+        <p:spPr/>
+        <p:txBody>
+          <a:bodyPr rtlCol="0">
+            <a:normAutofit fontScale="77500" lnSpcReduction="20000"/>
+          </a:bodyPr>
+          <a:lstStyle/>
+          <a:p>
+            <a:r>
+              <a:rPr lang="en-US" b="1"/>
+              <a:t>Lực: </a:t>
+            </a:r>
+            <a:r>
+              <a:rPr lang="en-US" smtClean="0"/>
+              <a:t>Tạo các models theo sơ đồ ERD</a:t>
+            </a:r>
+          </a:p>
+          <a:p>
+            <a:r>
+              <a:rPr lang="en-US" b="1"/>
+              <a:t>Lực: </a:t>
+            </a:r>
+            <a:r>
+              <a:rPr lang="en-US" smtClean="0"/>
+              <a:t>Ràng buộc thuộc tính và các mối quan hệ</a:t>
+            </a:r>
+          </a:p>
+          <a:p>
+            <a:r>
+              <a:rPr lang="en-US" b="1"/>
+              <a:t>Lực: </a:t>
+            </a:r>
+            <a:r>
+              <a:rPr lang="en-US" smtClean="0"/>
+              <a:t>Kết nối với mongoose database</a:t>
+            </a:r>
+          </a:p>
+        </p:txBody>
+      </p:sp>
+      <p:sp>
+        <p:nvSpPr>
+          <p:cNvPr id="23" name="Chỗ dành sẵn cho Văn bản 22">
+            <a:extLst>
+              <a:ext uri="{FF2B5EF4-FFF2-40B4-BE49-F238E27FC236}">
+                <a16:creationId xmlns:a16="http://schemas.microsoft.com/office/drawing/2014/main" xmlns="" id="{12A8ED58-9C37-4635-8248-4C2FB626D0ED}"/>
+              </a:ext>
+            </a:extLst>
+          </p:cNvPr>
+          <p:cNvSpPr>
+            <a:spLocks noGrp="1"/>
+          </p:cNvSpPr>
+          <p:nvPr>
+            <p:ph type="body" sz="half" idx="62"/>
+          </p:nvPr>
+        </p:nvSpPr>
+        <p:spPr/>
+        <p:txBody>
+          <a:bodyPr rtlCol="0">
+            <a:normAutofit/>
+          </a:bodyPr>
+          <a:lstStyle/>
+          <a:p>
+            <a:pPr rtl="0"/>
+            <a:r>
+              <a:rPr lang="en-US" smtClean="0"/>
+              <a:t>Tạo API</a:t>
+            </a:r>
+            <a:endParaRPr lang="vi-VN" dirty="0"/>
+          </a:p>
+        </p:txBody>
+      </p:sp>
+      <p:sp>
+        <p:nvSpPr>
+          <p:cNvPr id="22" name="Chỗ dành sẵn cho Văn bản 21">
+            <a:extLst>
+              <a:ext uri="{FF2B5EF4-FFF2-40B4-BE49-F238E27FC236}">
+                <a16:creationId xmlns:a16="http://schemas.microsoft.com/office/drawing/2014/main" xmlns="" id="{B66059B7-0D74-40D6-81EF-3DE7A9681CCB}"/>
+              </a:ext>
+            </a:extLst>
+          </p:cNvPr>
+          <p:cNvSpPr>
+            <a:spLocks noGrp="1"/>
+          </p:cNvSpPr>
+          <p:nvPr>
+            <p:ph type="body" sz="half" idx="61"/>
+          </p:nvPr>
+        </p:nvSpPr>
+        <p:spPr>
+          <a:xfrm>
+            <a:off x="5231117" y="4083690"/>
+            <a:ext cx="1728215" cy="1336467"/>
+          </a:xfrm>
+        </p:spPr>
+        <p:txBody>
+          <a:bodyPr rtlCol="0">
+            <a:normAutofit fontScale="77500" lnSpcReduction="20000"/>
+          </a:bodyPr>
+          <a:lstStyle/>
+          <a:p>
+            <a:r>
+              <a:rPr lang="en-US" b="1"/>
+              <a:t>An : </a:t>
+            </a:r>
+            <a:r>
+              <a:rPr lang="en-US" smtClean="0"/>
+              <a:t>Tìm </a:t>
+            </a:r>
+            <a:r>
+              <a:rPr lang="en-US"/>
+              <a:t>kiếm, thêm, sửa, </a:t>
+            </a:r>
+            <a:r>
+              <a:rPr lang="en-US" smtClean="0"/>
+              <a:t>xóa phòng chat</a:t>
+            </a:r>
+          </a:p>
+          <a:p>
+            <a:r>
+              <a:rPr lang="en-US" b="1" smtClean="0"/>
+              <a:t>Vững: </a:t>
+            </a:r>
+            <a:r>
+              <a:rPr lang="en-US" smtClean="0"/>
+              <a:t>Đăng ký, đăng nhập, quên mật khẩu</a:t>
+            </a:r>
+          </a:p>
+          <a:p>
+            <a:r>
+              <a:rPr lang="en-US" b="1"/>
+              <a:t>Lực: </a:t>
+            </a:r>
+            <a:r>
+              <a:rPr lang="en-US" smtClean="0"/>
+              <a:t>Quản lý tài khoản</a:t>
+            </a:r>
+          </a:p>
+        </p:txBody>
+      </p:sp>
+      <p:sp>
+        <p:nvSpPr>
+          <p:cNvPr id="25" name="Chỗ dành sẵn cho Văn bản 24">
+            <a:extLst>
+              <a:ext uri="{FF2B5EF4-FFF2-40B4-BE49-F238E27FC236}">
+                <a16:creationId xmlns:a16="http://schemas.microsoft.com/office/drawing/2014/main" xmlns="" id="{9D1B7D3B-0CDD-4C21-A7AC-1AB6CCE181D1}"/>
+              </a:ext>
+            </a:extLst>
+          </p:cNvPr>
+          <p:cNvSpPr>
+            <a:spLocks noGrp="1"/>
+          </p:cNvSpPr>
+          <p:nvPr>
+            <p:ph type="body" sz="half" idx="64"/>
+          </p:nvPr>
+        </p:nvSpPr>
+        <p:spPr/>
+        <p:txBody>
+          <a:bodyPr rtlCol="0">
+            <a:normAutofit/>
+          </a:bodyPr>
+          <a:lstStyle/>
+          <a:p>
+            <a:pPr rtl="0"/>
+            <a:r>
+              <a:rPr lang="en-US" smtClean="0"/>
+              <a:t>Tạo views</a:t>
+            </a:r>
+            <a:endParaRPr lang="vi-VN" dirty="0"/>
+          </a:p>
+        </p:txBody>
+      </p:sp>
+      <p:sp>
+        <p:nvSpPr>
+          <p:cNvPr id="24" name="Chỗ dành sẵn cho Văn bản 23">
+            <a:extLst>
+              <a:ext uri="{FF2B5EF4-FFF2-40B4-BE49-F238E27FC236}">
+                <a16:creationId xmlns:a16="http://schemas.microsoft.com/office/drawing/2014/main" xmlns="" id="{C5D17E8B-D872-426A-850E-A358990ED3B0}"/>
+              </a:ext>
+            </a:extLst>
+          </p:cNvPr>
+          <p:cNvSpPr>
+            <a:spLocks noGrp="1"/>
+          </p:cNvSpPr>
+          <p:nvPr>
+            <p:ph type="body" sz="half" idx="63"/>
+          </p:nvPr>
+        </p:nvSpPr>
+        <p:spPr/>
+        <p:txBody>
+          <a:bodyPr rtlCol="0">
+            <a:normAutofit fontScale="77500" lnSpcReduction="20000"/>
+          </a:bodyPr>
+          <a:lstStyle/>
+          <a:p>
+            <a:r>
+              <a:rPr lang="en-US" b="1"/>
+              <a:t>An : </a:t>
+            </a:r>
+            <a:r>
+              <a:rPr lang="en-US" smtClean="0"/>
+              <a:t>Tìm </a:t>
+            </a:r>
+            <a:r>
+              <a:rPr lang="en-US"/>
+              <a:t>kiếm, thêm, sửa, </a:t>
+            </a:r>
+            <a:r>
+              <a:rPr lang="en-US" smtClean="0"/>
+              <a:t>xóa phòng chat</a:t>
+            </a:r>
+            <a:endParaRPr lang="en-US"/>
+          </a:p>
+          <a:p>
+            <a:r>
+              <a:rPr lang="en-US" b="1"/>
+              <a:t>Vững </a:t>
+            </a:r>
+            <a:r>
+              <a:rPr lang="en-US" b="1" smtClean="0"/>
+              <a:t>: </a:t>
+            </a:r>
+            <a:r>
+              <a:rPr lang="en-US" smtClean="0"/>
+              <a:t>Đăng </a:t>
+            </a:r>
+            <a:r>
+              <a:rPr lang="en-US"/>
+              <a:t>ký, đăng nhập, quên mật khẩu</a:t>
+            </a:r>
+          </a:p>
+          <a:p>
+            <a:r>
+              <a:rPr lang="en-US" b="1"/>
+              <a:t>Lực: </a:t>
+            </a:r>
+            <a:r>
+              <a:rPr lang="en-US" smtClean="0"/>
+              <a:t>Quản </a:t>
+            </a:r>
+            <a:r>
+              <a:rPr lang="en-US"/>
+              <a:t>lý tài </a:t>
+            </a:r>
+            <a:r>
+              <a:rPr lang="en-US" smtClean="0"/>
+              <a:t>khoản</a:t>
+            </a:r>
+            <a:endParaRPr lang="en-US"/>
+          </a:p>
+        </p:txBody>
+      </p:sp>
+      <p:sp>
+        <p:nvSpPr>
+          <p:cNvPr id="19" name="Chỗ dành sẵn cho Văn bản 18">
+            <a:extLst>
+              <a:ext uri="{FF2B5EF4-FFF2-40B4-BE49-F238E27FC236}">
+                <a16:creationId xmlns:a16="http://schemas.microsoft.com/office/drawing/2014/main" xmlns="" id="{B743DB92-F799-4859-B31D-2F2615C5E2B5}"/>
+              </a:ext>
+            </a:extLst>
+          </p:cNvPr>
+          <p:cNvSpPr>
+            <a:spLocks noGrp="1"/>
+          </p:cNvSpPr>
+          <p:nvPr>
+            <p:ph type="body" sz="half" idx="58"/>
+          </p:nvPr>
+        </p:nvSpPr>
+        <p:spPr/>
+        <p:txBody>
+          <a:bodyPr rtlCol="0">
+            <a:normAutofit/>
+          </a:bodyPr>
+          <a:lstStyle/>
+          <a:p>
+            <a:pPr rtl="0"/>
+            <a:r>
+              <a:rPr lang="en-US" smtClean="0"/>
+              <a:t>Testing</a:t>
+            </a:r>
+            <a:endParaRPr lang="vi-VN" dirty="0"/>
+          </a:p>
+        </p:txBody>
+      </p:sp>
+      <p:sp>
+        <p:nvSpPr>
+          <p:cNvPr id="18" name="Chỗ dành sẵn cho Văn bản 17">
+            <a:extLst>
+              <a:ext uri="{FF2B5EF4-FFF2-40B4-BE49-F238E27FC236}">
+                <a16:creationId xmlns:a16="http://schemas.microsoft.com/office/drawing/2014/main" xmlns="" id="{AEE62498-709A-48EE-B092-1921D0EAAE30}"/>
+              </a:ext>
+            </a:extLst>
+          </p:cNvPr>
+          <p:cNvSpPr>
+            <a:spLocks noGrp="1"/>
+          </p:cNvSpPr>
+          <p:nvPr>
+            <p:ph type="body" sz="half" idx="57"/>
+          </p:nvPr>
+        </p:nvSpPr>
+        <p:spPr/>
+        <p:txBody>
+          <a:bodyPr rtlCol="0"/>
+          <a:lstStyle/>
+          <a:p>
+            <a:r>
+              <a:rPr lang="en-US" smtClean="0"/>
+              <a:t>Chạy thử</a:t>
+            </a:r>
+          </a:p>
+          <a:p>
+            <a:r>
+              <a:rPr lang="en-US" smtClean="0"/>
+              <a:t>Kiểm lỗi</a:t>
+            </a:r>
+            <a:r>
+              <a:rPr lang="vi-VN" smtClean="0"/>
+              <a:t> </a:t>
+            </a:r>
+            <a:endParaRPr lang="vi-VN" dirty="0"/>
+          </a:p>
+        </p:txBody>
+      </p:sp>
+      <p:sp>
+        <p:nvSpPr>
+          <p:cNvPr id="3" name="Chỗ dành sẵn cho Số hiệu Bản chiếu 2">
+            <a:extLst>
+              <a:ext uri="{FF2B5EF4-FFF2-40B4-BE49-F238E27FC236}">
+                <a16:creationId xmlns:a16="http://schemas.microsoft.com/office/drawing/2014/main" xmlns="" id="{21E03582-55FC-48E1-AF04-61EC8D4AA900}"/>
+              </a:ext>
+            </a:extLst>
+          </p:cNvPr>
+          <p:cNvSpPr>
+            <a:spLocks noGrp="1"/>
+          </p:cNvSpPr>
+          <p:nvPr>
+            <p:ph type="sldNum" sz="quarter" idx="12"/>
+          </p:nvPr>
+        </p:nvSpPr>
+        <p:spPr/>
+        <p:txBody>
+          <a:bodyPr rtlCol="0"/>
+          <a:lstStyle/>
+          <a:p>
+            <a:pPr rtl="0"/>
+            <a:fld id="{F470E458-E7C2-4395-B75D-476A174CEE45}" type="slidenum">
+              <a:rPr lang="vi-VN" smtClean="0"/>
+              <a:t>6</a:t>
+            </a:fld>
+            <a:endParaRPr lang="vi-VN" dirty="0"/>
+          </a:p>
+        </p:txBody>
+      </p:sp>
+      <p:sp>
+        <p:nvSpPr>
+          <p:cNvPr id="36" name="Chỗ dành sẵn cho Văn bản 7">
+            <a:extLst>
+              <a:ext uri="{FF2B5EF4-FFF2-40B4-BE49-F238E27FC236}">
+                <a16:creationId xmlns:a16="http://schemas.microsoft.com/office/drawing/2014/main" xmlns="" id="{822EAD1C-2E2B-45B8-AC27-3017CA0A5E44}"/>
+              </a:ext>
+            </a:extLst>
+          </p:cNvPr>
+          <p:cNvSpPr>
+            <a:spLocks noGrp="1"/>
+          </p:cNvSpPr>
+          <p:nvPr>
+            <p:ph type="body" sz="half" idx="42"/>
+          </p:nvPr>
+        </p:nvSpPr>
+        <p:spPr>
+          <a:xfrm>
+            <a:off x="3353992" y="2791030"/>
+            <a:ext cx="1106424" cy="314428"/>
+          </a:xfrm>
+        </p:spPr>
+        <p:txBody>
+          <a:bodyPr rtlCol="0"/>
+          <a:lstStyle/>
+          <a:p>
+            <a:pPr rtl="0"/>
+            <a:r>
+              <a:rPr lang="en-US" smtClean="0"/>
+              <a:t>11</a:t>
+            </a:r>
+            <a:endParaRPr lang="vi-VN" dirty="0"/>
+          </a:p>
+        </p:txBody>
+      </p:sp>
+      <p:sp>
+        <p:nvSpPr>
+          <p:cNvPr id="37" name="Chỗ dành sẵn cho Văn bản 8">
+            <a:extLst>
+              <a:ext uri="{FF2B5EF4-FFF2-40B4-BE49-F238E27FC236}">
+                <a16:creationId xmlns:a16="http://schemas.microsoft.com/office/drawing/2014/main" xmlns="" id="{C25A7720-FC34-4F1B-8D65-70BB3089B846}"/>
+              </a:ext>
+            </a:extLst>
+          </p:cNvPr>
+          <p:cNvSpPr>
+            <a:spLocks noGrp="1"/>
+          </p:cNvSpPr>
+          <p:nvPr>
+            <p:ph type="body" sz="half" idx="43"/>
+          </p:nvPr>
+        </p:nvSpPr>
+        <p:spPr>
+          <a:xfrm>
+            <a:off x="3353992" y="3033943"/>
+            <a:ext cx="1106424" cy="314427"/>
+          </a:xfrm>
+        </p:spPr>
+        <p:txBody>
+          <a:bodyPr rtlCol="0"/>
+          <a:lstStyle/>
+          <a:p>
+            <a:pPr rtl="0"/>
+            <a:r>
+              <a:rPr lang="en-US" smtClean="0"/>
+              <a:t>Thg 12</a:t>
+            </a:r>
+            <a:endParaRPr lang="vi-VN" dirty="0"/>
+          </a:p>
+        </p:txBody>
+      </p:sp>
+      <p:sp>
+        <p:nvSpPr>
+          <p:cNvPr id="38" name="Chỗ dành sẵn cho Văn bản 7">
+            <a:extLst>
+              <a:ext uri="{FF2B5EF4-FFF2-40B4-BE49-F238E27FC236}">
+                <a16:creationId xmlns:a16="http://schemas.microsoft.com/office/drawing/2014/main" xmlns="" id="{822EAD1C-2E2B-45B8-AC27-3017CA0A5E44}"/>
+              </a:ext>
+            </a:extLst>
+          </p:cNvPr>
+          <p:cNvSpPr>
+            <a:spLocks noGrp="1"/>
+          </p:cNvSpPr>
+          <p:nvPr>
+            <p:ph type="body" sz="half" idx="42"/>
+          </p:nvPr>
+        </p:nvSpPr>
+        <p:spPr>
+          <a:xfrm>
+            <a:off x="5553305" y="2791030"/>
+            <a:ext cx="1106424" cy="314428"/>
+          </a:xfrm>
+        </p:spPr>
+        <p:txBody>
+          <a:bodyPr rtlCol="0"/>
+          <a:lstStyle/>
+          <a:p>
+            <a:pPr rtl="0"/>
+            <a:r>
+              <a:rPr lang="en-US" smtClean="0"/>
+              <a:t>12</a:t>
+            </a:r>
+            <a:endParaRPr lang="vi-VN" dirty="0"/>
+          </a:p>
+        </p:txBody>
+      </p:sp>
+      <p:sp>
+        <p:nvSpPr>
+          <p:cNvPr id="39" name="Chỗ dành sẵn cho Văn bản 8">
+            <a:extLst>
+              <a:ext uri="{FF2B5EF4-FFF2-40B4-BE49-F238E27FC236}">
+                <a16:creationId xmlns:a16="http://schemas.microsoft.com/office/drawing/2014/main" xmlns="" id="{C25A7720-FC34-4F1B-8D65-70BB3089B846}"/>
+              </a:ext>
+            </a:extLst>
+          </p:cNvPr>
+          <p:cNvSpPr>
+            <a:spLocks noGrp="1"/>
+          </p:cNvSpPr>
+          <p:nvPr>
+            <p:ph type="body" sz="half" idx="43"/>
+          </p:nvPr>
+        </p:nvSpPr>
+        <p:spPr>
+          <a:xfrm>
+            <a:off x="5553305" y="3033943"/>
+            <a:ext cx="1106424" cy="314427"/>
+          </a:xfrm>
+        </p:spPr>
+        <p:txBody>
+          <a:bodyPr rtlCol="0"/>
+          <a:lstStyle/>
+          <a:p>
+            <a:pPr rtl="0"/>
+            <a:r>
+              <a:rPr lang="en-US" smtClean="0"/>
+              <a:t>Thg 12</a:t>
+            </a:r>
+            <a:endParaRPr lang="vi-VN" dirty="0"/>
+          </a:p>
+        </p:txBody>
+      </p:sp>
+      <p:sp>
+        <p:nvSpPr>
+          <p:cNvPr id="40" name="Chỗ dành sẵn cho Văn bản 7">
+            <a:extLst>
+              <a:ext uri="{FF2B5EF4-FFF2-40B4-BE49-F238E27FC236}">
+                <a16:creationId xmlns:a16="http://schemas.microsoft.com/office/drawing/2014/main" xmlns="" id="{822EAD1C-2E2B-45B8-AC27-3017CA0A5E44}"/>
+              </a:ext>
+            </a:extLst>
+          </p:cNvPr>
+          <p:cNvSpPr>
+            <a:spLocks noGrp="1"/>
+          </p:cNvSpPr>
+          <p:nvPr>
+            <p:ph type="body" sz="half" idx="42"/>
+          </p:nvPr>
+        </p:nvSpPr>
+        <p:spPr>
+          <a:xfrm>
+            <a:off x="7752618" y="2791030"/>
+            <a:ext cx="1106424" cy="314428"/>
+          </a:xfrm>
+        </p:spPr>
+        <p:txBody>
+          <a:bodyPr rtlCol="0"/>
+          <a:lstStyle/>
+          <a:p>
+            <a:pPr rtl="0"/>
+            <a:r>
+              <a:rPr lang="en-US" smtClean="0"/>
+              <a:t>12</a:t>
+            </a:r>
+            <a:endParaRPr lang="vi-VN" dirty="0"/>
+          </a:p>
+        </p:txBody>
+      </p:sp>
+      <p:sp>
+        <p:nvSpPr>
+          <p:cNvPr id="41" name="Chỗ dành sẵn cho Văn bản 8">
+            <a:extLst>
+              <a:ext uri="{FF2B5EF4-FFF2-40B4-BE49-F238E27FC236}">
+                <a16:creationId xmlns:a16="http://schemas.microsoft.com/office/drawing/2014/main" xmlns="" id="{C25A7720-FC34-4F1B-8D65-70BB3089B846}"/>
+              </a:ext>
+            </a:extLst>
+          </p:cNvPr>
+          <p:cNvSpPr>
+            <a:spLocks noGrp="1"/>
+          </p:cNvSpPr>
+          <p:nvPr>
+            <p:ph type="body" sz="half" idx="43"/>
+          </p:nvPr>
+        </p:nvSpPr>
+        <p:spPr>
+          <a:xfrm>
+            <a:off x="7752618" y="3033943"/>
+            <a:ext cx="1106424" cy="314427"/>
+          </a:xfrm>
+        </p:spPr>
+        <p:txBody>
+          <a:bodyPr rtlCol="0"/>
+          <a:lstStyle/>
+          <a:p>
+            <a:pPr rtl="0"/>
+            <a:r>
+              <a:rPr lang="en-US" smtClean="0"/>
+              <a:t>Thg 12</a:t>
+            </a:r>
+            <a:endParaRPr lang="vi-VN" dirty="0"/>
+          </a:p>
+        </p:txBody>
+      </p:sp>
+      <p:sp>
+        <p:nvSpPr>
+          <p:cNvPr id="42" name="Chỗ dành sẵn cho Văn bản 7">
+            <a:extLst>
+              <a:ext uri="{FF2B5EF4-FFF2-40B4-BE49-F238E27FC236}">
+                <a16:creationId xmlns:a16="http://schemas.microsoft.com/office/drawing/2014/main" xmlns="" id="{822EAD1C-2E2B-45B8-AC27-3017CA0A5E44}"/>
+              </a:ext>
+            </a:extLst>
+          </p:cNvPr>
+          <p:cNvSpPr>
+            <a:spLocks noGrp="1"/>
+          </p:cNvSpPr>
+          <p:nvPr>
+            <p:ph type="body" sz="half" idx="42"/>
+          </p:nvPr>
+        </p:nvSpPr>
+        <p:spPr>
+          <a:xfrm>
+            <a:off x="9936458" y="2791030"/>
+            <a:ext cx="1106424" cy="314428"/>
+          </a:xfrm>
+        </p:spPr>
+        <p:txBody>
+          <a:bodyPr rtlCol="0"/>
+          <a:lstStyle/>
+          <a:p>
+            <a:pPr rtl="0"/>
+            <a:r>
+              <a:rPr lang="en-US" smtClean="0"/>
+              <a:t>13</a:t>
+            </a:r>
+            <a:endParaRPr lang="vi-VN" dirty="0"/>
+          </a:p>
+        </p:txBody>
+      </p:sp>
+      <p:sp>
+        <p:nvSpPr>
+          <p:cNvPr id="43" name="Chỗ dành sẵn cho Văn bản 8">
+            <a:extLst>
+              <a:ext uri="{FF2B5EF4-FFF2-40B4-BE49-F238E27FC236}">
+                <a16:creationId xmlns:a16="http://schemas.microsoft.com/office/drawing/2014/main" xmlns="" id="{C25A7720-FC34-4F1B-8D65-70BB3089B846}"/>
+              </a:ext>
+            </a:extLst>
+          </p:cNvPr>
+          <p:cNvSpPr>
+            <a:spLocks noGrp="1"/>
+          </p:cNvSpPr>
+          <p:nvPr>
+            <p:ph type="body" sz="half" idx="43"/>
+          </p:nvPr>
+        </p:nvSpPr>
+        <p:spPr>
+          <a:xfrm>
+            <a:off x="9936458" y="3033943"/>
+            <a:ext cx="1106424" cy="314427"/>
+          </a:xfrm>
+        </p:spPr>
+        <p:txBody>
+          <a:bodyPr rtlCol="0"/>
+          <a:lstStyle/>
+          <a:p>
+            <a:pPr rtl="0"/>
+            <a:r>
+              <a:rPr lang="en-US" smtClean="0"/>
+              <a:t>Thg 12</a:t>
+            </a:r>
+            <a:endParaRPr lang="vi-VN" dirty="0"/>
+          </a:p>
+        </p:txBody>
+      </p:sp>
+    </p:spTree>
+    <p:extLst>
+      <p:ext uri="{BB962C8B-B14F-4D97-AF65-F5344CB8AC3E}">
+        <p14:creationId xmlns:p14="http://schemas.microsoft.com/office/powerpoint/2010/main" val="4016413224"/>
+      </p:ext>
+    </p:extLst>
+  </p:cSld>
+  <p:clrMapOvr>
+    <a:masterClrMapping/>
+  </p:clrMapOvr>
+</p:sld>
+</file>
+
+<file path=ppt/slides/slide7.xml><?xml version="1.0" encoding="utf-8"?>
+<p:sld xmlns:a="http://schemas.openxmlformats.org/drawingml/2006/main" xmlns:r="http://schemas.openxmlformats.org/officeDocument/2006/relationships" xmlns:p="http://schemas.openxmlformats.org/presentationml/2006/main">
+  <p:cSld>
+    <p:spTree>
+      <p:nvGrpSpPr>
+        <p:cNvPr id="1" name=""/>
+        <p:cNvGrpSpPr/>
+        <p:nvPr/>
+      </p:nvGrpSpPr>
+      <p:grpSpPr>
+        <a:xfrm>
+          <a:off x="0" y="0"/>
+          <a:ext cx="0" cy="0"/>
+          <a:chOff x="0" y="0"/>
+          <a:chExt cx="0" cy="0"/>
+        </a:xfrm>
+      </p:grpSpPr>
+      <p:sp>
+        <p:nvSpPr>
+          <p:cNvPr id="3" name="Tiêu đề 2">
+            <a:extLst>
+              <a:ext uri="{FF2B5EF4-FFF2-40B4-BE49-F238E27FC236}">
+                <a16:creationId xmlns:a16="http://schemas.microsoft.com/office/drawing/2014/main" xmlns="" id="{FE4C0176-F748-42D4-A25B-71F0C054D3BB}"/>
+              </a:ext>
+            </a:extLst>
+          </p:cNvPr>
+          <p:cNvSpPr>
+            <a:spLocks noGrp="1"/>
+          </p:cNvSpPr>
+          <p:nvPr>
+            <p:ph type="title"/>
+          </p:nvPr>
+        </p:nvSpPr>
+        <p:spPr>
+          <a:xfrm>
+            <a:off x="838206" y="1671791"/>
+            <a:ext cx="10515600" cy="704696"/>
+          </a:xfrm>
+        </p:spPr>
+        <p:txBody>
+          <a:bodyPr rtlCol="0">
+            <a:noAutofit/>
+          </a:bodyPr>
+          <a:lstStyle/>
+          <a:p>
+            <a:pPr rtl="0"/>
+            <a:r>
+              <a:rPr lang="vi-VN" sz="5400"/>
+              <a:t>CẢM </a:t>
+            </a:r>
+            <a:r>
+              <a:rPr lang="vi-VN" sz="5400" smtClean="0"/>
+              <a:t>ƠN</a:t>
+            </a:r>
+            <a:endParaRPr lang="vi-VN" sz="5400" dirty="0"/>
+          </a:p>
+        </p:txBody>
+      </p:sp>
+      <p:graphicFrame>
+        <p:nvGraphicFramePr>
+          <p:cNvPr id="4" name="Bảng 3"/>
+          <p:cNvGraphicFramePr>
+            <a:graphicFrameLocks noGrp="1"/>
+          </p:cNvGraphicFramePr>
+          <p:nvPr>
+            <p:extLst>
+              <p:ext uri="{D42A27DB-BD31-4B8C-83A1-F6EECF244321}">
+                <p14:modId xmlns:p14="http://schemas.microsoft.com/office/powerpoint/2010/main" val="1198586706"/>
+              </p:ext>
+            </p:extLst>
+          </p:nvPr>
+        </p:nvGraphicFramePr>
+        <p:xfrm>
+          <a:off x="2007292" y="5456423"/>
+          <a:ext cx="8127999" cy="741680"/>
+        </p:xfrm>
+        <a:graphic>
+          <a:graphicData uri="http://schemas.openxmlformats.org/drawingml/2006/table">
+            <a:tbl>
+              <a:tblPr firstRow="1" bandRow="1">
+                <a:tableStyleId>{5C22544A-7EE6-4342-B048-85BDC9FD1C3A}</a:tableStyleId>
+              </a:tblPr>
+              <a:tblGrid>
+                <a:gridCol w="2709333"/>
+                <a:gridCol w="2709333"/>
+                <a:gridCol w="2709333"/>
+              </a:tblGrid>
+              <a:tr h="370840">
+                <a:tc gridSpan="3">
+                  <a:txBody>
+                    <a:bodyPr/>
+                    <a:lstStyle/>
+                    <a:p>
+                      <a:pPr algn="ctr"/>
+                      <a:r>
+                        <a:rPr lang="en-US" smtClean="0">
+                          <a:solidFill>
+                            <a:schemeClr val="bg2">
+                              <a:lumMod val="90000"/>
+                            </a:schemeClr>
+                          </a:solidFill>
+                        </a:rPr>
+                        <a:t>THÀNH</a:t>
+                      </a:r>
+                      <a:r>
+                        <a:rPr lang="en-US" baseline="0" smtClean="0">
+                          <a:solidFill>
+                            <a:schemeClr val="bg2">
+                              <a:lumMod val="90000"/>
+                            </a:schemeClr>
+                          </a:solidFill>
+                        </a:rPr>
+                        <a:t> VIÊN NHÓM 8</a:t>
+                      </a:r>
+                      <a:endParaRPr lang="en-US">
+                        <a:solidFill>
+                          <a:schemeClr val="bg2">
+                            <a:lumMod val="90000"/>
+                          </a:schemeClr>
+                        </a:solidFill>
+                      </a:endParaRPr>
+                    </a:p>
+                  </a:txBody>
+                  <a:tcPr/>
+                </a:tc>
+                <a:tc hMerge="1">
+                  <a:txBody>
+                    <a:bodyPr/>
+                    <a:lstStyle/>
+                    <a:p>
                       <a:endParaRPr lang="en-US"/>
+                    </a:p>
+                  </a:txBody>
+                  <a:tcPr/>
+                </a:tc>
+                <a:tc hMerge="1">
+                  <a:txBody>
+                    <a:bodyPr/>
+                    <a:lstStyle/>
+                    <a:p>
+                      <a:endParaRPr lang="en-US"/>
+                    </a:p>
+                  </a:txBody>
+                  <a:tcPr/>
+                </a:tc>
+              </a:tr>
+              <a:tr h="370840">
+                <a:tc>
+                  <a:txBody>
+                    <a:bodyPr/>
+                    <a:lstStyle/>
+                    <a:p>
+                      <a:pPr algn="ctr"/>
+                      <a:r>
+                        <a:rPr lang="en-US" smtClean="0">
+                          <a:solidFill>
+                            <a:schemeClr val="tx2">
+                              <a:lumMod val="50000"/>
+                            </a:schemeClr>
+                          </a:solidFill>
+                        </a:rPr>
+                        <a:t>Lê</a:t>
+                      </a:r>
+                      <a:r>
+                        <a:rPr lang="en-US" baseline="0" smtClean="0">
+                          <a:solidFill>
+                            <a:schemeClr val="tx2">
+                              <a:lumMod val="50000"/>
+                            </a:schemeClr>
+                          </a:solidFill>
+                        </a:rPr>
+                        <a:t> Tuấn Lực</a:t>
+                      </a:r>
+                      <a:endParaRPr lang="en-US">
+                        <a:solidFill>
+                          <a:schemeClr val="tx2">
+                            <a:lumMod val="50000"/>
+                          </a:schemeClr>
+                        </a:solidFill>
+                      </a:endParaRPr>
+                    </a:p>
+                  </a:txBody>
+                  <a:tcPr/>
+                </a:tc>
+                <a:tc>
+                  <a:txBody>
+                    <a:bodyPr/>
+                    <a:lstStyle/>
+                    <a:p>
+                      <a:pPr algn="ctr"/>
+                      <a:r>
+                        <a:rPr lang="en-US" smtClean="0">
+                          <a:solidFill>
+                            <a:schemeClr val="tx2">
+                              <a:lumMod val="50000"/>
+                            </a:schemeClr>
+                          </a:solidFill>
+                        </a:rPr>
+                        <a:t>Lê</a:t>
+                      </a:r>
+                      <a:r>
+                        <a:rPr lang="en-US" baseline="0" smtClean="0">
+                          <a:solidFill>
+                            <a:schemeClr val="tx2">
+                              <a:lumMod val="50000"/>
+                            </a:schemeClr>
+                          </a:solidFill>
+                        </a:rPr>
+                        <a:t> Thành An</a:t>
+                      </a:r>
+                      <a:endParaRPr lang="en-US">
+                        <a:solidFill>
+                          <a:schemeClr val="tx2">
+                            <a:lumMod val="50000"/>
+                          </a:schemeClr>
+                        </a:solidFill>
+                      </a:endParaRPr>
+                    </a:p>
+                  </a:txBody>
+                  <a:tcPr/>
+                </a:tc>
+                <a:tc>
+                  <a:txBody>
+                    <a:bodyPr/>
+                    <a:lstStyle/>
+                    <a:p>
+                      <a:pPr algn="ctr"/>
+                      <a:r>
+                        <a:rPr lang="en-US" smtClean="0">
+                          <a:solidFill>
+                            <a:schemeClr val="tx2">
+                              <a:lumMod val="50000"/>
+                            </a:schemeClr>
+                          </a:solidFill>
+                        </a:rPr>
+                        <a:t>Liên</a:t>
+                      </a:r>
+                      <a:r>
+                        <a:rPr lang="en-US" baseline="0" smtClean="0">
+                          <a:solidFill>
+                            <a:schemeClr val="tx2">
+                              <a:lumMod val="50000"/>
+                            </a:schemeClr>
+                          </a:solidFill>
+                        </a:rPr>
+                        <a:t> Tấn Vững</a:t>
+                      </a:r>
+                      <a:endParaRPr lang="en-US">
+                        <a:solidFill>
+                          <a:schemeClr val="tx2">
+                            <a:lumMod val="50000"/>
+                          </a:schemeClr>
+                        </a:solidFill>
+                      </a:endParaRPr>
                     </a:p>
                   </a:txBody>
                   <a:tcPr/>
